--- a/Learn Python in 45 Minutes Supplement.pptx
+++ b/Learn Python in 45 Minutes Supplement.pptx
@@ -67,7 +67,7 @@
       </p:grpSpPr>
       <p:sp>
         <p:nvSpPr>
-          <p:cNvPr id="26" name="PlaceHolder 1"/>
+          <p:cNvPr id="28" name="PlaceHolder 1"/>
           <p:cNvSpPr>
             <a:spLocks noGrp="1"/>
           </p:cNvSpPr>
@@ -77,8 +77,8 @@
         </p:nvSpPr>
         <p:spPr>
           <a:xfrm>
-            <a:off x="471960" y="738720"/>
-            <a:ext cx="8221680" cy="767520"/>
+            <a:off x="729360" y="1318680"/>
+            <a:ext cx="7688520" cy="534960"/>
           </a:xfrm>
           <a:prstGeom prst="rect">
             <a:avLst/>
@@ -98,7 +98,7 @@
       </p:sp>
       <p:sp>
         <p:nvSpPr>
-          <p:cNvPr id="27" name="PlaceHolder 2"/>
+          <p:cNvPr id="29" name="PlaceHolder 2"/>
           <p:cNvSpPr>
             <a:spLocks noGrp="1"/>
           </p:cNvSpPr>
@@ -108,8 +108,8 @@
         </p:nvSpPr>
         <p:spPr>
           <a:xfrm>
-            <a:off x="471960" y="1919160"/>
-            <a:ext cx="8221680" cy="1292400"/>
+            <a:off x="729360" y="2079000"/>
+            <a:ext cx="7688520" cy="1078200"/>
           </a:xfrm>
           <a:prstGeom prst="rect">
             <a:avLst/>
@@ -131,7 +131,7 @@
       </p:sp>
       <p:sp>
         <p:nvSpPr>
-          <p:cNvPr id="28" name="PlaceHolder 3"/>
+          <p:cNvPr id="30" name="PlaceHolder 3"/>
           <p:cNvSpPr>
             <a:spLocks noGrp="1"/>
           </p:cNvSpPr>
@@ -141,8 +141,8 @@
         </p:nvSpPr>
         <p:spPr>
           <a:xfrm>
-            <a:off x="471960" y="3334680"/>
-            <a:ext cx="8221680" cy="1292400"/>
+            <a:off x="729360" y="3260160"/>
+            <a:ext cx="7688520" cy="1078200"/>
           </a:xfrm>
           <a:prstGeom prst="rect">
             <a:avLst/>
@@ -186,7 +186,7 @@
       </p:grpSpPr>
       <p:sp>
         <p:nvSpPr>
-          <p:cNvPr id="29" name="PlaceHolder 1"/>
+          <p:cNvPr id="31" name="PlaceHolder 1"/>
           <p:cNvSpPr>
             <a:spLocks noGrp="1"/>
           </p:cNvSpPr>
@@ -196,8 +196,8 @@
         </p:nvSpPr>
         <p:spPr>
           <a:xfrm>
-            <a:off x="471960" y="738720"/>
-            <a:ext cx="8221680" cy="767520"/>
+            <a:off x="729360" y="1318680"/>
+            <a:ext cx="7688520" cy="534960"/>
           </a:xfrm>
           <a:prstGeom prst="rect">
             <a:avLst/>
@@ -217,7 +217,7 @@
       </p:sp>
       <p:sp>
         <p:nvSpPr>
-          <p:cNvPr id="30" name="PlaceHolder 2"/>
+          <p:cNvPr id="32" name="PlaceHolder 2"/>
           <p:cNvSpPr>
             <a:spLocks noGrp="1"/>
           </p:cNvSpPr>
@@ -227,8 +227,8 @@
         </p:nvSpPr>
         <p:spPr>
           <a:xfrm>
-            <a:off x="471960" y="1919160"/>
-            <a:ext cx="4011840" cy="1292400"/>
+            <a:off x="729360" y="2079000"/>
+            <a:ext cx="3751920" cy="1078200"/>
           </a:xfrm>
           <a:prstGeom prst="rect">
             <a:avLst/>
@@ -250,7 +250,7 @@
       </p:sp>
       <p:sp>
         <p:nvSpPr>
-          <p:cNvPr id="31" name="PlaceHolder 3"/>
+          <p:cNvPr id="33" name="PlaceHolder 3"/>
           <p:cNvSpPr>
             <a:spLocks noGrp="1"/>
           </p:cNvSpPr>
@@ -260,8 +260,8 @@
         </p:nvSpPr>
         <p:spPr>
           <a:xfrm>
-            <a:off x="4684680" y="1919160"/>
-            <a:ext cx="4011840" cy="1292400"/>
+            <a:off x="4669200" y="2079000"/>
+            <a:ext cx="3751920" cy="1078200"/>
           </a:xfrm>
           <a:prstGeom prst="rect">
             <a:avLst/>
@@ -283,7 +283,7 @@
       </p:sp>
       <p:sp>
         <p:nvSpPr>
-          <p:cNvPr id="32" name="PlaceHolder 4"/>
+          <p:cNvPr id="34" name="PlaceHolder 4"/>
           <p:cNvSpPr>
             <a:spLocks noGrp="1"/>
           </p:cNvSpPr>
@@ -293,8 +293,8 @@
         </p:nvSpPr>
         <p:spPr>
           <a:xfrm>
-            <a:off x="471960" y="3334680"/>
-            <a:ext cx="4011840" cy="1292400"/>
+            <a:off x="729360" y="3260160"/>
+            <a:ext cx="3751920" cy="1078200"/>
           </a:xfrm>
           <a:prstGeom prst="rect">
             <a:avLst/>
@@ -316,7 +316,7 @@
       </p:sp>
       <p:sp>
         <p:nvSpPr>
-          <p:cNvPr id="33" name="PlaceHolder 5"/>
+          <p:cNvPr id="35" name="PlaceHolder 5"/>
           <p:cNvSpPr>
             <a:spLocks noGrp="1"/>
           </p:cNvSpPr>
@@ -326,8 +326,8 @@
         </p:nvSpPr>
         <p:spPr>
           <a:xfrm>
-            <a:off x="4684680" y="3334680"/>
-            <a:ext cx="4011840" cy="1292400"/>
+            <a:off x="4669200" y="3260160"/>
+            <a:ext cx="3751920" cy="1078200"/>
           </a:xfrm>
           <a:prstGeom prst="rect">
             <a:avLst/>
@@ -371,7 +371,7 @@
       </p:grpSpPr>
       <p:sp>
         <p:nvSpPr>
-          <p:cNvPr id="34" name="PlaceHolder 1"/>
+          <p:cNvPr id="36" name="PlaceHolder 1"/>
           <p:cNvSpPr>
             <a:spLocks noGrp="1"/>
           </p:cNvSpPr>
@@ -381,8 +381,8 @@
         </p:nvSpPr>
         <p:spPr>
           <a:xfrm>
-            <a:off x="471960" y="738720"/>
-            <a:ext cx="8221680" cy="767520"/>
+            <a:off x="729360" y="1318680"/>
+            <a:ext cx="7688520" cy="534960"/>
           </a:xfrm>
           <a:prstGeom prst="rect">
             <a:avLst/>
@@ -402,7 +402,7 @@
       </p:sp>
       <p:sp>
         <p:nvSpPr>
-          <p:cNvPr id="35" name="PlaceHolder 2"/>
+          <p:cNvPr id="37" name="PlaceHolder 2"/>
           <p:cNvSpPr>
             <a:spLocks noGrp="1"/>
           </p:cNvSpPr>
@@ -412,8 +412,8 @@
         </p:nvSpPr>
         <p:spPr>
           <a:xfrm>
-            <a:off x="471960" y="1919160"/>
-            <a:ext cx="2647080" cy="1292400"/>
+            <a:off x="729360" y="2079000"/>
+            <a:ext cx="2475360" cy="1078200"/>
           </a:xfrm>
           <a:prstGeom prst="rect">
             <a:avLst/>
@@ -435,7 +435,7 @@
       </p:sp>
       <p:sp>
         <p:nvSpPr>
-          <p:cNvPr id="36" name="PlaceHolder 3"/>
+          <p:cNvPr id="38" name="PlaceHolder 3"/>
           <p:cNvSpPr>
             <a:spLocks noGrp="1"/>
           </p:cNvSpPr>
@@ -445,8 +445,8 @@
         </p:nvSpPr>
         <p:spPr>
           <a:xfrm>
-            <a:off x="3251880" y="1919160"/>
-            <a:ext cx="2647080" cy="1292400"/>
+            <a:off x="3328920" y="2079000"/>
+            <a:ext cx="2475360" cy="1078200"/>
           </a:xfrm>
           <a:prstGeom prst="rect">
             <a:avLst/>
@@ -468,7 +468,7 @@
       </p:sp>
       <p:sp>
         <p:nvSpPr>
-          <p:cNvPr id="37" name="PlaceHolder 4"/>
+          <p:cNvPr id="39" name="PlaceHolder 4"/>
           <p:cNvSpPr>
             <a:spLocks noGrp="1"/>
           </p:cNvSpPr>
@@ -478,8 +478,8 @@
         </p:nvSpPr>
         <p:spPr>
           <a:xfrm>
-            <a:off x="6031440" y="1919160"/>
-            <a:ext cx="2647080" cy="1292400"/>
+            <a:off x="5928480" y="2079000"/>
+            <a:ext cx="2475360" cy="1078200"/>
           </a:xfrm>
           <a:prstGeom prst="rect">
             <a:avLst/>
@@ -501,7 +501,7 @@
       </p:sp>
       <p:sp>
         <p:nvSpPr>
-          <p:cNvPr id="38" name="PlaceHolder 5"/>
+          <p:cNvPr id="40" name="PlaceHolder 5"/>
           <p:cNvSpPr>
             <a:spLocks noGrp="1"/>
           </p:cNvSpPr>
@@ -511,8 +511,8 @@
         </p:nvSpPr>
         <p:spPr>
           <a:xfrm>
-            <a:off x="471960" y="3334680"/>
-            <a:ext cx="2647080" cy="1292400"/>
+            <a:off x="729360" y="3260160"/>
+            <a:ext cx="2475360" cy="1078200"/>
           </a:xfrm>
           <a:prstGeom prst="rect">
             <a:avLst/>
@@ -534,7 +534,7 @@
       </p:sp>
       <p:sp>
         <p:nvSpPr>
-          <p:cNvPr id="39" name="PlaceHolder 6"/>
+          <p:cNvPr id="41" name="PlaceHolder 6"/>
           <p:cNvSpPr>
             <a:spLocks noGrp="1"/>
           </p:cNvSpPr>
@@ -544,8 +544,8 @@
         </p:nvSpPr>
         <p:spPr>
           <a:xfrm>
-            <a:off x="3251880" y="3334680"/>
-            <a:ext cx="2647080" cy="1292400"/>
+            <a:off x="3328920" y="3260160"/>
+            <a:ext cx="2475360" cy="1078200"/>
           </a:xfrm>
           <a:prstGeom prst="rect">
             <a:avLst/>
@@ -567,7 +567,7 @@
       </p:sp>
       <p:sp>
         <p:nvSpPr>
-          <p:cNvPr id="40" name="PlaceHolder 7"/>
+          <p:cNvPr id="42" name="PlaceHolder 7"/>
           <p:cNvSpPr>
             <a:spLocks noGrp="1"/>
           </p:cNvSpPr>
@@ -577,8 +577,8 @@
         </p:nvSpPr>
         <p:spPr>
           <a:xfrm>
-            <a:off x="6031440" y="3334680"/>
-            <a:ext cx="2647080" cy="1292400"/>
+            <a:off x="5928480" y="3260160"/>
+            <a:ext cx="2475360" cy="1078200"/>
           </a:xfrm>
           <a:prstGeom prst="rect">
             <a:avLst/>
@@ -644,7 +644,7 @@
       </p:grpSpPr>
       <p:sp>
         <p:nvSpPr>
-          <p:cNvPr id="46" name="PlaceHolder 1"/>
+          <p:cNvPr id="50" name="PlaceHolder 1"/>
           <p:cNvSpPr>
             <a:spLocks noGrp="1"/>
           </p:cNvSpPr>
@@ -654,8 +654,8 @@
         </p:nvSpPr>
         <p:spPr>
           <a:xfrm>
-            <a:off x="471960" y="738720"/>
-            <a:ext cx="8221680" cy="767520"/>
+            <a:off x="729360" y="1318680"/>
+            <a:ext cx="7688520" cy="534960"/>
           </a:xfrm>
           <a:prstGeom prst="rect">
             <a:avLst/>
@@ -675,7 +675,7 @@
       </p:sp>
       <p:sp>
         <p:nvSpPr>
-          <p:cNvPr id="47" name="PlaceHolder 2"/>
+          <p:cNvPr id="51" name="PlaceHolder 2"/>
           <p:cNvSpPr>
             <a:spLocks noGrp="1"/>
           </p:cNvSpPr>
@@ -685,8 +685,8 @@
         </p:nvSpPr>
         <p:spPr>
           <a:xfrm>
-            <a:off x="471960" y="1919160"/>
-            <a:ext cx="8221680" cy="2709720"/>
+            <a:off x="729360" y="2079000"/>
+            <a:ext cx="7688520" cy="2260800"/>
           </a:xfrm>
           <a:prstGeom prst="rect">
             <a:avLst/>
@@ -726,7 +726,7 @@
       </p:grpSpPr>
       <p:sp>
         <p:nvSpPr>
-          <p:cNvPr id="48" name="PlaceHolder 1"/>
+          <p:cNvPr id="52" name="PlaceHolder 1"/>
           <p:cNvSpPr>
             <a:spLocks noGrp="1"/>
           </p:cNvSpPr>
@@ -736,8 +736,8 @@
         </p:nvSpPr>
         <p:spPr>
           <a:xfrm>
-            <a:off x="471960" y="738720"/>
-            <a:ext cx="8221680" cy="767520"/>
+            <a:off x="729360" y="1318680"/>
+            <a:ext cx="7688520" cy="534960"/>
           </a:xfrm>
           <a:prstGeom prst="rect">
             <a:avLst/>
@@ -757,7 +757,7 @@
       </p:sp>
       <p:sp>
         <p:nvSpPr>
-          <p:cNvPr id="49" name="PlaceHolder 2"/>
+          <p:cNvPr id="53" name="PlaceHolder 2"/>
           <p:cNvSpPr>
             <a:spLocks noGrp="1"/>
           </p:cNvSpPr>
@@ -767,8 +767,8 @@
         </p:nvSpPr>
         <p:spPr>
           <a:xfrm>
-            <a:off x="471960" y="1919160"/>
-            <a:ext cx="8221680" cy="2709720"/>
+            <a:off x="729360" y="2079000"/>
+            <a:ext cx="7688520" cy="2260800"/>
           </a:xfrm>
           <a:prstGeom prst="rect">
             <a:avLst/>
@@ -812,7 +812,7 @@
       </p:grpSpPr>
       <p:sp>
         <p:nvSpPr>
-          <p:cNvPr id="50" name="PlaceHolder 1"/>
+          <p:cNvPr id="54" name="PlaceHolder 1"/>
           <p:cNvSpPr>
             <a:spLocks noGrp="1"/>
           </p:cNvSpPr>
@@ -822,8 +822,8 @@
         </p:nvSpPr>
         <p:spPr>
           <a:xfrm>
-            <a:off x="471960" y="738720"/>
-            <a:ext cx="8221680" cy="767520"/>
+            <a:off x="729360" y="1318680"/>
+            <a:ext cx="7688520" cy="534960"/>
           </a:xfrm>
           <a:prstGeom prst="rect">
             <a:avLst/>
@@ -843,7 +843,7 @@
       </p:sp>
       <p:sp>
         <p:nvSpPr>
-          <p:cNvPr id="51" name="PlaceHolder 2"/>
+          <p:cNvPr id="55" name="PlaceHolder 2"/>
           <p:cNvSpPr>
             <a:spLocks noGrp="1"/>
           </p:cNvSpPr>
@@ -853,8 +853,8 @@
         </p:nvSpPr>
         <p:spPr>
           <a:xfrm>
-            <a:off x="471960" y="1919160"/>
-            <a:ext cx="4011840" cy="2709720"/>
+            <a:off x="729360" y="2079000"/>
+            <a:ext cx="3751920" cy="2260800"/>
           </a:xfrm>
           <a:prstGeom prst="rect">
             <a:avLst/>
@@ -876,7 +876,7 @@
       </p:sp>
       <p:sp>
         <p:nvSpPr>
-          <p:cNvPr id="52" name="PlaceHolder 3"/>
+          <p:cNvPr id="56" name="PlaceHolder 3"/>
           <p:cNvSpPr>
             <a:spLocks noGrp="1"/>
           </p:cNvSpPr>
@@ -886,8 +886,8 @@
         </p:nvSpPr>
         <p:spPr>
           <a:xfrm>
-            <a:off x="4684680" y="1919160"/>
-            <a:ext cx="4011840" cy="2709720"/>
+            <a:off x="4669200" y="2079000"/>
+            <a:ext cx="3751920" cy="2260800"/>
           </a:xfrm>
           <a:prstGeom prst="rect">
             <a:avLst/>
@@ -931,7 +931,7 @@
       </p:grpSpPr>
       <p:sp>
         <p:nvSpPr>
-          <p:cNvPr id="53" name="PlaceHolder 1"/>
+          <p:cNvPr id="57" name="PlaceHolder 1"/>
           <p:cNvSpPr>
             <a:spLocks noGrp="1"/>
           </p:cNvSpPr>
@@ -941,8 +941,8 @@
         </p:nvSpPr>
         <p:spPr>
           <a:xfrm>
-            <a:off x="471960" y="738720"/>
-            <a:ext cx="8221680" cy="767520"/>
+            <a:off x="729360" y="1318680"/>
+            <a:ext cx="7688520" cy="534960"/>
           </a:xfrm>
           <a:prstGeom prst="rect">
             <a:avLst/>
@@ -984,7 +984,7 @@
       </p:grpSpPr>
       <p:sp>
         <p:nvSpPr>
-          <p:cNvPr id="54" name="PlaceHolder 1"/>
+          <p:cNvPr id="58" name="PlaceHolder 1"/>
           <p:cNvSpPr>
             <a:spLocks noGrp="1"/>
           </p:cNvSpPr>
@@ -994,8 +994,8 @@
         </p:nvSpPr>
         <p:spPr>
           <a:xfrm>
-            <a:off x="471960" y="738720"/>
-            <a:ext cx="8221680" cy="3558960"/>
+            <a:off x="729360" y="1318680"/>
+            <a:ext cx="7688520" cy="2481120"/>
           </a:xfrm>
           <a:prstGeom prst="rect">
             <a:avLst/>
@@ -1035,7 +1035,7 @@
       </p:grpSpPr>
       <p:sp>
         <p:nvSpPr>
-          <p:cNvPr id="55" name="PlaceHolder 1"/>
+          <p:cNvPr id="59" name="PlaceHolder 1"/>
           <p:cNvSpPr>
             <a:spLocks noGrp="1"/>
           </p:cNvSpPr>
@@ -1045,8 +1045,8 @@
         </p:nvSpPr>
         <p:spPr>
           <a:xfrm>
-            <a:off x="471960" y="738720"/>
-            <a:ext cx="8221680" cy="767520"/>
+            <a:off x="729360" y="1318680"/>
+            <a:ext cx="7688520" cy="534960"/>
           </a:xfrm>
           <a:prstGeom prst="rect">
             <a:avLst/>
@@ -1066,7 +1066,7 @@
       </p:sp>
       <p:sp>
         <p:nvSpPr>
-          <p:cNvPr id="56" name="PlaceHolder 2"/>
+          <p:cNvPr id="60" name="PlaceHolder 2"/>
           <p:cNvSpPr>
             <a:spLocks noGrp="1"/>
           </p:cNvSpPr>
@@ -1076,8 +1076,8 @@
         </p:nvSpPr>
         <p:spPr>
           <a:xfrm>
-            <a:off x="471960" y="1919160"/>
-            <a:ext cx="4011840" cy="1292400"/>
+            <a:off x="729360" y="2079000"/>
+            <a:ext cx="3751920" cy="1078200"/>
           </a:xfrm>
           <a:prstGeom prst="rect">
             <a:avLst/>
@@ -1099,7 +1099,7 @@
       </p:sp>
       <p:sp>
         <p:nvSpPr>
-          <p:cNvPr id="57" name="PlaceHolder 3"/>
+          <p:cNvPr id="61" name="PlaceHolder 3"/>
           <p:cNvSpPr>
             <a:spLocks noGrp="1"/>
           </p:cNvSpPr>
@@ -1109,8 +1109,8 @@
         </p:nvSpPr>
         <p:spPr>
           <a:xfrm>
-            <a:off x="4684680" y="1919160"/>
-            <a:ext cx="4011840" cy="2709720"/>
+            <a:off x="4669200" y="2079000"/>
+            <a:ext cx="3751920" cy="2260800"/>
           </a:xfrm>
           <a:prstGeom prst="rect">
             <a:avLst/>
@@ -1132,7 +1132,7 @@
       </p:sp>
       <p:sp>
         <p:nvSpPr>
-          <p:cNvPr id="58" name="PlaceHolder 4"/>
+          <p:cNvPr id="62" name="PlaceHolder 4"/>
           <p:cNvSpPr>
             <a:spLocks noGrp="1"/>
           </p:cNvSpPr>
@@ -1142,8 +1142,8 @@
         </p:nvSpPr>
         <p:spPr>
           <a:xfrm>
-            <a:off x="471960" y="3334680"/>
-            <a:ext cx="4011840" cy="1292400"/>
+            <a:off x="729360" y="3260160"/>
+            <a:ext cx="3751920" cy="1078200"/>
           </a:xfrm>
           <a:prstGeom prst="rect">
             <a:avLst/>
@@ -1187,7 +1187,7 @@
       </p:grpSpPr>
       <p:sp>
         <p:nvSpPr>
-          <p:cNvPr id="5" name="PlaceHolder 1"/>
+          <p:cNvPr id="7" name="PlaceHolder 1"/>
           <p:cNvSpPr>
             <a:spLocks noGrp="1"/>
           </p:cNvSpPr>
@@ -1197,8 +1197,8 @@
         </p:nvSpPr>
         <p:spPr>
           <a:xfrm>
-            <a:off x="471960" y="738720"/>
-            <a:ext cx="8221680" cy="767520"/>
+            <a:off x="729360" y="1318680"/>
+            <a:ext cx="7688520" cy="534960"/>
           </a:xfrm>
           <a:prstGeom prst="rect">
             <a:avLst/>
@@ -1218,7 +1218,7 @@
       </p:sp>
       <p:sp>
         <p:nvSpPr>
-          <p:cNvPr id="6" name="PlaceHolder 2"/>
+          <p:cNvPr id="8" name="PlaceHolder 2"/>
           <p:cNvSpPr>
             <a:spLocks noGrp="1"/>
           </p:cNvSpPr>
@@ -1228,8 +1228,8 @@
         </p:nvSpPr>
         <p:spPr>
           <a:xfrm>
-            <a:off x="471960" y="1919160"/>
-            <a:ext cx="8221680" cy="2709720"/>
+            <a:off x="729360" y="2079000"/>
+            <a:ext cx="7688520" cy="2260800"/>
           </a:xfrm>
           <a:prstGeom prst="rect">
             <a:avLst/>
@@ -1269,7 +1269,7 @@
       </p:grpSpPr>
       <p:sp>
         <p:nvSpPr>
-          <p:cNvPr id="59" name="PlaceHolder 1"/>
+          <p:cNvPr id="63" name="PlaceHolder 1"/>
           <p:cNvSpPr>
             <a:spLocks noGrp="1"/>
           </p:cNvSpPr>
@@ -1279,8 +1279,8 @@
         </p:nvSpPr>
         <p:spPr>
           <a:xfrm>
-            <a:off x="471960" y="738720"/>
-            <a:ext cx="8221680" cy="767520"/>
+            <a:off x="729360" y="1318680"/>
+            <a:ext cx="7688520" cy="534960"/>
           </a:xfrm>
           <a:prstGeom prst="rect">
             <a:avLst/>
@@ -1300,7 +1300,7 @@
       </p:sp>
       <p:sp>
         <p:nvSpPr>
-          <p:cNvPr id="60" name="PlaceHolder 2"/>
+          <p:cNvPr id="64" name="PlaceHolder 2"/>
           <p:cNvSpPr>
             <a:spLocks noGrp="1"/>
           </p:cNvSpPr>
@@ -1310,8 +1310,8 @@
         </p:nvSpPr>
         <p:spPr>
           <a:xfrm>
-            <a:off x="471960" y="1919160"/>
-            <a:ext cx="4011840" cy="2709720"/>
+            <a:off x="729360" y="2079000"/>
+            <a:ext cx="3751920" cy="2260800"/>
           </a:xfrm>
           <a:prstGeom prst="rect">
             <a:avLst/>
@@ -1333,7 +1333,7 @@
       </p:sp>
       <p:sp>
         <p:nvSpPr>
-          <p:cNvPr id="61" name="PlaceHolder 3"/>
+          <p:cNvPr id="65" name="PlaceHolder 3"/>
           <p:cNvSpPr>
             <a:spLocks noGrp="1"/>
           </p:cNvSpPr>
@@ -1343,8 +1343,8 @@
         </p:nvSpPr>
         <p:spPr>
           <a:xfrm>
-            <a:off x="4684680" y="1919160"/>
-            <a:ext cx="4011840" cy="1292400"/>
+            <a:off x="4669200" y="2079000"/>
+            <a:ext cx="3751920" cy="1078200"/>
           </a:xfrm>
           <a:prstGeom prst="rect">
             <a:avLst/>
@@ -1366,7 +1366,7 @@
       </p:sp>
       <p:sp>
         <p:nvSpPr>
-          <p:cNvPr id="62" name="PlaceHolder 4"/>
+          <p:cNvPr id="66" name="PlaceHolder 4"/>
           <p:cNvSpPr>
             <a:spLocks noGrp="1"/>
           </p:cNvSpPr>
@@ -1376,8 +1376,8 @@
         </p:nvSpPr>
         <p:spPr>
           <a:xfrm>
-            <a:off x="4684680" y="3334680"/>
-            <a:ext cx="4011840" cy="1292400"/>
+            <a:off x="4669200" y="3260160"/>
+            <a:ext cx="3751920" cy="1078200"/>
           </a:xfrm>
           <a:prstGeom prst="rect">
             <a:avLst/>
@@ -1421,7 +1421,7 @@
       </p:grpSpPr>
       <p:sp>
         <p:nvSpPr>
-          <p:cNvPr id="63" name="PlaceHolder 1"/>
+          <p:cNvPr id="67" name="PlaceHolder 1"/>
           <p:cNvSpPr>
             <a:spLocks noGrp="1"/>
           </p:cNvSpPr>
@@ -1431,8 +1431,8 @@
         </p:nvSpPr>
         <p:spPr>
           <a:xfrm>
-            <a:off x="471960" y="738720"/>
-            <a:ext cx="8221680" cy="767520"/>
+            <a:off x="729360" y="1318680"/>
+            <a:ext cx="7688520" cy="534960"/>
           </a:xfrm>
           <a:prstGeom prst="rect">
             <a:avLst/>
@@ -1452,7 +1452,7 @@
       </p:sp>
       <p:sp>
         <p:nvSpPr>
-          <p:cNvPr id="64" name="PlaceHolder 2"/>
+          <p:cNvPr id="68" name="PlaceHolder 2"/>
           <p:cNvSpPr>
             <a:spLocks noGrp="1"/>
           </p:cNvSpPr>
@@ -1462,8 +1462,8 @@
         </p:nvSpPr>
         <p:spPr>
           <a:xfrm>
-            <a:off x="471960" y="1919160"/>
-            <a:ext cx="4011840" cy="1292400"/>
+            <a:off x="729360" y="2079000"/>
+            <a:ext cx="3751920" cy="1078200"/>
           </a:xfrm>
           <a:prstGeom prst="rect">
             <a:avLst/>
@@ -1485,7 +1485,7 @@
       </p:sp>
       <p:sp>
         <p:nvSpPr>
-          <p:cNvPr id="65" name="PlaceHolder 3"/>
+          <p:cNvPr id="69" name="PlaceHolder 3"/>
           <p:cNvSpPr>
             <a:spLocks noGrp="1"/>
           </p:cNvSpPr>
@@ -1495,8 +1495,8 @@
         </p:nvSpPr>
         <p:spPr>
           <a:xfrm>
-            <a:off x="4684680" y="1919160"/>
-            <a:ext cx="4011840" cy="1292400"/>
+            <a:off x="4669200" y="2079000"/>
+            <a:ext cx="3751920" cy="1078200"/>
           </a:xfrm>
           <a:prstGeom prst="rect">
             <a:avLst/>
@@ -1518,7 +1518,7 @@
       </p:sp>
       <p:sp>
         <p:nvSpPr>
-          <p:cNvPr id="66" name="PlaceHolder 4"/>
+          <p:cNvPr id="70" name="PlaceHolder 4"/>
           <p:cNvSpPr>
             <a:spLocks noGrp="1"/>
           </p:cNvSpPr>
@@ -1528,8 +1528,8 @@
         </p:nvSpPr>
         <p:spPr>
           <a:xfrm>
-            <a:off x="471960" y="3334680"/>
-            <a:ext cx="8221680" cy="1292400"/>
+            <a:off x="729360" y="3260160"/>
+            <a:ext cx="7688520" cy="1078200"/>
           </a:xfrm>
           <a:prstGeom prst="rect">
             <a:avLst/>
@@ -1573,7 +1573,7 @@
       </p:grpSpPr>
       <p:sp>
         <p:nvSpPr>
-          <p:cNvPr id="67" name="PlaceHolder 1"/>
+          <p:cNvPr id="71" name="PlaceHolder 1"/>
           <p:cNvSpPr>
             <a:spLocks noGrp="1"/>
           </p:cNvSpPr>
@@ -1583,8 +1583,8 @@
         </p:nvSpPr>
         <p:spPr>
           <a:xfrm>
-            <a:off x="471960" y="738720"/>
-            <a:ext cx="8221680" cy="767520"/>
+            <a:off x="729360" y="1318680"/>
+            <a:ext cx="7688520" cy="534960"/>
           </a:xfrm>
           <a:prstGeom prst="rect">
             <a:avLst/>
@@ -1604,7 +1604,7 @@
       </p:sp>
       <p:sp>
         <p:nvSpPr>
-          <p:cNvPr id="68" name="PlaceHolder 2"/>
+          <p:cNvPr id="72" name="PlaceHolder 2"/>
           <p:cNvSpPr>
             <a:spLocks noGrp="1"/>
           </p:cNvSpPr>
@@ -1614,8 +1614,8 @@
         </p:nvSpPr>
         <p:spPr>
           <a:xfrm>
-            <a:off x="471960" y="1919160"/>
-            <a:ext cx="8221680" cy="1292400"/>
+            <a:off x="729360" y="2079000"/>
+            <a:ext cx="7688520" cy="1078200"/>
           </a:xfrm>
           <a:prstGeom prst="rect">
             <a:avLst/>
@@ -1637,7 +1637,7 @@
       </p:sp>
       <p:sp>
         <p:nvSpPr>
-          <p:cNvPr id="69" name="PlaceHolder 3"/>
+          <p:cNvPr id="73" name="PlaceHolder 3"/>
           <p:cNvSpPr>
             <a:spLocks noGrp="1"/>
           </p:cNvSpPr>
@@ -1647,8 +1647,8 @@
         </p:nvSpPr>
         <p:spPr>
           <a:xfrm>
-            <a:off x="471960" y="3334680"/>
-            <a:ext cx="8221680" cy="1292400"/>
+            <a:off x="729360" y="3260160"/>
+            <a:ext cx="7688520" cy="1078200"/>
           </a:xfrm>
           <a:prstGeom prst="rect">
             <a:avLst/>
@@ -1692,7 +1692,7 @@
       </p:grpSpPr>
       <p:sp>
         <p:nvSpPr>
-          <p:cNvPr id="70" name="PlaceHolder 1"/>
+          <p:cNvPr id="74" name="PlaceHolder 1"/>
           <p:cNvSpPr>
             <a:spLocks noGrp="1"/>
           </p:cNvSpPr>
@@ -1702,8 +1702,8 @@
         </p:nvSpPr>
         <p:spPr>
           <a:xfrm>
-            <a:off x="471960" y="738720"/>
-            <a:ext cx="8221680" cy="767520"/>
+            <a:off x="729360" y="1318680"/>
+            <a:ext cx="7688520" cy="534960"/>
           </a:xfrm>
           <a:prstGeom prst="rect">
             <a:avLst/>
@@ -1723,7 +1723,7 @@
       </p:sp>
       <p:sp>
         <p:nvSpPr>
-          <p:cNvPr id="71" name="PlaceHolder 2"/>
+          <p:cNvPr id="75" name="PlaceHolder 2"/>
           <p:cNvSpPr>
             <a:spLocks noGrp="1"/>
           </p:cNvSpPr>
@@ -1733,8 +1733,8 @@
         </p:nvSpPr>
         <p:spPr>
           <a:xfrm>
-            <a:off x="471960" y="1919160"/>
-            <a:ext cx="4011840" cy="1292400"/>
+            <a:off x="729360" y="2079000"/>
+            <a:ext cx="3751920" cy="1078200"/>
           </a:xfrm>
           <a:prstGeom prst="rect">
             <a:avLst/>
@@ -1756,7 +1756,7 @@
       </p:sp>
       <p:sp>
         <p:nvSpPr>
-          <p:cNvPr id="72" name="PlaceHolder 3"/>
+          <p:cNvPr id="76" name="PlaceHolder 3"/>
           <p:cNvSpPr>
             <a:spLocks noGrp="1"/>
           </p:cNvSpPr>
@@ -1766,8 +1766,8 @@
         </p:nvSpPr>
         <p:spPr>
           <a:xfrm>
-            <a:off x="4684680" y="1919160"/>
-            <a:ext cx="4011840" cy="1292400"/>
+            <a:off x="4669200" y="2079000"/>
+            <a:ext cx="3751920" cy="1078200"/>
           </a:xfrm>
           <a:prstGeom prst="rect">
             <a:avLst/>
@@ -1789,7 +1789,7 @@
       </p:sp>
       <p:sp>
         <p:nvSpPr>
-          <p:cNvPr id="73" name="PlaceHolder 4"/>
+          <p:cNvPr id="77" name="PlaceHolder 4"/>
           <p:cNvSpPr>
             <a:spLocks noGrp="1"/>
           </p:cNvSpPr>
@@ -1799,8 +1799,8 @@
         </p:nvSpPr>
         <p:spPr>
           <a:xfrm>
-            <a:off x="471960" y="3334680"/>
-            <a:ext cx="4011840" cy="1292400"/>
+            <a:off x="729360" y="3260160"/>
+            <a:ext cx="3751920" cy="1078200"/>
           </a:xfrm>
           <a:prstGeom prst="rect">
             <a:avLst/>
@@ -1822,7 +1822,7 @@
       </p:sp>
       <p:sp>
         <p:nvSpPr>
-          <p:cNvPr id="74" name="PlaceHolder 5"/>
+          <p:cNvPr id="78" name="PlaceHolder 5"/>
           <p:cNvSpPr>
             <a:spLocks noGrp="1"/>
           </p:cNvSpPr>
@@ -1832,8 +1832,8 @@
         </p:nvSpPr>
         <p:spPr>
           <a:xfrm>
-            <a:off x="4684680" y="3334680"/>
-            <a:ext cx="4011840" cy="1292400"/>
+            <a:off x="4669200" y="3260160"/>
+            <a:ext cx="3751920" cy="1078200"/>
           </a:xfrm>
           <a:prstGeom prst="rect">
             <a:avLst/>
@@ -1877,7 +1877,7 @@
       </p:grpSpPr>
       <p:sp>
         <p:nvSpPr>
-          <p:cNvPr id="75" name="PlaceHolder 1"/>
+          <p:cNvPr id="79" name="PlaceHolder 1"/>
           <p:cNvSpPr>
             <a:spLocks noGrp="1"/>
           </p:cNvSpPr>
@@ -1887,8 +1887,8 @@
         </p:nvSpPr>
         <p:spPr>
           <a:xfrm>
-            <a:off x="471960" y="738720"/>
-            <a:ext cx="8221680" cy="767520"/>
+            <a:off x="729360" y="1318680"/>
+            <a:ext cx="7688520" cy="534960"/>
           </a:xfrm>
           <a:prstGeom prst="rect">
             <a:avLst/>
@@ -1908,7 +1908,7 @@
       </p:sp>
       <p:sp>
         <p:nvSpPr>
-          <p:cNvPr id="76" name="PlaceHolder 2"/>
+          <p:cNvPr id="80" name="PlaceHolder 2"/>
           <p:cNvSpPr>
             <a:spLocks noGrp="1"/>
           </p:cNvSpPr>
@@ -1918,8 +1918,8 @@
         </p:nvSpPr>
         <p:spPr>
           <a:xfrm>
-            <a:off x="471960" y="1919160"/>
-            <a:ext cx="2647080" cy="1292400"/>
+            <a:off x="729360" y="2079000"/>
+            <a:ext cx="2475360" cy="1078200"/>
           </a:xfrm>
           <a:prstGeom prst="rect">
             <a:avLst/>
@@ -1941,7 +1941,7 @@
       </p:sp>
       <p:sp>
         <p:nvSpPr>
-          <p:cNvPr id="77" name="PlaceHolder 3"/>
+          <p:cNvPr id="81" name="PlaceHolder 3"/>
           <p:cNvSpPr>
             <a:spLocks noGrp="1"/>
           </p:cNvSpPr>
@@ -1951,8 +1951,8 @@
         </p:nvSpPr>
         <p:spPr>
           <a:xfrm>
-            <a:off x="3251880" y="1919160"/>
-            <a:ext cx="2647080" cy="1292400"/>
+            <a:off x="3328920" y="2079000"/>
+            <a:ext cx="2475360" cy="1078200"/>
           </a:xfrm>
           <a:prstGeom prst="rect">
             <a:avLst/>
@@ -1974,7 +1974,7 @@
       </p:sp>
       <p:sp>
         <p:nvSpPr>
-          <p:cNvPr id="78" name="PlaceHolder 4"/>
+          <p:cNvPr id="82" name="PlaceHolder 4"/>
           <p:cNvSpPr>
             <a:spLocks noGrp="1"/>
           </p:cNvSpPr>
@@ -1984,8 +1984,8 @@
         </p:nvSpPr>
         <p:spPr>
           <a:xfrm>
-            <a:off x="6031440" y="1919160"/>
-            <a:ext cx="2647080" cy="1292400"/>
+            <a:off x="5928480" y="2079000"/>
+            <a:ext cx="2475360" cy="1078200"/>
           </a:xfrm>
           <a:prstGeom prst="rect">
             <a:avLst/>
@@ -2007,7 +2007,7 @@
       </p:sp>
       <p:sp>
         <p:nvSpPr>
-          <p:cNvPr id="79" name="PlaceHolder 5"/>
+          <p:cNvPr id="83" name="PlaceHolder 5"/>
           <p:cNvSpPr>
             <a:spLocks noGrp="1"/>
           </p:cNvSpPr>
@@ -2017,8 +2017,8 @@
         </p:nvSpPr>
         <p:spPr>
           <a:xfrm>
-            <a:off x="471960" y="3334680"/>
-            <a:ext cx="2647080" cy="1292400"/>
+            <a:off x="729360" y="3260160"/>
+            <a:ext cx="2475360" cy="1078200"/>
           </a:xfrm>
           <a:prstGeom prst="rect">
             <a:avLst/>
@@ -2040,7 +2040,7 @@
       </p:sp>
       <p:sp>
         <p:nvSpPr>
-          <p:cNvPr id="80" name="PlaceHolder 6"/>
+          <p:cNvPr id="84" name="PlaceHolder 6"/>
           <p:cNvSpPr>
             <a:spLocks noGrp="1"/>
           </p:cNvSpPr>
@@ -2050,8 +2050,8 @@
         </p:nvSpPr>
         <p:spPr>
           <a:xfrm>
-            <a:off x="3251880" y="3334680"/>
-            <a:ext cx="2647080" cy="1292400"/>
+            <a:off x="3328920" y="3260160"/>
+            <a:ext cx="2475360" cy="1078200"/>
           </a:xfrm>
           <a:prstGeom prst="rect">
             <a:avLst/>
@@ -2073,7 +2073,7 @@
       </p:sp>
       <p:sp>
         <p:nvSpPr>
-          <p:cNvPr id="81" name="PlaceHolder 7"/>
+          <p:cNvPr id="85" name="PlaceHolder 7"/>
           <p:cNvSpPr>
             <a:spLocks noGrp="1"/>
           </p:cNvSpPr>
@@ -2083,8 +2083,8 @@
         </p:nvSpPr>
         <p:spPr>
           <a:xfrm>
-            <a:off x="6031440" y="3334680"/>
-            <a:ext cx="2647080" cy="1292400"/>
+            <a:off x="5928480" y="3260160"/>
+            <a:ext cx="2475360" cy="1078200"/>
           </a:xfrm>
           <a:prstGeom prst="rect">
             <a:avLst/>
@@ -2128,7 +2128,7 @@
       </p:grpSpPr>
       <p:sp>
         <p:nvSpPr>
-          <p:cNvPr id="7" name="PlaceHolder 1"/>
+          <p:cNvPr id="9" name="PlaceHolder 1"/>
           <p:cNvSpPr>
             <a:spLocks noGrp="1"/>
           </p:cNvSpPr>
@@ -2138,8 +2138,8 @@
         </p:nvSpPr>
         <p:spPr>
           <a:xfrm>
-            <a:off x="471960" y="738720"/>
-            <a:ext cx="8221680" cy="767520"/>
+            <a:off x="729360" y="1318680"/>
+            <a:ext cx="7688520" cy="534960"/>
           </a:xfrm>
           <a:prstGeom prst="rect">
             <a:avLst/>
@@ -2159,7 +2159,7 @@
       </p:sp>
       <p:sp>
         <p:nvSpPr>
-          <p:cNvPr id="8" name="PlaceHolder 2"/>
+          <p:cNvPr id="10" name="PlaceHolder 2"/>
           <p:cNvSpPr>
             <a:spLocks noGrp="1"/>
           </p:cNvSpPr>
@@ -2169,8 +2169,8 @@
         </p:nvSpPr>
         <p:spPr>
           <a:xfrm>
-            <a:off x="471960" y="1919160"/>
-            <a:ext cx="8221680" cy="2709720"/>
+            <a:off x="729360" y="2079000"/>
+            <a:ext cx="7688520" cy="2260800"/>
           </a:xfrm>
           <a:prstGeom prst="rect">
             <a:avLst/>
@@ -2214,7 +2214,7 @@
       </p:grpSpPr>
       <p:sp>
         <p:nvSpPr>
-          <p:cNvPr id="9" name="PlaceHolder 1"/>
+          <p:cNvPr id="11" name="PlaceHolder 1"/>
           <p:cNvSpPr>
             <a:spLocks noGrp="1"/>
           </p:cNvSpPr>
@@ -2224,8 +2224,8 @@
         </p:nvSpPr>
         <p:spPr>
           <a:xfrm>
-            <a:off x="471960" y="738720"/>
-            <a:ext cx="8221680" cy="767520"/>
+            <a:off x="729360" y="1318680"/>
+            <a:ext cx="7688520" cy="534960"/>
           </a:xfrm>
           <a:prstGeom prst="rect">
             <a:avLst/>
@@ -2245,7 +2245,7 @@
       </p:sp>
       <p:sp>
         <p:nvSpPr>
-          <p:cNvPr id="10" name="PlaceHolder 2"/>
+          <p:cNvPr id="12" name="PlaceHolder 2"/>
           <p:cNvSpPr>
             <a:spLocks noGrp="1"/>
           </p:cNvSpPr>
@@ -2255,8 +2255,8 @@
         </p:nvSpPr>
         <p:spPr>
           <a:xfrm>
-            <a:off x="471960" y="1919160"/>
-            <a:ext cx="4011840" cy="2709720"/>
+            <a:off x="729360" y="2079000"/>
+            <a:ext cx="3751920" cy="2260800"/>
           </a:xfrm>
           <a:prstGeom prst="rect">
             <a:avLst/>
@@ -2278,7 +2278,7 @@
       </p:sp>
       <p:sp>
         <p:nvSpPr>
-          <p:cNvPr id="11" name="PlaceHolder 3"/>
+          <p:cNvPr id="13" name="PlaceHolder 3"/>
           <p:cNvSpPr>
             <a:spLocks noGrp="1"/>
           </p:cNvSpPr>
@@ -2288,8 +2288,8 @@
         </p:nvSpPr>
         <p:spPr>
           <a:xfrm>
-            <a:off x="4684680" y="1919160"/>
-            <a:ext cx="4011840" cy="2709720"/>
+            <a:off x="4669200" y="2079000"/>
+            <a:ext cx="3751920" cy="2260800"/>
           </a:xfrm>
           <a:prstGeom prst="rect">
             <a:avLst/>
@@ -2333,7 +2333,7 @@
       </p:grpSpPr>
       <p:sp>
         <p:nvSpPr>
-          <p:cNvPr id="12" name="PlaceHolder 1"/>
+          <p:cNvPr id="14" name="PlaceHolder 1"/>
           <p:cNvSpPr>
             <a:spLocks noGrp="1"/>
           </p:cNvSpPr>
@@ -2343,8 +2343,8 @@
         </p:nvSpPr>
         <p:spPr>
           <a:xfrm>
-            <a:off x="471960" y="738720"/>
-            <a:ext cx="8221680" cy="767520"/>
+            <a:off x="729360" y="1318680"/>
+            <a:ext cx="7688520" cy="534960"/>
           </a:xfrm>
           <a:prstGeom prst="rect">
             <a:avLst/>
@@ -2386,7 +2386,7 @@
       </p:grpSpPr>
       <p:sp>
         <p:nvSpPr>
-          <p:cNvPr id="13" name="PlaceHolder 1"/>
+          <p:cNvPr id="15" name="PlaceHolder 1"/>
           <p:cNvSpPr>
             <a:spLocks noGrp="1"/>
           </p:cNvSpPr>
@@ -2396,8 +2396,8 @@
         </p:nvSpPr>
         <p:spPr>
           <a:xfrm>
-            <a:off x="471960" y="738720"/>
-            <a:ext cx="8221680" cy="3558960"/>
+            <a:off x="729360" y="1318680"/>
+            <a:ext cx="7688520" cy="2481120"/>
           </a:xfrm>
           <a:prstGeom prst="rect">
             <a:avLst/>
@@ -2437,7 +2437,7 @@
       </p:grpSpPr>
       <p:sp>
         <p:nvSpPr>
-          <p:cNvPr id="14" name="PlaceHolder 1"/>
+          <p:cNvPr id="16" name="PlaceHolder 1"/>
           <p:cNvSpPr>
             <a:spLocks noGrp="1"/>
           </p:cNvSpPr>
@@ -2447,8 +2447,8 @@
         </p:nvSpPr>
         <p:spPr>
           <a:xfrm>
-            <a:off x="471960" y="738720"/>
-            <a:ext cx="8221680" cy="767520"/>
+            <a:off x="729360" y="1318680"/>
+            <a:ext cx="7688520" cy="534960"/>
           </a:xfrm>
           <a:prstGeom prst="rect">
             <a:avLst/>
@@ -2468,7 +2468,7 @@
       </p:sp>
       <p:sp>
         <p:nvSpPr>
-          <p:cNvPr id="15" name="PlaceHolder 2"/>
+          <p:cNvPr id="17" name="PlaceHolder 2"/>
           <p:cNvSpPr>
             <a:spLocks noGrp="1"/>
           </p:cNvSpPr>
@@ -2478,8 +2478,8 @@
         </p:nvSpPr>
         <p:spPr>
           <a:xfrm>
-            <a:off x="471960" y="1919160"/>
-            <a:ext cx="4011840" cy="1292400"/>
+            <a:off x="729360" y="2079000"/>
+            <a:ext cx="3751920" cy="1078200"/>
           </a:xfrm>
           <a:prstGeom prst="rect">
             <a:avLst/>
@@ -2501,7 +2501,7 @@
       </p:sp>
       <p:sp>
         <p:nvSpPr>
-          <p:cNvPr id="16" name="PlaceHolder 3"/>
+          <p:cNvPr id="18" name="PlaceHolder 3"/>
           <p:cNvSpPr>
             <a:spLocks noGrp="1"/>
           </p:cNvSpPr>
@@ -2511,8 +2511,8 @@
         </p:nvSpPr>
         <p:spPr>
           <a:xfrm>
-            <a:off x="4684680" y="1919160"/>
-            <a:ext cx="4011840" cy="2709720"/>
+            <a:off x="4669200" y="2079000"/>
+            <a:ext cx="3751920" cy="2260800"/>
           </a:xfrm>
           <a:prstGeom prst="rect">
             <a:avLst/>
@@ -2534,7 +2534,7 @@
       </p:sp>
       <p:sp>
         <p:nvSpPr>
-          <p:cNvPr id="17" name="PlaceHolder 4"/>
+          <p:cNvPr id="19" name="PlaceHolder 4"/>
           <p:cNvSpPr>
             <a:spLocks noGrp="1"/>
           </p:cNvSpPr>
@@ -2544,8 +2544,8 @@
         </p:nvSpPr>
         <p:spPr>
           <a:xfrm>
-            <a:off x="471960" y="3334680"/>
-            <a:ext cx="4011840" cy="1292400"/>
+            <a:off x="729360" y="3260160"/>
+            <a:ext cx="3751920" cy="1078200"/>
           </a:xfrm>
           <a:prstGeom prst="rect">
             <a:avLst/>
@@ -2589,7 +2589,7 @@
       </p:grpSpPr>
       <p:sp>
         <p:nvSpPr>
-          <p:cNvPr id="18" name="PlaceHolder 1"/>
+          <p:cNvPr id="20" name="PlaceHolder 1"/>
           <p:cNvSpPr>
             <a:spLocks noGrp="1"/>
           </p:cNvSpPr>
@@ -2599,8 +2599,8 @@
         </p:nvSpPr>
         <p:spPr>
           <a:xfrm>
-            <a:off x="471960" y="738720"/>
-            <a:ext cx="8221680" cy="767520"/>
+            <a:off x="729360" y="1318680"/>
+            <a:ext cx="7688520" cy="534960"/>
           </a:xfrm>
           <a:prstGeom prst="rect">
             <a:avLst/>
@@ -2620,7 +2620,7 @@
       </p:sp>
       <p:sp>
         <p:nvSpPr>
-          <p:cNvPr id="19" name="PlaceHolder 2"/>
+          <p:cNvPr id="21" name="PlaceHolder 2"/>
           <p:cNvSpPr>
             <a:spLocks noGrp="1"/>
           </p:cNvSpPr>
@@ -2630,8 +2630,8 @@
         </p:nvSpPr>
         <p:spPr>
           <a:xfrm>
-            <a:off x="471960" y="1919160"/>
-            <a:ext cx="4011840" cy="2709720"/>
+            <a:off x="729360" y="2079000"/>
+            <a:ext cx="3751920" cy="2260800"/>
           </a:xfrm>
           <a:prstGeom prst="rect">
             <a:avLst/>
@@ -2653,7 +2653,7 @@
       </p:sp>
       <p:sp>
         <p:nvSpPr>
-          <p:cNvPr id="20" name="PlaceHolder 3"/>
+          <p:cNvPr id="22" name="PlaceHolder 3"/>
           <p:cNvSpPr>
             <a:spLocks noGrp="1"/>
           </p:cNvSpPr>
@@ -2663,8 +2663,8 @@
         </p:nvSpPr>
         <p:spPr>
           <a:xfrm>
-            <a:off x="4684680" y="1919160"/>
-            <a:ext cx="4011840" cy="1292400"/>
+            <a:off x="4669200" y="2079000"/>
+            <a:ext cx="3751920" cy="1078200"/>
           </a:xfrm>
           <a:prstGeom prst="rect">
             <a:avLst/>
@@ -2686,7 +2686,7 @@
       </p:sp>
       <p:sp>
         <p:nvSpPr>
-          <p:cNvPr id="21" name="PlaceHolder 4"/>
+          <p:cNvPr id="23" name="PlaceHolder 4"/>
           <p:cNvSpPr>
             <a:spLocks noGrp="1"/>
           </p:cNvSpPr>
@@ -2696,8 +2696,8 @@
         </p:nvSpPr>
         <p:spPr>
           <a:xfrm>
-            <a:off x="4684680" y="3334680"/>
-            <a:ext cx="4011840" cy="1292400"/>
+            <a:off x="4669200" y="3260160"/>
+            <a:ext cx="3751920" cy="1078200"/>
           </a:xfrm>
           <a:prstGeom prst="rect">
             <a:avLst/>
@@ -2741,7 +2741,7 @@
       </p:grpSpPr>
       <p:sp>
         <p:nvSpPr>
-          <p:cNvPr id="22" name="PlaceHolder 1"/>
+          <p:cNvPr id="24" name="PlaceHolder 1"/>
           <p:cNvSpPr>
             <a:spLocks noGrp="1"/>
           </p:cNvSpPr>
@@ -2751,8 +2751,8 @@
         </p:nvSpPr>
         <p:spPr>
           <a:xfrm>
-            <a:off x="471960" y="738720"/>
-            <a:ext cx="8221680" cy="767520"/>
+            <a:off x="729360" y="1318680"/>
+            <a:ext cx="7688520" cy="534960"/>
           </a:xfrm>
           <a:prstGeom prst="rect">
             <a:avLst/>
@@ -2772,7 +2772,7 @@
       </p:sp>
       <p:sp>
         <p:nvSpPr>
-          <p:cNvPr id="23" name="PlaceHolder 2"/>
+          <p:cNvPr id="25" name="PlaceHolder 2"/>
           <p:cNvSpPr>
             <a:spLocks noGrp="1"/>
           </p:cNvSpPr>
@@ -2782,8 +2782,8 @@
         </p:nvSpPr>
         <p:spPr>
           <a:xfrm>
-            <a:off x="471960" y="1919160"/>
-            <a:ext cx="4011840" cy="1292400"/>
+            <a:off x="729360" y="2079000"/>
+            <a:ext cx="3751920" cy="1078200"/>
           </a:xfrm>
           <a:prstGeom prst="rect">
             <a:avLst/>
@@ -2805,7 +2805,7 @@
       </p:sp>
       <p:sp>
         <p:nvSpPr>
-          <p:cNvPr id="24" name="PlaceHolder 3"/>
+          <p:cNvPr id="26" name="PlaceHolder 3"/>
           <p:cNvSpPr>
             <a:spLocks noGrp="1"/>
           </p:cNvSpPr>
@@ -2815,8 +2815,8 @@
         </p:nvSpPr>
         <p:spPr>
           <a:xfrm>
-            <a:off x="4684680" y="1919160"/>
-            <a:ext cx="4011840" cy="1292400"/>
+            <a:off x="4669200" y="2079000"/>
+            <a:ext cx="3751920" cy="1078200"/>
           </a:xfrm>
           <a:prstGeom prst="rect">
             <a:avLst/>
@@ -2838,7 +2838,7 @@
       </p:sp>
       <p:sp>
         <p:nvSpPr>
-          <p:cNvPr id="25" name="PlaceHolder 4"/>
+          <p:cNvPr id="27" name="PlaceHolder 4"/>
           <p:cNvSpPr>
             <a:spLocks noGrp="1"/>
           </p:cNvSpPr>
@@ -2848,8 +2848,8 @@
         </p:nvSpPr>
         <p:spPr>
           <a:xfrm>
-            <a:off x="471960" y="3334680"/>
-            <a:ext cx="8221680" cy="1292400"/>
+            <a:off x="729360" y="3260160"/>
+            <a:ext cx="7688520" cy="1078200"/>
           </a:xfrm>
           <a:prstGeom prst="rect">
             <a:avLst/>
@@ -2880,7 +2880,7 @@
     <p:bg>
       <p:bgPr>
         <a:solidFill>
-          <a:srgbClr val="4285f4"/>
+          <a:srgbClr val="e9edee"/>
         </a:solidFill>
       </p:bgPr>
     </p:bg>
@@ -2905,11 +2905,11 @@
           <p:nvPr/>
         </p:nvSpPr>
         <p:spPr>
-          <a:xfrm flipH="1">
-            <a:off x="8246520" y="4245840"/>
-            <a:ext cx="897120" cy="897120"/>
-          </a:xfrm>
-          <a:prstGeom prst="rtTriangle">
+          <a:xfrm>
+            <a:off x="0" y="0"/>
+            <a:ext cx="9143640" cy="487440"/>
+          </a:xfrm>
+          <a:prstGeom prst="rect">
             <a:avLst/>
           </a:prstGeom>
           <a:solidFill>
@@ -2926,41 +2926,80 @@
           <a:fontRef idx="minor"/>
         </p:style>
       </p:sp>
-      <p:sp>
-        <p:nvSpPr>
-          <p:cNvPr id="1" name="CustomShape 2"/>
-          <p:cNvSpPr/>
+      <p:grpSp>
+        <p:nvGrpSpPr>
+          <p:cNvPr id="1" name="Group 2"/>
+          <p:cNvGrpSpPr/>
           <p:nvPr/>
-        </p:nvSpPr>
-        <p:spPr>
-          <a:xfrm flipH="1">
-            <a:off x="8246520" y="4245840"/>
-            <a:ext cx="897120" cy="897120"/>
-          </a:xfrm>
-          <a:prstGeom prst="round1Rect">
-            <a:avLst>
-              <a:gd name="adj" fmla="val 16667"/>
-            </a:avLst>
-          </a:prstGeom>
-          <a:solidFill>
-            <a:schemeClr val="lt1">
-              <a:alpha val="68080"/>
-            </a:schemeClr>
-          </a:solidFill>
-          <a:ln>
-            <a:noFill/>
-          </a:ln>
-        </p:spPr>
-        <p:style>
-          <a:lnRef idx="0"/>
-          <a:fillRef idx="0"/>
-          <a:effectRef idx="0"/>
-          <a:fontRef idx="minor"/>
-        </p:style>
-      </p:sp>
-      <p:sp>
-        <p:nvSpPr>
-          <p:cNvPr id="2" name="PlaceHolder 3"/>
+        </p:nvGrpSpPr>
+        <p:grpSpPr>
+          <a:xfrm>
+            <a:off x="830520" y="1191600"/>
+            <a:ext cx="745200" cy="45360"/>
+            <a:chOff x="830520" y="1191600"/>
+            <a:chExt cx="745200" cy="45360"/>
+          </a:xfrm>
+        </p:grpSpPr>
+        <p:sp>
+          <p:nvSpPr>
+            <p:cNvPr id="2" name="CustomShape 3"/>
+            <p:cNvSpPr/>
+            <p:nvPr/>
+          </p:nvSpPr>
+          <p:spPr>
+            <a:xfrm rot="16200000">
+              <a:off x="1366560" y="1027800"/>
+              <a:ext cx="45360" cy="372600"/>
+            </a:xfrm>
+            <a:prstGeom prst="rect">
+              <a:avLst/>
+            </a:prstGeom>
+            <a:solidFill>
+              <a:schemeClr val="accent3"/>
+            </a:solidFill>
+            <a:ln>
+              <a:noFill/>
+            </a:ln>
+          </p:spPr>
+          <p:style>
+            <a:lnRef idx="0"/>
+            <a:fillRef idx="0"/>
+            <a:effectRef idx="0"/>
+            <a:fontRef idx="minor"/>
+          </p:style>
+        </p:sp>
+        <p:sp>
+          <p:nvSpPr>
+            <p:cNvPr id="3" name="CustomShape 4"/>
+            <p:cNvSpPr/>
+            <p:nvPr/>
+          </p:nvSpPr>
+          <p:spPr>
+            <a:xfrm rot="16200000">
+              <a:off x="995400" y="1026360"/>
+              <a:ext cx="45360" cy="375480"/>
+            </a:xfrm>
+            <a:prstGeom prst="rect">
+              <a:avLst/>
+            </a:prstGeom>
+            <a:solidFill>
+              <a:schemeClr val="dk1"/>
+            </a:solidFill>
+            <a:ln>
+              <a:noFill/>
+            </a:ln>
+          </p:spPr>
+          <p:style>
+            <a:lnRef idx="0"/>
+            <a:fillRef idx="0"/>
+            <a:effectRef idx="0"/>
+            <a:fontRef idx="minor"/>
+          </p:style>
+        </p:sp>
+      </p:grpSp>
+      <p:sp>
+        <p:nvSpPr>
+          <p:cNvPr id="4" name="PlaceHolder 5"/>
           <p:cNvSpPr>
             <a:spLocks noGrp="1"/>
           </p:cNvSpPr>
@@ -2970,18 +3009,18 @@
         </p:nvSpPr>
         <p:spPr>
           <a:xfrm>
-            <a:off x="390600" y="1819440"/>
-            <a:ext cx="8221680" cy="933120"/>
-          </a:xfrm>
-          <a:prstGeom prst="rect">
-            <a:avLst/>
-          </a:prstGeom>
-        </p:spPr>
-        <p:txBody>
-          <a:bodyPr tIns="91440" bIns="91440" anchor="b"/>
-          <a:p>
-            <a:r>
-              <a:rPr b="0" lang="en-US" sz="4800" spc="-1" strike="noStrike">
+            <a:off x="729360" y="1322280"/>
+            <a:ext cx="7687800" cy="1664280"/>
+          </a:xfrm>
+          <a:prstGeom prst="rect">
+            <a:avLst/>
+          </a:prstGeom>
+        </p:spPr>
+        <p:txBody>
+          <a:bodyPr tIns="91440" bIns="91440"/>
+          <a:p>
+            <a:r>
+              <a:rPr b="0" lang="en-US" sz="4200" spc="-1" strike="noStrike">
                 <a:solidFill>
                   <a:srgbClr val="000000"/>
                 </a:solidFill>
@@ -2989,18 +3028,18 @@
               </a:rPr>
               <a:t>Click to edit the title text format</a:t>
             </a:r>
-            <a:endParaRPr b="0" lang="en-US" sz="4800" spc="-1" strike="noStrike">
-              <a:solidFill>
-                <a:srgbClr val="000000"/>
-              </a:solidFill>
-              <a:latin typeface="Arial"/>
-            </a:endParaRPr>
-          </a:p>
-        </p:txBody>
-      </p:sp>
-      <p:sp>
-        <p:nvSpPr>
-          <p:cNvPr id="3" name="PlaceHolder 4"/>
+            <a:endParaRPr b="0" lang="en-US" sz="4200" spc="-1" strike="noStrike">
+              <a:solidFill>
+                <a:srgbClr val="000000"/>
+              </a:solidFill>
+              <a:latin typeface="Arial"/>
+            </a:endParaRPr>
+          </a:p>
+        </p:txBody>
+      </p:sp>
+      <p:sp>
+        <p:nvSpPr>
+          <p:cNvPr id="5" name="PlaceHolder 6"/>
           <p:cNvSpPr>
             <a:spLocks noGrp="1"/>
           </p:cNvSpPr>
@@ -3010,7 +3049,7 @@
         </p:nvSpPr>
         <p:spPr>
           <a:xfrm>
-            <a:off x="8523720" y="4695480"/>
+            <a:off x="8536320" y="4749840"/>
             <a:ext cx="548280" cy="393120"/>
           </a:xfrm>
           <a:prstGeom prst="rect">
@@ -3025,15 +3064,15 @@
                 <a:spcPct val="100000"/>
               </a:lnSpc>
             </a:pPr>
-            <a:fld id="{FAA0C01D-81C2-4689-9DC9-E63C91DBF621}" type="slidenum">
+            <a:fld id="{C0F560D2-CCEC-42F0-AD8C-27580E006E4C}" type="slidenum">
               <a:rPr b="0" lang="en-US" sz="1000" spc="-1" strike="noStrike">
                 <a:solidFill>
-                  <a:srgbClr val="737373"/>
-                </a:solidFill>
-                <a:latin typeface="Roboto"/>
-                <a:ea typeface="Roboto"/>
-              </a:rPr>
-              <a:t>&lt;number&gt;</a:t>
+                  <a:srgbClr val="595959"/>
+                </a:solidFill>
+                <a:latin typeface="Lato"/>
+                <a:ea typeface="Lato"/>
+              </a:rPr>
+              <a:t>1</a:t>
             </a:fld>
             <a:endParaRPr b="0" lang="en-US" sz="1000" spc="-1" strike="noStrike">
               <a:latin typeface="Times New Roman"/>
@@ -3043,7 +3082,7 @@
       </p:sp>
       <p:sp>
         <p:nvSpPr>
-          <p:cNvPr id="4" name="PlaceHolder 5"/>
+          <p:cNvPr id="6" name="PlaceHolder 7"/>
           <p:cNvSpPr>
             <a:spLocks noGrp="1"/>
           </p:cNvSpPr>
@@ -3288,7 +3327,7 @@
     <p:bg>
       <p:bgPr>
         <a:solidFill>
-          <a:srgbClr val="4285f4"/>
+          <a:srgbClr val="ffffff"/>
         </a:solidFill>
       </p:bgPr>
     </p:bg>
@@ -3308,20 +3347,20 @@
       </p:grpSpPr>
       <p:sp>
         <p:nvSpPr>
-          <p:cNvPr id="41" name="CustomShape 1"/>
+          <p:cNvPr id="43" name="CustomShape 1"/>
           <p:cNvSpPr/>
           <p:nvPr/>
         </p:nvSpPr>
         <p:spPr>
-          <a:xfrm flipH="1" rot="10800000">
-            <a:off x="9143280" y="5143680"/>
-            <a:ext cx="9143640" cy="3457080"/>
+          <a:xfrm>
+            <a:off x="0" y="0"/>
+            <a:ext cx="9143640" cy="487440"/>
           </a:xfrm>
           <a:prstGeom prst="rect">
             <a:avLst/>
           </a:prstGeom>
           <a:solidFill>
-            <a:schemeClr val="accent4"/>
+            <a:schemeClr val="lt2"/>
           </a:solidFill>
           <a:ln>
             <a:noFill/>
@@ -3334,51 +3373,80 @@
           <a:fontRef idx="minor"/>
         </p:style>
       </p:sp>
-      <p:sp>
-        <p:nvSpPr>
-          <p:cNvPr id="42" name="CustomShape 2"/>
-          <p:cNvSpPr/>
+      <p:grpSp>
+        <p:nvGrpSpPr>
+          <p:cNvPr id="44" name="Group 2"/>
+          <p:cNvGrpSpPr/>
           <p:nvPr/>
-        </p:nvSpPr>
-        <p:spPr>
-          <a:xfrm>
-            <a:off x="0" y="1685880"/>
-            <a:ext cx="9143640" cy="108360"/>
-          </a:xfrm>
-          <a:prstGeom prst="rect">
-            <a:avLst/>
-          </a:prstGeom>
-          <a:gradFill rotWithShape="0">
-            <a:gsLst>
-              <a:gs pos="0">
-                <a:srgbClr val="f9f9f9"/>
-              </a:gs>
-              <a:gs pos="36000">
-                <a:srgbClr val="f9f9f9"/>
-              </a:gs>
-              <a:gs pos="80000">
-                <a:srgbClr val="dedede"/>
-              </a:gs>
-              <a:gs pos="100000">
-                <a:srgbClr val="999999"/>
-              </a:gs>
-            </a:gsLst>
-            <a:lin ang="16200000"/>
-          </a:gradFill>
-          <a:ln>
-            <a:noFill/>
-          </a:ln>
-        </p:spPr>
-        <p:style>
-          <a:lnRef idx="0"/>
-          <a:fillRef idx="0"/>
-          <a:effectRef idx="0"/>
-          <a:fontRef idx="minor"/>
-        </p:style>
-      </p:sp>
-      <p:sp>
-        <p:nvSpPr>
-          <p:cNvPr id="43" name="PlaceHolder 3"/>
+        </p:nvGrpSpPr>
+        <p:grpSpPr>
+          <a:xfrm>
+            <a:off x="830520" y="1191600"/>
+            <a:ext cx="745200" cy="45360"/>
+            <a:chOff x="830520" y="1191600"/>
+            <a:chExt cx="745200" cy="45360"/>
+          </a:xfrm>
+        </p:grpSpPr>
+        <p:sp>
+          <p:nvSpPr>
+            <p:cNvPr id="45" name="CustomShape 3"/>
+            <p:cNvSpPr/>
+            <p:nvPr/>
+          </p:nvSpPr>
+          <p:spPr>
+            <a:xfrm rot="16200000">
+              <a:off x="1366560" y="1027800"/>
+              <a:ext cx="45360" cy="372600"/>
+            </a:xfrm>
+            <a:prstGeom prst="rect">
+              <a:avLst/>
+            </a:prstGeom>
+            <a:solidFill>
+              <a:schemeClr val="accent3"/>
+            </a:solidFill>
+            <a:ln>
+              <a:noFill/>
+            </a:ln>
+          </p:spPr>
+          <p:style>
+            <a:lnRef idx="0"/>
+            <a:fillRef idx="0"/>
+            <a:effectRef idx="0"/>
+            <a:fontRef idx="minor"/>
+          </p:style>
+        </p:sp>
+        <p:sp>
+          <p:nvSpPr>
+            <p:cNvPr id="46" name="CustomShape 4"/>
+            <p:cNvSpPr/>
+            <p:nvPr/>
+          </p:nvSpPr>
+          <p:spPr>
+            <a:xfrm rot="16200000">
+              <a:off x="995400" y="1026360"/>
+              <a:ext cx="45360" cy="375480"/>
+            </a:xfrm>
+            <a:prstGeom prst="rect">
+              <a:avLst/>
+            </a:prstGeom>
+            <a:solidFill>
+              <a:schemeClr val="dk1"/>
+            </a:solidFill>
+            <a:ln>
+              <a:noFill/>
+            </a:ln>
+          </p:spPr>
+          <p:style>
+            <a:lnRef idx="0"/>
+            <a:fillRef idx="0"/>
+            <a:effectRef idx="0"/>
+            <a:fontRef idx="minor"/>
+          </p:style>
+        </p:sp>
+      </p:grpSp>
+      <p:sp>
+        <p:nvSpPr>
+          <p:cNvPr id="47" name="PlaceHolder 5"/>
           <p:cNvSpPr>
             <a:spLocks noGrp="1"/>
           </p:cNvSpPr>
@@ -3388,18 +3456,18 @@
         </p:nvSpPr>
         <p:spPr>
           <a:xfrm>
-            <a:off x="471960" y="738720"/>
-            <a:ext cx="8221680" cy="767520"/>
-          </a:xfrm>
-          <a:prstGeom prst="rect">
-            <a:avLst/>
-          </a:prstGeom>
-        </p:spPr>
-        <p:txBody>
-          <a:bodyPr tIns="91440" bIns="91440" anchor="b"/>
-          <a:p>
-            <a:r>
-              <a:rPr b="0" lang="en-US" sz="3200" spc="-1" strike="noStrike">
+            <a:off x="729360" y="1318680"/>
+            <a:ext cx="7688520" cy="534960"/>
+          </a:xfrm>
+          <a:prstGeom prst="rect">
+            <a:avLst/>
+          </a:prstGeom>
+        </p:spPr>
+        <p:txBody>
+          <a:bodyPr tIns="91440" bIns="91440"/>
+          <a:p>
+            <a:r>
+              <a:rPr b="0" lang="en-US" sz="2600" spc="-1" strike="noStrike">
                 <a:solidFill>
                   <a:srgbClr val="000000"/>
                 </a:solidFill>
@@ -3407,18 +3475,18 @@
               </a:rPr>
               <a:t>Click to edit the title text format</a:t>
             </a:r>
-            <a:endParaRPr b="0" lang="en-US" sz="3200" spc="-1" strike="noStrike">
-              <a:solidFill>
-                <a:srgbClr val="000000"/>
-              </a:solidFill>
-              <a:latin typeface="Arial"/>
-            </a:endParaRPr>
-          </a:p>
-        </p:txBody>
-      </p:sp>
-      <p:sp>
-        <p:nvSpPr>
-          <p:cNvPr id="44" name="PlaceHolder 4"/>
+            <a:endParaRPr b="0" lang="en-US" sz="2600" spc="-1" strike="noStrike">
+              <a:solidFill>
+                <a:srgbClr val="000000"/>
+              </a:solidFill>
+              <a:latin typeface="Arial"/>
+            </a:endParaRPr>
+          </a:p>
+        </p:txBody>
+      </p:sp>
+      <p:sp>
+        <p:nvSpPr>
+          <p:cNvPr id="48" name="PlaceHolder 6"/>
           <p:cNvSpPr>
             <a:spLocks noGrp="1"/>
           </p:cNvSpPr>
@@ -3428,8 +3496,8 @@
         </p:nvSpPr>
         <p:spPr>
           <a:xfrm>
-            <a:off x="471960" y="1919160"/>
-            <a:ext cx="8221680" cy="2709720"/>
+            <a:off x="729360" y="2079000"/>
+            <a:ext cx="7688520" cy="2260800"/>
           </a:xfrm>
           <a:prstGeom prst="rect">
             <a:avLst/>
@@ -3450,7 +3518,7 @@
               <a:buChar char=""/>
             </a:pPr>
             <a:r>
-              <a:rPr b="0" lang="en-US" sz="1800" spc="-1" strike="noStrike">
+              <a:rPr b="0" lang="en-US" sz="1300" spc="-1" strike="noStrike">
                 <a:solidFill>
                   <a:srgbClr val="000000"/>
                 </a:solidFill>
@@ -3458,7 +3526,7 @@
               </a:rPr>
               <a:t>Click to edit the outline text format</a:t>
             </a:r>
-            <a:endParaRPr b="0" lang="en-US" sz="1800" spc="-1" strike="noStrike">
+            <a:endParaRPr b="0" lang="en-US" sz="1300" spc="-1" strike="noStrike">
               <a:solidFill>
                 <a:srgbClr val="000000"/>
               </a:solidFill>
@@ -3478,7 +3546,7 @@
               <a:buChar char=""/>
             </a:pPr>
             <a:r>
-              <a:rPr b="0" lang="en-US" sz="1800" spc="-1" strike="noStrike">
+              <a:rPr b="0" lang="en-US" sz="1300" spc="-1" strike="noStrike">
                 <a:solidFill>
                   <a:srgbClr val="000000"/>
                 </a:solidFill>
@@ -3486,7 +3554,7 @@
               </a:rPr>
               <a:t>Second Outline Level</a:t>
             </a:r>
-            <a:endParaRPr b="0" lang="en-US" sz="1800" spc="-1" strike="noStrike">
+            <a:endParaRPr b="0" lang="en-US" sz="1300" spc="-1" strike="noStrike">
               <a:solidFill>
                 <a:srgbClr val="000000"/>
               </a:solidFill>
@@ -3506,7 +3574,7 @@
               <a:buChar char=""/>
             </a:pPr>
             <a:r>
-              <a:rPr b="0" lang="en-US" sz="1800" spc="-1" strike="noStrike">
+              <a:rPr b="0" lang="en-US" sz="1300" spc="-1" strike="noStrike">
                 <a:solidFill>
                   <a:srgbClr val="000000"/>
                 </a:solidFill>
@@ -3514,7 +3582,7 @@
               </a:rPr>
               <a:t>Third Outline Level</a:t>
             </a:r>
-            <a:endParaRPr b="0" lang="en-US" sz="1800" spc="-1" strike="noStrike">
+            <a:endParaRPr b="0" lang="en-US" sz="1300" spc="-1" strike="noStrike">
               <a:solidFill>
                 <a:srgbClr val="000000"/>
               </a:solidFill>
@@ -3534,7 +3602,7 @@
               <a:buChar char=""/>
             </a:pPr>
             <a:r>
-              <a:rPr b="0" lang="en-US" sz="1800" spc="-1" strike="noStrike">
+              <a:rPr b="0" lang="en-US" sz="1300" spc="-1" strike="noStrike">
                 <a:solidFill>
                   <a:srgbClr val="000000"/>
                 </a:solidFill>
@@ -3542,7 +3610,7 @@
               </a:rPr>
               <a:t>Fourth Outline Level</a:t>
             </a:r>
-            <a:endParaRPr b="0" lang="en-US" sz="1800" spc="-1" strike="noStrike">
+            <a:endParaRPr b="0" lang="en-US" sz="1300" spc="-1" strike="noStrike">
               <a:solidFill>
                 <a:srgbClr val="000000"/>
               </a:solidFill>
@@ -3562,7 +3630,7 @@
               <a:buChar char=""/>
             </a:pPr>
             <a:r>
-              <a:rPr b="0" lang="en-US" sz="1800" spc="-1" strike="noStrike">
+              <a:rPr b="0" lang="en-US" sz="1300" spc="-1" strike="noStrike">
                 <a:solidFill>
                   <a:srgbClr val="000000"/>
                 </a:solidFill>
@@ -3570,7 +3638,7 @@
               </a:rPr>
               <a:t>Fifth Outline Level</a:t>
             </a:r>
-            <a:endParaRPr b="0" lang="en-US" sz="1800" spc="-1" strike="noStrike">
+            <a:endParaRPr b="0" lang="en-US" sz="1300" spc="-1" strike="noStrike">
               <a:solidFill>
                 <a:srgbClr val="000000"/>
               </a:solidFill>
@@ -3590,7 +3658,7 @@
               <a:buChar char=""/>
             </a:pPr>
             <a:r>
-              <a:rPr b="0" lang="en-US" sz="1800" spc="-1" strike="noStrike">
+              <a:rPr b="0" lang="en-US" sz="1300" spc="-1" strike="noStrike">
                 <a:solidFill>
                   <a:srgbClr val="000000"/>
                 </a:solidFill>
@@ -3598,7 +3666,7 @@
               </a:rPr>
               <a:t>Sixth Outline Level</a:t>
             </a:r>
-            <a:endParaRPr b="0" lang="en-US" sz="1800" spc="-1" strike="noStrike">
+            <a:endParaRPr b="0" lang="en-US" sz="1300" spc="-1" strike="noStrike">
               <a:solidFill>
                 <a:srgbClr val="000000"/>
               </a:solidFill>
@@ -3618,7 +3686,7 @@
               <a:buChar char=""/>
             </a:pPr>
             <a:r>
-              <a:rPr b="0" lang="en-US" sz="1800" spc="-1" strike="noStrike">
+              <a:rPr b="0" lang="en-US" sz="1300" spc="-1" strike="noStrike">
                 <a:solidFill>
                   <a:srgbClr val="000000"/>
                 </a:solidFill>
@@ -3626,18 +3694,18 @@
               </a:rPr>
               <a:t>Seventh Outline Level</a:t>
             </a:r>
-            <a:endParaRPr b="0" lang="en-US" sz="1800" spc="-1" strike="noStrike">
-              <a:solidFill>
-                <a:srgbClr val="000000"/>
-              </a:solidFill>
-              <a:latin typeface="Arial"/>
-            </a:endParaRPr>
-          </a:p>
-        </p:txBody>
-      </p:sp>
-      <p:sp>
-        <p:nvSpPr>
-          <p:cNvPr id="45" name="PlaceHolder 5"/>
+            <a:endParaRPr b="0" lang="en-US" sz="1300" spc="-1" strike="noStrike">
+              <a:solidFill>
+                <a:srgbClr val="000000"/>
+              </a:solidFill>
+              <a:latin typeface="Arial"/>
+            </a:endParaRPr>
+          </a:p>
+        </p:txBody>
+      </p:sp>
+      <p:sp>
+        <p:nvSpPr>
+          <p:cNvPr id="49" name="PlaceHolder 7"/>
           <p:cNvSpPr>
             <a:spLocks noGrp="1"/>
           </p:cNvSpPr>
@@ -3647,7 +3715,7 @@
         </p:nvSpPr>
         <p:spPr>
           <a:xfrm>
-            <a:off x="8523720" y="4695480"/>
+            <a:off x="8536320" y="4749840"/>
             <a:ext cx="548280" cy="393120"/>
           </a:xfrm>
           <a:prstGeom prst="rect">
@@ -3662,15 +3730,15 @@
                 <a:spcPct val="100000"/>
               </a:lnSpc>
             </a:pPr>
-            <a:fld id="{D4B543DF-5C97-4728-8BDE-D53B1D9D8FC0}" type="slidenum">
+            <a:fld id="{E32D4A18-AE56-422D-8261-080CDAAC6CB9}" type="slidenum">
               <a:rPr b="0" lang="en-US" sz="1000" spc="-1" strike="noStrike">
                 <a:solidFill>
-                  <a:srgbClr val="737373"/>
-                </a:solidFill>
-                <a:latin typeface="Roboto"/>
-                <a:ea typeface="Roboto"/>
-              </a:rPr>
-              <a:t>&lt;number&gt;</a:t>
+                  <a:srgbClr val="595959"/>
+                </a:solidFill>
+                <a:latin typeface="Lato"/>
+                <a:ea typeface="Lato"/>
+              </a:rPr>
+              <a:t>1</a:t>
             </a:fld>
             <a:endParaRPr b="0" lang="en-US" sz="1000" spc="-1" strike="noStrike">
               <a:latin typeface="Times New Roman"/>
@@ -3717,14 +3785,14 @@
       </p:grpSpPr>
       <p:sp>
         <p:nvSpPr>
-          <p:cNvPr id="82" name="TextShape 1"/>
+          <p:cNvPr id="86" name="TextShape 1"/>
           <p:cNvSpPr txBox="1"/>
           <p:nvPr/>
         </p:nvSpPr>
         <p:spPr>
           <a:xfrm>
-            <a:off x="390600" y="1819440"/>
-            <a:ext cx="8221680" cy="933120"/>
+            <a:off x="729360" y="1322280"/>
+            <a:ext cx="7687800" cy="1664280"/>
           </a:xfrm>
           <a:prstGeom prst="rect">
             <a:avLst/>
@@ -3735,7 +3803,7 @@
           </a:ln>
         </p:spPr>
         <p:txBody>
-          <a:bodyPr tIns="91440" bIns="91440" anchor="b"/>
+          <a:bodyPr tIns="91440" bIns="91440"/>
           <a:p>
             <a:pPr>
               <a:lnSpc>
@@ -3743,33 +3811,33 @@
               </a:lnSpc>
             </a:pPr>
             <a:r>
-              <a:rPr b="0" lang="en-US" sz="4800" spc="-1" strike="noStrike">
-                <a:solidFill>
-                  <a:srgbClr val="ffffff"/>
-                </a:solidFill>
-                <a:latin typeface="Roboto"/>
-                <a:ea typeface="Roboto"/>
+              <a:rPr b="1" lang="en-US" sz="4200" spc="-1" strike="noStrike">
+                <a:solidFill>
+                  <a:srgbClr val="1a1a1a"/>
+                </a:solidFill>
+                <a:latin typeface="Raleway"/>
+                <a:ea typeface="Raleway"/>
               </a:rPr>
               <a:t>A Hands on Python Crash Course Supplement</a:t>
             </a:r>
-            <a:endParaRPr b="0" lang="en-US" sz="4800" spc="-1" strike="noStrike">
-              <a:solidFill>
-                <a:srgbClr val="000000"/>
-              </a:solidFill>
-              <a:latin typeface="Arial"/>
-            </a:endParaRPr>
-          </a:p>
-        </p:txBody>
-      </p:sp>
-      <p:sp>
-        <p:nvSpPr>
-          <p:cNvPr id="83" name="TextShape 2"/>
+            <a:endParaRPr b="0" lang="en-US" sz="4200" spc="-1" strike="noStrike">
+              <a:solidFill>
+                <a:srgbClr val="000000"/>
+              </a:solidFill>
+              <a:latin typeface="Arial"/>
+            </a:endParaRPr>
+          </a:p>
+        </p:txBody>
+      </p:sp>
+      <p:sp>
+        <p:nvSpPr>
+          <p:cNvPr id="87" name="TextShape 2"/>
           <p:cNvSpPr txBox="1"/>
           <p:nvPr/>
         </p:nvSpPr>
         <p:spPr>
           <a:xfrm>
-            <a:off x="311760" y="2834280"/>
+            <a:off x="457200" y="3474720"/>
             <a:ext cx="8712720" cy="1207800"/>
           </a:xfrm>
           <a:prstGeom prst="rect">
@@ -3788,17 +3856,37 @@
                 <a:spcPct val="100000"/>
               </a:lnSpc>
             </a:pPr>
-            <a:r>
-              <a:rPr b="0" lang="en-US" sz="1800" spc="-1" strike="noStrike">
+            <a:endParaRPr b="0" lang="en-US" sz="3200" spc="-1" strike="noStrike">
+              <a:latin typeface="Arial"/>
+            </a:endParaRPr>
+          </a:p>
+          <a:p>
+            <a:pPr>
+              <a:lnSpc>
+                <a:spcPct val="100000"/>
+              </a:lnSpc>
+            </a:pPr>
+            <a:endParaRPr b="0" lang="en-US" sz="3200" spc="-1" strike="noStrike">
+              <a:latin typeface="Arial"/>
+            </a:endParaRPr>
+          </a:p>
+          <a:p>
+            <a:pPr>
+              <a:lnSpc>
+                <a:spcPct val="100000"/>
+              </a:lnSpc>
+            </a:pPr>
+            <a:r>
+              <a:rPr b="0" lang="en-US" sz="1600" spc="-1" strike="noStrike">
                 <a:solidFill>
                   <a:srgbClr val="000000"/>
                 </a:solidFill>
-                <a:latin typeface="Roboto"/>
-                <a:ea typeface="Roboto"/>
+                <a:latin typeface="Lato"/>
+                <a:ea typeface="Lato"/>
               </a:rPr>
               <a:t>Doug Purcell</a:t>
             </a:r>
-            <a:endParaRPr b="0" lang="en-US" sz="1800" spc="-1" strike="noStrike">
+            <a:endParaRPr b="0" lang="en-US" sz="1600" spc="-1" strike="noStrike">
               <a:latin typeface="Arial"/>
             </a:endParaRPr>
           </a:p>
@@ -3809,28 +3897,28 @@
               </a:lnSpc>
             </a:pPr>
             <a:r>
-              <a:rPr b="0" lang="en-US" sz="1800" spc="-1" strike="noStrike" u="sng">
-                <a:solidFill>
-                  <a:srgbClr val="4fc3f7"/>
+              <a:rPr b="0" lang="en-US" sz="1600" spc="-1" strike="noStrike" u="sng">
+                <a:solidFill>
+                  <a:srgbClr val="1c3678"/>
                 </a:solidFill>
                 <a:uFillTx/>
-                <a:latin typeface="Roboto"/>
-                <a:ea typeface="Roboto"/>
+                <a:latin typeface="Lato"/>
+                <a:ea typeface="Lato"/>
                 <a:hlinkClick r:id="rId1"/>
               </a:rPr>
               <a:t>http://www.purcellconsult.com</a:t>
             </a:r>
             <a:r>
-              <a:rPr b="0" lang="en-US" sz="1800" spc="-1" strike="noStrike">
-                <a:solidFill>
-                  <a:srgbClr val="ffffff"/>
-                </a:solidFill>
-                <a:latin typeface="Roboto"/>
-                <a:ea typeface="Roboto"/>
+              <a:rPr b="0" lang="en-US" sz="1600" spc="-1" strike="noStrike">
+                <a:solidFill>
+                  <a:srgbClr val="595959"/>
+                </a:solidFill>
+                <a:latin typeface="Lato"/>
+                <a:ea typeface="Lato"/>
               </a:rPr>
               <a:t> </a:t>
             </a:r>
-            <a:endParaRPr b="0" lang="en-US" sz="1800" spc="-1" strike="noStrike">
+            <a:endParaRPr b="0" lang="en-US" sz="1600" spc="-1" strike="noStrike">
               <a:latin typeface="Arial"/>
             </a:endParaRPr>
           </a:p>
@@ -3887,14 +3975,14 @@
       </p:grpSpPr>
       <p:sp>
         <p:nvSpPr>
-          <p:cNvPr id="113" name="TextShape 1"/>
+          <p:cNvPr id="117" name="TextShape 1"/>
           <p:cNvSpPr txBox="1"/>
           <p:nvPr/>
         </p:nvSpPr>
         <p:spPr>
           <a:xfrm>
-            <a:off x="471960" y="738720"/>
-            <a:ext cx="8221680" cy="767520"/>
+            <a:off x="729360" y="1318680"/>
+            <a:ext cx="7688520" cy="534960"/>
           </a:xfrm>
           <a:prstGeom prst="rect">
             <a:avLst/>
@@ -3905,7 +3993,7 @@
           </a:ln>
         </p:spPr>
         <p:txBody>
-          <a:bodyPr tIns="91440" bIns="91440" anchor="b"/>
+          <a:bodyPr tIns="91440" bIns="91440"/>
           <a:p>
             <a:pPr>
               <a:lnSpc>
@@ -3913,34 +4001,34 @@
               </a:lnSpc>
             </a:pPr>
             <a:r>
-              <a:rPr b="0" lang="en-US" sz="3200" spc="-1" strike="noStrike">
-                <a:solidFill>
-                  <a:srgbClr val="ffffff"/>
-                </a:solidFill>
-                <a:latin typeface="Roboto"/>
-                <a:ea typeface="Roboto"/>
+              <a:rPr b="1" lang="en-US" sz="2600" spc="-1" strike="noStrike">
+                <a:solidFill>
+                  <a:srgbClr val="1a1a1a"/>
+                </a:solidFill>
+                <a:latin typeface="Raleway"/>
+                <a:ea typeface="Raleway"/>
               </a:rPr>
               <a:t>Programming Challenges and Interview Prep </a:t>
             </a:r>
-            <a:endParaRPr b="0" lang="en-US" sz="3200" spc="-1" strike="noStrike">
-              <a:solidFill>
-                <a:srgbClr val="000000"/>
-              </a:solidFill>
-              <a:latin typeface="Arial"/>
-            </a:endParaRPr>
-          </a:p>
-        </p:txBody>
-      </p:sp>
-      <p:sp>
-        <p:nvSpPr>
-          <p:cNvPr id="114" name="TextShape 2"/>
+            <a:endParaRPr b="0" lang="en-US" sz="2600" spc="-1" strike="noStrike">
+              <a:solidFill>
+                <a:srgbClr val="000000"/>
+              </a:solidFill>
+              <a:latin typeface="Arial"/>
+            </a:endParaRPr>
+          </a:p>
+        </p:txBody>
+      </p:sp>
+      <p:sp>
+        <p:nvSpPr>
+          <p:cNvPr id="118" name="TextShape 2"/>
           <p:cNvSpPr txBox="1"/>
           <p:nvPr/>
         </p:nvSpPr>
         <p:spPr>
           <a:xfrm>
-            <a:off x="471960" y="1919160"/>
-            <a:ext cx="8221680" cy="2709720"/>
+            <a:off x="729360" y="2079000"/>
+            <a:ext cx="7688520" cy="2260800"/>
           </a:xfrm>
           <a:prstGeom prst="rect">
             <a:avLst/>
@@ -3953,319 +4041,319 @@
         <p:txBody>
           <a:bodyPr tIns="91440" bIns="91440"/>
           <a:p>
-            <a:pPr marL="457200" indent="-342720">
+            <a:pPr marL="457200" indent="-310680">
               <a:lnSpc>
                 <a:spcPct val="115000"/>
               </a:lnSpc>
               <a:buClr>
                 <a:srgbClr val="000000"/>
               </a:buClr>
-              <a:buFont typeface="Roboto"/>
+              <a:buFont typeface="Lato"/>
               <a:buChar char="●"/>
             </a:pPr>
             <a:r>
-              <a:rPr b="0" lang="en-US" sz="1800" spc="-1" strike="noStrike">
+              <a:rPr b="0" lang="en-US" sz="1500" spc="-1" strike="noStrike">
                 <a:solidFill>
                   <a:srgbClr val="000000"/>
                 </a:solidFill>
-                <a:latin typeface="Roboto"/>
-                <a:ea typeface="Roboto"/>
+                <a:latin typeface="Lato"/>
+                <a:ea typeface="Lato"/>
               </a:rPr>
               <a:t>Codebat: </a:t>
             </a:r>
             <a:r>
-              <a:rPr b="0" lang="en-US" sz="1800" spc="-1" strike="noStrike" u="sng">
-                <a:solidFill>
-                  <a:srgbClr val="4fc3f7"/>
+              <a:rPr b="0" lang="en-US" sz="1500" spc="-1" strike="noStrike" u="sng">
+                <a:solidFill>
+                  <a:srgbClr val="1c3678"/>
                 </a:solidFill>
                 <a:uFillTx/>
-                <a:latin typeface="Roboto"/>
-                <a:ea typeface="Roboto"/>
+                <a:latin typeface="Lato"/>
+                <a:ea typeface="Lato"/>
                 <a:hlinkClick r:id="rId1"/>
               </a:rPr>
               <a:t>https://codingbat.com/python</a:t>
             </a:r>
-            <a:endParaRPr b="0" lang="en-US" sz="1800" spc="-1" strike="noStrike">
-              <a:solidFill>
-                <a:srgbClr val="000000"/>
-              </a:solidFill>
-              <a:latin typeface="Arial"/>
-            </a:endParaRPr>
-          </a:p>
-          <a:p>
-            <a:pPr marL="457200" indent="-342720">
+            <a:endParaRPr b="0" lang="en-US" sz="1500" spc="-1" strike="noStrike">
+              <a:solidFill>
+                <a:srgbClr val="000000"/>
+              </a:solidFill>
+              <a:latin typeface="Arial"/>
+            </a:endParaRPr>
+          </a:p>
+          <a:p>
+            <a:pPr marL="457200" indent="-310680">
               <a:lnSpc>
                 <a:spcPct val="115000"/>
               </a:lnSpc>
               <a:buClr>
                 <a:srgbClr val="000000"/>
               </a:buClr>
-              <a:buFont typeface="Roboto"/>
+              <a:buFont typeface="Lato"/>
               <a:buChar char="●"/>
             </a:pPr>
             <a:r>
-              <a:rPr b="0" lang="en-US" sz="1800" spc="-1" strike="noStrike">
+              <a:rPr b="0" lang="en-US" sz="1500" spc="-1" strike="noStrike">
                 <a:solidFill>
                   <a:srgbClr val="000000"/>
                 </a:solidFill>
-                <a:latin typeface="Roboto"/>
-                <a:ea typeface="Roboto"/>
+                <a:latin typeface="Lato"/>
+                <a:ea typeface="Lato"/>
               </a:rPr>
               <a:t>Codewars: </a:t>
             </a:r>
             <a:r>
-              <a:rPr b="0" lang="en-US" sz="1800" spc="-1" strike="noStrike" u="sng">
-                <a:solidFill>
-                  <a:srgbClr val="4fc3f7"/>
+              <a:rPr b="0" lang="en-US" sz="1500" spc="-1" strike="noStrike" u="sng">
+                <a:solidFill>
+                  <a:srgbClr val="1c3678"/>
                 </a:solidFill>
                 <a:uFillTx/>
-                <a:latin typeface="Roboto"/>
-                <a:ea typeface="Roboto"/>
+                <a:latin typeface="Lato"/>
+                <a:ea typeface="Lato"/>
                 <a:hlinkClick r:id="rId2"/>
               </a:rPr>
               <a:t>https://www.codewars.com/?language=python</a:t>
             </a:r>
-            <a:endParaRPr b="0" lang="en-US" sz="1800" spc="-1" strike="noStrike">
-              <a:solidFill>
-                <a:srgbClr val="000000"/>
-              </a:solidFill>
-              <a:latin typeface="Arial"/>
-            </a:endParaRPr>
-          </a:p>
-          <a:p>
-            <a:pPr marL="457200" indent="-342720">
+            <a:endParaRPr b="0" lang="en-US" sz="1500" spc="-1" strike="noStrike">
+              <a:solidFill>
+                <a:srgbClr val="000000"/>
+              </a:solidFill>
+              <a:latin typeface="Arial"/>
+            </a:endParaRPr>
+          </a:p>
+          <a:p>
+            <a:pPr marL="457200" indent="-310680">
               <a:lnSpc>
                 <a:spcPct val="115000"/>
               </a:lnSpc>
               <a:buClr>
                 <a:srgbClr val="000000"/>
               </a:buClr>
-              <a:buFont typeface="Roboto"/>
+              <a:buFont typeface="Lato"/>
               <a:buChar char="●"/>
             </a:pPr>
             <a:r>
-              <a:rPr b="0" lang="en-US" sz="1800" spc="-1" strike="noStrike">
+              <a:rPr b="0" lang="en-US" sz="1500" spc="-1" strike="noStrike">
                 <a:solidFill>
                   <a:srgbClr val="000000"/>
                 </a:solidFill>
-                <a:latin typeface="Roboto"/>
-                <a:ea typeface="Roboto"/>
+                <a:latin typeface="Lato"/>
+                <a:ea typeface="Lato"/>
               </a:rPr>
               <a:t>Hackerrank: </a:t>
             </a:r>
             <a:r>
-              <a:rPr b="0" lang="en-US" sz="1800" spc="-1" strike="noStrike" u="sng">
-                <a:solidFill>
-                  <a:srgbClr val="4fc3f7"/>
+              <a:rPr b="0" lang="en-US" sz="1500" spc="-1" strike="noStrike" u="sng">
+                <a:solidFill>
+                  <a:srgbClr val="1c3678"/>
                 </a:solidFill>
                 <a:uFillTx/>
-                <a:latin typeface="Roboto"/>
-                <a:ea typeface="Roboto"/>
+                <a:latin typeface="Lato"/>
+                <a:ea typeface="Lato"/>
                 <a:hlinkClick r:id="rId3"/>
               </a:rPr>
               <a:t>https://www.hackerrank.com/domains/python</a:t>
             </a:r>
-            <a:endParaRPr b="0" lang="en-US" sz="1800" spc="-1" strike="noStrike">
-              <a:solidFill>
-                <a:srgbClr val="000000"/>
-              </a:solidFill>
-              <a:latin typeface="Arial"/>
-            </a:endParaRPr>
-          </a:p>
-          <a:p>
-            <a:pPr marL="457200" indent="-342720">
+            <a:endParaRPr b="0" lang="en-US" sz="1500" spc="-1" strike="noStrike">
+              <a:solidFill>
+                <a:srgbClr val="000000"/>
+              </a:solidFill>
+              <a:latin typeface="Arial"/>
+            </a:endParaRPr>
+          </a:p>
+          <a:p>
+            <a:pPr marL="457200" indent="-310680">
               <a:lnSpc>
                 <a:spcPct val="115000"/>
               </a:lnSpc>
               <a:buClr>
                 <a:srgbClr val="000000"/>
               </a:buClr>
-              <a:buFont typeface="Roboto"/>
+              <a:buFont typeface="Lato"/>
               <a:buChar char="●"/>
             </a:pPr>
             <a:r>
-              <a:rPr b="0" lang="en-US" sz="1800" spc="-1" strike="noStrike">
+              <a:rPr b="0" lang="en-US" sz="1500" spc="-1" strike="noStrike">
                 <a:solidFill>
                   <a:srgbClr val="000000"/>
                 </a:solidFill>
-                <a:latin typeface="Roboto"/>
-                <a:ea typeface="Roboto"/>
+                <a:latin typeface="Lato"/>
+                <a:ea typeface="Lato"/>
               </a:rPr>
               <a:t>Leetcode:</a:t>
             </a:r>
             <a:r>
-              <a:rPr b="0" lang="en-US" sz="1800" spc="-1" strike="noStrike" u="sng">
-                <a:solidFill>
-                  <a:srgbClr val="4fc3f7"/>
+              <a:rPr b="0" lang="en-US" sz="1500" spc="-1" strike="noStrike" u="sng">
+                <a:solidFill>
+                  <a:srgbClr val="1c3678"/>
                 </a:solidFill>
                 <a:uFillTx/>
-                <a:latin typeface="Roboto"/>
-                <a:ea typeface="Roboto"/>
+                <a:latin typeface="Lato"/>
+                <a:ea typeface="Lato"/>
                 <a:hlinkClick r:id="rId4"/>
               </a:rPr>
               <a:t>https://leetcode.com</a:t>
             </a:r>
-            <a:endParaRPr b="0" lang="en-US" sz="1800" spc="-1" strike="noStrike">
-              <a:solidFill>
-                <a:srgbClr val="000000"/>
-              </a:solidFill>
-              <a:latin typeface="Arial"/>
-            </a:endParaRPr>
-          </a:p>
-          <a:p>
-            <a:pPr marL="457200" indent="-342720">
+            <a:endParaRPr b="0" lang="en-US" sz="1500" spc="-1" strike="noStrike">
+              <a:solidFill>
+                <a:srgbClr val="000000"/>
+              </a:solidFill>
+              <a:latin typeface="Arial"/>
+            </a:endParaRPr>
+          </a:p>
+          <a:p>
+            <a:pPr marL="457200" indent="-310680">
               <a:lnSpc>
                 <a:spcPct val="115000"/>
               </a:lnSpc>
               <a:buClr>
                 <a:srgbClr val="000000"/>
               </a:buClr>
-              <a:buFont typeface="Roboto"/>
+              <a:buFont typeface="Lato"/>
               <a:buChar char="●"/>
             </a:pPr>
             <a:r>
-              <a:rPr b="0" lang="en-US" sz="1800" spc="-1" strike="noStrike">
+              <a:rPr b="0" lang="en-US" sz="1500" spc="-1" strike="noStrike">
                 <a:solidFill>
                   <a:srgbClr val="000000"/>
                 </a:solidFill>
-                <a:latin typeface="Roboto"/>
-                <a:ea typeface="Roboto"/>
+                <a:latin typeface="Lato"/>
+                <a:ea typeface="Lato"/>
               </a:rPr>
               <a:t>Coderbyte: </a:t>
             </a:r>
             <a:r>
-              <a:rPr b="0" lang="en-US" sz="1800" spc="-1" strike="noStrike" u="sng">
-                <a:solidFill>
-                  <a:srgbClr val="4fc3f7"/>
+              <a:rPr b="0" lang="en-US" sz="1500" spc="-1" strike="noStrike" u="sng">
+                <a:solidFill>
+                  <a:srgbClr val="1c3678"/>
                 </a:solidFill>
                 <a:uFillTx/>
-                <a:latin typeface="Roboto"/>
-                <a:ea typeface="Roboto"/>
+                <a:latin typeface="Lato"/>
+                <a:ea typeface="Lato"/>
                 <a:hlinkClick r:id="rId5"/>
               </a:rPr>
               <a:t>https://coderbyte.com</a:t>
             </a:r>
-            <a:endParaRPr b="0" lang="en-US" sz="1800" spc="-1" strike="noStrike">
-              <a:solidFill>
-                <a:srgbClr val="000000"/>
-              </a:solidFill>
-              <a:latin typeface="Arial"/>
-            </a:endParaRPr>
-          </a:p>
-          <a:p>
-            <a:pPr marL="457200" indent="-342720">
+            <a:endParaRPr b="0" lang="en-US" sz="1500" spc="-1" strike="noStrike">
+              <a:solidFill>
+                <a:srgbClr val="000000"/>
+              </a:solidFill>
+              <a:latin typeface="Arial"/>
+            </a:endParaRPr>
+          </a:p>
+          <a:p>
+            <a:pPr marL="457200" indent="-310680">
               <a:lnSpc>
                 <a:spcPct val="115000"/>
               </a:lnSpc>
               <a:buClr>
                 <a:srgbClr val="000000"/>
               </a:buClr>
-              <a:buFont typeface="Roboto"/>
+              <a:buFont typeface="Lato"/>
               <a:buChar char="●"/>
             </a:pPr>
             <a:r>
-              <a:rPr b="0" lang="en-US" sz="1800" spc="-1" strike="noStrike">
+              <a:rPr b="0" lang="en-US" sz="1500" spc="-1" strike="noStrike">
                 <a:solidFill>
                   <a:srgbClr val="000000"/>
                 </a:solidFill>
-                <a:latin typeface="Roboto"/>
-                <a:ea typeface="Roboto"/>
+                <a:latin typeface="Lato"/>
+                <a:ea typeface="Lato"/>
               </a:rPr>
               <a:t>Topcoder: </a:t>
             </a:r>
             <a:r>
-              <a:rPr b="0" lang="en-US" sz="1800" spc="-1" strike="noStrike" u="sng">
-                <a:solidFill>
-                  <a:srgbClr val="4fc3f7"/>
+              <a:rPr b="0" lang="en-US" sz="1500" spc="-1" strike="noStrike" u="sng">
+                <a:solidFill>
+                  <a:srgbClr val="1c3678"/>
                 </a:solidFill>
                 <a:uFillTx/>
-                <a:latin typeface="Roboto"/>
-                <a:ea typeface="Roboto"/>
+                <a:latin typeface="Lato"/>
+                <a:ea typeface="Lato"/>
                 <a:hlinkClick r:id="rId6"/>
               </a:rPr>
               <a:t>https://www.topcoder.com/challenges</a:t>
             </a:r>
-            <a:endParaRPr b="0" lang="en-US" sz="1800" spc="-1" strike="noStrike">
-              <a:solidFill>
-                <a:srgbClr val="000000"/>
-              </a:solidFill>
-              <a:latin typeface="Arial"/>
-            </a:endParaRPr>
-          </a:p>
-          <a:p>
-            <a:pPr marL="457200" indent="-342720">
+            <a:endParaRPr b="0" lang="en-US" sz="1500" spc="-1" strike="noStrike">
+              <a:solidFill>
+                <a:srgbClr val="000000"/>
+              </a:solidFill>
+              <a:latin typeface="Arial"/>
+            </a:endParaRPr>
+          </a:p>
+          <a:p>
+            <a:pPr marL="457200" indent="-310680">
               <a:lnSpc>
                 <a:spcPct val="115000"/>
               </a:lnSpc>
               <a:buClr>
                 <a:srgbClr val="000000"/>
               </a:buClr>
-              <a:buFont typeface="Roboto"/>
+              <a:buFont typeface="Lato"/>
               <a:buChar char="●"/>
             </a:pPr>
             <a:r>
-              <a:rPr b="0" lang="en-US" sz="1800" spc="-1" strike="noStrike">
+              <a:rPr b="0" lang="en-US" sz="1500" spc="-1" strike="noStrike">
                 <a:solidFill>
                   <a:srgbClr val="000000"/>
                 </a:solidFill>
-                <a:latin typeface="Roboto"/>
-                <a:ea typeface="Roboto"/>
+                <a:latin typeface="Lato"/>
+                <a:ea typeface="Lato"/>
               </a:rPr>
               <a:t>Codechef:</a:t>
             </a:r>
             <a:r>
-              <a:rPr b="0" lang="en-US" sz="1800" spc="-1" strike="noStrike" u="sng">
-                <a:solidFill>
-                  <a:srgbClr val="4fc3f7"/>
+              <a:rPr b="0" lang="en-US" sz="1500" spc="-1" strike="noStrike" u="sng">
+                <a:solidFill>
+                  <a:srgbClr val="1c3678"/>
                 </a:solidFill>
                 <a:uFillTx/>
-                <a:latin typeface="Roboto"/>
-                <a:ea typeface="Roboto"/>
+                <a:latin typeface="Lato"/>
+                <a:ea typeface="Lato"/>
                 <a:hlinkClick r:id="rId7"/>
               </a:rPr>
               <a:t>https://www.codechef.com</a:t>
             </a:r>
-            <a:endParaRPr b="0" lang="en-US" sz="1800" spc="-1" strike="noStrike">
-              <a:solidFill>
-                <a:srgbClr val="000000"/>
-              </a:solidFill>
-              <a:latin typeface="Arial"/>
-            </a:endParaRPr>
-          </a:p>
-          <a:p>
-            <a:pPr marL="457200" indent="-342720">
+            <a:endParaRPr b="0" lang="en-US" sz="1500" spc="-1" strike="noStrike">
+              <a:solidFill>
+                <a:srgbClr val="000000"/>
+              </a:solidFill>
+              <a:latin typeface="Arial"/>
+            </a:endParaRPr>
+          </a:p>
+          <a:p>
+            <a:pPr marL="457200" indent="-310680">
               <a:lnSpc>
                 <a:spcPct val="115000"/>
               </a:lnSpc>
               <a:buClr>
                 <a:srgbClr val="000000"/>
               </a:buClr>
-              <a:buFont typeface="Roboto"/>
+              <a:buFont typeface="Lato"/>
               <a:buChar char="●"/>
             </a:pPr>
             <a:r>
-              <a:rPr b="0" lang="en-US" sz="1800" spc="-1" strike="noStrike">
+              <a:rPr b="0" lang="en-US" sz="1500" spc="-1" strike="noStrike">
                 <a:solidFill>
                   <a:srgbClr val="000000"/>
                 </a:solidFill>
-                <a:latin typeface="Roboto"/>
-                <a:ea typeface="Roboto"/>
+                <a:latin typeface="Lato"/>
+                <a:ea typeface="Lato"/>
               </a:rPr>
               <a:t>Project Euler: </a:t>
             </a:r>
             <a:r>
-              <a:rPr b="0" lang="en-US" sz="1800" spc="-1" strike="noStrike" u="sng">
-                <a:solidFill>
-                  <a:srgbClr val="4fc3f7"/>
+              <a:rPr b="0" lang="en-US" sz="1500" spc="-1" strike="noStrike" u="sng">
+                <a:solidFill>
+                  <a:srgbClr val="1c3678"/>
                 </a:solidFill>
                 <a:uFillTx/>
-                <a:latin typeface="Roboto"/>
-                <a:ea typeface="Roboto"/>
+                <a:latin typeface="Lato"/>
+                <a:ea typeface="Lato"/>
                 <a:hlinkClick r:id="rId8"/>
               </a:rPr>
               <a:t>https://projecteuler.net/recent</a:t>
             </a:r>
-            <a:endParaRPr b="0" lang="en-US" sz="1800" spc="-1" strike="noStrike">
+            <a:endParaRPr b="0" lang="en-US" sz="1500" spc="-1" strike="noStrike">
               <a:solidFill>
                 <a:srgbClr val="000000"/>
               </a:solidFill>
@@ -4281,7 +4369,7 @@
                 <a:spcPts val="1599"/>
               </a:spcBef>
             </a:pPr>
-            <a:endParaRPr b="0" lang="en-US" sz="1800" spc="-1" strike="noStrike">
+            <a:endParaRPr b="0" lang="en-US" sz="1500" spc="-1" strike="noStrike">
               <a:solidFill>
                 <a:srgbClr val="000000"/>
               </a:solidFill>
@@ -4300,7 +4388,7 @@
                 <a:spcPts val="1599"/>
               </a:spcAft>
             </a:pPr>
-            <a:endParaRPr b="0" lang="en-US" sz="1800" spc="-1" strike="noStrike">
+            <a:endParaRPr b="0" lang="en-US" sz="1500" spc="-1" strike="noStrike">
               <a:solidFill>
                 <a:srgbClr val="000000"/>
               </a:solidFill>
@@ -4311,6 +4399,33 @@
       </p:sp>
     </p:spTree>
   </p:cSld>
+  <p:timing>
+    <p:tnLst>
+      <p:par>
+        <p:cTn id="19" dur="indefinite" restart="never" nodeType="tmRoot">
+          <p:childTnLst>
+            <p:seq>
+              <p:cTn id="20" dur="indefinite" nodeType="mainSeq"/>
+              <p:prevCondLst>
+                <p:cond delay="0" evt="onPrev">
+                  <p:tgtEl>
+                    <p:sldTgt/>
+                  </p:tgtEl>
+                </p:cond>
+              </p:prevCondLst>
+              <p:nextCondLst>
+                <p:cond delay="0" evt="onNext">
+                  <p:tgtEl>
+                    <p:sldTgt/>
+                  </p:tgtEl>
+                </p:cond>
+              </p:nextCondLst>
+            </p:seq>
+          </p:childTnLst>
+        </p:cTn>
+      </p:par>
+    </p:tnLst>
+  </p:timing>
 </p:sld>
 </file>
 
@@ -4333,14 +4448,14 @@
       </p:grpSpPr>
       <p:sp>
         <p:nvSpPr>
-          <p:cNvPr id="115" name="TextShape 1"/>
+          <p:cNvPr id="119" name="TextShape 1"/>
           <p:cNvSpPr txBox="1"/>
           <p:nvPr/>
         </p:nvSpPr>
         <p:spPr>
           <a:xfrm>
-            <a:off x="471960" y="738720"/>
-            <a:ext cx="8221680" cy="767520"/>
+            <a:off x="729360" y="1318680"/>
+            <a:ext cx="7688520" cy="534960"/>
           </a:xfrm>
           <a:prstGeom prst="rect">
             <a:avLst/>
@@ -4351,7 +4466,7 @@
           </a:ln>
         </p:spPr>
         <p:txBody>
-          <a:bodyPr tIns="91440" bIns="91440" anchor="b"/>
+          <a:bodyPr tIns="91440" bIns="91440"/>
           <a:p>
             <a:pPr>
               <a:lnSpc>
@@ -4359,27 +4474,27 @@
               </a:lnSpc>
             </a:pPr>
             <a:r>
-              <a:rPr b="0" lang="en-US" sz="3200" spc="-1" strike="noStrike">
-                <a:solidFill>
-                  <a:srgbClr val="ffffff"/>
-                </a:solidFill>
-                <a:latin typeface="Roboto"/>
-                <a:ea typeface="Roboto"/>
+              <a:rPr b="1" lang="en-US" sz="2600" spc="-1" strike="noStrike">
+                <a:solidFill>
+                  <a:srgbClr val="1a1a1a"/>
+                </a:solidFill>
+                <a:latin typeface="Raleway"/>
+                <a:ea typeface="Raleway"/>
               </a:rPr>
               <a:t>Python Learning Resources </a:t>
             </a:r>
-            <a:endParaRPr b="0" lang="en-US" sz="3200" spc="-1" strike="noStrike">
-              <a:solidFill>
-                <a:srgbClr val="000000"/>
-              </a:solidFill>
-              <a:latin typeface="Arial"/>
-            </a:endParaRPr>
-          </a:p>
-        </p:txBody>
-      </p:sp>
-      <p:sp>
-        <p:nvSpPr>
-          <p:cNvPr id="116" name="TextShape 2"/>
+            <a:endParaRPr b="0" lang="en-US" sz="2600" spc="-1" strike="noStrike">
+              <a:solidFill>
+                <a:srgbClr val="000000"/>
+              </a:solidFill>
+              <a:latin typeface="Arial"/>
+            </a:endParaRPr>
+          </a:p>
+        </p:txBody>
+      </p:sp>
+      <p:sp>
+        <p:nvSpPr>
+          <p:cNvPr id="120" name="TextShape 2"/>
           <p:cNvSpPr txBox="1"/>
           <p:nvPr/>
         </p:nvSpPr>
@@ -4406,7 +4521,7 @@
               <a:buClr>
                 <a:srgbClr val="000000"/>
               </a:buClr>
-              <a:buFont typeface="Roboto"/>
+              <a:buFont typeface="Lato"/>
               <a:buChar char="●"/>
             </a:pPr>
             <a:r>
@@ -4414,29 +4529,29 @@
                 <a:solidFill>
                   <a:srgbClr val="000000"/>
                 </a:solidFill>
-                <a:latin typeface="Roboto"/>
-                <a:ea typeface="Roboto"/>
+                <a:latin typeface="Lato"/>
+                <a:ea typeface="Lato"/>
               </a:rPr>
               <a:t>Python docs tutorial:</a:t>
             </a:r>
             <a:r>
               <a:rPr b="0" lang="en-US" sz="1700" spc="-1" strike="noStrike">
                 <a:solidFill>
-                  <a:srgbClr val="4285f4"/>
-                </a:solidFill>
-                <a:latin typeface="Roboto"/>
-                <a:ea typeface="Roboto"/>
+                  <a:srgbClr val="1a9988"/>
+                </a:solidFill>
+                <a:latin typeface="Lato"/>
+                <a:ea typeface="Lato"/>
               </a:rPr>
               <a:t> </a:t>
             </a:r>
             <a:r>
               <a:rPr b="0" lang="en-US" sz="1700" spc="-1" strike="noStrike" u="sng">
                 <a:solidFill>
-                  <a:srgbClr val="4fc3f7"/>
+                  <a:srgbClr val="1c3678"/>
                 </a:solidFill>
                 <a:uFillTx/>
-                <a:latin typeface="Roboto"/>
-                <a:ea typeface="Roboto"/>
+                <a:latin typeface="Lato"/>
+                <a:ea typeface="Lato"/>
                 <a:hlinkClick r:id="rId1"/>
               </a:rPr>
               <a:t>https://docs.python.org/3</a:t>
@@ -4456,7 +4571,7 @@
               <a:buClr>
                 <a:srgbClr val="000000"/>
               </a:buClr>
-              <a:buFont typeface="Roboto"/>
+              <a:buFont typeface="Lato"/>
               <a:buChar char="●"/>
             </a:pPr>
             <a:r>
@@ -4464,19 +4579,19 @@
                 <a:solidFill>
                   <a:srgbClr val="000000"/>
                 </a:solidFill>
-                <a:latin typeface="Roboto"/>
-                <a:ea typeface="Roboto"/>
+                <a:latin typeface="Lato"/>
+                <a:ea typeface="Lato"/>
               </a:rPr>
               <a:t>Python.org wiki: </a:t>
             </a:r>
             <a:r>
               <a:rPr b="0" lang="en-US" sz="1700" spc="-1" strike="noStrike" u="sng">
                 <a:solidFill>
-                  <a:srgbClr val="4fc3f7"/>
+                  <a:srgbClr val="1c3678"/>
                 </a:solidFill>
                 <a:uFillTx/>
-                <a:latin typeface="Roboto"/>
-                <a:ea typeface="Roboto"/>
+                <a:latin typeface="Lato"/>
+                <a:ea typeface="Lato"/>
                 <a:hlinkClick r:id="rId2"/>
               </a:rPr>
               <a:t>https://wiki.python.org/moin</a:t>
@@ -4496,7 +4611,7 @@
               <a:buClr>
                 <a:srgbClr val="000000"/>
               </a:buClr>
-              <a:buFont typeface="Roboto"/>
+              <a:buFont typeface="Lato"/>
               <a:buChar char="●"/>
             </a:pPr>
             <a:r>
@@ -4504,19 +4619,19 @@
                 <a:solidFill>
                   <a:srgbClr val="000000"/>
                 </a:solidFill>
-                <a:latin typeface="Roboto"/>
-                <a:ea typeface="Roboto"/>
+                <a:latin typeface="Lato"/>
+                <a:ea typeface="Lato"/>
               </a:rPr>
               <a:t>Learnpython.org (interactive tutorial): </a:t>
             </a:r>
             <a:r>
               <a:rPr b="0" lang="en-US" sz="1700" spc="-1" strike="noStrike" u="sng">
                 <a:solidFill>
-                  <a:srgbClr val="4fc3f7"/>
+                  <a:srgbClr val="1c3678"/>
                 </a:solidFill>
                 <a:uFillTx/>
-                <a:latin typeface="Roboto"/>
-                <a:ea typeface="Roboto"/>
+                <a:latin typeface="Lato"/>
+                <a:ea typeface="Lato"/>
                 <a:hlinkClick r:id="rId3"/>
               </a:rPr>
               <a:t>https://www.learnpython.org</a:t>
@@ -4536,7 +4651,7 @@
               <a:buClr>
                 <a:srgbClr val="000000"/>
               </a:buClr>
-              <a:buFont typeface="Roboto"/>
+              <a:buFont typeface="Lato"/>
               <a:buChar char="●"/>
             </a:pPr>
             <a:r>
@@ -4544,29 +4659,29 @@
                 <a:solidFill>
                   <a:srgbClr val="000000"/>
                 </a:solidFill>
-                <a:latin typeface="Roboto"/>
-                <a:ea typeface="Roboto"/>
+                <a:latin typeface="Lato"/>
+                <a:ea typeface="Lato"/>
               </a:rPr>
               <a:t>Stack Overflow python:</a:t>
             </a:r>
             <a:r>
               <a:rPr b="0" lang="en-US" sz="1700" spc="-1" strike="noStrike">
                 <a:solidFill>
-                  <a:srgbClr val="737373"/>
-                </a:solidFill>
-                <a:latin typeface="Roboto"/>
-                <a:ea typeface="Roboto"/>
+                  <a:srgbClr val="595959"/>
+                </a:solidFill>
+                <a:latin typeface="Lato"/>
+                <a:ea typeface="Lato"/>
               </a:rPr>
               <a:t> </a:t>
             </a:r>
             <a:r>
               <a:rPr b="0" lang="en-US" sz="1700" spc="-1" strike="noStrike" u="sng">
                 <a:solidFill>
-                  <a:srgbClr val="4fc3f7"/>
+                  <a:srgbClr val="1c3678"/>
                 </a:solidFill>
                 <a:uFillTx/>
-                <a:latin typeface="Roboto"/>
-                <a:ea typeface="Roboto"/>
+                <a:latin typeface="Lato"/>
+                <a:ea typeface="Lato"/>
                 <a:hlinkClick r:id="rId4"/>
               </a:rPr>
               <a:t>https://stackoverflow.com/questions/tagged/python</a:t>
@@ -4586,7 +4701,7 @@
               <a:buClr>
                 <a:srgbClr val="000000"/>
               </a:buClr>
-              <a:buFont typeface="Roboto"/>
+              <a:buFont typeface="Lato"/>
               <a:buChar char="●"/>
             </a:pPr>
             <a:r>
@@ -4594,29 +4709,29 @@
                 <a:solidFill>
                   <a:srgbClr val="000000"/>
                 </a:solidFill>
-                <a:latin typeface="Roboto"/>
-                <a:ea typeface="Roboto"/>
+                <a:latin typeface="Lato"/>
+                <a:ea typeface="Lato"/>
               </a:rPr>
               <a:t>Python programming tutorials:</a:t>
             </a:r>
             <a:r>
               <a:rPr b="0" lang="en-US" sz="1700" spc="-1" strike="noStrike">
                 <a:solidFill>
-                  <a:srgbClr val="737373"/>
-                </a:solidFill>
-                <a:latin typeface="Roboto"/>
-                <a:ea typeface="Roboto"/>
+                  <a:srgbClr val="595959"/>
+                </a:solidFill>
+                <a:latin typeface="Lato"/>
+                <a:ea typeface="Lato"/>
               </a:rPr>
               <a:t> </a:t>
             </a:r>
             <a:r>
               <a:rPr b="0" lang="en-US" sz="1700" spc="-1" strike="noStrike" u="sng">
                 <a:solidFill>
-                  <a:srgbClr val="4fc3f7"/>
+                  <a:srgbClr val="1c3678"/>
                 </a:solidFill>
                 <a:uFillTx/>
-                <a:latin typeface="Roboto"/>
-                <a:ea typeface="Roboto"/>
+                <a:latin typeface="Lato"/>
+                <a:ea typeface="Lato"/>
                 <a:hlinkClick r:id="rId5"/>
               </a:rPr>
               <a:t>https://www.youtube.com/results?search_query=python+tutorials</a:t>
@@ -4636,7 +4751,7 @@
               <a:buClr>
                 <a:srgbClr val="000000"/>
               </a:buClr>
-              <a:buFont typeface="Roboto"/>
+              <a:buFont typeface="Lato"/>
               <a:buChar char="●"/>
             </a:pPr>
             <a:r>
@@ -4644,19 +4759,19 @@
                 <a:solidFill>
                   <a:srgbClr val="000000"/>
                 </a:solidFill>
-                <a:latin typeface="Roboto"/>
-                <a:ea typeface="Roboto"/>
+                <a:latin typeface="Lato"/>
+                <a:ea typeface="Lato"/>
               </a:rPr>
               <a:t>Become a Python Developer (My Book): </a:t>
             </a:r>
             <a:r>
               <a:rPr b="0" lang="en-US" sz="1700" spc="-1" strike="noStrike" u="sng">
                 <a:solidFill>
-                  <a:srgbClr val="4fc3f7"/>
+                  <a:srgbClr val="1c3678"/>
                 </a:solidFill>
                 <a:uFillTx/>
-                <a:latin typeface="Roboto"/>
-                <a:ea typeface="Roboto"/>
+                <a:latin typeface="Lato"/>
+                <a:ea typeface="Lato"/>
                 <a:hlinkClick r:id="rId6"/>
               </a:rPr>
               <a:t>https://www.amazon.com/Become-Python-Developer-Wrestle-Defeat/dp/0997326298</a:t>
@@ -4691,6 +4806,33 @@
       </p:sp>
     </p:spTree>
   </p:cSld>
+  <p:timing>
+    <p:tnLst>
+      <p:par>
+        <p:cTn id="21" dur="indefinite" restart="never" nodeType="tmRoot">
+          <p:childTnLst>
+            <p:seq>
+              <p:cTn id="22" dur="indefinite" nodeType="mainSeq"/>
+              <p:prevCondLst>
+                <p:cond delay="0" evt="onPrev">
+                  <p:tgtEl>
+                    <p:sldTgt/>
+                  </p:tgtEl>
+                </p:cond>
+              </p:prevCondLst>
+              <p:nextCondLst>
+                <p:cond delay="0" evt="onNext">
+                  <p:tgtEl>
+                    <p:sldTgt/>
+                  </p:tgtEl>
+                </p:cond>
+              </p:nextCondLst>
+            </p:seq>
+          </p:childTnLst>
+        </p:cTn>
+      </p:par>
+    </p:tnLst>
+  </p:timing>
 </p:sld>
 </file>
 
@@ -4713,14 +4855,14 @@
       </p:grpSpPr>
       <p:sp>
         <p:nvSpPr>
-          <p:cNvPr id="117" name="TextShape 1"/>
+          <p:cNvPr id="121" name="TextShape 1"/>
           <p:cNvSpPr txBox="1"/>
           <p:nvPr/>
         </p:nvSpPr>
         <p:spPr>
           <a:xfrm>
-            <a:off x="471960" y="738720"/>
-            <a:ext cx="8221680" cy="767520"/>
+            <a:off x="729360" y="1318680"/>
+            <a:ext cx="7688520" cy="534960"/>
           </a:xfrm>
           <a:prstGeom prst="rect">
             <a:avLst/>
@@ -4731,7 +4873,7 @@
           </a:ln>
         </p:spPr>
         <p:txBody>
-          <a:bodyPr tIns="91440" bIns="91440" anchor="b"/>
+          <a:bodyPr tIns="91440" bIns="91440"/>
           <a:p>
             <a:pPr>
               <a:lnSpc>
@@ -4739,27 +4881,27 @@
               </a:lnSpc>
             </a:pPr>
             <a:r>
-              <a:rPr b="0" lang="en-US" sz="3200" spc="-1" strike="noStrike">
-                <a:solidFill>
-                  <a:srgbClr val="ffffff"/>
-                </a:solidFill>
-                <a:latin typeface="Roboto"/>
-                <a:ea typeface="Roboto"/>
+              <a:rPr b="1" lang="en-US" sz="2600" spc="-1" strike="noStrike">
+                <a:solidFill>
+                  <a:srgbClr val="1a1a1a"/>
+                </a:solidFill>
+                <a:latin typeface="Raleway"/>
+                <a:ea typeface="Raleway"/>
               </a:rPr>
               <a:t>Python News</a:t>
             </a:r>
-            <a:endParaRPr b="0" lang="en-US" sz="3200" spc="-1" strike="noStrike">
-              <a:solidFill>
-                <a:srgbClr val="000000"/>
-              </a:solidFill>
-              <a:latin typeface="Arial"/>
-            </a:endParaRPr>
-          </a:p>
-        </p:txBody>
-      </p:sp>
-      <p:sp>
-        <p:nvSpPr>
-          <p:cNvPr id="118" name="TextShape 2"/>
+            <a:endParaRPr b="0" lang="en-US" sz="2600" spc="-1" strike="noStrike">
+              <a:solidFill>
+                <a:srgbClr val="000000"/>
+              </a:solidFill>
+              <a:latin typeface="Arial"/>
+            </a:endParaRPr>
+          </a:p>
+        </p:txBody>
+      </p:sp>
+      <p:sp>
+        <p:nvSpPr>
+          <p:cNvPr id="122" name="TextShape 2"/>
           <p:cNvSpPr txBox="1"/>
           <p:nvPr/>
         </p:nvSpPr>
@@ -4779,411 +4921,411 @@
         <p:txBody>
           <a:bodyPr tIns="91440" bIns="91440"/>
           <a:p>
-            <a:pPr marL="457200" indent="-342720">
+            <a:pPr marL="457200" indent="-310680">
               <a:lnSpc>
                 <a:spcPct val="115000"/>
               </a:lnSpc>
               <a:buClr>
                 <a:srgbClr val="000000"/>
               </a:buClr>
-              <a:buFont typeface="Roboto"/>
+              <a:buFont typeface="Lato"/>
               <a:buChar char="●"/>
             </a:pPr>
             <a:r>
-              <a:rPr b="0" lang="en-US" sz="1800" spc="-1" strike="noStrike">
+              <a:rPr b="0" lang="en-US" sz="1300" spc="-1" strike="noStrike">
                 <a:solidFill>
                   <a:srgbClr val="000000"/>
                 </a:solidFill>
-                <a:latin typeface="Roboto"/>
-                <a:ea typeface="Roboto"/>
+                <a:latin typeface="Lato"/>
+                <a:ea typeface="Lato"/>
               </a:rPr>
               <a:t>PyBites: </a:t>
             </a:r>
             <a:r>
-              <a:rPr b="0" lang="en-US" sz="1800" spc="-1" strike="noStrike" u="sng">
-                <a:solidFill>
-                  <a:srgbClr val="4fc3f7"/>
+              <a:rPr b="0" lang="en-US" sz="1300" spc="-1" strike="noStrike" u="sng">
+                <a:solidFill>
+                  <a:srgbClr val="1c3678"/>
                 </a:solidFill>
                 <a:uFillTx/>
-                <a:latin typeface="Roboto"/>
-                <a:ea typeface="Roboto"/>
+                <a:latin typeface="Lato"/>
+                <a:ea typeface="Lato"/>
                 <a:hlinkClick r:id="rId1"/>
               </a:rPr>
               <a:t>https://pybit.es/pages/news.html</a:t>
             </a:r>
-            <a:endParaRPr b="0" lang="en-US" sz="1800" spc="-1" strike="noStrike">
-              <a:solidFill>
-                <a:srgbClr val="000000"/>
-              </a:solidFill>
-              <a:latin typeface="Arial"/>
-            </a:endParaRPr>
-          </a:p>
-          <a:p>
-            <a:pPr marL="457200" indent="-342720">
+            <a:endParaRPr b="0" lang="en-US" sz="1300" spc="-1" strike="noStrike">
+              <a:solidFill>
+                <a:srgbClr val="000000"/>
+              </a:solidFill>
+              <a:latin typeface="Arial"/>
+            </a:endParaRPr>
+          </a:p>
+          <a:p>
+            <a:pPr marL="457200" indent="-310680">
               <a:lnSpc>
                 <a:spcPct val="115000"/>
               </a:lnSpc>
               <a:buClr>
                 <a:srgbClr val="000000"/>
               </a:buClr>
-              <a:buFont typeface="Roboto"/>
+              <a:buFont typeface="Lato"/>
               <a:buChar char="●"/>
             </a:pPr>
             <a:r>
-              <a:rPr b="0" lang="en-US" sz="1800" spc="-1" strike="noStrike">
+              <a:rPr b="0" lang="en-US" sz="1300" spc="-1" strike="noStrike">
                 <a:solidFill>
                   <a:srgbClr val="000000"/>
                 </a:solidFill>
-                <a:latin typeface="Roboto"/>
-                <a:ea typeface="Roboto"/>
+                <a:latin typeface="Lato"/>
+                <a:ea typeface="Lato"/>
               </a:rPr>
               <a:t>Planet Python: </a:t>
             </a:r>
             <a:r>
-              <a:rPr b="0" lang="en-US" sz="1800" spc="-1" strike="noStrike" u="sng">
-                <a:solidFill>
-                  <a:srgbClr val="4fc3f7"/>
+              <a:rPr b="0" lang="en-US" sz="1300" spc="-1" strike="noStrike" u="sng">
+                <a:solidFill>
+                  <a:srgbClr val="1c3678"/>
                 </a:solidFill>
                 <a:uFillTx/>
-                <a:latin typeface="Roboto"/>
-                <a:ea typeface="Roboto"/>
+                <a:latin typeface="Lato"/>
+                <a:ea typeface="Lato"/>
                 <a:hlinkClick r:id="rId2"/>
               </a:rPr>
               <a:t>https://planetpython.org</a:t>
             </a:r>
-            <a:endParaRPr b="0" lang="en-US" sz="1800" spc="-1" strike="noStrike">
-              <a:solidFill>
-                <a:srgbClr val="000000"/>
-              </a:solidFill>
-              <a:latin typeface="Arial"/>
-            </a:endParaRPr>
-          </a:p>
-          <a:p>
-            <a:pPr marL="457200" indent="-342720">
+            <a:endParaRPr b="0" lang="en-US" sz="1300" spc="-1" strike="noStrike">
+              <a:solidFill>
+                <a:srgbClr val="000000"/>
+              </a:solidFill>
+              <a:latin typeface="Arial"/>
+            </a:endParaRPr>
+          </a:p>
+          <a:p>
+            <a:pPr marL="457200" indent="-310680">
               <a:lnSpc>
                 <a:spcPct val="115000"/>
               </a:lnSpc>
               <a:buClr>
                 <a:srgbClr val="000000"/>
               </a:buClr>
-              <a:buFont typeface="Roboto"/>
+              <a:buFont typeface="Lato"/>
               <a:buChar char="●"/>
             </a:pPr>
             <a:r>
-              <a:rPr b="0" lang="en-US" sz="1800" spc="-1" strike="noStrike">
+              <a:rPr b="0" lang="en-US" sz="1300" spc="-1" strike="noStrike">
                 <a:solidFill>
                   <a:srgbClr val="000000"/>
                 </a:solidFill>
-                <a:latin typeface="Roboto"/>
-                <a:ea typeface="Roboto"/>
+                <a:latin typeface="Lato"/>
+                <a:ea typeface="Lato"/>
               </a:rPr>
               <a:t>r/python:</a:t>
             </a:r>
             <a:r>
-              <a:rPr b="0" lang="en-US" sz="1800" spc="-1" strike="noStrike">
-                <a:solidFill>
-                  <a:srgbClr val="737373"/>
-                </a:solidFill>
-                <a:latin typeface="Roboto"/>
-                <a:ea typeface="Roboto"/>
+              <a:rPr b="0" lang="en-US" sz="1300" spc="-1" strike="noStrike">
+                <a:solidFill>
+                  <a:srgbClr val="595959"/>
+                </a:solidFill>
+                <a:latin typeface="Lato"/>
+                <a:ea typeface="Lato"/>
               </a:rPr>
               <a:t> </a:t>
             </a:r>
             <a:r>
-              <a:rPr b="0" lang="en-US" sz="1800" spc="-1" strike="noStrike" u="sng">
-                <a:solidFill>
-                  <a:srgbClr val="4fc3f7"/>
+              <a:rPr b="0" lang="en-US" sz="1300" spc="-1" strike="noStrike" u="sng">
+                <a:solidFill>
+                  <a:srgbClr val="1c3678"/>
                 </a:solidFill>
                 <a:uFillTx/>
-                <a:latin typeface="Roboto"/>
-                <a:ea typeface="Roboto"/>
+                <a:latin typeface="Lato"/>
+                <a:ea typeface="Lato"/>
                 <a:hlinkClick r:id="rId3"/>
               </a:rPr>
               <a:t>https://www.reddit.com/r/Python</a:t>
             </a:r>
-            <a:endParaRPr b="0" lang="en-US" sz="1800" spc="-1" strike="noStrike">
-              <a:solidFill>
-                <a:srgbClr val="000000"/>
-              </a:solidFill>
-              <a:latin typeface="Arial"/>
-            </a:endParaRPr>
-          </a:p>
-          <a:p>
-            <a:pPr marL="457200" indent="-342720">
+            <a:endParaRPr b="0" lang="en-US" sz="1300" spc="-1" strike="noStrike">
+              <a:solidFill>
+                <a:srgbClr val="000000"/>
+              </a:solidFill>
+              <a:latin typeface="Arial"/>
+            </a:endParaRPr>
+          </a:p>
+          <a:p>
+            <a:pPr marL="457200" indent="-310680">
               <a:lnSpc>
                 <a:spcPct val="115000"/>
               </a:lnSpc>
               <a:buClr>
                 <a:srgbClr val="000000"/>
               </a:buClr>
-              <a:buFont typeface="Roboto"/>
+              <a:buFont typeface="Lato"/>
               <a:buChar char="●"/>
             </a:pPr>
             <a:r>
-              <a:rPr b="0" lang="en-US" sz="1800" spc="-1" strike="noStrike">
+              <a:rPr b="0" lang="en-US" sz="1300" spc="-1" strike="noStrike">
                 <a:solidFill>
                   <a:srgbClr val="000000"/>
                 </a:solidFill>
-                <a:latin typeface="Roboto"/>
-                <a:ea typeface="Roboto"/>
+                <a:latin typeface="Lato"/>
+                <a:ea typeface="Lato"/>
               </a:rPr>
               <a:t>InfoWorld: </a:t>
             </a:r>
             <a:r>
-              <a:rPr b="0" lang="en-US" sz="1800" spc="-1" strike="noStrike" u="sng">
-                <a:solidFill>
-                  <a:srgbClr val="4fc3f7"/>
+              <a:rPr b="0" lang="en-US" sz="1300" spc="-1" strike="noStrike" u="sng">
+                <a:solidFill>
+                  <a:srgbClr val="1c3678"/>
                 </a:solidFill>
                 <a:uFillTx/>
-                <a:latin typeface="Roboto"/>
-                <a:ea typeface="Roboto"/>
+                <a:latin typeface="Lato"/>
+                <a:ea typeface="Lato"/>
                 <a:hlinkClick r:id="rId4"/>
               </a:rPr>
               <a:t>https://www.infoworld.com/category/pytho</a:t>
             </a:r>
             <a:r>
-              <a:rPr b="0" lang="en-US" sz="1800" spc="-1" strike="noStrike" u="sng">
-                <a:solidFill>
-                  <a:srgbClr val="4fc3f7"/>
+              <a:rPr b="0" lang="en-US" sz="1300" spc="-1" strike="noStrike" u="sng">
+                <a:solidFill>
+                  <a:srgbClr val="1c3678"/>
                 </a:solidFill>
                 <a:uFillTx/>
-                <a:latin typeface="Roboto"/>
-                <a:ea typeface="Roboto"/>
+                <a:latin typeface="Lato"/>
+                <a:ea typeface="Lato"/>
                 <a:hlinkClick r:id="rId5"/>
               </a:rPr>
               <a:t>n</a:t>
             </a:r>
-            <a:endParaRPr b="0" lang="en-US" sz="1800" spc="-1" strike="noStrike">
-              <a:solidFill>
-                <a:srgbClr val="000000"/>
-              </a:solidFill>
-              <a:latin typeface="Arial"/>
-            </a:endParaRPr>
-          </a:p>
-          <a:p>
-            <a:pPr marL="457200" indent="-342720">
+            <a:endParaRPr b="0" lang="en-US" sz="1300" spc="-1" strike="noStrike">
+              <a:solidFill>
+                <a:srgbClr val="000000"/>
+              </a:solidFill>
+              <a:latin typeface="Arial"/>
+            </a:endParaRPr>
+          </a:p>
+          <a:p>
+            <a:pPr marL="457200" indent="-310680">
               <a:lnSpc>
                 <a:spcPct val="115000"/>
               </a:lnSpc>
               <a:buClr>
                 <a:srgbClr val="000000"/>
               </a:buClr>
-              <a:buFont typeface="Roboto"/>
+              <a:buFont typeface="Lato"/>
               <a:buChar char="●"/>
             </a:pPr>
             <a:r>
-              <a:rPr b="0" lang="en-US" sz="1800" spc="-1" strike="noStrike">
+              <a:rPr b="0" lang="en-US" sz="1300" spc="-1" strike="noStrike">
                 <a:solidFill>
                   <a:srgbClr val="000000"/>
                 </a:solidFill>
-                <a:latin typeface="Roboto"/>
-                <a:ea typeface="Roboto"/>
+                <a:latin typeface="Lato"/>
+                <a:ea typeface="Lato"/>
               </a:rPr>
               <a:t>Python Software Foundation:</a:t>
             </a:r>
             <a:r>
-              <a:rPr b="0" lang="en-US" sz="1800" spc="-1" strike="noStrike">
-                <a:solidFill>
-                  <a:srgbClr val="737373"/>
-                </a:solidFill>
-                <a:latin typeface="Roboto"/>
-                <a:ea typeface="Roboto"/>
+              <a:rPr b="0" lang="en-US" sz="1300" spc="-1" strike="noStrike">
+                <a:solidFill>
+                  <a:srgbClr val="595959"/>
+                </a:solidFill>
+                <a:latin typeface="Lato"/>
+                <a:ea typeface="Lato"/>
               </a:rPr>
               <a:t> </a:t>
             </a:r>
             <a:r>
-              <a:rPr b="0" lang="en-US" sz="1800" spc="-1" strike="noStrike" u="sng">
-                <a:solidFill>
-                  <a:srgbClr val="4fc3f7"/>
+              <a:rPr b="0" lang="en-US" sz="1300" spc="-1" strike="noStrike" u="sng">
+                <a:solidFill>
+                  <a:srgbClr val="1c3678"/>
                 </a:solidFill>
                 <a:uFillTx/>
-                <a:latin typeface="Roboto"/>
-                <a:ea typeface="Roboto"/>
+                <a:latin typeface="Lato"/>
+                <a:ea typeface="Lato"/>
                 <a:hlinkClick r:id="rId6"/>
               </a:rPr>
               <a:t>http://pyfound.blogspot.com</a:t>
             </a:r>
-            <a:endParaRPr b="0" lang="en-US" sz="1800" spc="-1" strike="noStrike">
-              <a:solidFill>
-                <a:srgbClr val="000000"/>
-              </a:solidFill>
-              <a:latin typeface="Arial"/>
-            </a:endParaRPr>
-          </a:p>
-          <a:p>
-            <a:pPr marL="457200" indent="-342720">
+            <a:endParaRPr b="0" lang="en-US" sz="1300" spc="-1" strike="noStrike">
+              <a:solidFill>
+                <a:srgbClr val="000000"/>
+              </a:solidFill>
+              <a:latin typeface="Arial"/>
+            </a:endParaRPr>
+          </a:p>
+          <a:p>
+            <a:pPr marL="457200" indent="-310680">
               <a:lnSpc>
                 <a:spcPct val="115000"/>
               </a:lnSpc>
               <a:buClr>
                 <a:srgbClr val="000000"/>
               </a:buClr>
-              <a:buFont typeface="Roboto"/>
+              <a:buFont typeface="Lato"/>
               <a:buChar char="●"/>
             </a:pPr>
             <a:r>
-              <a:rPr b="0" lang="en-US" sz="1800" spc="-1" strike="noStrike">
+              <a:rPr b="0" lang="en-US" sz="1300" spc="-1" strike="noStrike">
                 <a:solidFill>
                   <a:srgbClr val="000000"/>
                 </a:solidFill>
-                <a:latin typeface="Roboto"/>
-                <a:ea typeface="Roboto"/>
+                <a:latin typeface="Lato"/>
+                <a:ea typeface="Lato"/>
               </a:rPr>
               <a:t>Python Bytes:</a:t>
             </a:r>
             <a:r>
-              <a:rPr b="0" lang="en-US" sz="1800" spc="-1" strike="noStrike">
-                <a:solidFill>
-                  <a:srgbClr val="737373"/>
-                </a:solidFill>
-                <a:latin typeface="Roboto"/>
-                <a:ea typeface="Roboto"/>
+              <a:rPr b="0" lang="en-US" sz="1300" spc="-1" strike="noStrike">
+                <a:solidFill>
+                  <a:srgbClr val="595959"/>
+                </a:solidFill>
+                <a:latin typeface="Lato"/>
+                <a:ea typeface="Lato"/>
               </a:rPr>
               <a:t> </a:t>
             </a:r>
             <a:r>
-              <a:rPr b="0" lang="en-US" sz="1800" spc="-1" strike="noStrike" u="sng">
-                <a:solidFill>
-                  <a:srgbClr val="4fc3f7"/>
+              <a:rPr b="0" lang="en-US" sz="1300" spc="-1" strike="noStrike" u="sng">
+                <a:solidFill>
+                  <a:srgbClr val="1c3678"/>
                 </a:solidFill>
                 <a:uFillTx/>
-                <a:latin typeface="Roboto"/>
-                <a:ea typeface="Roboto"/>
+                <a:latin typeface="Lato"/>
+                <a:ea typeface="Lato"/>
                 <a:hlinkClick r:id="rId7"/>
               </a:rPr>
               <a:t>https://pythonbytes.fm</a:t>
             </a:r>
-            <a:endParaRPr b="0" lang="en-US" sz="1800" spc="-1" strike="noStrike">
-              <a:solidFill>
-                <a:srgbClr val="000000"/>
-              </a:solidFill>
-              <a:latin typeface="Arial"/>
-            </a:endParaRPr>
-          </a:p>
-          <a:p>
-            <a:pPr marL="457200" indent="-342720">
+            <a:endParaRPr b="0" lang="en-US" sz="1300" spc="-1" strike="noStrike">
+              <a:solidFill>
+                <a:srgbClr val="000000"/>
+              </a:solidFill>
+              <a:latin typeface="Arial"/>
+            </a:endParaRPr>
+          </a:p>
+          <a:p>
+            <a:pPr marL="457200" indent="-310680">
               <a:lnSpc>
                 <a:spcPct val="115000"/>
               </a:lnSpc>
               <a:buClr>
                 <a:srgbClr val="000000"/>
               </a:buClr>
-              <a:buFont typeface="Roboto"/>
+              <a:buFont typeface="Lato"/>
               <a:buChar char="●"/>
             </a:pPr>
             <a:r>
-              <a:rPr b="0" lang="en-US" sz="1800" spc="-1" strike="noStrike">
+              <a:rPr b="0" lang="en-US" sz="1300" spc="-1" strike="noStrike">
                 <a:solidFill>
                   <a:srgbClr val="000000"/>
                 </a:solidFill>
-                <a:latin typeface="Roboto"/>
-                <a:ea typeface="Roboto"/>
+                <a:latin typeface="Lato"/>
+                <a:ea typeface="Lato"/>
               </a:rPr>
               <a:t>Python Insider:</a:t>
             </a:r>
             <a:r>
-              <a:rPr b="0" lang="en-US" sz="1800" spc="-1" strike="noStrike">
-                <a:solidFill>
-                  <a:srgbClr val="737373"/>
-                </a:solidFill>
-                <a:latin typeface="Roboto"/>
-                <a:ea typeface="Roboto"/>
+              <a:rPr b="0" lang="en-US" sz="1300" spc="-1" strike="noStrike">
+                <a:solidFill>
+                  <a:srgbClr val="595959"/>
+                </a:solidFill>
+                <a:latin typeface="Lato"/>
+                <a:ea typeface="Lato"/>
               </a:rPr>
               <a:t> </a:t>
             </a:r>
             <a:r>
-              <a:rPr b="0" lang="en-US" sz="1800" spc="-1" strike="noStrike" u="sng">
-                <a:solidFill>
-                  <a:srgbClr val="4fc3f7"/>
+              <a:rPr b="0" lang="en-US" sz="1300" spc="-1" strike="noStrike" u="sng">
+                <a:solidFill>
+                  <a:srgbClr val="1c3678"/>
                 </a:solidFill>
                 <a:uFillTx/>
-                <a:latin typeface="Roboto"/>
-                <a:ea typeface="Roboto"/>
+                <a:latin typeface="Lato"/>
+                <a:ea typeface="Lato"/>
                 <a:hlinkClick r:id="rId8"/>
               </a:rPr>
               <a:t>https://pythoninsider.blogspot.com</a:t>
             </a:r>
-            <a:endParaRPr b="0" lang="en-US" sz="1800" spc="-1" strike="noStrike">
-              <a:solidFill>
-                <a:srgbClr val="000000"/>
-              </a:solidFill>
-              <a:latin typeface="Arial"/>
-            </a:endParaRPr>
-          </a:p>
-          <a:p>
-            <a:pPr marL="457200" indent="-342720">
+            <a:endParaRPr b="0" lang="en-US" sz="1300" spc="-1" strike="noStrike">
+              <a:solidFill>
+                <a:srgbClr val="000000"/>
+              </a:solidFill>
+              <a:latin typeface="Arial"/>
+            </a:endParaRPr>
+          </a:p>
+          <a:p>
+            <a:pPr marL="457200" indent="-310680">
               <a:lnSpc>
                 <a:spcPct val="115000"/>
               </a:lnSpc>
               <a:buClr>
                 <a:srgbClr val="000000"/>
               </a:buClr>
-              <a:buFont typeface="Roboto"/>
+              <a:buFont typeface="Lato"/>
               <a:buChar char="●"/>
             </a:pPr>
             <a:r>
-              <a:rPr b="0" lang="en-US" sz="1800" spc="-1" strike="noStrike">
+              <a:rPr b="0" lang="en-US" sz="1300" spc="-1" strike="noStrike">
                 <a:solidFill>
                   <a:srgbClr val="000000"/>
                 </a:solidFill>
-                <a:latin typeface="Roboto"/>
-                <a:ea typeface="Roboto"/>
+                <a:latin typeface="Lato"/>
+                <a:ea typeface="Lato"/>
               </a:rPr>
               <a:t>Python-Dev Archives: </a:t>
             </a:r>
             <a:r>
-              <a:rPr b="0" lang="en-US" sz="1800" spc="-1" strike="noStrike" u="sng">
-                <a:solidFill>
-                  <a:srgbClr val="4fc3f7"/>
+              <a:rPr b="0" lang="en-US" sz="1300" spc="-1" strike="noStrike" u="sng">
+                <a:solidFill>
+                  <a:srgbClr val="1c3678"/>
                 </a:solidFill>
                 <a:uFillTx/>
-                <a:latin typeface="Roboto"/>
-                <a:ea typeface="Roboto"/>
+                <a:latin typeface="Lato"/>
+                <a:ea typeface="Lato"/>
                 <a:hlinkClick r:id="rId9"/>
               </a:rPr>
               <a:t>https://mail.python.org/pipermail/python-dev</a:t>
             </a:r>
-            <a:endParaRPr b="0" lang="en-US" sz="1800" spc="-1" strike="noStrike">
-              <a:solidFill>
-                <a:srgbClr val="000000"/>
-              </a:solidFill>
-              <a:latin typeface="Arial"/>
-            </a:endParaRPr>
-          </a:p>
-          <a:p>
-            <a:pPr marL="457200" indent="-342720">
+            <a:endParaRPr b="0" lang="en-US" sz="1300" spc="-1" strike="noStrike">
+              <a:solidFill>
+                <a:srgbClr val="000000"/>
+              </a:solidFill>
+              <a:latin typeface="Arial"/>
+            </a:endParaRPr>
+          </a:p>
+          <a:p>
+            <a:pPr marL="457200" indent="-310680">
               <a:lnSpc>
                 <a:spcPct val="115000"/>
               </a:lnSpc>
               <a:buClr>
                 <a:srgbClr val="000000"/>
               </a:buClr>
-              <a:buFont typeface="Roboto"/>
+              <a:buFont typeface="Lato"/>
               <a:buChar char="●"/>
             </a:pPr>
             <a:r>
-              <a:rPr b="0" lang="en-US" sz="1800" spc="-1" strike="noStrike">
+              <a:rPr b="0" lang="en-US" sz="1300" spc="-1" strike="noStrike">
                 <a:solidFill>
                   <a:srgbClr val="000000"/>
                 </a:solidFill>
-                <a:latin typeface="Roboto"/>
-                <a:ea typeface="Roboto"/>
+                <a:latin typeface="Lato"/>
+                <a:ea typeface="Lato"/>
               </a:rPr>
               <a:t>Pycoders: </a:t>
             </a:r>
             <a:r>
-              <a:rPr b="0" lang="en-US" sz="1800" spc="-1" strike="noStrike" u="sng">
-                <a:solidFill>
-                  <a:srgbClr val="4fc3f7"/>
+              <a:rPr b="0" lang="en-US" sz="1300" spc="-1" strike="noStrike" u="sng">
+                <a:solidFill>
+                  <a:srgbClr val="1c3678"/>
                 </a:solidFill>
                 <a:uFillTx/>
-                <a:latin typeface="Roboto"/>
-                <a:ea typeface="Roboto"/>
+                <a:latin typeface="Lato"/>
+                <a:ea typeface="Lato"/>
                 <a:hlinkClick r:id="rId10"/>
               </a:rPr>
               <a:t>https://pycoders.com</a:t>
             </a:r>
-            <a:endParaRPr b="0" lang="en-US" sz="1800" spc="-1" strike="noStrike">
+            <a:endParaRPr b="0" lang="en-US" sz="1300" spc="-1" strike="noStrike">
               <a:solidFill>
                 <a:srgbClr val="000000"/>
               </a:solidFill>
@@ -5194,6 +5336,33 @@
       </p:sp>
     </p:spTree>
   </p:cSld>
+  <p:timing>
+    <p:tnLst>
+      <p:par>
+        <p:cTn id="23" dur="indefinite" restart="never" nodeType="tmRoot">
+          <p:childTnLst>
+            <p:seq>
+              <p:cTn id="24" dur="indefinite" nodeType="mainSeq"/>
+              <p:prevCondLst>
+                <p:cond delay="0" evt="onPrev">
+                  <p:tgtEl>
+                    <p:sldTgt/>
+                  </p:tgtEl>
+                </p:cond>
+              </p:prevCondLst>
+              <p:nextCondLst>
+                <p:cond delay="0" evt="onNext">
+                  <p:tgtEl>
+                    <p:sldTgt/>
+                  </p:tgtEl>
+                </p:cond>
+              </p:nextCondLst>
+            </p:seq>
+          </p:childTnLst>
+        </p:cTn>
+      </p:par>
+    </p:tnLst>
+  </p:timing>
 </p:sld>
 </file>
 
@@ -5216,14 +5385,14 @@
       </p:grpSpPr>
       <p:sp>
         <p:nvSpPr>
-          <p:cNvPr id="119" name="TextShape 1"/>
+          <p:cNvPr id="123" name="TextShape 1"/>
           <p:cNvSpPr txBox="1"/>
           <p:nvPr/>
         </p:nvSpPr>
         <p:spPr>
           <a:xfrm>
-            <a:off x="471960" y="738720"/>
-            <a:ext cx="8221680" cy="767520"/>
+            <a:off x="815400" y="1097280"/>
+            <a:ext cx="7688520" cy="534960"/>
           </a:xfrm>
           <a:prstGeom prst="rect">
             <a:avLst/>
@@ -5234,7 +5403,7 @@
           </a:ln>
         </p:spPr>
         <p:txBody>
-          <a:bodyPr tIns="91440" bIns="91440" anchor="b"/>
+          <a:bodyPr tIns="91440" bIns="91440"/>
           <a:p>
             <a:pPr>
               <a:lnSpc>
@@ -5242,27 +5411,27 @@
               </a:lnSpc>
             </a:pPr>
             <a:r>
-              <a:rPr b="0" lang="en-US" sz="3200" spc="-1" strike="noStrike">
-                <a:solidFill>
-                  <a:srgbClr val="ffffff"/>
-                </a:solidFill>
-                <a:latin typeface="Roboto"/>
-                <a:ea typeface="Roboto"/>
+              <a:rPr b="1" lang="en-US" sz="2600" spc="-1" strike="noStrike">
+                <a:solidFill>
+                  <a:srgbClr val="1a1a1a"/>
+                </a:solidFill>
+                <a:latin typeface="Raleway"/>
+                <a:ea typeface="Raleway"/>
               </a:rPr>
               <a:t>Popular Open Source Python Projects</a:t>
             </a:r>
-            <a:endParaRPr b="0" lang="en-US" sz="3200" spc="-1" strike="noStrike">
-              <a:solidFill>
-                <a:srgbClr val="000000"/>
-              </a:solidFill>
-              <a:latin typeface="Arial"/>
-            </a:endParaRPr>
-          </a:p>
-        </p:txBody>
-      </p:sp>
-      <p:sp>
-        <p:nvSpPr>
-          <p:cNvPr id="120" name="TextShape 2"/>
+            <a:endParaRPr b="0" lang="en-US" sz="2600" spc="-1" strike="noStrike">
+              <a:solidFill>
+                <a:srgbClr val="000000"/>
+              </a:solidFill>
+              <a:latin typeface="Arial"/>
+            </a:endParaRPr>
+          </a:p>
+        </p:txBody>
+      </p:sp>
+      <p:sp>
+        <p:nvSpPr>
+          <p:cNvPr id="124" name="TextShape 2"/>
           <p:cNvSpPr txBox="1"/>
           <p:nvPr/>
         </p:nvSpPr>
@@ -5289,42 +5458,42 @@
               <a:buClr>
                 <a:srgbClr val="000000"/>
               </a:buClr>
-              <a:buFont typeface="Roboto"/>
+              <a:buFont typeface="Lato"/>
               <a:buChar char="●"/>
             </a:pPr>
             <a:r>
-              <a:rPr b="0" lang="en-US" sz="1400" spc="-1" strike="noStrike">
+              <a:rPr b="0" lang="en-US" sz="1300" spc="-1" strike="noStrike">
                 <a:solidFill>
                   <a:srgbClr val="000000"/>
                 </a:solidFill>
-                <a:latin typeface="Roboto"/>
-                <a:ea typeface="Roboto"/>
+                <a:latin typeface="Lato"/>
+                <a:ea typeface="Lato"/>
               </a:rPr>
               <a:t>Cpython: </a:t>
             </a:r>
             <a:r>
-              <a:rPr b="0" lang="en-US" sz="1400" spc="-1" strike="noStrike" u="sng">
-                <a:solidFill>
-                  <a:srgbClr val="4fc3f7"/>
+              <a:rPr b="0" lang="en-US" sz="1300" spc="-1" strike="noStrike" u="sng">
+                <a:solidFill>
+                  <a:srgbClr val="1c3678"/>
                 </a:solidFill>
                 <a:uFillTx/>
-                <a:latin typeface="Roboto"/>
-                <a:ea typeface="Roboto"/>
+                <a:latin typeface="Lato"/>
+                <a:ea typeface="Lato"/>
                 <a:hlinkClick r:id="rId1"/>
               </a:rPr>
               <a:t>https://github.com/python</a:t>
             </a:r>
             <a:r>
-              <a:rPr b="0" lang="en-US" sz="1400" spc="-1" strike="noStrike">
+              <a:rPr b="0" lang="en-US" sz="1300" spc="-1" strike="noStrike">
                 <a:solidFill>
                   <a:srgbClr val="000000"/>
                 </a:solidFill>
-                <a:latin typeface="Roboto"/>
-                <a:ea typeface="Roboto"/>
+                <a:latin typeface="Lato"/>
+                <a:ea typeface="Lato"/>
               </a:rPr>
               <a:t> </a:t>
             </a:r>
-            <a:endParaRPr b="0" lang="en-US" sz="1400" spc="-1" strike="noStrike">
+            <a:endParaRPr b="0" lang="en-US" sz="1300" spc="-1" strike="noStrike">
               <a:solidFill>
                 <a:srgbClr val="000000"/>
               </a:solidFill>
@@ -5339,32 +5508,32 @@
               <a:buClr>
                 <a:srgbClr val="000000"/>
               </a:buClr>
-              <a:buFont typeface="Roboto"/>
+              <a:buFont typeface="Lato"/>
               <a:buChar char="●"/>
             </a:pPr>
             <a:r>
-              <a:rPr b="0" lang="en-US" sz="1400" spc="-1" strike="noStrike">
+              <a:rPr b="0" lang="en-US" sz="1300" spc="-1" strike="noStrike">
                 <a:solidFill>
                   <a:srgbClr val="000000"/>
                 </a:solidFill>
-                <a:latin typeface="Roboto"/>
-                <a:ea typeface="Roboto"/>
+                <a:latin typeface="Lato"/>
+                <a:ea typeface="Lato"/>
               </a:rPr>
               <a:t>SaltStack: </a:t>
             </a:r>
             <a:r>
-              <a:rPr b="0" lang="en-US" sz="1400" spc="-1" strike="noStrike" u="sng">
-                <a:solidFill>
-                  <a:srgbClr val="4fc3f7"/>
+              <a:rPr b="0" lang="en-US" sz="1300" spc="-1" strike="noStrike" u="sng">
+                <a:solidFill>
+                  <a:srgbClr val="1c3678"/>
                 </a:solidFill>
                 <a:uFillTx/>
-                <a:latin typeface="Roboto"/>
-                <a:ea typeface="Roboto"/>
+                <a:latin typeface="Lato"/>
+                <a:ea typeface="Lato"/>
                 <a:hlinkClick r:id="rId2"/>
               </a:rPr>
               <a:t>https://github.com/saltstack/salt</a:t>
             </a:r>
-            <a:endParaRPr b="0" lang="en-US" sz="1400" spc="-1" strike="noStrike">
+            <a:endParaRPr b="0" lang="en-US" sz="1300" spc="-1" strike="noStrike">
               <a:solidFill>
                 <a:srgbClr val="000000"/>
               </a:solidFill>
@@ -5379,32 +5548,32 @@
               <a:buClr>
                 <a:srgbClr val="000000"/>
               </a:buClr>
-              <a:buFont typeface="Roboto"/>
+              <a:buFont typeface="Lato"/>
               <a:buChar char="●"/>
             </a:pPr>
             <a:r>
-              <a:rPr b="0" lang="en-US" sz="1400" spc="-1" strike="noStrike">
+              <a:rPr b="0" lang="en-US" sz="1300" spc="-1" strike="noStrike">
                 <a:solidFill>
                   <a:srgbClr val="000000"/>
                 </a:solidFill>
-                <a:latin typeface="Roboto"/>
-                <a:ea typeface="Roboto"/>
+                <a:latin typeface="Lato"/>
+                <a:ea typeface="Lato"/>
               </a:rPr>
               <a:t>Django: </a:t>
             </a:r>
             <a:r>
-              <a:rPr b="0" lang="en-US" sz="1400" spc="-1" strike="noStrike" u="sng">
-                <a:solidFill>
-                  <a:srgbClr val="4fc3f7"/>
+              <a:rPr b="0" lang="en-US" sz="1300" spc="-1" strike="noStrike" u="sng">
+                <a:solidFill>
+                  <a:srgbClr val="1c3678"/>
                 </a:solidFill>
                 <a:uFillTx/>
-                <a:latin typeface="Roboto"/>
-                <a:ea typeface="Roboto"/>
+                <a:latin typeface="Lato"/>
+                <a:ea typeface="Lato"/>
                 <a:hlinkClick r:id="rId3"/>
               </a:rPr>
               <a:t>https://github.com/django/django</a:t>
             </a:r>
-            <a:endParaRPr b="0" lang="en-US" sz="1400" spc="-1" strike="noStrike">
+            <a:endParaRPr b="0" lang="en-US" sz="1300" spc="-1" strike="noStrike">
               <a:solidFill>
                 <a:srgbClr val="000000"/>
               </a:solidFill>
@@ -5419,32 +5588,32 @@
               <a:buClr>
                 <a:srgbClr val="000000"/>
               </a:buClr>
-              <a:buFont typeface="Roboto"/>
+              <a:buFont typeface="Lato"/>
               <a:buChar char="●"/>
             </a:pPr>
             <a:r>
-              <a:rPr b="0" lang="en-US" sz="1400" spc="-1" strike="noStrike">
+              <a:rPr b="0" lang="en-US" sz="1300" spc="-1" strike="noStrike">
                 <a:solidFill>
                   <a:srgbClr val="000000"/>
                 </a:solidFill>
-                <a:latin typeface="Roboto"/>
-                <a:ea typeface="Roboto"/>
+                <a:latin typeface="Lato"/>
+                <a:ea typeface="Lato"/>
               </a:rPr>
               <a:t>Flask: </a:t>
             </a:r>
             <a:r>
-              <a:rPr b="0" lang="en-US" sz="1400" spc="-1" strike="noStrike" u="sng">
-                <a:solidFill>
-                  <a:srgbClr val="4fc3f7"/>
+              <a:rPr b="0" lang="en-US" sz="1300" spc="-1" strike="noStrike" u="sng">
+                <a:solidFill>
+                  <a:srgbClr val="1c3678"/>
                 </a:solidFill>
                 <a:uFillTx/>
-                <a:latin typeface="Roboto"/>
-                <a:ea typeface="Roboto"/>
+                <a:latin typeface="Lato"/>
+                <a:ea typeface="Lato"/>
                 <a:hlinkClick r:id="rId4"/>
               </a:rPr>
               <a:t>https://github.com/pallets/flask</a:t>
             </a:r>
-            <a:endParaRPr b="0" lang="en-US" sz="1400" spc="-1" strike="noStrike">
+            <a:endParaRPr b="0" lang="en-US" sz="1300" spc="-1" strike="noStrike">
               <a:solidFill>
                 <a:srgbClr val="000000"/>
               </a:solidFill>
@@ -5459,32 +5628,32 @@
               <a:buClr>
                 <a:srgbClr val="000000"/>
               </a:buClr>
-              <a:buFont typeface="Roboto"/>
+              <a:buFont typeface="Lato"/>
               <a:buChar char="●"/>
             </a:pPr>
             <a:r>
-              <a:rPr b="0" lang="en-US" sz="1400" spc="-1" strike="noStrike">
+              <a:rPr b="0" lang="en-US" sz="1300" spc="-1" strike="noStrike">
                 <a:solidFill>
                   <a:srgbClr val="000000"/>
                 </a:solidFill>
-                <a:latin typeface="Roboto"/>
-                <a:ea typeface="Roboto"/>
+                <a:latin typeface="Lato"/>
+                <a:ea typeface="Lato"/>
               </a:rPr>
               <a:t>Keras: </a:t>
             </a:r>
             <a:r>
-              <a:rPr b="0" lang="en-US" sz="1400" spc="-1" strike="noStrike" u="sng">
-                <a:solidFill>
-                  <a:srgbClr val="4fc3f7"/>
+              <a:rPr b="0" lang="en-US" sz="1300" spc="-1" strike="noStrike" u="sng">
+                <a:solidFill>
+                  <a:srgbClr val="1c3678"/>
                 </a:solidFill>
                 <a:uFillTx/>
-                <a:latin typeface="Roboto"/>
-                <a:ea typeface="Roboto"/>
+                <a:latin typeface="Lato"/>
+                <a:ea typeface="Lato"/>
                 <a:hlinkClick r:id="rId5"/>
               </a:rPr>
               <a:t>https://github.com/keras-team/keras</a:t>
             </a:r>
-            <a:endParaRPr b="0" lang="en-US" sz="1400" spc="-1" strike="noStrike">
+            <a:endParaRPr b="0" lang="en-US" sz="1300" spc="-1" strike="noStrike">
               <a:solidFill>
                 <a:srgbClr val="000000"/>
               </a:solidFill>
@@ -5499,32 +5668,32 @@
               <a:buClr>
                 <a:srgbClr val="000000"/>
               </a:buClr>
-              <a:buFont typeface="Roboto"/>
+              <a:buFont typeface="Lato"/>
               <a:buChar char="●"/>
             </a:pPr>
             <a:r>
-              <a:rPr b="0" lang="en-US" sz="1400" spc="-1" strike="noStrike">
+              <a:rPr b="0" lang="en-US" sz="1300" spc="-1" strike="noStrike">
                 <a:solidFill>
                   <a:srgbClr val="000000"/>
                 </a:solidFill>
-                <a:latin typeface="Roboto"/>
-                <a:ea typeface="Roboto"/>
+                <a:latin typeface="Lato"/>
+                <a:ea typeface="Lato"/>
               </a:rPr>
               <a:t>Pyright: </a:t>
             </a:r>
             <a:r>
-              <a:rPr b="0" lang="en-US" sz="1400" spc="-1" strike="noStrike" u="sng">
-                <a:solidFill>
-                  <a:srgbClr val="4fc3f7"/>
+              <a:rPr b="0" lang="en-US" sz="1300" spc="-1" strike="noStrike" u="sng">
+                <a:solidFill>
+                  <a:srgbClr val="1c3678"/>
                 </a:solidFill>
                 <a:uFillTx/>
-                <a:latin typeface="Roboto"/>
-                <a:ea typeface="Roboto"/>
+                <a:latin typeface="Lato"/>
+                <a:ea typeface="Lato"/>
                 <a:hlinkClick r:id="rId6"/>
               </a:rPr>
               <a:t>https://github.com/Microsoft/pyright</a:t>
             </a:r>
-            <a:endParaRPr b="0" lang="en-US" sz="1400" spc="-1" strike="noStrike">
+            <a:endParaRPr b="0" lang="en-US" sz="1300" spc="-1" strike="noStrike">
               <a:solidFill>
                 <a:srgbClr val="000000"/>
               </a:solidFill>
@@ -5539,32 +5708,32 @@
               <a:buClr>
                 <a:srgbClr val="000000"/>
               </a:buClr>
-              <a:buFont typeface="Roboto"/>
+              <a:buFont typeface="Lato"/>
               <a:buChar char="●"/>
             </a:pPr>
             <a:r>
-              <a:rPr b="0" lang="en-US" sz="1400" spc="-1" strike="noStrike">
+              <a:rPr b="0" lang="en-US" sz="1300" spc="-1" strike="noStrike">
                 <a:solidFill>
                   <a:srgbClr val="000000"/>
                 </a:solidFill>
-                <a:latin typeface="Roboto"/>
-                <a:ea typeface="Roboto"/>
+                <a:latin typeface="Lato"/>
+                <a:ea typeface="Lato"/>
               </a:rPr>
               <a:t>PyTorch:</a:t>
             </a:r>
             <a:r>
-              <a:rPr b="0" lang="en-US" sz="1400" spc="-1" strike="noStrike" u="sng">
-                <a:solidFill>
-                  <a:srgbClr val="4fc3f7"/>
+              <a:rPr b="0" lang="en-US" sz="1300" spc="-1" strike="noStrike" u="sng">
+                <a:solidFill>
+                  <a:srgbClr val="1c3678"/>
                 </a:solidFill>
                 <a:uFillTx/>
-                <a:latin typeface="Roboto"/>
-                <a:ea typeface="Roboto"/>
+                <a:latin typeface="Lato"/>
+                <a:ea typeface="Lato"/>
                 <a:hlinkClick r:id="rId7"/>
               </a:rPr>
               <a:t>https://github.com/pytorch/pytorch</a:t>
             </a:r>
-            <a:endParaRPr b="0" lang="en-US" sz="1400" spc="-1" strike="noStrike">
+            <a:endParaRPr b="0" lang="en-US" sz="1300" spc="-1" strike="noStrike">
               <a:solidFill>
                 <a:srgbClr val="000000"/>
               </a:solidFill>
@@ -5579,32 +5748,32 @@
               <a:buClr>
                 <a:srgbClr val="000000"/>
               </a:buClr>
-              <a:buFont typeface="Roboto"/>
+              <a:buFont typeface="Lato"/>
               <a:buChar char="●"/>
             </a:pPr>
             <a:r>
-              <a:rPr b="0" lang="en-US" sz="1400" spc="-1" strike="noStrike">
+              <a:rPr b="0" lang="en-US" sz="1300" spc="-1" strike="noStrike">
                 <a:solidFill>
                   <a:srgbClr val="000000"/>
                 </a:solidFill>
-                <a:latin typeface="Roboto"/>
-                <a:ea typeface="Roboto"/>
+                <a:latin typeface="Lato"/>
+                <a:ea typeface="Lato"/>
               </a:rPr>
               <a:t>TensorFlow: </a:t>
             </a:r>
             <a:r>
-              <a:rPr b="0" lang="en-US" sz="1400" spc="-1" strike="noStrike" u="sng">
-                <a:solidFill>
-                  <a:srgbClr val="4fc3f7"/>
+              <a:rPr b="0" lang="en-US" sz="1300" spc="-1" strike="noStrike" u="sng">
+                <a:solidFill>
+                  <a:srgbClr val="1c3678"/>
                 </a:solidFill>
                 <a:uFillTx/>
-                <a:latin typeface="Roboto"/>
-                <a:ea typeface="Roboto"/>
+                <a:latin typeface="Lato"/>
+                <a:ea typeface="Lato"/>
                 <a:hlinkClick r:id="rId8"/>
               </a:rPr>
               <a:t>https://github.com/tensorflow/tensorflow</a:t>
             </a:r>
-            <a:endParaRPr b="0" lang="en-US" sz="1400" spc="-1" strike="noStrike">
+            <a:endParaRPr b="0" lang="en-US" sz="1300" spc="-1" strike="noStrike">
               <a:solidFill>
                 <a:srgbClr val="000000"/>
               </a:solidFill>
@@ -5619,32 +5788,32 @@
               <a:buClr>
                 <a:srgbClr val="000000"/>
               </a:buClr>
-              <a:buFont typeface="Roboto"/>
+              <a:buFont typeface="Lato"/>
               <a:buChar char="●"/>
             </a:pPr>
             <a:r>
-              <a:rPr b="0" lang="en-US" sz="1400" spc="-1" strike="noStrike">
+              <a:rPr b="0" lang="en-US" sz="1300" spc="-1" strike="noStrike">
                 <a:solidFill>
                   <a:srgbClr val="000000"/>
                 </a:solidFill>
-                <a:latin typeface="Roboto"/>
-                <a:ea typeface="Roboto"/>
+                <a:latin typeface="Lato"/>
+                <a:ea typeface="Lato"/>
               </a:rPr>
               <a:t>PEPs: </a:t>
             </a:r>
             <a:r>
-              <a:rPr b="0" lang="en-US" sz="1400" spc="-1" strike="noStrike" u="sng">
-                <a:solidFill>
-                  <a:srgbClr val="4fc3f7"/>
+              <a:rPr b="0" lang="en-US" sz="1300" spc="-1" strike="noStrike" u="sng">
+                <a:solidFill>
+                  <a:srgbClr val="1c3678"/>
                 </a:solidFill>
                 <a:uFillTx/>
-                <a:latin typeface="Roboto"/>
-                <a:ea typeface="Roboto"/>
+                <a:latin typeface="Lato"/>
+                <a:ea typeface="Lato"/>
                 <a:hlinkClick r:id="rId9"/>
               </a:rPr>
               <a:t>https://github.com/python/peps</a:t>
             </a:r>
-            <a:endParaRPr b="0" lang="en-US" sz="1400" spc="-1" strike="noStrike">
+            <a:endParaRPr b="0" lang="en-US" sz="1300" spc="-1" strike="noStrike">
               <a:solidFill>
                 <a:srgbClr val="000000"/>
               </a:solidFill>
@@ -5659,32 +5828,32 @@
               <a:buClr>
                 <a:srgbClr val="000000"/>
               </a:buClr>
-              <a:buFont typeface="Roboto"/>
+              <a:buFont typeface="Lato"/>
               <a:buChar char="●"/>
             </a:pPr>
             <a:r>
-              <a:rPr b="0" lang="en-US" sz="1400" spc="-1" strike="noStrike">
+              <a:rPr b="0" lang="en-US" sz="1300" spc="-1" strike="noStrike">
                 <a:solidFill>
                   <a:srgbClr val="000000"/>
                 </a:solidFill>
-                <a:latin typeface="Roboto"/>
-                <a:ea typeface="Roboto"/>
+                <a:latin typeface="Lato"/>
+                <a:ea typeface="Lato"/>
               </a:rPr>
               <a:t>SocialScan: </a:t>
             </a:r>
             <a:r>
-              <a:rPr b="0" lang="en-US" sz="1400" spc="-1" strike="noStrike" u="sng">
-                <a:solidFill>
-                  <a:srgbClr val="4fc3f7"/>
+              <a:rPr b="0" lang="en-US" sz="1300" spc="-1" strike="noStrike" u="sng">
+                <a:solidFill>
+                  <a:srgbClr val="1c3678"/>
                 </a:solidFill>
                 <a:uFillTx/>
-                <a:latin typeface="Roboto"/>
-                <a:ea typeface="Roboto"/>
+                <a:latin typeface="Lato"/>
+                <a:ea typeface="Lato"/>
                 <a:hlinkClick r:id="rId10"/>
               </a:rPr>
               <a:t>https://github.com/iojw/socialscan</a:t>
             </a:r>
-            <a:endParaRPr b="0" lang="en-US" sz="1400" spc="-1" strike="noStrike">
+            <a:endParaRPr b="0" lang="en-US" sz="1300" spc="-1" strike="noStrike">
               <a:solidFill>
                 <a:srgbClr val="000000"/>
               </a:solidFill>
@@ -5699,32 +5868,32 @@
               <a:buClr>
                 <a:srgbClr val="000000"/>
               </a:buClr>
-              <a:buFont typeface="Roboto"/>
+              <a:buFont typeface="Lato"/>
               <a:buChar char="●"/>
             </a:pPr>
             <a:r>
-              <a:rPr b="0" lang="en-US" sz="1400" spc="-1" strike="noStrike">
+              <a:rPr b="0" lang="en-US" sz="1300" spc="-1" strike="noStrike">
                 <a:solidFill>
                   <a:srgbClr val="000000"/>
                 </a:solidFill>
-                <a:latin typeface="Roboto"/>
-                <a:ea typeface="Roboto"/>
+                <a:latin typeface="Lato"/>
+                <a:ea typeface="Lato"/>
               </a:rPr>
               <a:t>Data Analysis Baseline Library (DABL): </a:t>
             </a:r>
             <a:r>
-              <a:rPr b="0" lang="en-US" sz="1400" spc="-1" strike="noStrike" u="sng">
-                <a:solidFill>
-                  <a:srgbClr val="4fc3f7"/>
+              <a:rPr b="0" lang="en-US" sz="1300" spc="-1" strike="noStrike" u="sng">
+                <a:solidFill>
+                  <a:srgbClr val="1c3678"/>
                 </a:solidFill>
                 <a:uFillTx/>
-                <a:latin typeface="Roboto"/>
-                <a:ea typeface="Roboto"/>
+                <a:latin typeface="Lato"/>
+                <a:ea typeface="Lato"/>
                 <a:hlinkClick r:id="rId11"/>
               </a:rPr>
               <a:t>https://github.com/amueller/dabl</a:t>
             </a:r>
-            <a:endParaRPr b="0" lang="en-US" sz="1400" spc="-1" strike="noStrike">
+            <a:endParaRPr b="0" lang="en-US" sz="1300" spc="-1" strike="noStrike">
               <a:solidFill>
                 <a:srgbClr val="000000"/>
               </a:solidFill>
@@ -5739,32 +5908,32 @@
               <a:buClr>
                 <a:srgbClr val="000000"/>
               </a:buClr>
-              <a:buFont typeface="Roboto"/>
+              <a:buFont typeface="Lato"/>
               <a:buChar char="●"/>
             </a:pPr>
             <a:r>
-              <a:rPr b="0" lang="en-US" sz="1400" spc="-1" strike="noStrike">
+              <a:rPr b="0" lang="en-US" sz="1300" spc="-1" strike="noStrike">
                 <a:solidFill>
                   <a:srgbClr val="000000"/>
                 </a:solidFill>
-                <a:latin typeface="Roboto"/>
-                <a:ea typeface="Roboto"/>
+                <a:latin typeface="Lato"/>
+                <a:ea typeface="Lato"/>
               </a:rPr>
               <a:t>Faceswap: </a:t>
             </a:r>
             <a:r>
-              <a:rPr b="0" lang="en-US" sz="1400" spc="-1" strike="noStrike" u="sng">
-                <a:solidFill>
-                  <a:srgbClr val="4fc3f7"/>
+              <a:rPr b="0" lang="en-US" sz="1300" spc="-1" strike="noStrike" u="sng">
+                <a:solidFill>
+                  <a:srgbClr val="1c3678"/>
                 </a:solidFill>
                 <a:uFillTx/>
-                <a:latin typeface="Roboto"/>
-                <a:ea typeface="Roboto"/>
+                <a:latin typeface="Lato"/>
+                <a:ea typeface="Lato"/>
                 <a:hlinkClick r:id="rId12"/>
               </a:rPr>
               <a:t>https://github.com/deepfakes/faceswap</a:t>
             </a:r>
-            <a:endParaRPr b="0" lang="en-US" sz="1400" spc="-1" strike="noStrike">
+            <a:endParaRPr b="0" lang="en-US" sz="1300" spc="-1" strike="noStrike">
               <a:solidFill>
                 <a:srgbClr val="000000"/>
               </a:solidFill>
@@ -5779,32 +5948,32 @@
               <a:buClr>
                 <a:srgbClr val="000000"/>
               </a:buClr>
-              <a:buFont typeface="Roboto"/>
+              <a:buFont typeface="Lato"/>
               <a:buChar char="●"/>
             </a:pPr>
             <a:r>
-              <a:rPr b="0" lang="en-US" sz="1400" spc="-1" strike="noStrike">
+              <a:rPr b="0" lang="en-US" sz="1300" spc="-1" strike="noStrike">
                 <a:solidFill>
                   <a:srgbClr val="000000"/>
                 </a:solidFill>
-                <a:latin typeface="Roboto"/>
-                <a:ea typeface="Roboto"/>
+                <a:latin typeface="Lato"/>
+                <a:ea typeface="Lato"/>
               </a:rPr>
               <a:t>Awesome Python: </a:t>
             </a:r>
             <a:r>
-              <a:rPr b="0" lang="en-US" sz="1400" spc="-1" strike="noStrike" u="sng">
-                <a:solidFill>
-                  <a:srgbClr val="4fc3f7"/>
+              <a:rPr b="0" lang="en-US" sz="1300" spc="-1" strike="noStrike" u="sng">
+                <a:solidFill>
+                  <a:srgbClr val="1c3678"/>
                 </a:solidFill>
                 <a:uFillTx/>
-                <a:latin typeface="Roboto"/>
-                <a:ea typeface="Roboto"/>
+                <a:latin typeface="Lato"/>
+                <a:ea typeface="Lato"/>
                 <a:hlinkClick r:id="rId13"/>
               </a:rPr>
               <a:t>https://github.com/vinta/awesome-python</a:t>
             </a:r>
-            <a:endParaRPr b="0" lang="en-US" sz="1400" spc="-1" strike="noStrike">
+            <a:endParaRPr b="0" lang="en-US" sz="1300" spc="-1" strike="noStrike">
               <a:solidFill>
                 <a:srgbClr val="000000"/>
               </a:solidFill>
@@ -5823,7 +5992,7 @@
                 <a:spcPts val="1599"/>
               </a:spcAft>
             </a:pPr>
-            <a:endParaRPr b="0" lang="en-US" sz="1400" spc="-1" strike="noStrike">
+            <a:endParaRPr b="0" lang="en-US" sz="1300" spc="-1" strike="noStrike">
               <a:solidFill>
                 <a:srgbClr val="000000"/>
               </a:solidFill>
@@ -5834,6 +6003,33 @@
       </p:sp>
     </p:spTree>
   </p:cSld>
+  <p:timing>
+    <p:tnLst>
+      <p:par>
+        <p:cTn id="25" dur="indefinite" restart="never" nodeType="tmRoot">
+          <p:childTnLst>
+            <p:seq>
+              <p:cTn id="26" dur="indefinite" nodeType="mainSeq"/>
+              <p:prevCondLst>
+                <p:cond delay="0" evt="onPrev">
+                  <p:tgtEl>
+                    <p:sldTgt/>
+                  </p:tgtEl>
+                </p:cond>
+              </p:prevCondLst>
+              <p:nextCondLst>
+                <p:cond delay="0" evt="onNext">
+                  <p:tgtEl>
+                    <p:sldTgt/>
+                  </p:tgtEl>
+                </p:cond>
+              </p:nextCondLst>
+            </p:seq>
+          </p:childTnLst>
+        </p:cTn>
+      </p:par>
+    </p:tnLst>
+  </p:timing>
 </p:sld>
 </file>
 
@@ -5856,7 +6052,7 @@
       </p:grpSpPr>
       <p:sp>
         <p:nvSpPr>
-          <p:cNvPr id="121" name="TextShape 1"/>
+          <p:cNvPr id="125" name="TextShape 1"/>
           <p:cNvSpPr txBox="1"/>
           <p:nvPr/>
         </p:nvSpPr>
@@ -5874,7 +6070,7 @@
           </a:ln>
         </p:spPr>
         <p:txBody>
-          <a:bodyPr tIns="91440" bIns="91440" anchor="b"/>
+          <a:bodyPr tIns="91440" bIns="91440"/>
           <a:p>
             <a:pPr>
               <a:lnSpc>
@@ -5882,27 +6078,27 @@
               </a:lnSpc>
             </a:pPr>
             <a:r>
-              <a:rPr b="0" lang="en-US" sz="3200" spc="-1" strike="noStrike">
-                <a:solidFill>
-                  <a:srgbClr val="ffffff"/>
-                </a:solidFill>
-                <a:latin typeface="Roboto"/>
-                <a:ea typeface="Roboto"/>
+              <a:rPr b="1" lang="en-US" sz="2600" spc="-1" strike="noStrike">
+                <a:solidFill>
+                  <a:srgbClr val="1a1a1a"/>
+                </a:solidFill>
+                <a:latin typeface="Raleway"/>
+                <a:ea typeface="Raleway"/>
               </a:rPr>
               <a:t>10 Python Scripts Scripts for Beginners </a:t>
             </a:r>
-            <a:endParaRPr b="0" lang="en-US" sz="3200" spc="-1" strike="noStrike">
-              <a:solidFill>
-                <a:srgbClr val="000000"/>
-              </a:solidFill>
-              <a:latin typeface="Arial"/>
-            </a:endParaRPr>
-          </a:p>
-        </p:txBody>
-      </p:sp>
-      <p:sp>
-        <p:nvSpPr>
-          <p:cNvPr id="122" name="TextShape 2"/>
+            <a:endParaRPr b="0" lang="en-US" sz="2600" spc="-1" strike="noStrike">
+              <a:solidFill>
+                <a:srgbClr val="000000"/>
+              </a:solidFill>
+              <a:latin typeface="Arial"/>
+            </a:endParaRPr>
+          </a:p>
+        </p:txBody>
+      </p:sp>
+      <p:sp>
+        <p:nvSpPr>
+          <p:cNvPr id="126" name="TextShape 2"/>
           <p:cNvSpPr txBox="1"/>
           <p:nvPr/>
         </p:nvSpPr>
@@ -5933,7 +6129,7 @@
               <a:buChar char="●"/>
             </a:pPr>
             <a:r>
-              <a:rPr b="0" lang="en-US" sz="1400" spc="-1" strike="noStrike">
+              <a:rPr b="0" lang="en-US" sz="1200" spc="-1" strike="noStrike">
                 <a:solidFill>
                   <a:srgbClr val="000000"/>
                 </a:solidFill>
@@ -5943,9 +6139,9 @@
               <a:t>Mass body index calculator: </a:t>
             </a:r>
             <a:r>
-              <a:rPr b="0" lang="en-US" sz="1400" spc="-1" strike="noStrike" u="sng">
-                <a:solidFill>
-                  <a:srgbClr val="4fc3f7"/>
+              <a:rPr b="0" lang="en-US" sz="1200" spc="-1" strike="noStrike" u="sng">
+                <a:solidFill>
+                  <a:srgbClr val="1c3678"/>
                 </a:solidFill>
                 <a:uFillTx/>
                 <a:latin typeface="Calibri"/>
@@ -5954,7 +6150,7 @@
               </a:rPr>
               <a:t>https://github.com/purcellconsult/scripts/blob/master/body_mass_index_calculator.py</a:t>
             </a:r>
-            <a:endParaRPr b="0" lang="en-US" sz="1400" spc="-1" strike="noStrike">
+            <a:endParaRPr b="0" lang="en-US" sz="1200" spc="-1" strike="noStrike">
               <a:solidFill>
                 <a:srgbClr val="000000"/>
               </a:solidFill>
@@ -5973,7 +6169,7 @@
               <a:buChar char="●"/>
             </a:pPr>
             <a:r>
-              <a:rPr b="0" lang="en-US" sz="1400" spc="-1" strike="noStrike">
+              <a:rPr b="0" lang="en-US" sz="1200" spc="-1" strike="noStrike">
                 <a:solidFill>
                   <a:srgbClr val="000000"/>
                 </a:solidFill>
@@ -5983,9 +6179,9 @@
               <a:t>Number guessing game: </a:t>
             </a:r>
             <a:r>
-              <a:rPr b="0" lang="en-US" sz="1400" spc="-1" strike="noStrike" u="sng">
-                <a:solidFill>
-                  <a:srgbClr val="4fc3f7"/>
+              <a:rPr b="0" lang="en-US" sz="1200" spc="-1" strike="noStrike" u="sng">
+                <a:solidFill>
+                  <a:srgbClr val="1c3678"/>
                 </a:solidFill>
                 <a:uFillTx/>
                 <a:latin typeface="Calibri"/>
@@ -5994,7 +6190,7 @@
               </a:rPr>
               <a:t>https://github.com/purcellconsult/scripts/blob/master/number_guessing.py</a:t>
             </a:r>
-            <a:endParaRPr b="0" lang="en-US" sz="1400" spc="-1" strike="noStrike">
+            <a:endParaRPr b="0" lang="en-US" sz="1200" spc="-1" strike="noStrike">
               <a:solidFill>
                 <a:srgbClr val="000000"/>
               </a:solidFill>
@@ -6013,7 +6209,7 @@
               <a:buChar char="●"/>
             </a:pPr>
             <a:r>
-              <a:rPr b="0" lang="en-US" sz="1400" spc="-1" strike="noStrike">
+              <a:rPr b="0" lang="en-US" sz="1200" spc="-1" strike="noStrike">
                 <a:solidFill>
                   <a:srgbClr val="000000"/>
                 </a:solidFill>
@@ -6023,9 +6219,9 @@
               <a:t>Calorie calculator:</a:t>
             </a:r>
             <a:r>
-              <a:rPr b="0" lang="en-US" sz="1400" spc="-1" strike="noStrike">
-                <a:solidFill>
-                  <a:srgbClr val="737373"/>
+              <a:rPr b="0" lang="en-US" sz="1200" spc="-1" strike="noStrike">
+                <a:solidFill>
+                  <a:srgbClr val="595959"/>
                 </a:solidFill>
                 <a:latin typeface="Calibri"/>
                 <a:ea typeface="Calibri"/>
@@ -6033,9 +6229,9 @@
               <a:t> </a:t>
             </a:r>
             <a:r>
-              <a:rPr b="0" lang="en-US" sz="1400" spc="-1" strike="noStrike" u="sng">
-                <a:solidFill>
-                  <a:srgbClr val="4fc3f7"/>
+              <a:rPr b="0" lang="en-US" sz="1200" spc="-1" strike="noStrike" u="sng">
+                <a:solidFill>
+                  <a:srgbClr val="1c3678"/>
                 </a:solidFill>
                 <a:uFillTx/>
                 <a:latin typeface="Calibri"/>
@@ -6044,7 +6240,7 @@
               </a:rPr>
               <a:t>https://github.com/purcellconsult/scripts/blob/master/calorie_calculator.py</a:t>
             </a:r>
-            <a:endParaRPr b="0" lang="en-US" sz="1400" spc="-1" strike="noStrike">
+            <a:endParaRPr b="0" lang="en-US" sz="1200" spc="-1" strike="noStrike">
               <a:solidFill>
                 <a:srgbClr val="000000"/>
               </a:solidFill>
@@ -6063,7 +6259,7 @@
               <a:buChar char="●"/>
             </a:pPr>
             <a:r>
-              <a:rPr b="0" lang="en-US" sz="1400" spc="-1" strike="noStrike">
+              <a:rPr b="0" lang="en-US" sz="1200" spc="-1" strike="noStrike">
                 <a:solidFill>
                   <a:srgbClr val="000000"/>
                 </a:solidFill>
@@ -6073,9 +6269,9 @@
               <a:t>Temperature converter: </a:t>
             </a:r>
             <a:r>
-              <a:rPr b="0" lang="en-US" sz="1400" spc="-1" strike="noStrike" u="sng">
-                <a:solidFill>
-                  <a:srgbClr val="4fc3f7"/>
+              <a:rPr b="0" lang="en-US" sz="1200" spc="-1" strike="noStrike" u="sng">
+                <a:solidFill>
+                  <a:srgbClr val="1c3678"/>
                 </a:solidFill>
                 <a:uFillTx/>
                 <a:latin typeface="Calibri"/>
@@ -6084,7 +6280,7 @@
               </a:rPr>
               <a:t>https://github.com/purcellconsult/scripts/blob/master/pytemperature.py</a:t>
             </a:r>
-            <a:endParaRPr b="0" lang="en-US" sz="1400" spc="-1" strike="noStrike">
+            <a:endParaRPr b="0" lang="en-US" sz="1200" spc="-1" strike="noStrike">
               <a:solidFill>
                 <a:srgbClr val="000000"/>
               </a:solidFill>
@@ -6103,7 +6299,7 @@
               <a:buChar char="●"/>
             </a:pPr>
             <a:r>
-              <a:rPr b="0" lang="en-US" sz="1400" spc="-1" strike="noStrike">
+              <a:rPr b="0" lang="en-US" sz="1200" spc="-1" strike="noStrike">
                 <a:solidFill>
                   <a:srgbClr val="000000"/>
                 </a:solidFill>
@@ -6113,9 +6309,9 @@
               <a:t>Random quote generator: </a:t>
             </a:r>
             <a:r>
-              <a:rPr b="0" lang="en-US" sz="1400" spc="-1" strike="noStrike" u="sng">
-                <a:solidFill>
-                  <a:srgbClr val="4fc3f7"/>
+              <a:rPr b="0" lang="en-US" sz="1200" spc="-1" strike="noStrike" u="sng">
+                <a:solidFill>
+                  <a:srgbClr val="1c3678"/>
                 </a:solidFill>
                 <a:uFillTx/>
                 <a:latin typeface="Calibri"/>
@@ -6124,7 +6320,7 @@
               </a:rPr>
               <a:t>https://github.com/purcellconsult/scripts/blob/master/random_quote_generator.py</a:t>
             </a:r>
-            <a:endParaRPr b="0" lang="en-US" sz="1400" spc="-1" strike="noStrike">
+            <a:endParaRPr b="0" lang="en-US" sz="1200" spc="-1" strike="noStrike">
               <a:solidFill>
                 <a:srgbClr val="000000"/>
               </a:solidFill>
@@ -6143,7 +6339,7 @@
               <a:buChar char="●"/>
             </a:pPr>
             <a:r>
-              <a:rPr b="0" lang="en-US" sz="1400" spc="-1" strike="noStrike">
+              <a:rPr b="0" lang="en-US" sz="1200" spc="-1" strike="noStrike">
                 <a:solidFill>
                   <a:srgbClr val="000000"/>
                 </a:solidFill>
@@ -6153,9 +6349,9 @@
               <a:t>United State’s currency calculator: </a:t>
             </a:r>
             <a:r>
-              <a:rPr b="0" lang="en-US" sz="1400" spc="-1" strike="noStrike" u="sng">
-                <a:solidFill>
-                  <a:srgbClr val="4fc3f7"/>
+              <a:rPr b="0" lang="en-US" sz="1200" spc="-1" strike="noStrike" u="sng">
+                <a:solidFill>
+                  <a:srgbClr val="1c3678"/>
                 </a:solidFill>
                 <a:uFillTx/>
                 <a:latin typeface="Calibri"/>
@@ -6164,7 +6360,7 @@
               </a:rPr>
               <a:t>https://github.com/purcellconsult/scripts/blob/master/united_states_currency.py</a:t>
             </a:r>
-            <a:endParaRPr b="0" lang="en-US" sz="1400" spc="-1" strike="noStrike">
+            <a:endParaRPr b="0" lang="en-US" sz="1200" spc="-1" strike="noStrike">
               <a:solidFill>
                 <a:srgbClr val="000000"/>
               </a:solidFill>
@@ -6183,7 +6379,7 @@
               <a:buChar char="●"/>
             </a:pPr>
             <a:r>
-              <a:rPr b="0" lang="en-US" sz="1400" spc="-1" strike="noStrike">
+              <a:rPr b="0" lang="en-US" sz="1200" spc="-1" strike="noStrike">
                 <a:solidFill>
                   <a:srgbClr val="000000"/>
                 </a:solidFill>
@@ -6193,9 +6389,9 @@
               <a:t>Vowel Hunter: </a:t>
             </a:r>
             <a:r>
-              <a:rPr b="0" lang="en-US" sz="1400" spc="-1" strike="noStrike" u="sng">
-                <a:solidFill>
-                  <a:srgbClr val="4fc3f7"/>
+              <a:rPr b="0" lang="en-US" sz="1200" spc="-1" strike="noStrike" u="sng">
+                <a:solidFill>
+                  <a:srgbClr val="1c3678"/>
                 </a:solidFill>
                 <a:uFillTx/>
                 <a:latin typeface="Calibri"/>
@@ -6204,7 +6400,7 @@
               </a:rPr>
               <a:t>https://github.com/purcellconsult/scripts/blob/master/vowel_hunter.py</a:t>
             </a:r>
-            <a:endParaRPr b="0" lang="en-US" sz="1400" spc="-1" strike="noStrike">
+            <a:endParaRPr b="0" lang="en-US" sz="1200" spc="-1" strike="noStrike">
               <a:solidFill>
                 <a:srgbClr val="000000"/>
               </a:solidFill>
@@ -6223,7 +6419,7 @@
               <a:buChar char="●"/>
             </a:pPr>
             <a:r>
-              <a:rPr b="0" lang="en-US" sz="1400" spc="-1" strike="noStrike">
+              <a:rPr b="0" lang="en-US" sz="1200" spc="-1" strike="noStrike">
                 <a:solidFill>
                   <a:srgbClr val="000000"/>
                 </a:solidFill>
@@ -6233,9 +6429,9 @@
               <a:t>Text based calculator: </a:t>
             </a:r>
             <a:r>
-              <a:rPr b="0" lang="en-US" sz="1400" spc="-1" strike="noStrike" u="sng">
-                <a:solidFill>
-                  <a:srgbClr val="4fc3f7"/>
+              <a:rPr b="0" lang="en-US" sz="1200" spc="-1" strike="noStrike" u="sng">
+                <a:solidFill>
+                  <a:srgbClr val="1c3678"/>
                 </a:solidFill>
                 <a:uFillTx/>
                 <a:latin typeface="Calibri"/>
@@ -6244,7 +6440,7 @@
               </a:rPr>
               <a:t>https://github.com/purcellconsult/scripts/blob/master/text_calculator.py</a:t>
             </a:r>
-            <a:endParaRPr b="0" lang="en-US" sz="1400" spc="-1" strike="noStrike">
+            <a:endParaRPr b="0" lang="en-US" sz="1200" spc="-1" strike="noStrike">
               <a:solidFill>
                 <a:srgbClr val="000000"/>
               </a:solidFill>
@@ -6263,7 +6459,7 @@
               <a:buChar char="●"/>
             </a:pPr>
             <a:r>
-              <a:rPr b="0" lang="en-US" sz="1400" spc="-1" strike="noStrike">
+              <a:rPr b="0" lang="en-US" sz="1200" spc="-1" strike="noStrike">
                 <a:solidFill>
                   <a:srgbClr val="000000"/>
                 </a:solidFill>
@@ -6273,9 +6469,9 @@
               <a:t>Coin flips: </a:t>
             </a:r>
             <a:r>
-              <a:rPr b="0" lang="en-US" sz="1400" spc="-1" strike="noStrike" u="sng">
-                <a:solidFill>
-                  <a:srgbClr val="4fc3f7"/>
+              <a:rPr b="0" lang="en-US" sz="1200" spc="-1" strike="noStrike" u="sng">
+                <a:solidFill>
+                  <a:srgbClr val="1c3678"/>
                 </a:solidFill>
                 <a:uFillTx/>
                 <a:latin typeface="Calibri"/>
@@ -6285,9 +6481,9 @@
               <a:t>h</a:t>
             </a:r>
             <a:r>
-              <a:rPr b="0" lang="en-US" sz="1400" spc="-1" strike="noStrike" u="sng">
-                <a:solidFill>
-                  <a:srgbClr val="4fc3f7"/>
+              <a:rPr b="0" lang="en-US" sz="1200" spc="-1" strike="noStrike" u="sng">
+                <a:solidFill>
+                  <a:srgbClr val="1c3678"/>
                 </a:solidFill>
                 <a:uFillTx/>
                 <a:latin typeface="Calibri"/>
@@ -6296,7 +6492,7 @@
               </a:rPr>
               <a:t>ttps://github.com/purcellconsult/scripts/blob/master/coin_flips.py</a:t>
             </a:r>
-            <a:endParaRPr b="0" lang="en-US" sz="1400" spc="-1" strike="noStrike">
+            <a:endParaRPr b="0" lang="en-US" sz="1200" spc="-1" strike="noStrike">
               <a:solidFill>
                 <a:srgbClr val="000000"/>
               </a:solidFill>
@@ -6315,7 +6511,7 @@
               <a:buChar char="●"/>
             </a:pPr>
             <a:r>
-              <a:rPr b="0" lang="en-US" sz="1400" spc="-1" strike="noStrike">
+              <a:rPr b="0" lang="en-US" sz="1200" spc="-1" strike="noStrike">
                 <a:solidFill>
                   <a:srgbClr val="000000"/>
                 </a:solidFill>
@@ -6325,9 +6521,9 @@
               <a:t>Rock paper scissors script: </a:t>
             </a:r>
             <a:r>
-              <a:rPr b="0" lang="en-US" sz="1400" spc="-1" strike="noStrike" u="sng">
-                <a:solidFill>
-                  <a:srgbClr val="4fc3f7"/>
+              <a:rPr b="0" lang="en-US" sz="1200" spc="-1" strike="noStrike" u="sng">
+                <a:solidFill>
+                  <a:srgbClr val="1c3678"/>
                 </a:solidFill>
                 <a:uFillTx/>
                 <a:latin typeface="Calibri"/>
@@ -6336,7 +6532,7 @@
               </a:rPr>
               <a:t>https://github.com/purcellconsult/scripts/blob/master/rock_paper_scissors_game.py</a:t>
             </a:r>
-            <a:endParaRPr b="0" lang="en-US" sz="1400" spc="-1" strike="noStrike">
+            <a:endParaRPr b="0" lang="en-US" sz="1200" spc="-1" strike="noStrike">
               <a:solidFill>
                 <a:srgbClr val="000000"/>
               </a:solidFill>
@@ -6355,7 +6551,7 @@
                 <a:spcPts val="1599"/>
               </a:spcAft>
             </a:pPr>
-            <a:endParaRPr b="0" lang="en-US" sz="1400" spc="-1" strike="noStrike">
+            <a:endParaRPr b="0" lang="en-US" sz="1200" spc="-1" strike="noStrike">
               <a:solidFill>
                 <a:srgbClr val="000000"/>
               </a:solidFill>
@@ -6366,6 +6562,33 @@
       </p:sp>
     </p:spTree>
   </p:cSld>
+  <p:timing>
+    <p:tnLst>
+      <p:par>
+        <p:cTn id="27" dur="indefinite" restart="never" nodeType="tmRoot">
+          <p:childTnLst>
+            <p:seq>
+              <p:cTn id="28" dur="indefinite" nodeType="mainSeq"/>
+              <p:prevCondLst>
+                <p:cond delay="0" evt="onPrev">
+                  <p:tgtEl>
+                    <p:sldTgt/>
+                  </p:tgtEl>
+                </p:cond>
+              </p:prevCondLst>
+              <p:nextCondLst>
+                <p:cond delay="0" evt="onNext">
+                  <p:tgtEl>
+                    <p:sldTgt/>
+                  </p:tgtEl>
+                </p:cond>
+              </p:nextCondLst>
+            </p:seq>
+          </p:childTnLst>
+        </p:cTn>
+      </p:par>
+    </p:tnLst>
+  </p:timing>
 </p:sld>
 </file>
 
@@ -6388,14 +6611,14 @@
       </p:grpSpPr>
       <p:sp>
         <p:nvSpPr>
-          <p:cNvPr id="84" name="TextShape 1"/>
+          <p:cNvPr id="88" name="TextShape 1"/>
           <p:cNvSpPr txBox="1"/>
           <p:nvPr/>
         </p:nvSpPr>
         <p:spPr>
           <a:xfrm>
-            <a:off x="471960" y="738720"/>
-            <a:ext cx="8221680" cy="767520"/>
+            <a:off x="729360" y="1318680"/>
+            <a:ext cx="7688520" cy="534960"/>
           </a:xfrm>
           <a:prstGeom prst="rect">
             <a:avLst/>
@@ -6406,7 +6629,7 @@
           </a:ln>
         </p:spPr>
         <p:txBody>
-          <a:bodyPr tIns="91440" bIns="91440" anchor="b"/>
+          <a:bodyPr tIns="91440" bIns="91440"/>
           <a:p>
             <a:pPr>
               <a:lnSpc>
@@ -6414,34 +6637,34 @@
               </a:lnSpc>
             </a:pPr>
             <a:r>
-              <a:rPr b="0" lang="en-US" sz="3200" spc="-1" strike="noStrike">
-                <a:solidFill>
-                  <a:srgbClr val="ffffff"/>
-                </a:solidFill>
-                <a:latin typeface="Roboto"/>
-                <a:ea typeface="Roboto"/>
+              <a:rPr b="1" lang="en-US" sz="2600" spc="-1" strike="noStrike">
+                <a:solidFill>
+                  <a:srgbClr val="1a1a1a"/>
+                </a:solidFill>
+                <a:latin typeface="Raleway"/>
+                <a:ea typeface="Raleway"/>
               </a:rPr>
               <a:t>Disclaimer </a:t>
             </a:r>
-            <a:endParaRPr b="0" lang="en-US" sz="3200" spc="-1" strike="noStrike">
-              <a:solidFill>
-                <a:srgbClr val="000000"/>
-              </a:solidFill>
-              <a:latin typeface="Arial"/>
-            </a:endParaRPr>
-          </a:p>
-        </p:txBody>
-      </p:sp>
-      <p:sp>
-        <p:nvSpPr>
-          <p:cNvPr id="85" name="TextShape 2"/>
+            <a:endParaRPr b="0" lang="en-US" sz="2600" spc="-1" strike="noStrike">
+              <a:solidFill>
+                <a:srgbClr val="000000"/>
+              </a:solidFill>
+              <a:latin typeface="Arial"/>
+            </a:endParaRPr>
+          </a:p>
+        </p:txBody>
+      </p:sp>
+      <p:sp>
+        <p:nvSpPr>
+          <p:cNvPr id="89" name="TextShape 2"/>
           <p:cNvSpPr txBox="1"/>
           <p:nvPr/>
         </p:nvSpPr>
         <p:spPr>
           <a:xfrm>
-            <a:off x="471960" y="1919160"/>
-            <a:ext cx="8221680" cy="2709720"/>
+            <a:off x="729360" y="2079000"/>
+            <a:ext cx="7688520" cy="2260800"/>
           </a:xfrm>
           <a:prstGeom prst="rect">
             <a:avLst/>
@@ -6463,16 +6686,16 @@
               </a:spcAft>
             </a:pPr>
             <a:r>
-              <a:rPr b="0" lang="en-US" sz="1800" spc="-1" strike="noStrike">
+              <a:rPr b="0" lang="en-US" sz="1300" spc="-1" strike="noStrike">
                 <a:solidFill>
                   <a:srgbClr val="000000"/>
                 </a:solidFill>
-                <a:latin typeface="Roboto"/>
-                <a:ea typeface="Roboto"/>
+                <a:latin typeface="Lato"/>
+                <a:ea typeface="Lato"/>
               </a:rPr>
               <a:t>Logos of businesses and organizations herein are property of those respective companies. </a:t>
             </a:r>
-            <a:endParaRPr b="0" lang="en-US" sz="1800" spc="-1" strike="noStrike">
+            <a:endParaRPr b="0" lang="en-US" sz="1300" spc="-1" strike="noStrike">
               <a:solidFill>
                 <a:srgbClr val="000000"/>
               </a:solidFill>
@@ -6532,7 +6755,7 @@
       </p:grpSpPr>
       <p:sp>
         <p:nvSpPr>
-          <p:cNvPr id="86" name="TextShape 1"/>
+          <p:cNvPr id="90" name="TextShape 1"/>
           <p:cNvSpPr txBox="1"/>
           <p:nvPr/>
         </p:nvSpPr>
@@ -6550,7 +6773,7 @@
           </a:ln>
         </p:spPr>
         <p:txBody>
-          <a:bodyPr tIns="91440" bIns="91440" anchor="b"/>
+          <a:bodyPr tIns="91440" bIns="91440"/>
           <a:p>
             <a:pPr algn="ctr">
               <a:lnSpc>
@@ -6558,12 +6781,12 @@
               </a:lnSpc>
             </a:pPr>
             <a:r>
-              <a:rPr b="0" lang="en-US" sz="3200" spc="-1" strike="noStrike">
-                <a:solidFill>
-                  <a:srgbClr val="ffffff"/>
-                </a:solidFill>
-                <a:latin typeface="Roboto"/>
-                <a:ea typeface="Roboto"/>
+              <a:rPr b="1" lang="en-US" sz="3200" spc="-1" strike="noStrike">
+                <a:solidFill>
+                  <a:srgbClr val="1a1a1a"/>
+                </a:solidFill>
+                <a:latin typeface="Raleway"/>
+                <a:ea typeface="Raleway"/>
               </a:rPr>
               <a:t>Event Host</a:t>
             </a:r>
@@ -6578,13 +6801,13 @@
       </p:sp>
       <p:sp>
         <p:nvSpPr>
-          <p:cNvPr id="87" name="TextShape 2"/>
+          <p:cNvPr id="91" name="TextShape 2"/>
           <p:cNvSpPr txBox="1"/>
           <p:nvPr/>
         </p:nvSpPr>
         <p:spPr>
           <a:xfrm>
-            <a:off x="471960" y="1919160"/>
+            <a:off x="511560" y="1268640"/>
             <a:ext cx="8393040" cy="3105000"/>
           </a:xfrm>
           <a:prstGeom prst="rect">
@@ -6608,8 +6831,8 @@
                 <a:solidFill>
                   <a:srgbClr val="000000"/>
                 </a:solidFill>
-                <a:latin typeface="Roboto"/>
-                <a:ea typeface="Roboto"/>
+                <a:latin typeface="Lato"/>
+                <a:ea typeface="Lato"/>
               </a:rPr>
               <a:t>Blacks in Tech - Los Angeles:</a:t>
             </a:r>
@@ -6693,24 +6916,40 @@
                 <a:spcPts val="1599"/>
               </a:spcBef>
             </a:pPr>
+            <a:endParaRPr b="0" lang="en-US" sz="2400" spc="-1" strike="noStrike">
+              <a:solidFill>
+                <a:srgbClr val="000000"/>
+              </a:solidFill>
+              <a:latin typeface="Arial"/>
+            </a:endParaRPr>
+          </a:p>
+          <a:p>
+            <a:pPr marL="457200" indent="457200">
+              <a:lnSpc>
+                <a:spcPct val="115000"/>
+              </a:lnSpc>
+              <a:spcBef>
+                <a:spcPts val="1599"/>
+              </a:spcBef>
+            </a:pPr>
             <a:r>
               <a:rPr b="0" lang="en-US" sz="1500" spc="-1" strike="noStrike">
                 <a:solidFill>
                   <a:srgbClr val="000000"/>
                 </a:solidFill>
-                <a:latin typeface="Roboto"/>
-                <a:ea typeface="Roboto"/>
+                <a:latin typeface="Lato"/>
+                <a:ea typeface="Lato"/>
               </a:rPr>
               <a:t>Meetup url: </a:t>
             </a:r>
             <a:r>
               <a:rPr b="0" lang="en-US" sz="1500" spc="-1" strike="noStrike" u="sng">
                 <a:solidFill>
-                  <a:srgbClr val="4fc3f7"/>
+                  <a:srgbClr val="1c3678"/>
                 </a:solidFill>
                 <a:uFillTx/>
-                <a:latin typeface="Roboto"/>
-                <a:ea typeface="Roboto"/>
+                <a:latin typeface="Lato"/>
+                <a:ea typeface="Lato"/>
                 <a:hlinkClick r:id="rId1"/>
               </a:rPr>
               <a:t>https://www.meetup.com/Blacks-In-Technology-Los-Angeles</a:t>
@@ -6761,7 +7000,7 @@
       </p:sp>
       <p:pic>
         <p:nvPicPr>
-          <p:cNvPr id="88" name="Google Shape;81;p15" descr=""/>
+          <p:cNvPr id="92" name="Google Shape;100;p15" descr=""/>
           <p:cNvPicPr/>
           <p:nvPr/>
         </p:nvPicPr>
@@ -6771,7 +7010,7 @@
         </p:blipFill>
         <p:spPr>
           <a:xfrm>
-            <a:off x="3009600" y="2478960"/>
+            <a:off x="3108960" y="2125800"/>
             <a:ext cx="1714680" cy="1714680"/>
           </a:xfrm>
           <a:prstGeom prst="rect">
@@ -6833,14 +7072,14 @@
       </p:grpSpPr>
       <p:sp>
         <p:nvSpPr>
-          <p:cNvPr id="89" name="TextShape 1"/>
+          <p:cNvPr id="93" name="TextShape 1"/>
           <p:cNvSpPr txBox="1"/>
           <p:nvPr/>
         </p:nvSpPr>
         <p:spPr>
           <a:xfrm>
-            <a:off x="471960" y="738720"/>
-            <a:ext cx="8221680" cy="767520"/>
+            <a:off x="729360" y="1318680"/>
+            <a:ext cx="7688520" cy="534960"/>
           </a:xfrm>
           <a:prstGeom prst="rect">
             <a:avLst/>
@@ -6851,7 +7090,7 @@
           </a:ln>
         </p:spPr>
         <p:txBody>
-          <a:bodyPr tIns="91440" bIns="91440" anchor="b"/>
+          <a:bodyPr tIns="91440" bIns="91440"/>
           <a:p>
             <a:pPr>
               <a:lnSpc>
@@ -6859,34 +7098,34 @@
               </a:lnSpc>
             </a:pPr>
             <a:r>
-              <a:rPr b="0" lang="en-US" sz="3200" spc="-1" strike="noStrike">
-                <a:solidFill>
-                  <a:srgbClr val="ffffff"/>
-                </a:solidFill>
-                <a:latin typeface="Roboto"/>
-                <a:ea typeface="Roboto"/>
-              </a:rPr>
-              <a:t>Event Promoters </a:t>
-            </a:r>
-            <a:endParaRPr b="0" lang="en-US" sz="3200" spc="-1" strike="noStrike">
-              <a:solidFill>
-                <a:srgbClr val="000000"/>
-              </a:solidFill>
-              <a:latin typeface="Arial"/>
-            </a:endParaRPr>
-          </a:p>
-        </p:txBody>
-      </p:sp>
-      <p:sp>
-        <p:nvSpPr>
-          <p:cNvPr id="90" name="TextShape 2"/>
+              <a:rPr b="1" lang="en-US" sz="2600" spc="-1" strike="noStrike">
+                <a:solidFill>
+                  <a:srgbClr val="1a1a1a"/>
+                </a:solidFill>
+                <a:latin typeface="Raleway"/>
+                <a:ea typeface="Raleway"/>
+              </a:rPr>
+              <a:t>Thanks to Event Promoters </a:t>
+            </a:r>
+            <a:endParaRPr b="0" lang="en-US" sz="2600" spc="-1" strike="noStrike">
+              <a:solidFill>
+                <a:srgbClr val="000000"/>
+              </a:solidFill>
+              <a:latin typeface="Arial"/>
+            </a:endParaRPr>
+          </a:p>
+        </p:txBody>
+      </p:sp>
+      <p:sp>
+        <p:nvSpPr>
+          <p:cNvPr id="94" name="TextShape 2"/>
           <p:cNvSpPr txBox="1"/>
           <p:nvPr/>
         </p:nvSpPr>
         <p:spPr>
           <a:xfrm>
-            <a:off x="471960" y="1919160"/>
-            <a:ext cx="8221680" cy="2709720"/>
+            <a:off x="729360" y="2079000"/>
+            <a:ext cx="7688520" cy="2260800"/>
           </a:xfrm>
           <a:prstGeom prst="rect">
             <a:avLst/>
@@ -6905,28 +7144,28 @@
               </a:lnSpc>
             </a:pPr>
             <a:r>
-              <a:rPr b="0" lang="en-US" sz="1800" spc="-1" strike="noStrike">
+              <a:rPr b="0" lang="en-US" sz="1600" spc="-1" strike="noStrike">
                 <a:solidFill>
                   <a:srgbClr val="000000"/>
                 </a:solidFill>
-                <a:latin typeface="Roboto"/>
-                <a:ea typeface="Roboto"/>
+                <a:latin typeface="Lato"/>
+                <a:ea typeface="Lato"/>
               </a:rPr>
               <a:t>PyLadies of Los Angeles: </a:t>
             </a:r>
             <a:r>
-              <a:rPr b="0" lang="en-US" sz="1800" spc="-1" strike="noStrike" u="sng">
-                <a:solidFill>
-                  <a:srgbClr val="4fc3f7"/>
+              <a:rPr b="0" lang="en-US" sz="1600" spc="-1" strike="noStrike" u="sng">
+                <a:solidFill>
+                  <a:srgbClr val="1c3678"/>
                 </a:solidFill>
                 <a:uFillTx/>
-                <a:latin typeface="Roboto"/>
-                <a:ea typeface="Roboto"/>
+                <a:latin typeface="Lato"/>
+                <a:ea typeface="Lato"/>
                 <a:hlinkClick r:id="rId1"/>
               </a:rPr>
               <a:t>https://www.meetup.com/Pyladies-LA</a:t>
             </a:r>
-            <a:endParaRPr b="0" lang="en-US" sz="1800" spc="-1" strike="noStrike">
+            <a:endParaRPr b="0" lang="en-US" sz="1600" spc="-1" strike="noStrike">
               <a:solidFill>
                 <a:srgbClr val="000000"/>
               </a:solidFill>
@@ -6943,28 +7182,28 @@
               </a:spcBef>
             </a:pPr>
             <a:r>
-              <a:rPr b="0" lang="en-US" sz="1800" spc="-1" strike="noStrike">
+              <a:rPr b="0" lang="en-US" sz="1600" spc="-1" strike="noStrike">
                 <a:solidFill>
                   <a:srgbClr val="000000"/>
                 </a:solidFill>
-                <a:latin typeface="Roboto"/>
-                <a:ea typeface="Roboto"/>
+                <a:latin typeface="Lato"/>
+                <a:ea typeface="Lato"/>
               </a:rPr>
               <a:t>SoCal Python: </a:t>
             </a:r>
             <a:r>
-              <a:rPr b="0" lang="en-US" sz="1800" spc="-1" strike="noStrike" u="sng">
-                <a:solidFill>
-                  <a:srgbClr val="4fc3f7"/>
+              <a:rPr b="0" lang="en-US" sz="1600" spc="-1" strike="noStrike" u="sng">
+                <a:solidFill>
+                  <a:srgbClr val="1c3678"/>
                 </a:solidFill>
                 <a:uFillTx/>
-                <a:latin typeface="Roboto"/>
-                <a:ea typeface="Roboto"/>
+                <a:latin typeface="Lato"/>
+                <a:ea typeface="Lato"/>
                 <a:hlinkClick r:id="rId2"/>
               </a:rPr>
               <a:t>https://www.meetup.com/socalpython</a:t>
             </a:r>
-            <a:endParaRPr b="0" lang="en-US" sz="1800" spc="-1" strike="noStrike">
+            <a:endParaRPr b="0" lang="en-US" sz="1600" spc="-1" strike="noStrike">
               <a:solidFill>
                 <a:srgbClr val="000000"/>
               </a:solidFill>
@@ -6983,7 +7222,7 @@
                 <a:spcPts val="1599"/>
               </a:spcAft>
             </a:pPr>
-            <a:endParaRPr b="0" lang="en-US" sz="1800" spc="-1" strike="noStrike">
+            <a:endParaRPr b="0" lang="en-US" sz="1600" spc="-1" strike="noStrike">
               <a:solidFill>
                 <a:srgbClr val="000000"/>
               </a:solidFill>
@@ -7043,14 +7282,14 @@
       </p:grpSpPr>
       <p:sp>
         <p:nvSpPr>
-          <p:cNvPr id="91" name="TextShape 1"/>
+          <p:cNvPr id="95" name="TextShape 1"/>
           <p:cNvSpPr txBox="1"/>
           <p:nvPr/>
         </p:nvSpPr>
         <p:spPr>
           <a:xfrm>
-            <a:off x="471960" y="738720"/>
-            <a:ext cx="8221680" cy="767520"/>
+            <a:off x="729360" y="1318680"/>
+            <a:ext cx="7688520" cy="534960"/>
           </a:xfrm>
           <a:prstGeom prst="rect">
             <a:avLst/>
@@ -7061,7 +7300,7 @@
           </a:ln>
         </p:spPr>
         <p:txBody>
-          <a:bodyPr tIns="91440" bIns="91440" anchor="b"/>
+          <a:bodyPr tIns="91440" bIns="91440"/>
           <a:p>
             <a:pPr>
               <a:lnSpc>
@@ -7069,27 +7308,27 @@
               </a:lnSpc>
             </a:pPr>
             <a:r>
-              <a:rPr b="0" lang="en-US" sz="3200" spc="-1" strike="noStrike">
-                <a:solidFill>
-                  <a:srgbClr val="ffffff"/>
-                </a:solidFill>
-                <a:latin typeface="Roboto"/>
-                <a:ea typeface="Roboto"/>
+              <a:rPr b="1" lang="en-US" sz="2600" spc="-1" strike="noStrike">
+                <a:solidFill>
+                  <a:srgbClr val="1a1a1a"/>
+                </a:solidFill>
+                <a:latin typeface="Raleway"/>
+                <a:ea typeface="Raleway"/>
               </a:rPr>
               <a:t>Thanks to Event Sponsors</a:t>
             </a:r>
-            <a:endParaRPr b="0" lang="en-US" sz="3200" spc="-1" strike="noStrike">
-              <a:solidFill>
-                <a:srgbClr val="000000"/>
-              </a:solidFill>
-              <a:latin typeface="Arial"/>
-            </a:endParaRPr>
-          </a:p>
-        </p:txBody>
-      </p:sp>
-      <p:sp>
-        <p:nvSpPr>
-          <p:cNvPr id="92" name="TextShape 2"/>
+            <a:endParaRPr b="0" lang="en-US" sz="2600" spc="-1" strike="noStrike">
+              <a:solidFill>
+                <a:srgbClr val="000000"/>
+              </a:solidFill>
+              <a:latin typeface="Arial"/>
+            </a:endParaRPr>
+          </a:p>
+        </p:txBody>
+      </p:sp>
+      <p:sp>
+        <p:nvSpPr>
+          <p:cNvPr id="96" name="TextShape 2"/>
           <p:cNvSpPr txBox="1"/>
           <p:nvPr/>
         </p:nvSpPr>
@@ -7144,7 +7383,7 @@
       </p:sp>
       <p:pic>
         <p:nvPicPr>
-          <p:cNvPr id="93" name="Google Shape;94;p17" descr=""/>
+          <p:cNvPr id="97" name="Google Shape;113;p17" descr=""/>
           <p:cNvPicPr/>
           <p:nvPr/>
         </p:nvPicPr>
@@ -7167,7 +7406,7 @@
       </p:pic>
       <p:pic>
         <p:nvPicPr>
-          <p:cNvPr id="94" name="Google Shape;95;p17" descr=""/>
+          <p:cNvPr id="98" name="Google Shape;114;p17" descr=""/>
           <p:cNvPicPr/>
           <p:nvPr/>
         </p:nvPicPr>
@@ -7239,7 +7478,7 @@
       </p:grpSpPr>
       <p:sp>
         <p:nvSpPr>
-          <p:cNvPr id="95" name="TextShape 1"/>
+          <p:cNvPr id="99" name="TextShape 1"/>
           <p:cNvSpPr txBox="1"/>
           <p:nvPr/>
         </p:nvSpPr>
@@ -7257,7 +7496,7 @@
           </a:ln>
         </p:spPr>
         <p:txBody>
-          <a:bodyPr tIns="91440" bIns="91440" anchor="b"/>
+          <a:bodyPr tIns="91440" bIns="91440"/>
           <a:p>
             <a:pPr>
               <a:lnSpc>
@@ -7265,12 +7504,12 @@
               </a:lnSpc>
             </a:pPr>
             <a:r>
-              <a:rPr b="0" lang="en-US" sz="3500" spc="-1" strike="noStrike">
-                <a:solidFill>
-                  <a:srgbClr val="ffffff"/>
-                </a:solidFill>
-                <a:latin typeface="Roboto"/>
-                <a:ea typeface="Roboto"/>
+              <a:rPr b="1" lang="en-US" sz="3500" spc="-1" strike="noStrike">
+                <a:solidFill>
+                  <a:srgbClr val="1a1a1a"/>
+                </a:solidFill>
+                <a:latin typeface="Raleway"/>
+                <a:ea typeface="Raleway"/>
               </a:rPr>
               <a:t>Quick Overview </a:t>
             </a:r>
@@ -7285,13 +7524,13 @@
       </p:sp>
       <p:sp>
         <p:nvSpPr>
-          <p:cNvPr id="96" name="TextShape 2"/>
+          <p:cNvPr id="100" name="TextShape 2"/>
           <p:cNvSpPr txBox="1"/>
           <p:nvPr/>
         </p:nvSpPr>
         <p:spPr>
           <a:xfrm>
-            <a:off x="358200" y="1679760"/>
+            <a:off x="487440" y="1554480"/>
             <a:ext cx="8473680" cy="3516480"/>
           </a:xfrm>
           <a:prstGeom prst="rect">
@@ -7312,32 +7551,32 @@
               <a:buClr>
                 <a:srgbClr val="000000"/>
               </a:buClr>
-              <a:buFont typeface="Roboto"/>
+              <a:buFont typeface="Lato"/>
               <a:buChar char="●"/>
             </a:pPr>
             <a:r>
-              <a:rPr b="0" lang="en-US" sz="2000" spc="-1" strike="noStrike">
+              <a:rPr b="0" lang="en-US" sz="1600" spc="-1" strike="noStrike">
                 <a:solidFill>
                   <a:srgbClr val="000000"/>
                 </a:solidFill>
-                <a:latin typeface="Roboto"/>
-                <a:ea typeface="Roboto"/>
+                <a:latin typeface="Lato"/>
+                <a:ea typeface="Lato"/>
               </a:rPr>
               <a:t>This is simply a supplement to the code that’s available on GitHub: </a:t>
             </a:r>
             <a:r>
-              <a:rPr b="0" lang="en-US" sz="2000" spc="-1" strike="noStrike" u="sng">
-                <a:solidFill>
-                  <a:srgbClr val="4fc3f7"/>
+              <a:rPr b="0" lang="en-US" sz="1600" spc="-1" strike="noStrike" u="sng">
+                <a:solidFill>
+                  <a:srgbClr val="1c3678"/>
                 </a:solidFill>
                 <a:uFillTx/>
-                <a:latin typeface="Roboto"/>
-                <a:ea typeface="Roboto"/>
+                <a:latin typeface="Lato"/>
+                <a:ea typeface="Lato"/>
                 <a:hlinkClick r:id="rId1"/>
               </a:rPr>
               <a:t>https://github.com/purcellconsult/python-learning/blob/master/python_crash_course.py</a:t>
             </a:r>
-            <a:endParaRPr b="0" lang="en-US" sz="2000" spc="-1" strike="noStrike">
+            <a:endParaRPr b="0" lang="en-US" sz="1600" spc="-1" strike="noStrike">
               <a:solidFill>
                 <a:srgbClr val="000000"/>
               </a:solidFill>
@@ -7352,20 +7591,20 @@
               <a:buClr>
                 <a:srgbClr val="000000"/>
               </a:buClr>
-              <a:buFont typeface="Roboto"/>
+              <a:buFont typeface="Lato"/>
               <a:buChar char="●"/>
             </a:pPr>
             <a:r>
-              <a:rPr b="0" lang="en-US" sz="2000" spc="-1" strike="noStrike">
+              <a:rPr b="0" lang="en-US" sz="1600" spc="-1" strike="noStrike">
                 <a:solidFill>
                   <a:srgbClr val="000000"/>
                 </a:solidFill>
-                <a:latin typeface="Roboto"/>
-                <a:ea typeface="Roboto"/>
+                <a:latin typeface="Lato"/>
+                <a:ea typeface="Lato"/>
               </a:rPr>
               <a:t>Best way to learn how to code is to code! Download crash course from GitHub and use the comments in the code as your reference point.</a:t>
             </a:r>
-            <a:endParaRPr b="0" lang="en-US" sz="2000" spc="-1" strike="noStrike">
+            <a:endParaRPr b="0" lang="en-US" sz="1600" spc="-1" strike="noStrike">
               <a:solidFill>
                 <a:srgbClr val="000000"/>
               </a:solidFill>
@@ -7380,42 +7619,42 @@
               <a:buClr>
                 <a:srgbClr val="000000"/>
               </a:buClr>
-              <a:buFont typeface="Roboto"/>
+              <a:buFont typeface="Lato"/>
               <a:buChar char="●"/>
             </a:pPr>
             <a:r>
-              <a:rPr b="0" lang="en-US" sz="2000" spc="-1" strike="noStrike">
+              <a:rPr b="0" lang="en-US" sz="1600" spc="-1" strike="noStrike">
                 <a:solidFill>
                   <a:srgbClr val="000000"/>
                 </a:solidFill>
-                <a:latin typeface="Roboto"/>
-                <a:ea typeface="Roboto"/>
+                <a:latin typeface="Lato"/>
+                <a:ea typeface="Lato"/>
               </a:rPr>
               <a:t>Import the code to an IDE like </a:t>
             </a:r>
             <a:r>
-              <a:rPr b="0" lang="en-US" sz="2000" spc="-1" strike="noStrike" u="sng">
-                <a:solidFill>
-                  <a:srgbClr val="4fc3f7"/>
+              <a:rPr b="0" lang="en-US" sz="1600" spc="-1" strike="noStrike" u="sng">
+                <a:solidFill>
+                  <a:srgbClr val="1c3678"/>
                 </a:solidFill>
                 <a:uFillTx/>
-                <a:latin typeface="Roboto"/>
-                <a:ea typeface="Roboto"/>
+                <a:latin typeface="Lato"/>
+                <a:ea typeface="Lato"/>
                 <a:hlinkClick r:id="rId2"/>
               </a:rPr>
               <a:t>PyCharm</a:t>
             </a:r>
             <a:r>
-              <a:rPr b="0" lang="en-US" sz="2000" spc="-1" strike="noStrike">
+              <a:rPr b="0" lang="en-US" sz="1600" spc="-1" strike="noStrike">
                 <a:solidFill>
                   <a:srgbClr val="000000"/>
                 </a:solidFill>
-                <a:latin typeface="Roboto"/>
-                <a:ea typeface="Roboto"/>
+                <a:latin typeface="Lato"/>
+                <a:ea typeface="Lato"/>
               </a:rPr>
               <a:t>, and then get comfortable breaking things and fixing it. </a:t>
             </a:r>
-            <a:endParaRPr b="0" lang="en-US" sz="2000" spc="-1" strike="noStrike">
+            <a:endParaRPr b="0" lang="en-US" sz="1600" spc="-1" strike="noStrike">
               <a:solidFill>
                 <a:srgbClr val="000000"/>
               </a:solidFill>
@@ -7475,14 +7714,14 @@
       </p:grpSpPr>
       <p:sp>
         <p:nvSpPr>
-          <p:cNvPr id="97" name="TextShape 1"/>
+          <p:cNvPr id="101" name="TextShape 1"/>
           <p:cNvSpPr txBox="1"/>
           <p:nvPr/>
         </p:nvSpPr>
         <p:spPr>
           <a:xfrm>
-            <a:off x="471960" y="738720"/>
-            <a:ext cx="8221680" cy="767520"/>
+            <a:off x="729360" y="1318680"/>
+            <a:ext cx="7688520" cy="534960"/>
           </a:xfrm>
           <a:prstGeom prst="rect">
             <a:avLst/>
@@ -7493,7 +7732,7 @@
           </a:ln>
         </p:spPr>
         <p:txBody>
-          <a:bodyPr tIns="91440" bIns="91440" anchor="b"/>
+          <a:bodyPr tIns="91440" bIns="91440"/>
           <a:p>
             <a:pPr>
               <a:lnSpc>
@@ -7501,27 +7740,27 @@
               </a:lnSpc>
             </a:pPr>
             <a:r>
-              <a:rPr b="0" lang="en-US" sz="3200" spc="-1" strike="noStrike">
-                <a:solidFill>
-                  <a:srgbClr val="ffffff"/>
-                </a:solidFill>
-                <a:latin typeface="Roboto"/>
-                <a:ea typeface="Roboto"/>
+              <a:rPr b="1" lang="en-US" sz="2600" spc="-1" strike="noStrike">
+                <a:solidFill>
+                  <a:srgbClr val="1a1a1a"/>
+                </a:solidFill>
+                <a:latin typeface="Raleway"/>
+                <a:ea typeface="Raleway"/>
               </a:rPr>
               <a:t>Why Bother with Python in 2019?</a:t>
             </a:r>
-            <a:endParaRPr b="0" lang="en-US" sz="3200" spc="-1" strike="noStrike">
-              <a:solidFill>
-                <a:srgbClr val="000000"/>
-              </a:solidFill>
-              <a:latin typeface="Arial"/>
-            </a:endParaRPr>
-          </a:p>
-        </p:txBody>
-      </p:sp>
-      <p:sp>
-        <p:nvSpPr>
-          <p:cNvPr id="98" name="TextShape 2"/>
+            <a:endParaRPr b="0" lang="en-US" sz="2600" spc="-1" strike="noStrike">
+              <a:solidFill>
+                <a:srgbClr val="000000"/>
+              </a:solidFill>
+              <a:latin typeface="Arial"/>
+            </a:endParaRPr>
+          </a:p>
+        </p:txBody>
+      </p:sp>
+      <p:sp>
+        <p:nvSpPr>
+          <p:cNvPr id="102" name="TextShape 2"/>
           <p:cNvSpPr txBox="1"/>
           <p:nvPr/>
         </p:nvSpPr>
@@ -7551,7 +7790,7 @@
               <a:buClr>
                 <a:srgbClr val="000000"/>
               </a:buClr>
-              <a:buFont typeface="Roboto"/>
+              <a:buFont typeface="Lato"/>
               <a:buChar char="●"/>
             </a:pPr>
             <a:r>
@@ -7559,19 +7798,19 @@
                 <a:solidFill>
                   <a:srgbClr val="000000"/>
                 </a:solidFill>
-                <a:latin typeface="Roboto"/>
-                <a:ea typeface="Roboto"/>
+                <a:latin typeface="Lato"/>
+                <a:ea typeface="Lato"/>
               </a:rPr>
               <a:t>According to the </a:t>
             </a:r>
             <a:r>
               <a:rPr b="0" lang="en-US" sz="1900" spc="-1" strike="noStrike" u="sng">
                 <a:solidFill>
-                  <a:srgbClr val="4fc3f7"/>
+                  <a:srgbClr val="1c3678"/>
                 </a:solidFill>
                 <a:uFillTx/>
-                <a:latin typeface="Roboto"/>
-                <a:ea typeface="Roboto"/>
+                <a:latin typeface="Lato"/>
+                <a:ea typeface="Lato"/>
                 <a:hlinkClick r:id="rId1"/>
               </a:rPr>
               <a:t>SO</a:t>
@@ -7581,8 +7820,8 @@
                 <a:solidFill>
                   <a:srgbClr val="000000"/>
                 </a:solidFill>
-                <a:latin typeface="Roboto"/>
-                <a:ea typeface="Roboto"/>
+                <a:latin typeface="Lato"/>
+                <a:ea typeface="Lato"/>
               </a:rPr>
               <a:t> 2018 survey, it’s within the top-10 most popular programming languages in the world. </a:t>
             </a:r>
@@ -7599,9 +7838,9 @@
                 <a:spcPct val="115000"/>
               </a:lnSpc>
               <a:buClr>
-                <a:srgbClr val="737373"/>
+                <a:srgbClr val="595959"/>
               </a:buClr>
-              <a:buFont typeface="Roboto"/>
+              <a:buFont typeface="Lato"/>
               <a:buChar char="○"/>
             </a:pPr>
             <a:r>
@@ -7609,8 +7848,8 @@
                 <a:solidFill>
                   <a:srgbClr val="000000"/>
                 </a:solidFill>
-                <a:latin typeface="Roboto"/>
-                <a:ea typeface="Roboto"/>
+                <a:latin typeface="Lato"/>
+                <a:ea typeface="Lato"/>
               </a:rPr>
               <a:t>There’s 400+ programming, scripting, and markup languages available!</a:t>
             </a:r>
@@ -7629,7 +7868,7 @@
               <a:buClr>
                 <a:srgbClr val="000000"/>
               </a:buClr>
-              <a:buFont typeface="Roboto"/>
+              <a:buFont typeface="Lato"/>
               <a:buChar char="●"/>
             </a:pPr>
             <a:r>
@@ -7637,19 +7876,19 @@
                 <a:solidFill>
                   <a:srgbClr val="000000"/>
                 </a:solidFill>
-                <a:latin typeface="Roboto"/>
-                <a:ea typeface="Roboto"/>
+                <a:latin typeface="Lato"/>
+                <a:ea typeface="Lato"/>
               </a:rPr>
               <a:t>Strong and vibrant python communities globally ensures longevity: </a:t>
             </a:r>
             <a:r>
               <a:rPr b="0" lang="en-US" sz="1900" spc="-1" strike="noStrike" u="sng">
                 <a:solidFill>
-                  <a:srgbClr val="4fc3f7"/>
+                  <a:srgbClr val="1c3678"/>
                 </a:solidFill>
                 <a:uFillTx/>
-                <a:latin typeface="Roboto"/>
-                <a:ea typeface="Roboto"/>
+                <a:latin typeface="Lato"/>
+                <a:ea typeface="Lato"/>
                 <a:hlinkClick r:id="rId2"/>
               </a:rPr>
               <a:t>https://www.meetup.com/topics/python/</a:t>
@@ -7669,7 +7908,7 @@
               <a:buClr>
                 <a:srgbClr val="000000"/>
               </a:buClr>
-              <a:buFont typeface="Roboto"/>
+              <a:buFont typeface="Lato"/>
               <a:buChar char="●"/>
             </a:pPr>
             <a:r>
@@ -7677,8 +7916,8 @@
                 <a:solidFill>
                   <a:srgbClr val="000000"/>
                 </a:solidFill>
-                <a:latin typeface="Roboto"/>
-                <a:ea typeface="Roboto"/>
+                <a:latin typeface="Lato"/>
+                <a:ea typeface="Lato"/>
               </a:rPr>
               <a:t>High range of applicability. Google TensorFlow (machine learning), Facebook open sourced Tornado (python web server), Instagram (Django). </a:t>
             </a:r>
@@ -7742,7 +7981,7 @@
       </p:grpSpPr>
       <p:sp>
         <p:nvSpPr>
-          <p:cNvPr id="99" name="TextShape 1"/>
+          <p:cNvPr id="103" name="TextShape 1"/>
           <p:cNvSpPr txBox="1"/>
           <p:nvPr/>
         </p:nvSpPr>
@@ -7760,7 +7999,7 @@
           </a:ln>
         </p:spPr>
         <p:txBody>
-          <a:bodyPr tIns="91440" bIns="91440" anchor="b"/>
+          <a:bodyPr tIns="91440" bIns="91440"/>
           <a:p>
             <a:pPr>
               <a:lnSpc>
@@ -7768,27 +8007,27 @@
               </a:lnSpc>
             </a:pPr>
             <a:r>
-              <a:rPr b="0" lang="en-US" sz="3200" spc="-1" strike="noStrike">
-                <a:solidFill>
-                  <a:srgbClr val="ffffff"/>
-                </a:solidFill>
-                <a:latin typeface="Roboto"/>
-                <a:ea typeface="Roboto"/>
+              <a:rPr b="1" lang="en-US" sz="2600" spc="-1" strike="noStrike">
+                <a:solidFill>
+                  <a:srgbClr val="1a1a1a"/>
+                </a:solidFill>
+                <a:latin typeface="Raleway"/>
+                <a:ea typeface="Raleway"/>
               </a:rPr>
               <a:t>What Can Python Be Used For?</a:t>
             </a:r>
-            <a:endParaRPr b="0" lang="en-US" sz="3200" spc="-1" strike="noStrike">
-              <a:solidFill>
-                <a:srgbClr val="000000"/>
-              </a:solidFill>
-              <a:latin typeface="Arial"/>
-            </a:endParaRPr>
-          </a:p>
-        </p:txBody>
-      </p:sp>
-      <p:sp>
-        <p:nvSpPr>
-          <p:cNvPr id="100" name="TextShape 2"/>
+            <a:endParaRPr b="0" lang="en-US" sz="2600" spc="-1" strike="noStrike">
+              <a:solidFill>
+                <a:srgbClr val="000000"/>
+              </a:solidFill>
+              <a:latin typeface="Arial"/>
+            </a:endParaRPr>
+          </a:p>
+        </p:txBody>
+      </p:sp>
+      <p:sp>
+        <p:nvSpPr>
+          <p:cNvPr id="104" name="TextShape 2"/>
           <p:cNvSpPr txBox="1"/>
           <p:nvPr/>
         </p:nvSpPr>
@@ -7819,7 +8058,7 @@
       </p:sp>
       <p:pic>
         <p:nvPicPr>
-          <p:cNvPr id="101" name="Google Shape;114;p20" descr=""/>
+          <p:cNvPr id="105" name="Google Shape;133;p20" descr=""/>
           <p:cNvPicPr/>
           <p:nvPr/>
         </p:nvPicPr>
@@ -7842,7 +8081,7 @@
       </p:pic>
       <p:pic>
         <p:nvPicPr>
-          <p:cNvPr id="102" name="Google Shape;115;p20" descr=""/>
+          <p:cNvPr id="106" name="Google Shape;134;p20" descr=""/>
           <p:cNvPicPr/>
           <p:nvPr/>
         </p:nvPicPr>
@@ -7865,7 +8104,7 @@
       </p:pic>
       <p:pic>
         <p:nvPicPr>
-          <p:cNvPr id="103" name="Google Shape;116;p20" descr=""/>
+          <p:cNvPr id="107" name="Google Shape;135;p20" descr=""/>
           <p:cNvPicPr/>
           <p:nvPr/>
         </p:nvPicPr>
@@ -7888,7 +8127,7 @@
       </p:pic>
       <p:pic>
         <p:nvPicPr>
-          <p:cNvPr id="104" name="Google Shape;117;p20" descr=""/>
+          <p:cNvPr id="108" name="Google Shape;136;p20" descr=""/>
           <p:cNvPicPr/>
           <p:nvPr/>
         </p:nvPicPr>
@@ -7911,7 +8150,7 @@
       </p:pic>
       <p:pic>
         <p:nvPicPr>
-          <p:cNvPr id="105" name="Google Shape;118;p20" descr=""/>
+          <p:cNvPr id="109" name="Google Shape;137;p20" descr=""/>
           <p:cNvPicPr/>
           <p:nvPr/>
         </p:nvPicPr>
@@ -7934,7 +8173,7 @@
       </p:pic>
       <p:pic>
         <p:nvPicPr>
-          <p:cNvPr id="106" name="Google Shape;119;p20" descr=""/>
+          <p:cNvPr id="110" name="Google Shape;138;p20" descr=""/>
           <p:cNvPicPr/>
           <p:nvPr/>
         </p:nvPicPr>
@@ -7957,7 +8196,7 @@
       </p:pic>
       <p:pic>
         <p:nvPicPr>
-          <p:cNvPr id="107" name="Google Shape;120;p20" descr=""/>
+          <p:cNvPr id="111" name="Google Shape;139;p20" descr=""/>
           <p:cNvPicPr/>
           <p:nvPr/>
         </p:nvPicPr>
@@ -7980,7 +8219,7 @@
       </p:pic>
       <p:pic>
         <p:nvPicPr>
-          <p:cNvPr id="108" name="Google Shape;121;p20" descr=""/>
+          <p:cNvPr id="112" name="Google Shape;140;p20" descr=""/>
           <p:cNvPicPr/>
           <p:nvPr/>
         </p:nvPicPr>
@@ -8003,7 +8242,7 @@
       </p:pic>
       <p:pic>
         <p:nvPicPr>
-          <p:cNvPr id="109" name="Google Shape;122;p20" descr=""/>
+          <p:cNvPr id="113" name="Google Shape;141;p20" descr=""/>
           <p:cNvPicPr/>
           <p:nvPr/>
         </p:nvPicPr>
@@ -8026,7 +8265,7 @@
       </p:pic>
       <p:pic>
         <p:nvPicPr>
-          <p:cNvPr id="110" name="Google Shape;123;p20" descr=""/>
+          <p:cNvPr id="114" name="Google Shape;142;p20" descr=""/>
           <p:cNvPicPr/>
           <p:nvPr/>
         </p:nvPicPr>
@@ -8098,14 +8337,14 @@
       </p:grpSpPr>
       <p:sp>
         <p:nvSpPr>
-          <p:cNvPr id="111" name="TextShape 1"/>
+          <p:cNvPr id="115" name="TextShape 1"/>
           <p:cNvSpPr txBox="1"/>
           <p:nvPr/>
         </p:nvSpPr>
         <p:spPr>
           <a:xfrm>
-            <a:off x="471960" y="738720"/>
-            <a:ext cx="8221680" cy="767520"/>
+            <a:off x="729360" y="1318680"/>
+            <a:ext cx="7688520" cy="534960"/>
           </a:xfrm>
           <a:prstGeom prst="rect">
             <a:avLst/>
@@ -8116,7 +8355,7 @@
           </a:ln>
         </p:spPr>
         <p:txBody>
-          <a:bodyPr tIns="91440" bIns="91440" anchor="b"/>
+          <a:bodyPr tIns="91440" bIns="91440"/>
           <a:p>
             <a:pPr>
               <a:lnSpc>
@@ -8124,27 +8363,27 @@
               </a:lnSpc>
             </a:pPr>
             <a:r>
-              <a:rPr b="0" lang="en-US" sz="3200" spc="-1" strike="noStrike">
-                <a:solidFill>
-                  <a:srgbClr val="ffffff"/>
-                </a:solidFill>
-                <a:latin typeface="Roboto"/>
-                <a:ea typeface="Roboto"/>
+              <a:rPr b="1" lang="en-US" sz="2600" spc="-1" strike="noStrike">
+                <a:solidFill>
+                  <a:srgbClr val="1a1a1a"/>
+                </a:solidFill>
+                <a:latin typeface="Raleway"/>
+                <a:ea typeface="Raleway"/>
               </a:rPr>
               <a:t>How to Install Python?</a:t>
             </a:r>
-            <a:endParaRPr b="0" lang="en-US" sz="3200" spc="-1" strike="noStrike">
-              <a:solidFill>
-                <a:srgbClr val="000000"/>
-              </a:solidFill>
-              <a:latin typeface="Arial"/>
-            </a:endParaRPr>
-          </a:p>
-        </p:txBody>
-      </p:sp>
-      <p:sp>
-        <p:nvSpPr>
-          <p:cNvPr id="112" name="TextShape 2"/>
+            <a:endParaRPr b="0" lang="en-US" sz="2600" spc="-1" strike="noStrike">
+              <a:solidFill>
+                <a:srgbClr val="000000"/>
+              </a:solidFill>
+              <a:latin typeface="Arial"/>
+            </a:endParaRPr>
+          </a:p>
+        </p:txBody>
+      </p:sp>
+      <p:sp>
+        <p:nvSpPr>
+          <p:cNvPr id="116" name="TextShape 2"/>
           <p:cNvSpPr txBox="1"/>
           <p:nvPr/>
         </p:nvSpPr>
@@ -8171,7 +8410,7 @@
               <a:buClr>
                 <a:srgbClr val="000000"/>
               </a:buClr>
-              <a:buFont typeface="Roboto"/>
+              <a:buFont typeface="Lato"/>
               <a:buChar char="●"/>
             </a:pPr>
             <a:r>
@@ -8179,19 +8418,19 @@
                 <a:solidFill>
                   <a:srgbClr val="000000"/>
                 </a:solidFill>
-                <a:latin typeface="Roboto"/>
-                <a:ea typeface="Roboto"/>
+                <a:latin typeface="Lato"/>
+                <a:ea typeface="Lato"/>
               </a:rPr>
               <a:t>For installation details on Windows, MacOS, and Linux distros, view this tutorial: </a:t>
             </a:r>
             <a:r>
               <a:rPr b="0" lang="en-US" sz="2000" spc="-1" strike="noStrike" u="sng">
                 <a:solidFill>
-                  <a:srgbClr val="4fc3f7"/>
+                  <a:srgbClr val="1c3678"/>
                 </a:solidFill>
                 <a:uFillTx/>
-                <a:latin typeface="Roboto"/>
-                <a:ea typeface="Roboto"/>
+                <a:latin typeface="Lato"/>
+                <a:ea typeface="Lato"/>
                 <a:hlinkClick r:id="rId1"/>
               </a:rPr>
               <a:t>http://purcellconsult.com/python-installation-tutorial</a:t>
@@ -8211,7 +8450,7 @@
               <a:buClr>
                 <a:srgbClr val="000000"/>
               </a:buClr>
-              <a:buFont typeface="Roboto"/>
+              <a:buFont typeface="Lato"/>
               <a:buChar char="●"/>
             </a:pPr>
             <a:r>
@@ -8219,8 +8458,8 @@
                 <a:solidFill>
                   <a:srgbClr val="000000"/>
                 </a:solidFill>
-                <a:latin typeface="Roboto"/>
-                <a:ea typeface="Roboto"/>
+                <a:latin typeface="Lato"/>
+                <a:ea typeface="Lato"/>
               </a:rPr>
               <a:t>Could use an online python interpreter for short term purposes:</a:t>
             </a:r>
@@ -8239,7 +8478,7 @@
               <a:buClr>
                 <a:srgbClr val="000000"/>
               </a:buClr>
-              <a:buFont typeface="Roboto"/>
+              <a:buFont typeface="Lato"/>
               <a:buChar char="○"/>
             </a:pPr>
             <a:r>
@@ -8247,19 +8486,19 @@
                 <a:solidFill>
                   <a:srgbClr val="000000"/>
                 </a:solidFill>
-                <a:latin typeface="Roboto"/>
-                <a:ea typeface="Roboto"/>
+                <a:latin typeface="Lato"/>
+                <a:ea typeface="Lato"/>
               </a:rPr>
               <a:t>Online GDB: </a:t>
             </a:r>
             <a:r>
               <a:rPr b="0" lang="en-US" sz="2000" spc="-1" strike="noStrike" u="sng">
                 <a:solidFill>
-                  <a:srgbClr val="4fc3f7"/>
+                  <a:srgbClr val="1c3678"/>
                 </a:solidFill>
                 <a:uFillTx/>
-                <a:latin typeface="Roboto"/>
-                <a:ea typeface="Roboto"/>
+                <a:latin typeface="Lato"/>
+                <a:ea typeface="Lato"/>
                 <a:hlinkClick r:id="rId2"/>
               </a:rPr>
               <a:t>https://www.onlinegdb.com/online_python_interpreter</a:t>
@@ -8279,7 +8518,7 @@
               <a:buClr>
                 <a:srgbClr val="000000"/>
               </a:buClr>
-              <a:buFont typeface="Roboto"/>
+              <a:buFont typeface="Lato"/>
               <a:buChar char="○"/>
             </a:pPr>
             <a:r>
@@ -8287,19 +8526,19 @@
                 <a:solidFill>
                   <a:srgbClr val="000000"/>
                 </a:solidFill>
-                <a:latin typeface="Roboto"/>
-                <a:ea typeface="Roboto"/>
+                <a:latin typeface="Lato"/>
+                <a:ea typeface="Lato"/>
               </a:rPr>
               <a:t>Repl.it: </a:t>
             </a:r>
             <a:r>
               <a:rPr b="0" lang="en-US" sz="2000" spc="-1" strike="noStrike" u="sng">
                 <a:solidFill>
-                  <a:srgbClr val="4fc3f7"/>
+                  <a:srgbClr val="1c3678"/>
                 </a:solidFill>
                 <a:uFillTx/>
-                <a:latin typeface="Roboto"/>
-                <a:ea typeface="Roboto"/>
+                <a:latin typeface="Lato"/>
+                <a:ea typeface="Lato"/>
                 <a:hlinkClick r:id="rId3"/>
               </a:rPr>
               <a:t>https://repl.it/languages/python3</a:t>
@@ -8319,7 +8558,7 @@
               <a:buClr>
                 <a:srgbClr val="000000"/>
               </a:buClr>
-              <a:buFont typeface="Roboto"/>
+              <a:buFont typeface="Lato"/>
               <a:buChar char="○"/>
             </a:pPr>
             <a:r>
@@ -8327,19 +8566,19 @@
                 <a:solidFill>
                   <a:srgbClr val="000000"/>
                 </a:solidFill>
-                <a:latin typeface="Roboto"/>
-                <a:ea typeface="Roboto"/>
+                <a:latin typeface="Lato"/>
+                <a:ea typeface="Lato"/>
               </a:rPr>
               <a:t>Another online python interpreter </a:t>
             </a:r>
             <a:r>
               <a:rPr b="0" lang="en-US" sz="2000" spc="-1" strike="noStrike" u="sng">
                 <a:solidFill>
-                  <a:srgbClr val="4fc3f7"/>
+                  <a:srgbClr val="1c3678"/>
                 </a:solidFill>
                 <a:uFillTx/>
-                <a:latin typeface="Roboto"/>
-                <a:ea typeface="Roboto"/>
+                <a:latin typeface="Lato"/>
+                <a:ea typeface="Lato"/>
                 <a:hlinkClick r:id="rId4"/>
               </a:rPr>
               <a:t>http://mathcs.holycross.edu/~kwalsh/python</a:t>
@@ -8374,6 +8613,33 @@
       </p:sp>
     </p:spTree>
   </p:cSld>
+  <p:timing>
+    <p:tnLst>
+      <p:par>
+        <p:cTn id="17" dur="indefinite" restart="never" nodeType="tmRoot">
+          <p:childTnLst>
+            <p:seq>
+              <p:cTn id="18" dur="indefinite" nodeType="mainSeq"/>
+              <p:prevCondLst>
+                <p:cond delay="0" evt="onPrev">
+                  <p:tgtEl>
+                    <p:sldTgt/>
+                  </p:tgtEl>
+                </p:cond>
+              </p:prevCondLst>
+              <p:nextCondLst>
+                <p:cond delay="0" evt="onNext">
+                  <p:tgtEl>
+                    <p:sldTgt/>
+                  </p:tgtEl>
+                </p:cond>
+              </p:nextCondLst>
+            </p:seq>
+          </p:childTnLst>
+        </p:cTn>
+      </p:par>
+    </p:tnLst>
+  </p:timing>
 </p:sld>
 </file>
 
@@ -8388,34 +8654,34 @@
         <a:sysClr val="window" lastClr="FFFFFF"/>
       </a:lt1>
       <a:dk2>
-        <a:srgbClr val="1f497d"/>
+        <a:srgbClr val="1a1a1a"/>
       </a:dk2>
       <a:lt2>
-        <a:srgbClr val="eeece1"/>
+        <a:srgbClr val="e9edee"/>
       </a:lt2>
       <a:accent1>
-        <a:srgbClr val="4f81bd"/>
+        <a:srgbClr val="595959"/>
       </a:accent1>
       <a:accent2>
-        <a:srgbClr val="c0504d"/>
+        <a:srgbClr val="6aa4c8"/>
       </a:accent2>
       <a:accent3>
-        <a:srgbClr val="9bbb59"/>
+        <a:srgbClr val="eb5600"/>
       </a:accent3>
       <a:accent4>
-        <a:srgbClr val="8064a2"/>
+        <a:srgbClr val="a2ffe8"/>
       </a:accent4>
       <a:accent5>
-        <a:srgbClr val="4bacc6"/>
+        <a:srgbClr val="1c3678"/>
       </a:accent5>
       <a:accent6>
-        <a:srgbClr val="f79646"/>
+        <a:srgbClr val="ffb8a2"/>
       </a:accent6>
       <a:hlink>
-        <a:srgbClr val="0000ff"/>
+        <a:srgbClr val="1c3678"/>
       </a:hlink>
       <a:folHlink>
-        <a:srgbClr val="800080"/>
+        <a:srgbClr val="1c3678"/>
       </a:folHlink>
     </a:clrScheme>
     <a:fontScheme name="Office">
@@ -8611,34 +8877,34 @@
         <a:sysClr val="window" lastClr="FFFFFF"/>
       </a:lt1>
       <a:dk2>
-        <a:srgbClr val="424242"/>
+        <a:srgbClr val="1a1a1a"/>
       </a:dk2>
       <a:lt2>
-        <a:srgbClr val="737373"/>
+        <a:srgbClr val="e9edee"/>
       </a:lt2>
       <a:accent1>
-        <a:srgbClr val="0277bd"/>
+        <a:srgbClr val="595959"/>
       </a:accent1>
       <a:accent2>
-        <a:srgbClr val="0f9d58"/>
+        <a:srgbClr val="6aa4c8"/>
       </a:accent2>
       <a:accent3>
-        <a:srgbClr val="db4437"/>
+        <a:srgbClr val="eb5600"/>
       </a:accent3>
       <a:accent4>
-        <a:srgbClr val="fafafa"/>
+        <a:srgbClr val="a2ffe8"/>
       </a:accent4>
       <a:accent5>
-        <a:srgbClr val="4fc3f7"/>
+        <a:srgbClr val="1c3678"/>
       </a:accent5>
       <a:accent6>
-        <a:srgbClr val="f4b400"/>
+        <a:srgbClr val="ffb8a2"/>
       </a:accent6>
       <a:hlink>
-        <a:srgbClr val="4fc3f7"/>
+        <a:srgbClr val="1c3678"/>
       </a:hlink>
       <a:folHlink>
-        <a:srgbClr val="4fc3f7"/>
+        <a:srgbClr val="1c3678"/>
       </a:folHlink>
     </a:clrScheme>
     <a:fontScheme name="Office">

--- a/Learn Python in 45 Minutes Supplement.pptx
+++ b/Learn Python in 45 Minutes Supplement.pptx
@@ -22,7 +22,7 @@
     <p:sldId id="269" r:id="rId17"/>
   </p:sldIdLst>
   <p:sldSz cx="9144000" cy="5143500"/>
-  <p:notesSz cx="6858000" cy="9144000"/>
+  <p:notesSz cx="7772400" cy="10058400"/>
 </p:presentation>
 </file>
 
@@ -67,7 +67,7 @@
       </p:grpSpPr>
       <p:sp>
         <p:nvSpPr>
-          <p:cNvPr id="28" name="PlaceHolder 1"/>
+          <p:cNvPr id="27" name="PlaceHolder 1"/>
           <p:cNvSpPr>
             <a:spLocks noGrp="1"/>
           </p:cNvSpPr>
@@ -77,8 +77,8 @@
         </p:nvSpPr>
         <p:spPr>
           <a:xfrm>
-            <a:off x="729360" y="1318680"/>
-            <a:ext cx="7688520" cy="534960"/>
+            <a:off x="729360" y="1273320"/>
+            <a:ext cx="7688160" cy="625320"/>
           </a:xfrm>
           <a:prstGeom prst="rect">
             <a:avLst/>
@@ -87,18 +87,16 @@
         <p:txBody>
           <a:bodyPr lIns="0" rIns="0" tIns="0" bIns="0" anchor="ctr"/>
           <a:p>
-            <a:endParaRPr b="0" lang="en-US" sz="1400" spc="-1" strike="noStrike">
-              <a:solidFill>
-                <a:srgbClr val="000000"/>
-              </a:solidFill>
-              <a:latin typeface="Arial"/>
-            </a:endParaRPr>
-          </a:p>
-        </p:txBody>
-      </p:sp>
-      <p:sp>
-        <p:nvSpPr>
-          <p:cNvPr id="29" name="PlaceHolder 2"/>
+            <a:pPr algn="ctr"/>
+            <a:endParaRPr b="0" lang="en-US" sz="4400" spc="-1" strike="noStrike">
+              <a:latin typeface="Arial"/>
+            </a:endParaRPr>
+          </a:p>
+        </p:txBody>
+      </p:sp>
+      <p:sp>
+        <p:nvSpPr>
+          <p:cNvPr id="28" name="PlaceHolder 2"/>
           <p:cNvSpPr>
             <a:spLocks noGrp="1"/>
           </p:cNvSpPr>
@@ -109,7 +107,7 @@
         <p:spPr>
           <a:xfrm>
             <a:off x="729360" y="2079000"/>
-            <a:ext cx="7688520" cy="1078200"/>
+            <a:ext cx="7688160" cy="1078200"/>
           </a:xfrm>
           <a:prstGeom prst="rect">
             <a:avLst/>
@@ -120,18 +118,15 @@
             <a:normAutofit/>
           </a:bodyPr>
           <a:p>
-            <a:endParaRPr b="0" lang="en-US" sz="1400" spc="-1" strike="noStrike">
-              <a:solidFill>
-                <a:srgbClr val="000000"/>
-              </a:solidFill>
-              <a:latin typeface="Arial"/>
-            </a:endParaRPr>
-          </a:p>
-        </p:txBody>
-      </p:sp>
-      <p:sp>
-        <p:nvSpPr>
-          <p:cNvPr id="30" name="PlaceHolder 3"/>
+            <a:endParaRPr b="0" lang="en-US" sz="3200" spc="-1" strike="noStrike">
+              <a:latin typeface="Arial"/>
+            </a:endParaRPr>
+          </a:p>
+        </p:txBody>
+      </p:sp>
+      <p:sp>
+        <p:nvSpPr>
+          <p:cNvPr id="29" name="PlaceHolder 3"/>
           <p:cNvSpPr>
             <a:spLocks noGrp="1"/>
           </p:cNvSpPr>
@@ -142,7 +137,7 @@
         <p:spPr>
           <a:xfrm>
             <a:off x="729360" y="3260160"/>
-            <a:ext cx="7688520" cy="1078200"/>
+            <a:ext cx="7688160" cy="1078200"/>
           </a:xfrm>
           <a:prstGeom prst="rect">
             <a:avLst/>
@@ -153,10 +148,7 @@
             <a:normAutofit/>
           </a:bodyPr>
           <a:p>
-            <a:endParaRPr b="0" lang="en-US" sz="1400" spc="-1" strike="noStrike">
-              <a:solidFill>
-                <a:srgbClr val="000000"/>
-              </a:solidFill>
+            <a:endParaRPr b="0" lang="en-US" sz="3200" spc="-1" strike="noStrike">
               <a:latin typeface="Arial"/>
             </a:endParaRPr>
           </a:p>
@@ -186,7 +178,7 @@
       </p:grpSpPr>
       <p:sp>
         <p:nvSpPr>
-          <p:cNvPr id="31" name="PlaceHolder 1"/>
+          <p:cNvPr id="30" name="PlaceHolder 1"/>
           <p:cNvSpPr>
             <a:spLocks noGrp="1"/>
           </p:cNvSpPr>
@@ -196,8 +188,8 @@
         </p:nvSpPr>
         <p:spPr>
           <a:xfrm>
-            <a:off x="729360" y="1318680"/>
-            <a:ext cx="7688520" cy="534960"/>
+            <a:off x="729360" y="1273320"/>
+            <a:ext cx="7688160" cy="625320"/>
           </a:xfrm>
           <a:prstGeom prst="rect">
             <a:avLst/>
@@ -206,18 +198,16 @@
         <p:txBody>
           <a:bodyPr lIns="0" rIns="0" tIns="0" bIns="0" anchor="ctr"/>
           <a:p>
-            <a:endParaRPr b="0" lang="en-US" sz="1400" spc="-1" strike="noStrike">
-              <a:solidFill>
-                <a:srgbClr val="000000"/>
-              </a:solidFill>
-              <a:latin typeface="Arial"/>
-            </a:endParaRPr>
-          </a:p>
-        </p:txBody>
-      </p:sp>
-      <p:sp>
-        <p:nvSpPr>
-          <p:cNvPr id="32" name="PlaceHolder 2"/>
+            <a:pPr algn="ctr"/>
+            <a:endParaRPr b="0" lang="en-US" sz="4400" spc="-1" strike="noStrike">
+              <a:latin typeface="Arial"/>
+            </a:endParaRPr>
+          </a:p>
+        </p:txBody>
+      </p:sp>
+      <p:sp>
+        <p:nvSpPr>
+          <p:cNvPr id="31" name="PlaceHolder 2"/>
           <p:cNvSpPr>
             <a:spLocks noGrp="1"/>
           </p:cNvSpPr>
@@ -228,7 +218,7 @@
         <p:spPr>
           <a:xfrm>
             <a:off x="729360" y="2079000"/>
-            <a:ext cx="3751920" cy="1078200"/>
+            <a:ext cx="3751560" cy="1078200"/>
           </a:xfrm>
           <a:prstGeom prst="rect">
             <a:avLst/>
@@ -239,18 +229,15 @@
             <a:normAutofit/>
           </a:bodyPr>
           <a:p>
-            <a:endParaRPr b="0" lang="en-US" sz="1400" spc="-1" strike="noStrike">
-              <a:solidFill>
-                <a:srgbClr val="000000"/>
-              </a:solidFill>
-              <a:latin typeface="Arial"/>
-            </a:endParaRPr>
-          </a:p>
-        </p:txBody>
-      </p:sp>
-      <p:sp>
-        <p:nvSpPr>
-          <p:cNvPr id="33" name="PlaceHolder 3"/>
+            <a:endParaRPr b="0" lang="en-US" sz="3200" spc="-1" strike="noStrike">
+              <a:latin typeface="Arial"/>
+            </a:endParaRPr>
+          </a:p>
+        </p:txBody>
+      </p:sp>
+      <p:sp>
+        <p:nvSpPr>
+          <p:cNvPr id="32" name="PlaceHolder 3"/>
           <p:cNvSpPr>
             <a:spLocks noGrp="1"/>
           </p:cNvSpPr>
@@ -260,8 +247,8 @@
         </p:nvSpPr>
         <p:spPr>
           <a:xfrm>
-            <a:off x="4669200" y="2079000"/>
-            <a:ext cx="3751920" cy="1078200"/>
+            <a:off x="4668840" y="2079000"/>
+            <a:ext cx="3751560" cy="1078200"/>
           </a:xfrm>
           <a:prstGeom prst="rect">
             <a:avLst/>
@@ -272,18 +259,15 @@
             <a:normAutofit/>
           </a:bodyPr>
           <a:p>
-            <a:endParaRPr b="0" lang="en-US" sz="1400" spc="-1" strike="noStrike">
-              <a:solidFill>
-                <a:srgbClr val="000000"/>
-              </a:solidFill>
-              <a:latin typeface="Arial"/>
-            </a:endParaRPr>
-          </a:p>
-        </p:txBody>
-      </p:sp>
-      <p:sp>
-        <p:nvSpPr>
-          <p:cNvPr id="34" name="PlaceHolder 4"/>
+            <a:endParaRPr b="0" lang="en-US" sz="3200" spc="-1" strike="noStrike">
+              <a:latin typeface="Arial"/>
+            </a:endParaRPr>
+          </a:p>
+        </p:txBody>
+      </p:sp>
+      <p:sp>
+        <p:nvSpPr>
+          <p:cNvPr id="33" name="PlaceHolder 4"/>
           <p:cNvSpPr>
             <a:spLocks noGrp="1"/>
           </p:cNvSpPr>
@@ -294,7 +278,7 @@
         <p:spPr>
           <a:xfrm>
             <a:off x="729360" y="3260160"/>
-            <a:ext cx="3751920" cy="1078200"/>
+            <a:ext cx="3751560" cy="1078200"/>
           </a:xfrm>
           <a:prstGeom prst="rect">
             <a:avLst/>
@@ -305,18 +289,15 @@
             <a:normAutofit/>
           </a:bodyPr>
           <a:p>
-            <a:endParaRPr b="0" lang="en-US" sz="1400" spc="-1" strike="noStrike">
-              <a:solidFill>
-                <a:srgbClr val="000000"/>
-              </a:solidFill>
-              <a:latin typeface="Arial"/>
-            </a:endParaRPr>
-          </a:p>
-        </p:txBody>
-      </p:sp>
-      <p:sp>
-        <p:nvSpPr>
-          <p:cNvPr id="35" name="PlaceHolder 5"/>
+            <a:endParaRPr b="0" lang="en-US" sz="3200" spc="-1" strike="noStrike">
+              <a:latin typeface="Arial"/>
+            </a:endParaRPr>
+          </a:p>
+        </p:txBody>
+      </p:sp>
+      <p:sp>
+        <p:nvSpPr>
+          <p:cNvPr id="34" name="PlaceHolder 5"/>
           <p:cNvSpPr>
             <a:spLocks noGrp="1"/>
           </p:cNvSpPr>
@@ -326,8 +307,8 @@
         </p:nvSpPr>
         <p:spPr>
           <a:xfrm>
-            <a:off x="4669200" y="3260160"/>
-            <a:ext cx="3751920" cy="1078200"/>
+            <a:off x="4668840" y="3260160"/>
+            <a:ext cx="3751560" cy="1078200"/>
           </a:xfrm>
           <a:prstGeom prst="rect">
             <a:avLst/>
@@ -338,10 +319,7 @@
             <a:normAutofit/>
           </a:bodyPr>
           <a:p>
-            <a:endParaRPr b="0" lang="en-US" sz="1400" spc="-1" strike="noStrike">
-              <a:solidFill>
-                <a:srgbClr val="000000"/>
-              </a:solidFill>
+            <a:endParaRPr b="0" lang="en-US" sz="3200" spc="-1" strike="noStrike">
               <a:latin typeface="Arial"/>
             </a:endParaRPr>
           </a:p>
@@ -371,7 +349,7 @@
       </p:grpSpPr>
       <p:sp>
         <p:nvSpPr>
-          <p:cNvPr id="36" name="PlaceHolder 1"/>
+          <p:cNvPr id="35" name="PlaceHolder 1"/>
           <p:cNvSpPr>
             <a:spLocks noGrp="1"/>
           </p:cNvSpPr>
@@ -381,8 +359,8 @@
         </p:nvSpPr>
         <p:spPr>
           <a:xfrm>
-            <a:off x="729360" y="1318680"/>
-            <a:ext cx="7688520" cy="534960"/>
+            <a:off x="729360" y="1273320"/>
+            <a:ext cx="7688160" cy="625320"/>
           </a:xfrm>
           <a:prstGeom prst="rect">
             <a:avLst/>
@@ -391,18 +369,16 @@
         <p:txBody>
           <a:bodyPr lIns="0" rIns="0" tIns="0" bIns="0" anchor="ctr"/>
           <a:p>
-            <a:endParaRPr b="0" lang="en-US" sz="1400" spc="-1" strike="noStrike">
-              <a:solidFill>
-                <a:srgbClr val="000000"/>
-              </a:solidFill>
-              <a:latin typeface="Arial"/>
-            </a:endParaRPr>
-          </a:p>
-        </p:txBody>
-      </p:sp>
-      <p:sp>
-        <p:nvSpPr>
-          <p:cNvPr id="37" name="PlaceHolder 2"/>
+            <a:pPr algn="ctr"/>
+            <a:endParaRPr b="0" lang="en-US" sz="4400" spc="-1" strike="noStrike">
+              <a:latin typeface="Arial"/>
+            </a:endParaRPr>
+          </a:p>
+        </p:txBody>
+      </p:sp>
+      <p:sp>
+        <p:nvSpPr>
+          <p:cNvPr id="36" name="PlaceHolder 2"/>
           <p:cNvSpPr>
             <a:spLocks noGrp="1"/>
           </p:cNvSpPr>
@@ -424,18 +400,15 @@
             <a:normAutofit/>
           </a:bodyPr>
           <a:p>
-            <a:endParaRPr b="0" lang="en-US" sz="1400" spc="-1" strike="noStrike">
-              <a:solidFill>
-                <a:srgbClr val="000000"/>
-              </a:solidFill>
-              <a:latin typeface="Arial"/>
-            </a:endParaRPr>
-          </a:p>
-        </p:txBody>
-      </p:sp>
-      <p:sp>
-        <p:nvSpPr>
-          <p:cNvPr id="38" name="PlaceHolder 3"/>
+            <a:endParaRPr b="0" lang="en-US" sz="3200" spc="-1" strike="noStrike">
+              <a:latin typeface="Arial"/>
+            </a:endParaRPr>
+          </a:p>
+        </p:txBody>
+      </p:sp>
+      <p:sp>
+        <p:nvSpPr>
+          <p:cNvPr id="37" name="PlaceHolder 3"/>
           <p:cNvSpPr>
             <a:spLocks noGrp="1"/>
           </p:cNvSpPr>
@@ -457,18 +430,15 @@
             <a:normAutofit/>
           </a:bodyPr>
           <a:p>
-            <a:endParaRPr b="0" lang="en-US" sz="1400" spc="-1" strike="noStrike">
-              <a:solidFill>
-                <a:srgbClr val="000000"/>
-              </a:solidFill>
-              <a:latin typeface="Arial"/>
-            </a:endParaRPr>
-          </a:p>
-        </p:txBody>
-      </p:sp>
-      <p:sp>
-        <p:nvSpPr>
-          <p:cNvPr id="39" name="PlaceHolder 4"/>
+            <a:endParaRPr b="0" lang="en-US" sz="3200" spc="-1" strike="noStrike">
+              <a:latin typeface="Arial"/>
+            </a:endParaRPr>
+          </a:p>
+        </p:txBody>
+      </p:sp>
+      <p:sp>
+        <p:nvSpPr>
+          <p:cNvPr id="38" name="PlaceHolder 4"/>
           <p:cNvSpPr>
             <a:spLocks noGrp="1"/>
           </p:cNvSpPr>
@@ -490,18 +460,15 @@
             <a:normAutofit/>
           </a:bodyPr>
           <a:p>
-            <a:endParaRPr b="0" lang="en-US" sz="1400" spc="-1" strike="noStrike">
-              <a:solidFill>
-                <a:srgbClr val="000000"/>
-              </a:solidFill>
-              <a:latin typeface="Arial"/>
-            </a:endParaRPr>
-          </a:p>
-        </p:txBody>
-      </p:sp>
-      <p:sp>
-        <p:nvSpPr>
-          <p:cNvPr id="40" name="PlaceHolder 5"/>
+            <a:endParaRPr b="0" lang="en-US" sz="3200" spc="-1" strike="noStrike">
+              <a:latin typeface="Arial"/>
+            </a:endParaRPr>
+          </a:p>
+        </p:txBody>
+      </p:sp>
+      <p:sp>
+        <p:nvSpPr>
+          <p:cNvPr id="39" name="PlaceHolder 5"/>
           <p:cNvSpPr>
             <a:spLocks noGrp="1"/>
           </p:cNvSpPr>
@@ -523,18 +490,15 @@
             <a:normAutofit/>
           </a:bodyPr>
           <a:p>
-            <a:endParaRPr b="0" lang="en-US" sz="1400" spc="-1" strike="noStrike">
-              <a:solidFill>
-                <a:srgbClr val="000000"/>
-              </a:solidFill>
-              <a:latin typeface="Arial"/>
-            </a:endParaRPr>
-          </a:p>
-        </p:txBody>
-      </p:sp>
-      <p:sp>
-        <p:nvSpPr>
-          <p:cNvPr id="41" name="PlaceHolder 6"/>
+            <a:endParaRPr b="0" lang="en-US" sz="3200" spc="-1" strike="noStrike">
+              <a:latin typeface="Arial"/>
+            </a:endParaRPr>
+          </a:p>
+        </p:txBody>
+      </p:sp>
+      <p:sp>
+        <p:nvSpPr>
+          <p:cNvPr id="40" name="PlaceHolder 6"/>
           <p:cNvSpPr>
             <a:spLocks noGrp="1"/>
           </p:cNvSpPr>
@@ -556,18 +520,15 @@
             <a:normAutofit/>
           </a:bodyPr>
           <a:p>
-            <a:endParaRPr b="0" lang="en-US" sz="1400" spc="-1" strike="noStrike">
-              <a:solidFill>
-                <a:srgbClr val="000000"/>
-              </a:solidFill>
-              <a:latin typeface="Arial"/>
-            </a:endParaRPr>
-          </a:p>
-        </p:txBody>
-      </p:sp>
-      <p:sp>
-        <p:nvSpPr>
-          <p:cNvPr id="42" name="PlaceHolder 7"/>
+            <a:endParaRPr b="0" lang="en-US" sz="3200" spc="-1" strike="noStrike">
+              <a:latin typeface="Arial"/>
+            </a:endParaRPr>
+          </a:p>
+        </p:txBody>
+      </p:sp>
+      <p:sp>
+        <p:nvSpPr>
+          <p:cNvPr id="41" name="PlaceHolder 7"/>
           <p:cNvSpPr>
             <a:spLocks noGrp="1"/>
           </p:cNvSpPr>
@@ -589,10 +550,7 @@
             <a:normAutofit/>
           </a:bodyPr>
           <a:p>
-            <a:endParaRPr b="0" lang="en-US" sz="1400" spc="-1" strike="noStrike">
-              <a:solidFill>
-                <a:srgbClr val="000000"/>
-              </a:solidFill>
+            <a:endParaRPr b="0" lang="en-US" sz="3200" spc="-1" strike="noStrike">
               <a:latin typeface="Arial"/>
             </a:endParaRPr>
           </a:p>
@@ -644,7 +602,7 @@
       </p:grpSpPr>
       <p:sp>
         <p:nvSpPr>
-          <p:cNvPr id="50" name="PlaceHolder 1"/>
+          <p:cNvPr id="48" name="PlaceHolder 1"/>
           <p:cNvSpPr>
             <a:spLocks noGrp="1"/>
           </p:cNvSpPr>
@@ -654,8 +612,8 @@
         </p:nvSpPr>
         <p:spPr>
           <a:xfrm>
-            <a:off x="729360" y="1318680"/>
-            <a:ext cx="7688520" cy="534960"/>
+            <a:off x="729360" y="1273320"/>
+            <a:ext cx="7688160" cy="625320"/>
           </a:xfrm>
           <a:prstGeom prst="rect">
             <a:avLst/>
@@ -664,18 +622,16 @@
         <p:txBody>
           <a:bodyPr lIns="0" rIns="0" tIns="0" bIns="0" anchor="ctr"/>
           <a:p>
-            <a:endParaRPr b="0" lang="en-US" sz="1400" spc="-1" strike="noStrike">
-              <a:solidFill>
-                <a:srgbClr val="000000"/>
-              </a:solidFill>
-              <a:latin typeface="Arial"/>
-            </a:endParaRPr>
-          </a:p>
-        </p:txBody>
-      </p:sp>
-      <p:sp>
-        <p:nvSpPr>
-          <p:cNvPr id="51" name="PlaceHolder 2"/>
+            <a:pPr algn="ctr"/>
+            <a:endParaRPr b="0" lang="en-US" sz="4400" spc="-1" strike="noStrike">
+              <a:latin typeface="Arial"/>
+            </a:endParaRPr>
+          </a:p>
+        </p:txBody>
+      </p:sp>
+      <p:sp>
+        <p:nvSpPr>
+          <p:cNvPr id="49" name="PlaceHolder 2"/>
           <p:cNvSpPr>
             <a:spLocks noGrp="1"/>
           </p:cNvSpPr>
@@ -686,7 +642,7 @@
         <p:spPr>
           <a:xfrm>
             <a:off x="729360" y="2079000"/>
-            <a:ext cx="7688520" cy="2260800"/>
+            <a:ext cx="7688160" cy="2260440"/>
           </a:xfrm>
           <a:prstGeom prst="rect">
             <a:avLst/>
@@ -726,7 +682,7 @@
       </p:grpSpPr>
       <p:sp>
         <p:nvSpPr>
-          <p:cNvPr id="52" name="PlaceHolder 1"/>
+          <p:cNvPr id="50" name="PlaceHolder 1"/>
           <p:cNvSpPr>
             <a:spLocks noGrp="1"/>
           </p:cNvSpPr>
@@ -736,8 +692,8 @@
         </p:nvSpPr>
         <p:spPr>
           <a:xfrm>
-            <a:off x="729360" y="1318680"/>
-            <a:ext cx="7688520" cy="534960"/>
+            <a:off x="729360" y="1273320"/>
+            <a:ext cx="7688160" cy="625320"/>
           </a:xfrm>
           <a:prstGeom prst="rect">
             <a:avLst/>
@@ -746,18 +702,16 @@
         <p:txBody>
           <a:bodyPr lIns="0" rIns="0" tIns="0" bIns="0" anchor="ctr"/>
           <a:p>
-            <a:endParaRPr b="0" lang="en-US" sz="1400" spc="-1" strike="noStrike">
-              <a:solidFill>
-                <a:srgbClr val="000000"/>
-              </a:solidFill>
-              <a:latin typeface="Arial"/>
-            </a:endParaRPr>
-          </a:p>
-        </p:txBody>
-      </p:sp>
-      <p:sp>
-        <p:nvSpPr>
-          <p:cNvPr id="53" name="PlaceHolder 2"/>
+            <a:pPr algn="ctr"/>
+            <a:endParaRPr b="0" lang="en-US" sz="4400" spc="-1" strike="noStrike">
+              <a:latin typeface="Arial"/>
+            </a:endParaRPr>
+          </a:p>
+        </p:txBody>
+      </p:sp>
+      <p:sp>
+        <p:nvSpPr>
+          <p:cNvPr id="51" name="PlaceHolder 2"/>
           <p:cNvSpPr>
             <a:spLocks noGrp="1"/>
           </p:cNvSpPr>
@@ -768,7 +722,7 @@
         <p:spPr>
           <a:xfrm>
             <a:off x="729360" y="2079000"/>
-            <a:ext cx="7688520" cy="2260800"/>
+            <a:ext cx="7688160" cy="2260440"/>
           </a:xfrm>
           <a:prstGeom prst="rect">
             <a:avLst/>
@@ -779,10 +733,7 @@
             <a:normAutofit/>
           </a:bodyPr>
           <a:p>
-            <a:endParaRPr b="0" lang="en-US" sz="1400" spc="-1" strike="noStrike">
-              <a:solidFill>
-                <a:srgbClr val="000000"/>
-              </a:solidFill>
+            <a:endParaRPr b="0" lang="en-US" sz="3200" spc="-1" strike="noStrike">
               <a:latin typeface="Arial"/>
             </a:endParaRPr>
           </a:p>
@@ -812,7 +763,7 @@
       </p:grpSpPr>
       <p:sp>
         <p:nvSpPr>
-          <p:cNvPr id="54" name="PlaceHolder 1"/>
+          <p:cNvPr id="52" name="PlaceHolder 1"/>
           <p:cNvSpPr>
             <a:spLocks noGrp="1"/>
           </p:cNvSpPr>
@@ -822,8 +773,8 @@
         </p:nvSpPr>
         <p:spPr>
           <a:xfrm>
-            <a:off x="729360" y="1318680"/>
-            <a:ext cx="7688520" cy="534960"/>
+            <a:off x="729360" y="1273320"/>
+            <a:ext cx="7688160" cy="625320"/>
           </a:xfrm>
           <a:prstGeom prst="rect">
             <a:avLst/>
@@ -832,18 +783,16 @@
         <p:txBody>
           <a:bodyPr lIns="0" rIns="0" tIns="0" bIns="0" anchor="ctr"/>
           <a:p>
-            <a:endParaRPr b="0" lang="en-US" sz="1400" spc="-1" strike="noStrike">
-              <a:solidFill>
-                <a:srgbClr val="000000"/>
-              </a:solidFill>
-              <a:latin typeface="Arial"/>
-            </a:endParaRPr>
-          </a:p>
-        </p:txBody>
-      </p:sp>
-      <p:sp>
-        <p:nvSpPr>
-          <p:cNvPr id="55" name="PlaceHolder 2"/>
+            <a:pPr algn="ctr"/>
+            <a:endParaRPr b="0" lang="en-US" sz="4400" spc="-1" strike="noStrike">
+              <a:latin typeface="Arial"/>
+            </a:endParaRPr>
+          </a:p>
+        </p:txBody>
+      </p:sp>
+      <p:sp>
+        <p:nvSpPr>
+          <p:cNvPr id="53" name="PlaceHolder 2"/>
           <p:cNvSpPr>
             <a:spLocks noGrp="1"/>
           </p:cNvSpPr>
@@ -854,7 +803,7 @@
         <p:spPr>
           <a:xfrm>
             <a:off x="729360" y="2079000"/>
-            <a:ext cx="3751920" cy="2260800"/>
+            <a:ext cx="3751560" cy="2260440"/>
           </a:xfrm>
           <a:prstGeom prst="rect">
             <a:avLst/>
@@ -865,18 +814,15 @@
             <a:normAutofit/>
           </a:bodyPr>
           <a:p>
-            <a:endParaRPr b="0" lang="en-US" sz="1400" spc="-1" strike="noStrike">
-              <a:solidFill>
-                <a:srgbClr val="000000"/>
-              </a:solidFill>
-              <a:latin typeface="Arial"/>
-            </a:endParaRPr>
-          </a:p>
-        </p:txBody>
-      </p:sp>
-      <p:sp>
-        <p:nvSpPr>
-          <p:cNvPr id="56" name="PlaceHolder 3"/>
+            <a:endParaRPr b="0" lang="en-US" sz="3200" spc="-1" strike="noStrike">
+              <a:latin typeface="Arial"/>
+            </a:endParaRPr>
+          </a:p>
+        </p:txBody>
+      </p:sp>
+      <p:sp>
+        <p:nvSpPr>
+          <p:cNvPr id="54" name="PlaceHolder 3"/>
           <p:cNvSpPr>
             <a:spLocks noGrp="1"/>
           </p:cNvSpPr>
@@ -886,8 +832,8 @@
         </p:nvSpPr>
         <p:spPr>
           <a:xfrm>
-            <a:off x="4669200" y="2079000"/>
-            <a:ext cx="3751920" cy="2260800"/>
+            <a:off x="4668840" y="2079000"/>
+            <a:ext cx="3751560" cy="2260440"/>
           </a:xfrm>
           <a:prstGeom prst="rect">
             <a:avLst/>
@@ -898,10 +844,7 @@
             <a:normAutofit/>
           </a:bodyPr>
           <a:p>
-            <a:endParaRPr b="0" lang="en-US" sz="1400" spc="-1" strike="noStrike">
-              <a:solidFill>
-                <a:srgbClr val="000000"/>
-              </a:solidFill>
+            <a:endParaRPr b="0" lang="en-US" sz="3200" spc="-1" strike="noStrike">
               <a:latin typeface="Arial"/>
             </a:endParaRPr>
           </a:p>
@@ -931,7 +874,7 @@
       </p:grpSpPr>
       <p:sp>
         <p:nvSpPr>
-          <p:cNvPr id="57" name="PlaceHolder 1"/>
+          <p:cNvPr id="55" name="PlaceHolder 1"/>
           <p:cNvSpPr>
             <a:spLocks noGrp="1"/>
           </p:cNvSpPr>
@@ -941,8 +884,8 @@
         </p:nvSpPr>
         <p:spPr>
           <a:xfrm>
-            <a:off x="729360" y="1318680"/>
-            <a:ext cx="7688520" cy="534960"/>
+            <a:off x="729360" y="1273320"/>
+            <a:ext cx="7688160" cy="625320"/>
           </a:xfrm>
           <a:prstGeom prst="rect">
             <a:avLst/>
@@ -951,10 +894,8 @@
         <p:txBody>
           <a:bodyPr lIns="0" rIns="0" tIns="0" bIns="0" anchor="ctr"/>
           <a:p>
-            <a:endParaRPr b="0" lang="en-US" sz="1400" spc="-1" strike="noStrike">
-              <a:solidFill>
-                <a:srgbClr val="000000"/>
-              </a:solidFill>
+            <a:pPr algn="ctr"/>
+            <a:endParaRPr b="0" lang="en-US" sz="4400" spc="-1" strike="noStrike">
               <a:latin typeface="Arial"/>
             </a:endParaRPr>
           </a:p>
@@ -984,7 +925,7 @@
       </p:grpSpPr>
       <p:sp>
         <p:nvSpPr>
-          <p:cNvPr id="58" name="PlaceHolder 1"/>
+          <p:cNvPr id="56" name="PlaceHolder 1"/>
           <p:cNvSpPr>
             <a:spLocks noGrp="1"/>
           </p:cNvSpPr>
@@ -995,7 +936,7 @@
         <p:spPr>
           <a:xfrm>
             <a:off x="729360" y="1318680"/>
-            <a:ext cx="7688520" cy="2481120"/>
+            <a:ext cx="7688160" cy="2479320"/>
           </a:xfrm>
           <a:prstGeom prst="rect">
             <a:avLst/>
@@ -1035,7 +976,7 @@
       </p:grpSpPr>
       <p:sp>
         <p:nvSpPr>
-          <p:cNvPr id="59" name="PlaceHolder 1"/>
+          <p:cNvPr id="57" name="PlaceHolder 1"/>
           <p:cNvSpPr>
             <a:spLocks noGrp="1"/>
           </p:cNvSpPr>
@@ -1045,8 +986,8 @@
         </p:nvSpPr>
         <p:spPr>
           <a:xfrm>
-            <a:off x="729360" y="1318680"/>
-            <a:ext cx="7688520" cy="534960"/>
+            <a:off x="729360" y="1273320"/>
+            <a:ext cx="7688160" cy="625320"/>
           </a:xfrm>
           <a:prstGeom prst="rect">
             <a:avLst/>
@@ -1055,18 +996,16 @@
         <p:txBody>
           <a:bodyPr lIns="0" rIns="0" tIns="0" bIns="0" anchor="ctr"/>
           <a:p>
-            <a:endParaRPr b="0" lang="en-US" sz="1400" spc="-1" strike="noStrike">
-              <a:solidFill>
-                <a:srgbClr val="000000"/>
-              </a:solidFill>
-              <a:latin typeface="Arial"/>
-            </a:endParaRPr>
-          </a:p>
-        </p:txBody>
-      </p:sp>
-      <p:sp>
-        <p:nvSpPr>
-          <p:cNvPr id="60" name="PlaceHolder 2"/>
+            <a:pPr algn="ctr"/>
+            <a:endParaRPr b="0" lang="en-US" sz="4400" spc="-1" strike="noStrike">
+              <a:latin typeface="Arial"/>
+            </a:endParaRPr>
+          </a:p>
+        </p:txBody>
+      </p:sp>
+      <p:sp>
+        <p:nvSpPr>
+          <p:cNvPr id="58" name="PlaceHolder 2"/>
           <p:cNvSpPr>
             <a:spLocks noGrp="1"/>
           </p:cNvSpPr>
@@ -1077,7 +1016,7 @@
         <p:spPr>
           <a:xfrm>
             <a:off x="729360" y="2079000"/>
-            <a:ext cx="3751920" cy="1078200"/>
+            <a:ext cx="3751560" cy="1078200"/>
           </a:xfrm>
           <a:prstGeom prst="rect">
             <a:avLst/>
@@ -1088,18 +1027,15 @@
             <a:normAutofit/>
           </a:bodyPr>
           <a:p>
-            <a:endParaRPr b="0" lang="en-US" sz="1400" spc="-1" strike="noStrike">
-              <a:solidFill>
-                <a:srgbClr val="000000"/>
-              </a:solidFill>
-              <a:latin typeface="Arial"/>
-            </a:endParaRPr>
-          </a:p>
-        </p:txBody>
-      </p:sp>
-      <p:sp>
-        <p:nvSpPr>
-          <p:cNvPr id="61" name="PlaceHolder 3"/>
+            <a:endParaRPr b="0" lang="en-US" sz="3200" spc="-1" strike="noStrike">
+              <a:latin typeface="Arial"/>
+            </a:endParaRPr>
+          </a:p>
+        </p:txBody>
+      </p:sp>
+      <p:sp>
+        <p:nvSpPr>
+          <p:cNvPr id="59" name="PlaceHolder 3"/>
           <p:cNvSpPr>
             <a:spLocks noGrp="1"/>
           </p:cNvSpPr>
@@ -1109,8 +1045,8 @@
         </p:nvSpPr>
         <p:spPr>
           <a:xfrm>
-            <a:off x="4669200" y="2079000"/>
-            <a:ext cx="3751920" cy="2260800"/>
+            <a:off x="4668840" y="2079000"/>
+            <a:ext cx="3751560" cy="2260440"/>
           </a:xfrm>
           <a:prstGeom prst="rect">
             <a:avLst/>
@@ -1121,18 +1057,15 @@
             <a:normAutofit/>
           </a:bodyPr>
           <a:p>
-            <a:endParaRPr b="0" lang="en-US" sz="1400" spc="-1" strike="noStrike">
-              <a:solidFill>
-                <a:srgbClr val="000000"/>
-              </a:solidFill>
-              <a:latin typeface="Arial"/>
-            </a:endParaRPr>
-          </a:p>
-        </p:txBody>
-      </p:sp>
-      <p:sp>
-        <p:nvSpPr>
-          <p:cNvPr id="62" name="PlaceHolder 4"/>
+            <a:endParaRPr b="0" lang="en-US" sz="3200" spc="-1" strike="noStrike">
+              <a:latin typeface="Arial"/>
+            </a:endParaRPr>
+          </a:p>
+        </p:txBody>
+      </p:sp>
+      <p:sp>
+        <p:nvSpPr>
+          <p:cNvPr id="60" name="PlaceHolder 4"/>
           <p:cNvSpPr>
             <a:spLocks noGrp="1"/>
           </p:cNvSpPr>
@@ -1143,7 +1076,7 @@
         <p:spPr>
           <a:xfrm>
             <a:off x="729360" y="3260160"/>
-            <a:ext cx="3751920" cy="1078200"/>
+            <a:ext cx="3751560" cy="1078200"/>
           </a:xfrm>
           <a:prstGeom prst="rect">
             <a:avLst/>
@@ -1154,10 +1087,7 @@
             <a:normAutofit/>
           </a:bodyPr>
           <a:p>
-            <a:endParaRPr b="0" lang="en-US" sz="1400" spc="-1" strike="noStrike">
-              <a:solidFill>
-                <a:srgbClr val="000000"/>
-              </a:solidFill>
+            <a:endParaRPr b="0" lang="en-US" sz="3200" spc="-1" strike="noStrike">
               <a:latin typeface="Arial"/>
             </a:endParaRPr>
           </a:p>
@@ -1187,7 +1117,7 @@
       </p:grpSpPr>
       <p:sp>
         <p:nvSpPr>
-          <p:cNvPr id="7" name="PlaceHolder 1"/>
+          <p:cNvPr id="6" name="PlaceHolder 1"/>
           <p:cNvSpPr>
             <a:spLocks noGrp="1"/>
           </p:cNvSpPr>
@@ -1197,8 +1127,8 @@
         </p:nvSpPr>
         <p:spPr>
           <a:xfrm>
-            <a:off x="729360" y="1318680"/>
-            <a:ext cx="7688520" cy="534960"/>
+            <a:off x="729360" y="1273320"/>
+            <a:ext cx="7688160" cy="625320"/>
           </a:xfrm>
           <a:prstGeom prst="rect">
             <a:avLst/>
@@ -1207,18 +1137,16 @@
         <p:txBody>
           <a:bodyPr lIns="0" rIns="0" tIns="0" bIns="0" anchor="ctr"/>
           <a:p>
-            <a:endParaRPr b="0" lang="en-US" sz="1400" spc="-1" strike="noStrike">
-              <a:solidFill>
-                <a:srgbClr val="000000"/>
-              </a:solidFill>
-              <a:latin typeface="Arial"/>
-            </a:endParaRPr>
-          </a:p>
-        </p:txBody>
-      </p:sp>
-      <p:sp>
-        <p:nvSpPr>
-          <p:cNvPr id="8" name="PlaceHolder 2"/>
+            <a:pPr algn="ctr"/>
+            <a:endParaRPr b="0" lang="en-US" sz="4400" spc="-1" strike="noStrike">
+              <a:latin typeface="Arial"/>
+            </a:endParaRPr>
+          </a:p>
+        </p:txBody>
+      </p:sp>
+      <p:sp>
+        <p:nvSpPr>
+          <p:cNvPr id="7" name="PlaceHolder 2"/>
           <p:cNvSpPr>
             <a:spLocks noGrp="1"/>
           </p:cNvSpPr>
@@ -1229,7 +1157,7 @@
         <p:spPr>
           <a:xfrm>
             <a:off x="729360" y="2079000"/>
-            <a:ext cx="7688520" cy="2260800"/>
+            <a:ext cx="7688160" cy="2260440"/>
           </a:xfrm>
           <a:prstGeom prst="rect">
             <a:avLst/>
@@ -1269,7 +1197,7 @@
       </p:grpSpPr>
       <p:sp>
         <p:nvSpPr>
-          <p:cNvPr id="63" name="PlaceHolder 1"/>
+          <p:cNvPr id="61" name="PlaceHolder 1"/>
           <p:cNvSpPr>
             <a:spLocks noGrp="1"/>
           </p:cNvSpPr>
@@ -1279,8 +1207,8 @@
         </p:nvSpPr>
         <p:spPr>
           <a:xfrm>
-            <a:off x="729360" y="1318680"/>
-            <a:ext cx="7688520" cy="534960"/>
+            <a:off x="729360" y="1273320"/>
+            <a:ext cx="7688160" cy="625320"/>
           </a:xfrm>
           <a:prstGeom prst="rect">
             <a:avLst/>
@@ -1289,18 +1217,16 @@
         <p:txBody>
           <a:bodyPr lIns="0" rIns="0" tIns="0" bIns="0" anchor="ctr"/>
           <a:p>
-            <a:endParaRPr b="0" lang="en-US" sz="1400" spc="-1" strike="noStrike">
-              <a:solidFill>
-                <a:srgbClr val="000000"/>
-              </a:solidFill>
-              <a:latin typeface="Arial"/>
-            </a:endParaRPr>
-          </a:p>
-        </p:txBody>
-      </p:sp>
-      <p:sp>
-        <p:nvSpPr>
-          <p:cNvPr id="64" name="PlaceHolder 2"/>
+            <a:pPr algn="ctr"/>
+            <a:endParaRPr b="0" lang="en-US" sz="4400" spc="-1" strike="noStrike">
+              <a:latin typeface="Arial"/>
+            </a:endParaRPr>
+          </a:p>
+        </p:txBody>
+      </p:sp>
+      <p:sp>
+        <p:nvSpPr>
+          <p:cNvPr id="62" name="PlaceHolder 2"/>
           <p:cNvSpPr>
             <a:spLocks noGrp="1"/>
           </p:cNvSpPr>
@@ -1311,7 +1237,7 @@
         <p:spPr>
           <a:xfrm>
             <a:off x="729360" y="2079000"/>
-            <a:ext cx="3751920" cy="2260800"/>
+            <a:ext cx="3751560" cy="2260440"/>
           </a:xfrm>
           <a:prstGeom prst="rect">
             <a:avLst/>
@@ -1322,18 +1248,15 @@
             <a:normAutofit/>
           </a:bodyPr>
           <a:p>
-            <a:endParaRPr b="0" lang="en-US" sz="1400" spc="-1" strike="noStrike">
-              <a:solidFill>
-                <a:srgbClr val="000000"/>
-              </a:solidFill>
-              <a:latin typeface="Arial"/>
-            </a:endParaRPr>
-          </a:p>
-        </p:txBody>
-      </p:sp>
-      <p:sp>
-        <p:nvSpPr>
-          <p:cNvPr id="65" name="PlaceHolder 3"/>
+            <a:endParaRPr b="0" lang="en-US" sz="3200" spc="-1" strike="noStrike">
+              <a:latin typeface="Arial"/>
+            </a:endParaRPr>
+          </a:p>
+        </p:txBody>
+      </p:sp>
+      <p:sp>
+        <p:nvSpPr>
+          <p:cNvPr id="63" name="PlaceHolder 3"/>
           <p:cNvSpPr>
             <a:spLocks noGrp="1"/>
           </p:cNvSpPr>
@@ -1343,8 +1266,8 @@
         </p:nvSpPr>
         <p:spPr>
           <a:xfrm>
-            <a:off x="4669200" y="2079000"/>
-            <a:ext cx="3751920" cy="1078200"/>
+            <a:off x="4668840" y="2079000"/>
+            <a:ext cx="3751560" cy="1078200"/>
           </a:xfrm>
           <a:prstGeom prst="rect">
             <a:avLst/>
@@ -1355,18 +1278,15 @@
             <a:normAutofit/>
           </a:bodyPr>
           <a:p>
-            <a:endParaRPr b="0" lang="en-US" sz="1400" spc="-1" strike="noStrike">
-              <a:solidFill>
-                <a:srgbClr val="000000"/>
-              </a:solidFill>
-              <a:latin typeface="Arial"/>
-            </a:endParaRPr>
-          </a:p>
-        </p:txBody>
-      </p:sp>
-      <p:sp>
-        <p:nvSpPr>
-          <p:cNvPr id="66" name="PlaceHolder 4"/>
+            <a:endParaRPr b="0" lang="en-US" sz="3200" spc="-1" strike="noStrike">
+              <a:latin typeface="Arial"/>
+            </a:endParaRPr>
+          </a:p>
+        </p:txBody>
+      </p:sp>
+      <p:sp>
+        <p:nvSpPr>
+          <p:cNvPr id="64" name="PlaceHolder 4"/>
           <p:cNvSpPr>
             <a:spLocks noGrp="1"/>
           </p:cNvSpPr>
@@ -1376,8 +1296,8 @@
         </p:nvSpPr>
         <p:spPr>
           <a:xfrm>
-            <a:off x="4669200" y="3260160"/>
-            <a:ext cx="3751920" cy="1078200"/>
+            <a:off x="4668840" y="3260160"/>
+            <a:ext cx="3751560" cy="1078200"/>
           </a:xfrm>
           <a:prstGeom prst="rect">
             <a:avLst/>
@@ -1388,10 +1308,7 @@
             <a:normAutofit/>
           </a:bodyPr>
           <a:p>
-            <a:endParaRPr b="0" lang="en-US" sz="1400" spc="-1" strike="noStrike">
-              <a:solidFill>
-                <a:srgbClr val="000000"/>
-              </a:solidFill>
+            <a:endParaRPr b="0" lang="en-US" sz="3200" spc="-1" strike="noStrike">
               <a:latin typeface="Arial"/>
             </a:endParaRPr>
           </a:p>
@@ -1421,7 +1338,7 @@
       </p:grpSpPr>
       <p:sp>
         <p:nvSpPr>
-          <p:cNvPr id="67" name="PlaceHolder 1"/>
+          <p:cNvPr id="65" name="PlaceHolder 1"/>
           <p:cNvSpPr>
             <a:spLocks noGrp="1"/>
           </p:cNvSpPr>
@@ -1431,8 +1348,8 @@
         </p:nvSpPr>
         <p:spPr>
           <a:xfrm>
-            <a:off x="729360" y="1318680"/>
-            <a:ext cx="7688520" cy="534960"/>
+            <a:off x="729360" y="1273320"/>
+            <a:ext cx="7688160" cy="625320"/>
           </a:xfrm>
           <a:prstGeom prst="rect">
             <a:avLst/>
@@ -1441,18 +1358,16 @@
         <p:txBody>
           <a:bodyPr lIns="0" rIns="0" tIns="0" bIns="0" anchor="ctr"/>
           <a:p>
-            <a:endParaRPr b="0" lang="en-US" sz="1400" spc="-1" strike="noStrike">
-              <a:solidFill>
-                <a:srgbClr val="000000"/>
-              </a:solidFill>
-              <a:latin typeface="Arial"/>
-            </a:endParaRPr>
-          </a:p>
-        </p:txBody>
-      </p:sp>
-      <p:sp>
-        <p:nvSpPr>
-          <p:cNvPr id="68" name="PlaceHolder 2"/>
+            <a:pPr algn="ctr"/>
+            <a:endParaRPr b="0" lang="en-US" sz="4400" spc="-1" strike="noStrike">
+              <a:latin typeface="Arial"/>
+            </a:endParaRPr>
+          </a:p>
+        </p:txBody>
+      </p:sp>
+      <p:sp>
+        <p:nvSpPr>
+          <p:cNvPr id="66" name="PlaceHolder 2"/>
           <p:cNvSpPr>
             <a:spLocks noGrp="1"/>
           </p:cNvSpPr>
@@ -1463,7 +1378,7 @@
         <p:spPr>
           <a:xfrm>
             <a:off x="729360" y="2079000"/>
-            <a:ext cx="3751920" cy="1078200"/>
+            <a:ext cx="3751560" cy="1078200"/>
           </a:xfrm>
           <a:prstGeom prst="rect">
             <a:avLst/>
@@ -1474,18 +1389,15 @@
             <a:normAutofit/>
           </a:bodyPr>
           <a:p>
-            <a:endParaRPr b="0" lang="en-US" sz="1400" spc="-1" strike="noStrike">
-              <a:solidFill>
-                <a:srgbClr val="000000"/>
-              </a:solidFill>
-              <a:latin typeface="Arial"/>
-            </a:endParaRPr>
-          </a:p>
-        </p:txBody>
-      </p:sp>
-      <p:sp>
-        <p:nvSpPr>
-          <p:cNvPr id="69" name="PlaceHolder 3"/>
+            <a:endParaRPr b="0" lang="en-US" sz="3200" spc="-1" strike="noStrike">
+              <a:latin typeface="Arial"/>
+            </a:endParaRPr>
+          </a:p>
+        </p:txBody>
+      </p:sp>
+      <p:sp>
+        <p:nvSpPr>
+          <p:cNvPr id="67" name="PlaceHolder 3"/>
           <p:cNvSpPr>
             <a:spLocks noGrp="1"/>
           </p:cNvSpPr>
@@ -1495,8 +1407,8 @@
         </p:nvSpPr>
         <p:spPr>
           <a:xfrm>
-            <a:off x="4669200" y="2079000"/>
-            <a:ext cx="3751920" cy="1078200"/>
+            <a:off x="4668840" y="2079000"/>
+            <a:ext cx="3751560" cy="1078200"/>
           </a:xfrm>
           <a:prstGeom prst="rect">
             <a:avLst/>
@@ -1507,18 +1419,15 @@
             <a:normAutofit/>
           </a:bodyPr>
           <a:p>
-            <a:endParaRPr b="0" lang="en-US" sz="1400" spc="-1" strike="noStrike">
-              <a:solidFill>
-                <a:srgbClr val="000000"/>
-              </a:solidFill>
-              <a:latin typeface="Arial"/>
-            </a:endParaRPr>
-          </a:p>
-        </p:txBody>
-      </p:sp>
-      <p:sp>
-        <p:nvSpPr>
-          <p:cNvPr id="70" name="PlaceHolder 4"/>
+            <a:endParaRPr b="0" lang="en-US" sz="3200" spc="-1" strike="noStrike">
+              <a:latin typeface="Arial"/>
+            </a:endParaRPr>
+          </a:p>
+        </p:txBody>
+      </p:sp>
+      <p:sp>
+        <p:nvSpPr>
+          <p:cNvPr id="68" name="PlaceHolder 4"/>
           <p:cNvSpPr>
             <a:spLocks noGrp="1"/>
           </p:cNvSpPr>
@@ -1529,7 +1438,7 @@
         <p:spPr>
           <a:xfrm>
             <a:off x="729360" y="3260160"/>
-            <a:ext cx="7688520" cy="1078200"/>
+            <a:ext cx="7688160" cy="1078200"/>
           </a:xfrm>
           <a:prstGeom prst="rect">
             <a:avLst/>
@@ -1540,10 +1449,7 @@
             <a:normAutofit/>
           </a:bodyPr>
           <a:p>
-            <a:endParaRPr b="0" lang="en-US" sz="1400" spc="-1" strike="noStrike">
-              <a:solidFill>
-                <a:srgbClr val="000000"/>
-              </a:solidFill>
+            <a:endParaRPr b="0" lang="en-US" sz="3200" spc="-1" strike="noStrike">
               <a:latin typeface="Arial"/>
             </a:endParaRPr>
           </a:p>
@@ -1573,7 +1479,7 @@
       </p:grpSpPr>
       <p:sp>
         <p:nvSpPr>
-          <p:cNvPr id="71" name="PlaceHolder 1"/>
+          <p:cNvPr id="69" name="PlaceHolder 1"/>
           <p:cNvSpPr>
             <a:spLocks noGrp="1"/>
           </p:cNvSpPr>
@@ -1583,8 +1489,8 @@
         </p:nvSpPr>
         <p:spPr>
           <a:xfrm>
-            <a:off x="729360" y="1318680"/>
-            <a:ext cx="7688520" cy="534960"/>
+            <a:off x="729360" y="1273320"/>
+            <a:ext cx="7688160" cy="625320"/>
           </a:xfrm>
           <a:prstGeom prst="rect">
             <a:avLst/>
@@ -1593,18 +1499,16 @@
         <p:txBody>
           <a:bodyPr lIns="0" rIns="0" tIns="0" bIns="0" anchor="ctr"/>
           <a:p>
-            <a:endParaRPr b="0" lang="en-US" sz="1400" spc="-1" strike="noStrike">
-              <a:solidFill>
-                <a:srgbClr val="000000"/>
-              </a:solidFill>
-              <a:latin typeface="Arial"/>
-            </a:endParaRPr>
-          </a:p>
-        </p:txBody>
-      </p:sp>
-      <p:sp>
-        <p:nvSpPr>
-          <p:cNvPr id="72" name="PlaceHolder 2"/>
+            <a:pPr algn="ctr"/>
+            <a:endParaRPr b="0" lang="en-US" sz="4400" spc="-1" strike="noStrike">
+              <a:latin typeface="Arial"/>
+            </a:endParaRPr>
+          </a:p>
+        </p:txBody>
+      </p:sp>
+      <p:sp>
+        <p:nvSpPr>
+          <p:cNvPr id="70" name="PlaceHolder 2"/>
           <p:cNvSpPr>
             <a:spLocks noGrp="1"/>
           </p:cNvSpPr>
@@ -1615,7 +1519,7 @@
         <p:spPr>
           <a:xfrm>
             <a:off x="729360" y="2079000"/>
-            <a:ext cx="7688520" cy="1078200"/>
+            <a:ext cx="7688160" cy="1078200"/>
           </a:xfrm>
           <a:prstGeom prst="rect">
             <a:avLst/>
@@ -1626,18 +1530,15 @@
             <a:normAutofit/>
           </a:bodyPr>
           <a:p>
-            <a:endParaRPr b="0" lang="en-US" sz="1400" spc="-1" strike="noStrike">
-              <a:solidFill>
-                <a:srgbClr val="000000"/>
-              </a:solidFill>
-              <a:latin typeface="Arial"/>
-            </a:endParaRPr>
-          </a:p>
-        </p:txBody>
-      </p:sp>
-      <p:sp>
-        <p:nvSpPr>
-          <p:cNvPr id="73" name="PlaceHolder 3"/>
+            <a:endParaRPr b="0" lang="en-US" sz="3200" spc="-1" strike="noStrike">
+              <a:latin typeface="Arial"/>
+            </a:endParaRPr>
+          </a:p>
+        </p:txBody>
+      </p:sp>
+      <p:sp>
+        <p:nvSpPr>
+          <p:cNvPr id="71" name="PlaceHolder 3"/>
           <p:cNvSpPr>
             <a:spLocks noGrp="1"/>
           </p:cNvSpPr>
@@ -1648,7 +1549,7 @@
         <p:spPr>
           <a:xfrm>
             <a:off x="729360" y="3260160"/>
-            <a:ext cx="7688520" cy="1078200"/>
+            <a:ext cx="7688160" cy="1078200"/>
           </a:xfrm>
           <a:prstGeom prst="rect">
             <a:avLst/>
@@ -1659,10 +1560,7 @@
             <a:normAutofit/>
           </a:bodyPr>
           <a:p>
-            <a:endParaRPr b="0" lang="en-US" sz="1400" spc="-1" strike="noStrike">
-              <a:solidFill>
-                <a:srgbClr val="000000"/>
-              </a:solidFill>
+            <a:endParaRPr b="0" lang="en-US" sz="3200" spc="-1" strike="noStrike">
               <a:latin typeface="Arial"/>
             </a:endParaRPr>
           </a:p>
@@ -1692,7 +1590,7 @@
       </p:grpSpPr>
       <p:sp>
         <p:nvSpPr>
-          <p:cNvPr id="74" name="PlaceHolder 1"/>
+          <p:cNvPr id="72" name="PlaceHolder 1"/>
           <p:cNvSpPr>
             <a:spLocks noGrp="1"/>
           </p:cNvSpPr>
@@ -1702,8 +1600,8 @@
         </p:nvSpPr>
         <p:spPr>
           <a:xfrm>
-            <a:off x="729360" y="1318680"/>
-            <a:ext cx="7688520" cy="534960"/>
+            <a:off x="729360" y="1273320"/>
+            <a:ext cx="7688160" cy="625320"/>
           </a:xfrm>
           <a:prstGeom prst="rect">
             <a:avLst/>
@@ -1712,18 +1610,16 @@
         <p:txBody>
           <a:bodyPr lIns="0" rIns="0" tIns="0" bIns="0" anchor="ctr"/>
           <a:p>
-            <a:endParaRPr b="0" lang="en-US" sz="1400" spc="-1" strike="noStrike">
-              <a:solidFill>
-                <a:srgbClr val="000000"/>
-              </a:solidFill>
-              <a:latin typeface="Arial"/>
-            </a:endParaRPr>
-          </a:p>
-        </p:txBody>
-      </p:sp>
-      <p:sp>
-        <p:nvSpPr>
-          <p:cNvPr id="75" name="PlaceHolder 2"/>
+            <a:pPr algn="ctr"/>
+            <a:endParaRPr b="0" lang="en-US" sz="4400" spc="-1" strike="noStrike">
+              <a:latin typeface="Arial"/>
+            </a:endParaRPr>
+          </a:p>
+        </p:txBody>
+      </p:sp>
+      <p:sp>
+        <p:nvSpPr>
+          <p:cNvPr id="73" name="PlaceHolder 2"/>
           <p:cNvSpPr>
             <a:spLocks noGrp="1"/>
           </p:cNvSpPr>
@@ -1734,7 +1630,7 @@
         <p:spPr>
           <a:xfrm>
             <a:off x="729360" y="2079000"/>
-            <a:ext cx="3751920" cy="1078200"/>
+            <a:ext cx="3751560" cy="1078200"/>
           </a:xfrm>
           <a:prstGeom prst="rect">
             <a:avLst/>
@@ -1745,18 +1641,15 @@
             <a:normAutofit/>
           </a:bodyPr>
           <a:p>
-            <a:endParaRPr b="0" lang="en-US" sz="1400" spc="-1" strike="noStrike">
-              <a:solidFill>
-                <a:srgbClr val="000000"/>
-              </a:solidFill>
-              <a:latin typeface="Arial"/>
-            </a:endParaRPr>
-          </a:p>
-        </p:txBody>
-      </p:sp>
-      <p:sp>
-        <p:nvSpPr>
-          <p:cNvPr id="76" name="PlaceHolder 3"/>
+            <a:endParaRPr b="0" lang="en-US" sz="3200" spc="-1" strike="noStrike">
+              <a:latin typeface="Arial"/>
+            </a:endParaRPr>
+          </a:p>
+        </p:txBody>
+      </p:sp>
+      <p:sp>
+        <p:nvSpPr>
+          <p:cNvPr id="74" name="PlaceHolder 3"/>
           <p:cNvSpPr>
             <a:spLocks noGrp="1"/>
           </p:cNvSpPr>
@@ -1766,8 +1659,8 @@
         </p:nvSpPr>
         <p:spPr>
           <a:xfrm>
-            <a:off x="4669200" y="2079000"/>
-            <a:ext cx="3751920" cy="1078200"/>
+            <a:off x="4668840" y="2079000"/>
+            <a:ext cx="3751560" cy="1078200"/>
           </a:xfrm>
           <a:prstGeom prst="rect">
             <a:avLst/>
@@ -1778,18 +1671,15 @@
             <a:normAutofit/>
           </a:bodyPr>
           <a:p>
-            <a:endParaRPr b="0" lang="en-US" sz="1400" spc="-1" strike="noStrike">
-              <a:solidFill>
-                <a:srgbClr val="000000"/>
-              </a:solidFill>
-              <a:latin typeface="Arial"/>
-            </a:endParaRPr>
-          </a:p>
-        </p:txBody>
-      </p:sp>
-      <p:sp>
-        <p:nvSpPr>
-          <p:cNvPr id="77" name="PlaceHolder 4"/>
+            <a:endParaRPr b="0" lang="en-US" sz="3200" spc="-1" strike="noStrike">
+              <a:latin typeface="Arial"/>
+            </a:endParaRPr>
+          </a:p>
+        </p:txBody>
+      </p:sp>
+      <p:sp>
+        <p:nvSpPr>
+          <p:cNvPr id="75" name="PlaceHolder 4"/>
           <p:cNvSpPr>
             <a:spLocks noGrp="1"/>
           </p:cNvSpPr>
@@ -1800,7 +1690,7 @@
         <p:spPr>
           <a:xfrm>
             <a:off x="729360" y="3260160"/>
-            <a:ext cx="3751920" cy="1078200"/>
+            <a:ext cx="3751560" cy="1078200"/>
           </a:xfrm>
           <a:prstGeom prst="rect">
             <a:avLst/>
@@ -1811,18 +1701,15 @@
             <a:normAutofit/>
           </a:bodyPr>
           <a:p>
-            <a:endParaRPr b="0" lang="en-US" sz="1400" spc="-1" strike="noStrike">
-              <a:solidFill>
-                <a:srgbClr val="000000"/>
-              </a:solidFill>
-              <a:latin typeface="Arial"/>
-            </a:endParaRPr>
-          </a:p>
-        </p:txBody>
-      </p:sp>
-      <p:sp>
-        <p:nvSpPr>
-          <p:cNvPr id="78" name="PlaceHolder 5"/>
+            <a:endParaRPr b="0" lang="en-US" sz="3200" spc="-1" strike="noStrike">
+              <a:latin typeface="Arial"/>
+            </a:endParaRPr>
+          </a:p>
+        </p:txBody>
+      </p:sp>
+      <p:sp>
+        <p:nvSpPr>
+          <p:cNvPr id="76" name="PlaceHolder 5"/>
           <p:cNvSpPr>
             <a:spLocks noGrp="1"/>
           </p:cNvSpPr>
@@ -1832,8 +1719,8 @@
         </p:nvSpPr>
         <p:spPr>
           <a:xfrm>
-            <a:off x="4669200" y="3260160"/>
-            <a:ext cx="3751920" cy="1078200"/>
+            <a:off x="4668840" y="3260160"/>
+            <a:ext cx="3751560" cy="1078200"/>
           </a:xfrm>
           <a:prstGeom prst="rect">
             <a:avLst/>
@@ -1844,10 +1731,7 @@
             <a:normAutofit/>
           </a:bodyPr>
           <a:p>
-            <a:endParaRPr b="0" lang="en-US" sz="1400" spc="-1" strike="noStrike">
-              <a:solidFill>
-                <a:srgbClr val="000000"/>
-              </a:solidFill>
+            <a:endParaRPr b="0" lang="en-US" sz="3200" spc="-1" strike="noStrike">
               <a:latin typeface="Arial"/>
             </a:endParaRPr>
           </a:p>
@@ -1877,7 +1761,7 @@
       </p:grpSpPr>
       <p:sp>
         <p:nvSpPr>
-          <p:cNvPr id="79" name="PlaceHolder 1"/>
+          <p:cNvPr id="77" name="PlaceHolder 1"/>
           <p:cNvSpPr>
             <a:spLocks noGrp="1"/>
           </p:cNvSpPr>
@@ -1887,8 +1771,8 @@
         </p:nvSpPr>
         <p:spPr>
           <a:xfrm>
-            <a:off x="729360" y="1318680"/>
-            <a:ext cx="7688520" cy="534960"/>
+            <a:off x="729360" y="1273320"/>
+            <a:ext cx="7688160" cy="625320"/>
           </a:xfrm>
           <a:prstGeom prst="rect">
             <a:avLst/>
@@ -1897,18 +1781,16 @@
         <p:txBody>
           <a:bodyPr lIns="0" rIns="0" tIns="0" bIns="0" anchor="ctr"/>
           <a:p>
-            <a:endParaRPr b="0" lang="en-US" sz="1400" spc="-1" strike="noStrike">
-              <a:solidFill>
-                <a:srgbClr val="000000"/>
-              </a:solidFill>
-              <a:latin typeface="Arial"/>
-            </a:endParaRPr>
-          </a:p>
-        </p:txBody>
-      </p:sp>
-      <p:sp>
-        <p:nvSpPr>
-          <p:cNvPr id="80" name="PlaceHolder 2"/>
+            <a:pPr algn="ctr"/>
+            <a:endParaRPr b="0" lang="en-US" sz="4400" spc="-1" strike="noStrike">
+              <a:latin typeface="Arial"/>
+            </a:endParaRPr>
+          </a:p>
+        </p:txBody>
+      </p:sp>
+      <p:sp>
+        <p:nvSpPr>
+          <p:cNvPr id="78" name="PlaceHolder 2"/>
           <p:cNvSpPr>
             <a:spLocks noGrp="1"/>
           </p:cNvSpPr>
@@ -1930,18 +1812,15 @@
             <a:normAutofit/>
           </a:bodyPr>
           <a:p>
-            <a:endParaRPr b="0" lang="en-US" sz="1400" spc="-1" strike="noStrike">
-              <a:solidFill>
-                <a:srgbClr val="000000"/>
-              </a:solidFill>
-              <a:latin typeface="Arial"/>
-            </a:endParaRPr>
-          </a:p>
-        </p:txBody>
-      </p:sp>
-      <p:sp>
-        <p:nvSpPr>
-          <p:cNvPr id="81" name="PlaceHolder 3"/>
+            <a:endParaRPr b="0" lang="en-US" sz="3200" spc="-1" strike="noStrike">
+              <a:latin typeface="Arial"/>
+            </a:endParaRPr>
+          </a:p>
+        </p:txBody>
+      </p:sp>
+      <p:sp>
+        <p:nvSpPr>
+          <p:cNvPr id="79" name="PlaceHolder 3"/>
           <p:cNvSpPr>
             <a:spLocks noGrp="1"/>
           </p:cNvSpPr>
@@ -1963,18 +1842,15 @@
             <a:normAutofit/>
           </a:bodyPr>
           <a:p>
-            <a:endParaRPr b="0" lang="en-US" sz="1400" spc="-1" strike="noStrike">
-              <a:solidFill>
-                <a:srgbClr val="000000"/>
-              </a:solidFill>
-              <a:latin typeface="Arial"/>
-            </a:endParaRPr>
-          </a:p>
-        </p:txBody>
-      </p:sp>
-      <p:sp>
-        <p:nvSpPr>
-          <p:cNvPr id="82" name="PlaceHolder 4"/>
+            <a:endParaRPr b="0" lang="en-US" sz="3200" spc="-1" strike="noStrike">
+              <a:latin typeface="Arial"/>
+            </a:endParaRPr>
+          </a:p>
+        </p:txBody>
+      </p:sp>
+      <p:sp>
+        <p:nvSpPr>
+          <p:cNvPr id="80" name="PlaceHolder 4"/>
           <p:cNvSpPr>
             <a:spLocks noGrp="1"/>
           </p:cNvSpPr>
@@ -1996,18 +1872,15 @@
             <a:normAutofit/>
           </a:bodyPr>
           <a:p>
-            <a:endParaRPr b="0" lang="en-US" sz="1400" spc="-1" strike="noStrike">
-              <a:solidFill>
-                <a:srgbClr val="000000"/>
-              </a:solidFill>
-              <a:latin typeface="Arial"/>
-            </a:endParaRPr>
-          </a:p>
-        </p:txBody>
-      </p:sp>
-      <p:sp>
-        <p:nvSpPr>
-          <p:cNvPr id="83" name="PlaceHolder 5"/>
+            <a:endParaRPr b="0" lang="en-US" sz="3200" spc="-1" strike="noStrike">
+              <a:latin typeface="Arial"/>
+            </a:endParaRPr>
+          </a:p>
+        </p:txBody>
+      </p:sp>
+      <p:sp>
+        <p:nvSpPr>
+          <p:cNvPr id="81" name="PlaceHolder 5"/>
           <p:cNvSpPr>
             <a:spLocks noGrp="1"/>
           </p:cNvSpPr>
@@ -2029,18 +1902,15 @@
             <a:normAutofit/>
           </a:bodyPr>
           <a:p>
-            <a:endParaRPr b="0" lang="en-US" sz="1400" spc="-1" strike="noStrike">
-              <a:solidFill>
-                <a:srgbClr val="000000"/>
-              </a:solidFill>
-              <a:latin typeface="Arial"/>
-            </a:endParaRPr>
-          </a:p>
-        </p:txBody>
-      </p:sp>
-      <p:sp>
-        <p:nvSpPr>
-          <p:cNvPr id="84" name="PlaceHolder 6"/>
+            <a:endParaRPr b="0" lang="en-US" sz="3200" spc="-1" strike="noStrike">
+              <a:latin typeface="Arial"/>
+            </a:endParaRPr>
+          </a:p>
+        </p:txBody>
+      </p:sp>
+      <p:sp>
+        <p:nvSpPr>
+          <p:cNvPr id="82" name="PlaceHolder 6"/>
           <p:cNvSpPr>
             <a:spLocks noGrp="1"/>
           </p:cNvSpPr>
@@ -2062,18 +1932,15 @@
             <a:normAutofit/>
           </a:bodyPr>
           <a:p>
-            <a:endParaRPr b="0" lang="en-US" sz="1400" spc="-1" strike="noStrike">
-              <a:solidFill>
-                <a:srgbClr val="000000"/>
-              </a:solidFill>
-              <a:latin typeface="Arial"/>
-            </a:endParaRPr>
-          </a:p>
-        </p:txBody>
-      </p:sp>
-      <p:sp>
-        <p:nvSpPr>
-          <p:cNvPr id="85" name="PlaceHolder 7"/>
+            <a:endParaRPr b="0" lang="en-US" sz="3200" spc="-1" strike="noStrike">
+              <a:latin typeface="Arial"/>
+            </a:endParaRPr>
+          </a:p>
+        </p:txBody>
+      </p:sp>
+      <p:sp>
+        <p:nvSpPr>
+          <p:cNvPr id="83" name="PlaceHolder 7"/>
           <p:cNvSpPr>
             <a:spLocks noGrp="1"/>
           </p:cNvSpPr>
@@ -2095,10 +1962,7 @@
             <a:normAutofit/>
           </a:bodyPr>
           <a:p>
-            <a:endParaRPr b="0" lang="en-US" sz="1400" spc="-1" strike="noStrike">
-              <a:solidFill>
-                <a:srgbClr val="000000"/>
-              </a:solidFill>
+            <a:endParaRPr b="0" lang="en-US" sz="3200" spc="-1" strike="noStrike">
               <a:latin typeface="Arial"/>
             </a:endParaRPr>
           </a:p>
@@ -2128,7 +1992,7 @@
       </p:grpSpPr>
       <p:sp>
         <p:nvSpPr>
-          <p:cNvPr id="9" name="PlaceHolder 1"/>
+          <p:cNvPr id="8" name="PlaceHolder 1"/>
           <p:cNvSpPr>
             <a:spLocks noGrp="1"/>
           </p:cNvSpPr>
@@ -2138,8 +2002,8 @@
         </p:nvSpPr>
         <p:spPr>
           <a:xfrm>
-            <a:off x="729360" y="1318680"/>
-            <a:ext cx="7688520" cy="534960"/>
+            <a:off x="729360" y="1273320"/>
+            <a:ext cx="7688160" cy="625320"/>
           </a:xfrm>
           <a:prstGeom prst="rect">
             <a:avLst/>
@@ -2148,18 +2012,16 @@
         <p:txBody>
           <a:bodyPr lIns="0" rIns="0" tIns="0" bIns="0" anchor="ctr"/>
           <a:p>
-            <a:endParaRPr b="0" lang="en-US" sz="1400" spc="-1" strike="noStrike">
-              <a:solidFill>
-                <a:srgbClr val="000000"/>
-              </a:solidFill>
-              <a:latin typeface="Arial"/>
-            </a:endParaRPr>
-          </a:p>
-        </p:txBody>
-      </p:sp>
-      <p:sp>
-        <p:nvSpPr>
-          <p:cNvPr id="10" name="PlaceHolder 2"/>
+            <a:pPr algn="ctr"/>
+            <a:endParaRPr b="0" lang="en-US" sz="4400" spc="-1" strike="noStrike">
+              <a:latin typeface="Arial"/>
+            </a:endParaRPr>
+          </a:p>
+        </p:txBody>
+      </p:sp>
+      <p:sp>
+        <p:nvSpPr>
+          <p:cNvPr id="9" name="PlaceHolder 2"/>
           <p:cNvSpPr>
             <a:spLocks noGrp="1"/>
           </p:cNvSpPr>
@@ -2170,7 +2032,7 @@
         <p:spPr>
           <a:xfrm>
             <a:off x="729360" y="2079000"/>
-            <a:ext cx="7688520" cy="2260800"/>
+            <a:ext cx="7688160" cy="2260440"/>
           </a:xfrm>
           <a:prstGeom prst="rect">
             <a:avLst/>
@@ -2181,10 +2043,7 @@
             <a:normAutofit/>
           </a:bodyPr>
           <a:p>
-            <a:endParaRPr b="0" lang="en-US" sz="1400" spc="-1" strike="noStrike">
-              <a:solidFill>
-                <a:srgbClr val="000000"/>
-              </a:solidFill>
+            <a:endParaRPr b="0" lang="en-US" sz="3200" spc="-1" strike="noStrike">
               <a:latin typeface="Arial"/>
             </a:endParaRPr>
           </a:p>
@@ -2214,7 +2073,7 @@
       </p:grpSpPr>
       <p:sp>
         <p:nvSpPr>
-          <p:cNvPr id="11" name="PlaceHolder 1"/>
+          <p:cNvPr id="10" name="PlaceHolder 1"/>
           <p:cNvSpPr>
             <a:spLocks noGrp="1"/>
           </p:cNvSpPr>
@@ -2224,8 +2083,8 @@
         </p:nvSpPr>
         <p:spPr>
           <a:xfrm>
-            <a:off x="729360" y="1318680"/>
-            <a:ext cx="7688520" cy="534960"/>
+            <a:off x="729360" y="1273320"/>
+            <a:ext cx="7688160" cy="625320"/>
           </a:xfrm>
           <a:prstGeom prst="rect">
             <a:avLst/>
@@ -2234,18 +2093,16 @@
         <p:txBody>
           <a:bodyPr lIns="0" rIns="0" tIns="0" bIns="0" anchor="ctr"/>
           <a:p>
-            <a:endParaRPr b="0" lang="en-US" sz="1400" spc="-1" strike="noStrike">
-              <a:solidFill>
-                <a:srgbClr val="000000"/>
-              </a:solidFill>
-              <a:latin typeface="Arial"/>
-            </a:endParaRPr>
-          </a:p>
-        </p:txBody>
-      </p:sp>
-      <p:sp>
-        <p:nvSpPr>
-          <p:cNvPr id="12" name="PlaceHolder 2"/>
+            <a:pPr algn="ctr"/>
+            <a:endParaRPr b="0" lang="en-US" sz="4400" spc="-1" strike="noStrike">
+              <a:latin typeface="Arial"/>
+            </a:endParaRPr>
+          </a:p>
+        </p:txBody>
+      </p:sp>
+      <p:sp>
+        <p:nvSpPr>
+          <p:cNvPr id="11" name="PlaceHolder 2"/>
           <p:cNvSpPr>
             <a:spLocks noGrp="1"/>
           </p:cNvSpPr>
@@ -2256,7 +2113,7 @@
         <p:spPr>
           <a:xfrm>
             <a:off x="729360" y="2079000"/>
-            <a:ext cx="3751920" cy="2260800"/>
+            <a:ext cx="3751560" cy="2260440"/>
           </a:xfrm>
           <a:prstGeom prst="rect">
             <a:avLst/>
@@ -2267,18 +2124,15 @@
             <a:normAutofit/>
           </a:bodyPr>
           <a:p>
-            <a:endParaRPr b="0" lang="en-US" sz="1400" spc="-1" strike="noStrike">
-              <a:solidFill>
-                <a:srgbClr val="000000"/>
-              </a:solidFill>
-              <a:latin typeface="Arial"/>
-            </a:endParaRPr>
-          </a:p>
-        </p:txBody>
-      </p:sp>
-      <p:sp>
-        <p:nvSpPr>
-          <p:cNvPr id="13" name="PlaceHolder 3"/>
+            <a:endParaRPr b="0" lang="en-US" sz="3200" spc="-1" strike="noStrike">
+              <a:latin typeface="Arial"/>
+            </a:endParaRPr>
+          </a:p>
+        </p:txBody>
+      </p:sp>
+      <p:sp>
+        <p:nvSpPr>
+          <p:cNvPr id="12" name="PlaceHolder 3"/>
           <p:cNvSpPr>
             <a:spLocks noGrp="1"/>
           </p:cNvSpPr>
@@ -2288,8 +2142,8 @@
         </p:nvSpPr>
         <p:spPr>
           <a:xfrm>
-            <a:off x="4669200" y="2079000"/>
-            <a:ext cx="3751920" cy="2260800"/>
+            <a:off x="4668840" y="2079000"/>
+            <a:ext cx="3751560" cy="2260440"/>
           </a:xfrm>
           <a:prstGeom prst="rect">
             <a:avLst/>
@@ -2300,10 +2154,7 @@
             <a:normAutofit/>
           </a:bodyPr>
           <a:p>
-            <a:endParaRPr b="0" lang="en-US" sz="1400" spc="-1" strike="noStrike">
-              <a:solidFill>
-                <a:srgbClr val="000000"/>
-              </a:solidFill>
+            <a:endParaRPr b="0" lang="en-US" sz="3200" spc="-1" strike="noStrike">
               <a:latin typeface="Arial"/>
             </a:endParaRPr>
           </a:p>
@@ -2333,7 +2184,7 @@
       </p:grpSpPr>
       <p:sp>
         <p:nvSpPr>
-          <p:cNvPr id="14" name="PlaceHolder 1"/>
+          <p:cNvPr id="13" name="PlaceHolder 1"/>
           <p:cNvSpPr>
             <a:spLocks noGrp="1"/>
           </p:cNvSpPr>
@@ -2343,8 +2194,8 @@
         </p:nvSpPr>
         <p:spPr>
           <a:xfrm>
-            <a:off x="729360" y="1318680"/>
-            <a:ext cx="7688520" cy="534960"/>
+            <a:off x="729360" y="1273320"/>
+            <a:ext cx="7688160" cy="625320"/>
           </a:xfrm>
           <a:prstGeom prst="rect">
             <a:avLst/>
@@ -2353,10 +2204,8 @@
         <p:txBody>
           <a:bodyPr lIns="0" rIns="0" tIns="0" bIns="0" anchor="ctr"/>
           <a:p>
-            <a:endParaRPr b="0" lang="en-US" sz="1400" spc="-1" strike="noStrike">
-              <a:solidFill>
-                <a:srgbClr val="000000"/>
-              </a:solidFill>
+            <a:pPr algn="ctr"/>
+            <a:endParaRPr b="0" lang="en-US" sz="4400" spc="-1" strike="noStrike">
               <a:latin typeface="Arial"/>
             </a:endParaRPr>
           </a:p>
@@ -2386,7 +2235,7 @@
       </p:grpSpPr>
       <p:sp>
         <p:nvSpPr>
-          <p:cNvPr id="15" name="PlaceHolder 1"/>
+          <p:cNvPr id="14" name="PlaceHolder 1"/>
           <p:cNvSpPr>
             <a:spLocks noGrp="1"/>
           </p:cNvSpPr>
@@ -2397,7 +2246,7 @@
         <p:spPr>
           <a:xfrm>
             <a:off x="729360" y="1318680"/>
-            <a:ext cx="7688520" cy="2481120"/>
+            <a:ext cx="7688160" cy="2479320"/>
           </a:xfrm>
           <a:prstGeom prst="rect">
             <a:avLst/>
@@ -2437,7 +2286,7 @@
       </p:grpSpPr>
       <p:sp>
         <p:nvSpPr>
-          <p:cNvPr id="16" name="PlaceHolder 1"/>
+          <p:cNvPr id="15" name="PlaceHolder 1"/>
           <p:cNvSpPr>
             <a:spLocks noGrp="1"/>
           </p:cNvSpPr>
@@ -2447,8 +2296,8 @@
         </p:nvSpPr>
         <p:spPr>
           <a:xfrm>
-            <a:off x="729360" y="1318680"/>
-            <a:ext cx="7688520" cy="534960"/>
+            <a:off x="729360" y="1273320"/>
+            <a:ext cx="7688160" cy="625320"/>
           </a:xfrm>
           <a:prstGeom prst="rect">
             <a:avLst/>
@@ -2457,18 +2306,16 @@
         <p:txBody>
           <a:bodyPr lIns="0" rIns="0" tIns="0" bIns="0" anchor="ctr"/>
           <a:p>
-            <a:endParaRPr b="0" lang="en-US" sz="1400" spc="-1" strike="noStrike">
-              <a:solidFill>
-                <a:srgbClr val="000000"/>
-              </a:solidFill>
-              <a:latin typeface="Arial"/>
-            </a:endParaRPr>
-          </a:p>
-        </p:txBody>
-      </p:sp>
-      <p:sp>
-        <p:nvSpPr>
-          <p:cNvPr id="17" name="PlaceHolder 2"/>
+            <a:pPr algn="ctr"/>
+            <a:endParaRPr b="0" lang="en-US" sz="4400" spc="-1" strike="noStrike">
+              <a:latin typeface="Arial"/>
+            </a:endParaRPr>
+          </a:p>
+        </p:txBody>
+      </p:sp>
+      <p:sp>
+        <p:nvSpPr>
+          <p:cNvPr id="16" name="PlaceHolder 2"/>
           <p:cNvSpPr>
             <a:spLocks noGrp="1"/>
           </p:cNvSpPr>
@@ -2479,7 +2326,7 @@
         <p:spPr>
           <a:xfrm>
             <a:off x="729360" y="2079000"/>
-            <a:ext cx="3751920" cy="1078200"/>
+            <a:ext cx="3751560" cy="1078200"/>
           </a:xfrm>
           <a:prstGeom prst="rect">
             <a:avLst/>
@@ -2490,18 +2337,15 @@
             <a:normAutofit/>
           </a:bodyPr>
           <a:p>
-            <a:endParaRPr b="0" lang="en-US" sz="1400" spc="-1" strike="noStrike">
-              <a:solidFill>
-                <a:srgbClr val="000000"/>
-              </a:solidFill>
-              <a:latin typeface="Arial"/>
-            </a:endParaRPr>
-          </a:p>
-        </p:txBody>
-      </p:sp>
-      <p:sp>
-        <p:nvSpPr>
-          <p:cNvPr id="18" name="PlaceHolder 3"/>
+            <a:endParaRPr b="0" lang="en-US" sz="3200" spc="-1" strike="noStrike">
+              <a:latin typeface="Arial"/>
+            </a:endParaRPr>
+          </a:p>
+        </p:txBody>
+      </p:sp>
+      <p:sp>
+        <p:nvSpPr>
+          <p:cNvPr id="17" name="PlaceHolder 3"/>
           <p:cNvSpPr>
             <a:spLocks noGrp="1"/>
           </p:cNvSpPr>
@@ -2511,8 +2355,8 @@
         </p:nvSpPr>
         <p:spPr>
           <a:xfrm>
-            <a:off x="4669200" y="2079000"/>
-            <a:ext cx="3751920" cy="2260800"/>
+            <a:off x="4668840" y="2079000"/>
+            <a:ext cx="3751560" cy="2260440"/>
           </a:xfrm>
           <a:prstGeom prst="rect">
             <a:avLst/>
@@ -2523,18 +2367,15 @@
             <a:normAutofit/>
           </a:bodyPr>
           <a:p>
-            <a:endParaRPr b="0" lang="en-US" sz="1400" spc="-1" strike="noStrike">
-              <a:solidFill>
-                <a:srgbClr val="000000"/>
-              </a:solidFill>
-              <a:latin typeface="Arial"/>
-            </a:endParaRPr>
-          </a:p>
-        </p:txBody>
-      </p:sp>
-      <p:sp>
-        <p:nvSpPr>
-          <p:cNvPr id="19" name="PlaceHolder 4"/>
+            <a:endParaRPr b="0" lang="en-US" sz="3200" spc="-1" strike="noStrike">
+              <a:latin typeface="Arial"/>
+            </a:endParaRPr>
+          </a:p>
+        </p:txBody>
+      </p:sp>
+      <p:sp>
+        <p:nvSpPr>
+          <p:cNvPr id="18" name="PlaceHolder 4"/>
           <p:cNvSpPr>
             <a:spLocks noGrp="1"/>
           </p:cNvSpPr>
@@ -2545,7 +2386,7 @@
         <p:spPr>
           <a:xfrm>
             <a:off x="729360" y="3260160"/>
-            <a:ext cx="3751920" cy="1078200"/>
+            <a:ext cx="3751560" cy="1078200"/>
           </a:xfrm>
           <a:prstGeom prst="rect">
             <a:avLst/>
@@ -2556,10 +2397,7 @@
             <a:normAutofit/>
           </a:bodyPr>
           <a:p>
-            <a:endParaRPr b="0" lang="en-US" sz="1400" spc="-1" strike="noStrike">
-              <a:solidFill>
-                <a:srgbClr val="000000"/>
-              </a:solidFill>
+            <a:endParaRPr b="0" lang="en-US" sz="3200" spc="-1" strike="noStrike">
               <a:latin typeface="Arial"/>
             </a:endParaRPr>
           </a:p>
@@ -2589,7 +2427,7 @@
       </p:grpSpPr>
       <p:sp>
         <p:nvSpPr>
-          <p:cNvPr id="20" name="PlaceHolder 1"/>
+          <p:cNvPr id="19" name="PlaceHolder 1"/>
           <p:cNvSpPr>
             <a:spLocks noGrp="1"/>
           </p:cNvSpPr>
@@ -2599,8 +2437,8 @@
         </p:nvSpPr>
         <p:spPr>
           <a:xfrm>
-            <a:off x="729360" y="1318680"/>
-            <a:ext cx="7688520" cy="534960"/>
+            <a:off x="729360" y="1273320"/>
+            <a:ext cx="7688160" cy="625320"/>
           </a:xfrm>
           <a:prstGeom prst="rect">
             <a:avLst/>
@@ -2609,18 +2447,16 @@
         <p:txBody>
           <a:bodyPr lIns="0" rIns="0" tIns="0" bIns="0" anchor="ctr"/>
           <a:p>
-            <a:endParaRPr b="0" lang="en-US" sz="1400" spc="-1" strike="noStrike">
-              <a:solidFill>
-                <a:srgbClr val="000000"/>
-              </a:solidFill>
-              <a:latin typeface="Arial"/>
-            </a:endParaRPr>
-          </a:p>
-        </p:txBody>
-      </p:sp>
-      <p:sp>
-        <p:nvSpPr>
-          <p:cNvPr id="21" name="PlaceHolder 2"/>
+            <a:pPr algn="ctr"/>
+            <a:endParaRPr b="0" lang="en-US" sz="4400" spc="-1" strike="noStrike">
+              <a:latin typeface="Arial"/>
+            </a:endParaRPr>
+          </a:p>
+        </p:txBody>
+      </p:sp>
+      <p:sp>
+        <p:nvSpPr>
+          <p:cNvPr id="20" name="PlaceHolder 2"/>
           <p:cNvSpPr>
             <a:spLocks noGrp="1"/>
           </p:cNvSpPr>
@@ -2631,7 +2467,7 @@
         <p:spPr>
           <a:xfrm>
             <a:off x="729360" y="2079000"/>
-            <a:ext cx="3751920" cy="2260800"/>
+            <a:ext cx="3751560" cy="2260440"/>
           </a:xfrm>
           <a:prstGeom prst="rect">
             <a:avLst/>
@@ -2642,18 +2478,15 @@
             <a:normAutofit/>
           </a:bodyPr>
           <a:p>
-            <a:endParaRPr b="0" lang="en-US" sz="1400" spc="-1" strike="noStrike">
-              <a:solidFill>
-                <a:srgbClr val="000000"/>
-              </a:solidFill>
-              <a:latin typeface="Arial"/>
-            </a:endParaRPr>
-          </a:p>
-        </p:txBody>
-      </p:sp>
-      <p:sp>
-        <p:nvSpPr>
-          <p:cNvPr id="22" name="PlaceHolder 3"/>
+            <a:endParaRPr b="0" lang="en-US" sz="3200" spc="-1" strike="noStrike">
+              <a:latin typeface="Arial"/>
+            </a:endParaRPr>
+          </a:p>
+        </p:txBody>
+      </p:sp>
+      <p:sp>
+        <p:nvSpPr>
+          <p:cNvPr id="21" name="PlaceHolder 3"/>
           <p:cNvSpPr>
             <a:spLocks noGrp="1"/>
           </p:cNvSpPr>
@@ -2663,8 +2496,8 @@
         </p:nvSpPr>
         <p:spPr>
           <a:xfrm>
-            <a:off x="4669200" y="2079000"/>
-            <a:ext cx="3751920" cy="1078200"/>
+            <a:off x="4668840" y="2079000"/>
+            <a:ext cx="3751560" cy="1078200"/>
           </a:xfrm>
           <a:prstGeom prst="rect">
             <a:avLst/>
@@ -2675,18 +2508,15 @@
             <a:normAutofit/>
           </a:bodyPr>
           <a:p>
-            <a:endParaRPr b="0" lang="en-US" sz="1400" spc="-1" strike="noStrike">
-              <a:solidFill>
-                <a:srgbClr val="000000"/>
-              </a:solidFill>
-              <a:latin typeface="Arial"/>
-            </a:endParaRPr>
-          </a:p>
-        </p:txBody>
-      </p:sp>
-      <p:sp>
-        <p:nvSpPr>
-          <p:cNvPr id="23" name="PlaceHolder 4"/>
+            <a:endParaRPr b="0" lang="en-US" sz="3200" spc="-1" strike="noStrike">
+              <a:latin typeface="Arial"/>
+            </a:endParaRPr>
+          </a:p>
+        </p:txBody>
+      </p:sp>
+      <p:sp>
+        <p:nvSpPr>
+          <p:cNvPr id="22" name="PlaceHolder 4"/>
           <p:cNvSpPr>
             <a:spLocks noGrp="1"/>
           </p:cNvSpPr>
@@ -2696,8 +2526,8 @@
         </p:nvSpPr>
         <p:spPr>
           <a:xfrm>
-            <a:off x="4669200" y="3260160"/>
-            <a:ext cx="3751920" cy="1078200"/>
+            <a:off x="4668840" y="3260160"/>
+            <a:ext cx="3751560" cy="1078200"/>
           </a:xfrm>
           <a:prstGeom prst="rect">
             <a:avLst/>
@@ -2708,10 +2538,7 @@
             <a:normAutofit/>
           </a:bodyPr>
           <a:p>
-            <a:endParaRPr b="0" lang="en-US" sz="1400" spc="-1" strike="noStrike">
-              <a:solidFill>
-                <a:srgbClr val="000000"/>
-              </a:solidFill>
+            <a:endParaRPr b="0" lang="en-US" sz="3200" spc="-1" strike="noStrike">
               <a:latin typeface="Arial"/>
             </a:endParaRPr>
           </a:p>
@@ -2741,7 +2568,7 @@
       </p:grpSpPr>
       <p:sp>
         <p:nvSpPr>
-          <p:cNvPr id="24" name="PlaceHolder 1"/>
+          <p:cNvPr id="23" name="PlaceHolder 1"/>
           <p:cNvSpPr>
             <a:spLocks noGrp="1"/>
           </p:cNvSpPr>
@@ -2751,8 +2578,8 @@
         </p:nvSpPr>
         <p:spPr>
           <a:xfrm>
-            <a:off x="729360" y="1318680"/>
-            <a:ext cx="7688520" cy="534960"/>
+            <a:off x="729360" y="1273320"/>
+            <a:ext cx="7688160" cy="625320"/>
           </a:xfrm>
           <a:prstGeom prst="rect">
             <a:avLst/>
@@ -2761,18 +2588,16 @@
         <p:txBody>
           <a:bodyPr lIns="0" rIns="0" tIns="0" bIns="0" anchor="ctr"/>
           <a:p>
-            <a:endParaRPr b="0" lang="en-US" sz="1400" spc="-1" strike="noStrike">
-              <a:solidFill>
-                <a:srgbClr val="000000"/>
-              </a:solidFill>
-              <a:latin typeface="Arial"/>
-            </a:endParaRPr>
-          </a:p>
-        </p:txBody>
-      </p:sp>
-      <p:sp>
-        <p:nvSpPr>
-          <p:cNvPr id="25" name="PlaceHolder 2"/>
+            <a:pPr algn="ctr"/>
+            <a:endParaRPr b="0" lang="en-US" sz="4400" spc="-1" strike="noStrike">
+              <a:latin typeface="Arial"/>
+            </a:endParaRPr>
+          </a:p>
+        </p:txBody>
+      </p:sp>
+      <p:sp>
+        <p:nvSpPr>
+          <p:cNvPr id="24" name="PlaceHolder 2"/>
           <p:cNvSpPr>
             <a:spLocks noGrp="1"/>
           </p:cNvSpPr>
@@ -2783,7 +2608,7 @@
         <p:spPr>
           <a:xfrm>
             <a:off x="729360" y="2079000"/>
-            <a:ext cx="3751920" cy="1078200"/>
+            <a:ext cx="3751560" cy="1078200"/>
           </a:xfrm>
           <a:prstGeom prst="rect">
             <a:avLst/>
@@ -2794,18 +2619,15 @@
             <a:normAutofit/>
           </a:bodyPr>
           <a:p>
-            <a:endParaRPr b="0" lang="en-US" sz="1400" spc="-1" strike="noStrike">
-              <a:solidFill>
-                <a:srgbClr val="000000"/>
-              </a:solidFill>
-              <a:latin typeface="Arial"/>
-            </a:endParaRPr>
-          </a:p>
-        </p:txBody>
-      </p:sp>
-      <p:sp>
-        <p:nvSpPr>
-          <p:cNvPr id="26" name="PlaceHolder 3"/>
+            <a:endParaRPr b="0" lang="en-US" sz="3200" spc="-1" strike="noStrike">
+              <a:latin typeface="Arial"/>
+            </a:endParaRPr>
+          </a:p>
+        </p:txBody>
+      </p:sp>
+      <p:sp>
+        <p:nvSpPr>
+          <p:cNvPr id="25" name="PlaceHolder 3"/>
           <p:cNvSpPr>
             <a:spLocks noGrp="1"/>
           </p:cNvSpPr>
@@ -2815,8 +2637,8 @@
         </p:nvSpPr>
         <p:spPr>
           <a:xfrm>
-            <a:off x="4669200" y="2079000"/>
-            <a:ext cx="3751920" cy="1078200"/>
+            <a:off x="4668840" y="2079000"/>
+            <a:ext cx="3751560" cy="1078200"/>
           </a:xfrm>
           <a:prstGeom prst="rect">
             <a:avLst/>
@@ -2827,18 +2649,15 @@
             <a:normAutofit/>
           </a:bodyPr>
           <a:p>
-            <a:endParaRPr b="0" lang="en-US" sz="1400" spc="-1" strike="noStrike">
-              <a:solidFill>
-                <a:srgbClr val="000000"/>
-              </a:solidFill>
-              <a:latin typeface="Arial"/>
-            </a:endParaRPr>
-          </a:p>
-        </p:txBody>
-      </p:sp>
-      <p:sp>
-        <p:nvSpPr>
-          <p:cNvPr id="27" name="PlaceHolder 4"/>
+            <a:endParaRPr b="0" lang="en-US" sz="3200" spc="-1" strike="noStrike">
+              <a:latin typeface="Arial"/>
+            </a:endParaRPr>
+          </a:p>
+        </p:txBody>
+      </p:sp>
+      <p:sp>
+        <p:nvSpPr>
+          <p:cNvPr id="26" name="PlaceHolder 4"/>
           <p:cNvSpPr>
             <a:spLocks noGrp="1"/>
           </p:cNvSpPr>
@@ -2849,7 +2668,7 @@
         <p:spPr>
           <a:xfrm>
             <a:off x="729360" y="3260160"/>
-            <a:ext cx="7688520" cy="1078200"/>
+            <a:ext cx="7688160" cy="1078200"/>
           </a:xfrm>
           <a:prstGeom prst="rect">
             <a:avLst/>
@@ -2860,10 +2679,7 @@
             <a:normAutofit/>
           </a:bodyPr>
           <a:p>
-            <a:endParaRPr b="0" lang="en-US" sz="1400" spc="-1" strike="noStrike">
-              <a:solidFill>
-                <a:srgbClr val="000000"/>
-              </a:solidFill>
+            <a:endParaRPr b="0" lang="en-US" sz="3200" spc="-1" strike="noStrike">
               <a:latin typeface="Arial"/>
             </a:endParaRPr>
           </a:p>
@@ -2907,7 +2723,7 @@
         <p:spPr>
           <a:xfrm>
             <a:off x="0" y="0"/>
-            <a:ext cx="9143640" cy="487440"/>
+            <a:ext cx="9143280" cy="487080"/>
           </a:xfrm>
           <a:prstGeom prst="rect">
             <a:avLst/>
@@ -2935,9 +2751,9 @@
         <p:grpSpPr>
           <a:xfrm>
             <a:off x="830520" y="1191600"/>
-            <a:ext cx="745200" cy="45360"/>
+            <a:ext cx="744840" cy="45000"/>
             <a:chOff x="830520" y="1191600"/>
-            <a:chExt cx="745200" cy="45360"/>
+            <a:chExt cx="744840" cy="45000"/>
           </a:xfrm>
         </p:grpSpPr>
         <p:sp>
@@ -2949,7 +2765,7 @@
           <p:spPr>
             <a:xfrm rot="16200000">
               <a:off x="1366560" y="1027800"/>
-              <a:ext cx="45360" cy="372600"/>
+              <a:ext cx="45000" cy="372240"/>
             </a:xfrm>
             <a:prstGeom prst="rect">
               <a:avLst/>
@@ -2977,7 +2793,7 @@
           <p:spPr>
             <a:xfrm rot="16200000">
               <a:off x="995400" y="1026360"/>
-              <a:ext cx="45360" cy="375480"/>
+              <a:ext cx="45000" cy="375120"/>
             </a:xfrm>
             <a:prstGeom prst="rect">
               <a:avLst/>
@@ -3009,29 +2825,23 @@
         </p:nvSpPr>
         <p:spPr>
           <a:xfrm>
-            <a:off x="729360" y="1322280"/>
-            <a:ext cx="7687800" cy="1664280"/>
-          </a:xfrm>
-          <a:prstGeom prst="rect">
-            <a:avLst/>
-          </a:prstGeom>
-        </p:spPr>
-        <p:txBody>
-          <a:bodyPr tIns="91440" bIns="91440"/>
-          <a:p>
-            <a:r>
-              <a:rPr b="0" lang="en-US" sz="4200" spc="-1" strike="noStrike">
-                <a:solidFill>
-                  <a:srgbClr val="000000"/>
-                </a:solidFill>
+            <a:off x="729360" y="1318680"/>
+            <a:ext cx="7688160" cy="534600"/>
+          </a:xfrm>
+          <a:prstGeom prst="rect">
+            <a:avLst/>
+          </a:prstGeom>
+        </p:spPr>
+        <p:txBody>
+          <a:bodyPr lIns="0" rIns="0" tIns="0" bIns="0" anchor="ctr"/>
+          <a:p>
+            <a:r>
+              <a:rPr b="0" lang="en-US" sz="1800" spc="-1" strike="noStrike">
                 <a:latin typeface="Arial"/>
               </a:rPr>
               <a:t>Click to edit the title text format</a:t>
             </a:r>
-            <a:endParaRPr b="0" lang="en-US" sz="4200" spc="-1" strike="noStrike">
-              <a:solidFill>
-                <a:srgbClr val="000000"/>
-              </a:solidFill>
+            <a:endParaRPr b="0" lang="en-US" sz="1800" spc="-1" strike="noStrike">
               <a:latin typeface="Arial"/>
             </a:endParaRPr>
           </a:p>
@@ -3040,49 +2850,6 @@
       <p:sp>
         <p:nvSpPr>
           <p:cNvPr id="5" name="PlaceHolder 6"/>
-          <p:cNvSpPr>
-            <a:spLocks noGrp="1"/>
-          </p:cNvSpPr>
-          <p:nvPr>
-            <p:ph type="sldNum"/>
-          </p:nvPr>
-        </p:nvSpPr>
-        <p:spPr>
-          <a:xfrm>
-            <a:off x="8536320" y="4749840"/>
-            <a:ext cx="548280" cy="393120"/>
-          </a:xfrm>
-          <a:prstGeom prst="rect">
-            <a:avLst/>
-          </a:prstGeom>
-        </p:spPr>
-        <p:txBody>
-          <a:bodyPr tIns="91440" bIns="91440" anchor="ctr"/>
-          <a:p>
-            <a:pPr algn="r">
-              <a:lnSpc>
-                <a:spcPct val="100000"/>
-              </a:lnSpc>
-            </a:pPr>
-            <a:fld id="{C0F560D2-CCEC-42F0-AD8C-27580E006E4C}" type="slidenum">
-              <a:rPr b="0" lang="en-US" sz="1000" spc="-1" strike="noStrike">
-                <a:solidFill>
-                  <a:srgbClr val="595959"/>
-                </a:solidFill>
-                <a:latin typeface="Lato"/>
-                <a:ea typeface="Lato"/>
-              </a:rPr>
-              <a:t>1</a:t>
-            </a:fld>
-            <a:endParaRPr b="0" lang="en-US" sz="1000" spc="-1" strike="noStrike">
-              <a:latin typeface="Times New Roman"/>
-            </a:endParaRPr>
-          </a:p>
-        </p:txBody>
-      </p:sp>
-      <p:sp>
-        <p:nvSpPr>
-          <p:cNvPr id="6" name="PlaceHolder 7"/>
           <p:cNvSpPr>
             <a:spLocks noGrp="1"/>
           </p:cNvSpPr>
@@ -3116,18 +2883,12 @@
               <a:buChar char=""/>
             </a:pPr>
             <a:r>
-              <a:rPr b="0" lang="en-US" sz="1400" spc="-1" strike="noStrike">
-                <a:solidFill>
-                  <a:srgbClr val="000000"/>
-                </a:solidFill>
+              <a:rPr b="0" lang="en-US" sz="3200" spc="-1" strike="noStrike">
                 <a:latin typeface="Arial"/>
               </a:rPr>
               <a:t>Click to edit the outline text format</a:t>
             </a:r>
-            <a:endParaRPr b="0" lang="en-US" sz="1400" spc="-1" strike="noStrike">
-              <a:solidFill>
-                <a:srgbClr val="000000"/>
-              </a:solidFill>
+            <a:endParaRPr b="0" lang="en-US" sz="3200" spc="-1" strike="noStrike">
               <a:latin typeface="Arial"/>
             </a:endParaRPr>
           </a:p>
@@ -3144,18 +2905,12 @@
               <a:buChar char=""/>
             </a:pPr>
             <a:r>
-              <a:rPr b="0" lang="en-US" sz="1400" spc="-1" strike="noStrike">
-                <a:solidFill>
-                  <a:srgbClr val="000000"/>
-                </a:solidFill>
+              <a:rPr b="0" lang="en-US" sz="2800" spc="-1" strike="noStrike">
                 <a:latin typeface="Arial"/>
               </a:rPr>
               <a:t>Second Outline Level</a:t>
             </a:r>
-            <a:endParaRPr b="0" lang="en-US" sz="1400" spc="-1" strike="noStrike">
-              <a:solidFill>
-                <a:srgbClr val="000000"/>
-              </a:solidFill>
+            <a:endParaRPr b="0" lang="en-US" sz="2800" spc="-1" strike="noStrike">
               <a:latin typeface="Arial"/>
             </a:endParaRPr>
           </a:p>
@@ -3172,18 +2927,12 @@
               <a:buChar char=""/>
             </a:pPr>
             <a:r>
-              <a:rPr b="0" lang="en-US" sz="1400" spc="-1" strike="noStrike">
-                <a:solidFill>
-                  <a:srgbClr val="000000"/>
-                </a:solidFill>
+              <a:rPr b="0" lang="en-US" sz="2400" spc="-1" strike="noStrike">
                 <a:latin typeface="Arial"/>
               </a:rPr>
               <a:t>Third Outline Level</a:t>
             </a:r>
-            <a:endParaRPr b="0" lang="en-US" sz="1400" spc="-1" strike="noStrike">
-              <a:solidFill>
-                <a:srgbClr val="000000"/>
-              </a:solidFill>
+            <a:endParaRPr b="0" lang="en-US" sz="2400" spc="-1" strike="noStrike">
               <a:latin typeface="Arial"/>
             </a:endParaRPr>
           </a:p>
@@ -3200,18 +2949,12 @@
               <a:buChar char=""/>
             </a:pPr>
             <a:r>
-              <a:rPr b="0" lang="en-US" sz="1400" spc="-1" strike="noStrike">
-                <a:solidFill>
-                  <a:srgbClr val="000000"/>
-                </a:solidFill>
+              <a:rPr b="0" lang="en-US" sz="2000" spc="-1" strike="noStrike">
                 <a:latin typeface="Arial"/>
               </a:rPr>
               <a:t>Fourth Outline Level</a:t>
             </a:r>
-            <a:endParaRPr b="0" lang="en-US" sz="1400" spc="-1" strike="noStrike">
-              <a:solidFill>
-                <a:srgbClr val="000000"/>
-              </a:solidFill>
+            <a:endParaRPr b="0" lang="en-US" sz="2000" spc="-1" strike="noStrike">
               <a:latin typeface="Arial"/>
             </a:endParaRPr>
           </a:p>
@@ -3229,17 +2972,11 @@
             </a:pPr>
             <a:r>
               <a:rPr b="0" lang="en-US" sz="2000" spc="-1" strike="noStrike">
-                <a:solidFill>
-                  <a:srgbClr val="000000"/>
-                </a:solidFill>
                 <a:latin typeface="Arial"/>
               </a:rPr>
               <a:t>Fifth Outline Level</a:t>
             </a:r>
             <a:endParaRPr b="0" lang="en-US" sz="2000" spc="-1" strike="noStrike">
-              <a:solidFill>
-                <a:srgbClr val="000000"/>
-              </a:solidFill>
               <a:latin typeface="Arial"/>
             </a:endParaRPr>
           </a:p>
@@ -3257,17 +2994,11 @@
             </a:pPr>
             <a:r>
               <a:rPr b="0" lang="en-US" sz="2000" spc="-1" strike="noStrike">
-                <a:solidFill>
-                  <a:srgbClr val="000000"/>
-                </a:solidFill>
                 <a:latin typeface="Arial"/>
               </a:rPr>
               <a:t>Sixth Outline Level</a:t>
             </a:r>
             <a:endParaRPr b="0" lang="en-US" sz="2000" spc="-1" strike="noStrike">
-              <a:solidFill>
-                <a:srgbClr val="000000"/>
-              </a:solidFill>
               <a:latin typeface="Arial"/>
             </a:endParaRPr>
           </a:p>
@@ -3285,17 +3016,11 @@
             </a:pPr>
             <a:r>
               <a:rPr b="0" lang="en-US" sz="2000" spc="-1" strike="noStrike">
-                <a:solidFill>
-                  <a:srgbClr val="000000"/>
-                </a:solidFill>
                 <a:latin typeface="Arial"/>
               </a:rPr>
               <a:t>Seventh Outline Level</a:t>
             </a:r>
             <a:endParaRPr b="0" lang="en-US" sz="2000" spc="-1" strike="noStrike">
-              <a:solidFill>
-                <a:srgbClr val="000000"/>
-              </a:solidFill>
               <a:latin typeface="Arial"/>
             </a:endParaRPr>
           </a:p>
@@ -3347,14 +3072,14 @@
       </p:grpSpPr>
       <p:sp>
         <p:nvSpPr>
-          <p:cNvPr id="43" name="CustomShape 1"/>
+          <p:cNvPr id="42" name="CustomShape 1"/>
           <p:cNvSpPr/>
           <p:nvPr/>
         </p:nvSpPr>
         <p:spPr>
           <a:xfrm>
             <a:off x="0" y="0"/>
-            <a:ext cx="9143640" cy="487440"/>
+            <a:ext cx="9143280" cy="487080"/>
           </a:xfrm>
           <a:prstGeom prst="rect">
             <a:avLst/>
@@ -3375,28 +3100,28 @@
       </p:sp>
       <p:grpSp>
         <p:nvGrpSpPr>
-          <p:cNvPr id="44" name="Group 2"/>
+          <p:cNvPr id="43" name="Group 2"/>
           <p:cNvGrpSpPr/>
           <p:nvPr/>
         </p:nvGrpSpPr>
         <p:grpSpPr>
           <a:xfrm>
             <a:off x="830520" y="1191600"/>
-            <a:ext cx="745200" cy="45360"/>
+            <a:ext cx="744840" cy="45000"/>
             <a:chOff x="830520" y="1191600"/>
-            <a:chExt cx="745200" cy="45360"/>
+            <a:chExt cx="744840" cy="45000"/>
           </a:xfrm>
         </p:grpSpPr>
         <p:sp>
           <p:nvSpPr>
-            <p:cNvPr id="45" name="CustomShape 3"/>
+            <p:cNvPr id="44" name="CustomShape 3"/>
             <p:cNvSpPr/>
             <p:nvPr/>
           </p:nvSpPr>
           <p:spPr>
             <a:xfrm rot="16200000">
               <a:off x="1366560" y="1027800"/>
-              <a:ext cx="45360" cy="372600"/>
+              <a:ext cx="45000" cy="372240"/>
             </a:xfrm>
             <a:prstGeom prst="rect">
               <a:avLst/>
@@ -3417,14 +3142,14 @@
         </p:sp>
         <p:sp>
           <p:nvSpPr>
-            <p:cNvPr id="46" name="CustomShape 4"/>
+            <p:cNvPr id="45" name="CustomShape 4"/>
             <p:cNvSpPr/>
             <p:nvPr/>
           </p:nvSpPr>
           <p:spPr>
             <a:xfrm rot="16200000">
               <a:off x="995400" y="1026360"/>
-              <a:ext cx="45360" cy="375480"/>
+              <a:ext cx="45000" cy="375120"/>
             </a:xfrm>
             <a:prstGeom prst="rect">
               <a:avLst/>
@@ -3446,7 +3171,7 @@
       </p:grpSp>
       <p:sp>
         <p:nvSpPr>
-          <p:cNvPr id="47" name="PlaceHolder 5"/>
+          <p:cNvPr id="46" name="PlaceHolder 5"/>
           <p:cNvSpPr>
             <a:spLocks noGrp="1"/>
           </p:cNvSpPr>
@@ -3457,36 +3182,30 @@
         <p:spPr>
           <a:xfrm>
             <a:off x="729360" y="1318680"/>
-            <a:ext cx="7688520" cy="534960"/>
-          </a:xfrm>
-          <a:prstGeom prst="rect">
-            <a:avLst/>
-          </a:prstGeom>
-        </p:spPr>
-        <p:txBody>
-          <a:bodyPr tIns="91440" bIns="91440"/>
-          <a:p>
-            <a:r>
-              <a:rPr b="0" lang="en-US" sz="2600" spc="-1" strike="noStrike">
-                <a:solidFill>
-                  <a:srgbClr val="000000"/>
-                </a:solidFill>
+            <a:ext cx="7688160" cy="534600"/>
+          </a:xfrm>
+          <a:prstGeom prst="rect">
+            <a:avLst/>
+          </a:prstGeom>
+        </p:spPr>
+        <p:txBody>
+          <a:bodyPr lIns="0" rIns="0" tIns="0" bIns="0" anchor="ctr"/>
+          <a:p>
+            <a:r>
+              <a:rPr b="0" lang="en-US" sz="1800" spc="-1" strike="noStrike">
                 <a:latin typeface="Arial"/>
               </a:rPr>
               <a:t>Click to edit the title text format</a:t>
             </a:r>
-            <a:endParaRPr b="0" lang="en-US" sz="2600" spc="-1" strike="noStrike">
-              <a:solidFill>
-                <a:srgbClr val="000000"/>
-              </a:solidFill>
-              <a:latin typeface="Arial"/>
-            </a:endParaRPr>
-          </a:p>
-        </p:txBody>
-      </p:sp>
-      <p:sp>
-        <p:nvSpPr>
-          <p:cNvPr id="48" name="PlaceHolder 6"/>
+            <a:endParaRPr b="0" lang="en-US" sz="1800" spc="-1" strike="noStrike">
+              <a:latin typeface="Arial"/>
+            </a:endParaRPr>
+          </a:p>
+        </p:txBody>
+      </p:sp>
+      <p:sp>
+        <p:nvSpPr>
+          <p:cNvPr id="47" name="PlaceHolder 6"/>
           <p:cNvSpPr>
             <a:spLocks noGrp="1"/>
           </p:cNvSpPr>
@@ -3497,14 +3216,16 @@
         <p:spPr>
           <a:xfrm>
             <a:off x="729360" y="2079000"/>
-            <a:ext cx="7688520" cy="2260800"/>
-          </a:xfrm>
-          <a:prstGeom prst="rect">
-            <a:avLst/>
-          </a:prstGeom>
-        </p:spPr>
-        <p:txBody>
-          <a:bodyPr tIns="91440" bIns="91440"/>
+            <a:ext cx="7688160" cy="2260440"/>
+          </a:xfrm>
+          <a:prstGeom prst="rect">
+            <a:avLst/>
+          </a:prstGeom>
+        </p:spPr>
+        <p:txBody>
+          <a:bodyPr lIns="0" rIns="0" tIns="0" bIns="0">
+            <a:normAutofit/>
+          </a:bodyPr>
           <a:p>
             <a:pPr marL="432000" indent="-324000">
               <a:spcBef>
@@ -3518,18 +3239,12 @@
               <a:buChar char=""/>
             </a:pPr>
             <a:r>
-              <a:rPr b="0" lang="en-US" sz="1300" spc="-1" strike="noStrike">
-                <a:solidFill>
-                  <a:srgbClr val="000000"/>
-                </a:solidFill>
+              <a:rPr b="0" lang="en-US" sz="1800" spc="-1" strike="noStrike">
                 <a:latin typeface="Arial"/>
               </a:rPr>
               <a:t>Click to edit the outline text format</a:t>
             </a:r>
-            <a:endParaRPr b="0" lang="en-US" sz="1300" spc="-1" strike="noStrike">
-              <a:solidFill>
-                <a:srgbClr val="000000"/>
-              </a:solidFill>
+            <a:endParaRPr b="0" lang="en-US" sz="1800" spc="-1" strike="noStrike">
               <a:latin typeface="Arial"/>
             </a:endParaRPr>
           </a:p>
@@ -3546,18 +3261,12 @@
               <a:buChar char=""/>
             </a:pPr>
             <a:r>
-              <a:rPr b="0" lang="en-US" sz="1300" spc="-1" strike="noStrike">
-                <a:solidFill>
-                  <a:srgbClr val="000000"/>
-                </a:solidFill>
+              <a:rPr b="0" lang="en-US" sz="1800" spc="-1" strike="noStrike">
                 <a:latin typeface="Arial"/>
               </a:rPr>
               <a:t>Second Outline Level</a:t>
             </a:r>
-            <a:endParaRPr b="0" lang="en-US" sz="1300" spc="-1" strike="noStrike">
-              <a:solidFill>
-                <a:srgbClr val="000000"/>
-              </a:solidFill>
+            <a:endParaRPr b="0" lang="en-US" sz="1800" spc="-1" strike="noStrike">
               <a:latin typeface="Arial"/>
             </a:endParaRPr>
           </a:p>
@@ -3574,18 +3283,12 @@
               <a:buChar char=""/>
             </a:pPr>
             <a:r>
-              <a:rPr b="0" lang="en-US" sz="1300" spc="-1" strike="noStrike">
-                <a:solidFill>
-                  <a:srgbClr val="000000"/>
-                </a:solidFill>
+              <a:rPr b="0" lang="en-US" sz="1800" spc="-1" strike="noStrike">
                 <a:latin typeface="Arial"/>
               </a:rPr>
               <a:t>Third Outline Level</a:t>
             </a:r>
-            <a:endParaRPr b="0" lang="en-US" sz="1300" spc="-1" strike="noStrike">
-              <a:solidFill>
-                <a:srgbClr val="000000"/>
-              </a:solidFill>
+            <a:endParaRPr b="0" lang="en-US" sz="1800" spc="-1" strike="noStrike">
               <a:latin typeface="Arial"/>
             </a:endParaRPr>
           </a:p>
@@ -3602,18 +3305,12 @@
               <a:buChar char=""/>
             </a:pPr>
             <a:r>
-              <a:rPr b="0" lang="en-US" sz="1300" spc="-1" strike="noStrike">
-                <a:solidFill>
-                  <a:srgbClr val="000000"/>
-                </a:solidFill>
+              <a:rPr b="0" lang="en-US" sz="1800" spc="-1" strike="noStrike">
                 <a:latin typeface="Arial"/>
               </a:rPr>
               <a:t>Fourth Outline Level</a:t>
             </a:r>
-            <a:endParaRPr b="0" lang="en-US" sz="1300" spc="-1" strike="noStrike">
-              <a:solidFill>
-                <a:srgbClr val="000000"/>
-              </a:solidFill>
+            <a:endParaRPr b="0" lang="en-US" sz="1800" spc="-1" strike="noStrike">
               <a:latin typeface="Arial"/>
             </a:endParaRPr>
           </a:p>
@@ -3630,18 +3327,12 @@
               <a:buChar char=""/>
             </a:pPr>
             <a:r>
-              <a:rPr b="0" lang="en-US" sz="1300" spc="-1" strike="noStrike">
-                <a:solidFill>
-                  <a:srgbClr val="000000"/>
-                </a:solidFill>
+              <a:rPr b="0" lang="en-US" sz="1800" spc="-1" strike="noStrike">
                 <a:latin typeface="Arial"/>
               </a:rPr>
               <a:t>Fifth Outline Level</a:t>
             </a:r>
-            <a:endParaRPr b="0" lang="en-US" sz="1300" spc="-1" strike="noStrike">
-              <a:solidFill>
-                <a:srgbClr val="000000"/>
-              </a:solidFill>
+            <a:endParaRPr b="0" lang="en-US" sz="1800" spc="-1" strike="noStrike">
               <a:latin typeface="Arial"/>
             </a:endParaRPr>
           </a:p>
@@ -3658,18 +3349,12 @@
               <a:buChar char=""/>
             </a:pPr>
             <a:r>
-              <a:rPr b="0" lang="en-US" sz="1300" spc="-1" strike="noStrike">
-                <a:solidFill>
-                  <a:srgbClr val="000000"/>
-                </a:solidFill>
+              <a:rPr b="0" lang="en-US" sz="1800" spc="-1" strike="noStrike">
                 <a:latin typeface="Arial"/>
               </a:rPr>
               <a:t>Sixth Outline Level</a:t>
             </a:r>
-            <a:endParaRPr b="0" lang="en-US" sz="1300" spc="-1" strike="noStrike">
-              <a:solidFill>
-                <a:srgbClr val="000000"/>
-              </a:solidFill>
+            <a:endParaRPr b="0" lang="en-US" sz="1800" spc="-1" strike="noStrike">
               <a:latin typeface="Arial"/>
             </a:endParaRPr>
           </a:p>
@@ -3686,62 +3371,13 @@
               <a:buChar char=""/>
             </a:pPr>
             <a:r>
-              <a:rPr b="0" lang="en-US" sz="1300" spc="-1" strike="noStrike">
-                <a:solidFill>
-                  <a:srgbClr val="000000"/>
-                </a:solidFill>
+              <a:rPr b="0" lang="en-US" sz="1800" spc="-1" strike="noStrike">
                 <a:latin typeface="Arial"/>
               </a:rPr>
               <a:t>Seventh Outline Level</a:t>
             </a:r>
-            <a:endParaRPr b="0" lang="en-US" sz="1300" spc="-1" strike="noStrike">
-              <a:solidFill>
-                <a:srgbClr val="000000"/>
-              </a:solidFill>
-              <a:latin typeface="Arial"/>
-            </a:endParaRPr>
-          </a:p>
-        </p:txBody>
-      </p:sp>
-      <p:sp>
-        <p:nvSpPr>
-          <p:cNvPr id="49" name="PlaceHolder 7"/>
-          <p:cNvSpPr>
-            <a:spLocks noGrp="1"/>
-          </p:cNvSpPr>
-          <p:nvPr>
-            <p:ph type="sldNum"/>
-          </p:nvPr>
-        </p:nvSpPr>
-        <p:spPr>
-          <a:xfrm>
-            <a:off x="8536320" y="4749840"/>
-            <a:ext cx="548280" cy="393120"/>
-          </a:xfrm>
-          <a:prstGeom prst="rect">
-            <a:avLst/>
-          </a:prstGeom>
-        </p:spPr>
-        <p:txBody>
-          <a:bodyPr tIns="91440" bIns="91440" anchor="ctr"/>
-          <a:p>
-            <a:pPr algn="r">
-              <a:lnSpc>
-                <a:spcPct val="100000"/>
-              </a:lnSpc>
-            </a:pPr>
-            <a:fld id="{E32D4A18-AE56-422D-8261-080CDAAC6CB9}" type="slidenum">
-              <a:rPr b="0" lang="en-US" sz="1000" spc="-1" strike="noStrike">
-                <a:solidFill>
-                  <a:srgbClr val="595959"/>
-                </a:solidFill>
-                <a:latin typeface="Lato"/>
-                <a:ea typeface="Lato"/>
-              </a:rPr>
-              <a:t>1</a:t>
-            </a:fld>
-            <a:endParaRPr b="0" lang="en-US" sz="1000" spc="-1" strike="noStrike">
-              <a:latin typeface="Times New Roman"/>
+            <a:endParaRPr b="0" lang="en-US" sz="1800" spc="-1" strike="noStrike">
+              <a:latin typeface="Arial"/>
             </a:endParaRPr>
           </a:p>
         </p:txBody>
@@ -3785,14 +3421,14 @@
       </p:grpSpPr>
       <p:sp>
         <p:nvSpPr>
-          <p:cNvPr id="86" name="TextShape 1"/>
-          <p:cNvSpPr txBox="1"/>
+          <p:cNvPr id="84" name="CustomShape 1"/>
+          <p:cNvSpPr/>
           <p:nvPr/>
         </p:nvSpPr>
         <p:spPr>
           <a:xfrm>
             <a:off x="729360" y="1322280"/>
-            <a:ext cx="7687800" cy="1664280"/>
+            <a:ext cx="7687440" cy="1663920"/>
           </a:xfrm>
           <a:prstGeom prst="rect">
             <a:avLst/>
@@ -3802,8 +3438,14 @@
             <a:noFill/>
           </a:ln>
         </p:spPr>
-        <p:txBody>
-          <a:bodyPr tIns="91440" bIns="91440"/>
+        <p:style>
+          <a:lnRef idx="0"/>
+          <a:fillRef idx="0"/>
+          <a:effectRef idx="0"/>
+          <a:fontRef idx="minor"/>
+        </p:style>
+        <p:txBody>
+          <a:bodyPr lIns="90000" rIns="90000" tIns="91440" bIns="91440"/>
           <a:p>
             <a:pPr>
               <a:lnSpc>
@@ -3821,24 +3463,21 @@
               <a:t>A Hands on Python Crash Course Supplement</a:t>
             </a:r>
             <a:endParaRPr b="0" lang="en-US" sz="4200" spc="-1" strike="noStrike">
-              <a:solidFill>
-                <a:srgbClr val="000000"/>
-              </a:solidFill>
-              <a:latin typeface="Arial"/>
-            </a:endParaRPr>
-          </a:p>
-        </p:txBody>
-      </p:sp>
-      <p:sp>
-        <p:nvSpPr>
-          <p:cNvPr id="87" name="TextShape 2"/>
-          <p:cNvSpPr txBox="1"/>
+              <a:latin typeface="Arial"/>
+            </a:endParaRPr>
+          </a:p>
+        </p:txBody>
+      </p:sp>
+      <p:sp>
+        <p:nvSpPr>
+          <p:cNvPr id="85" name="CustomShape 2"/>
+          <p:cNvSpPr/>
           <p:nvPr/>
         </p:nvSpPr>
         <p:spPr>
           <a:xfrm>
             <a:off x="457200" y="3474720"/>
-            <a:ext cx="8712720" cy="1207800"/>
+            <a:ext cx="8712360" cy="1207440"/>
           </a:xfrm>
           <a:prstGeom prst="rect">
             <a:avLst/>
@@ -3848,15 +3487,21 @@
             <a:noFill/>
           </a:ln>
         </p:spPr>
-        <p:txBody>
-          <a:bodyPr tIns="91440" bIns="91440"/>
+        <p:style>
+          <a:lnRef idx="0"/>
+          <a:fillRef idx="0"/>
+          <a:effectRef idx="0"/>
+          <a:fontRef idx="minor"/>
+        </p:style>
+        <p:txBody>
+          <a:bodyPr lIns="90000" rIns="90000" tIns="91440" bIns="91440"/>
           <a:p>
             <a:pPr>
               <a:lnSpc>
                 <a:spcPct val="100000"/>
               </a:lnSpc>
             </a:pPr>
-            <a:endParaRPr b="0" lang="en-US" sz="3200" spc="-1" strike="noStrike">
+            <a:endParaRPr b="0" lang="en-US" sz="1800" spc="-1" strike="noStrike">
               <a:latin typeface="Arial"/>
             </a:endParaRPr>
           </a:p>
@@ -3866,7 +3511,7 @@
                 <a:spcPct val="100000"/>
               </a:lnSpc>
             </a:pPr>
-            <a:endParaRPr b="0" lang="en-US" sz="3200" spc="-1" strike="noStrike">
+            <a:endParaRPr b="0" lang="en-US" sz="1800" spc="-1" strike="noStrike">
               <a:latin typeface="Arial"/>
             </a:endParaRPr>
           </a:p>
@@ -3975,14 +3620,14 @@
       </p:grpSpPr>
       <p:sp>
         <p:nvSpPr>
-          <p:cNvPr id="117" name="TextShape 1"/>
-          <p:cNvSpPr txBox="1"/>
+          <p:cNvPr id="115" name="CustomShape 1"/>
+          <p:cNvSpPr/>
           <p:nvPr/>
         </p:nvSpPr>
         <p:spPr>
           <a:xfrm>
             <a:off x="729360" y="1318680"/>
-            <a:ext cx="7688520" cy="534960"/>
+            <a:ext cx="7688160" cy="534600"/>
           </a:xfrm>
           <a:prstGeom prst="rect">
             <a:avLst/>
@@ -3992,8 +3637,14 @@
             <a:noFill/>
           </a:ln>
         </p:spPr>
-        <p:txBody>
-          <a:bodyPr tIns="91440" bIns="91440"/>
+        <p:style>
+          <a:lnRef idx="0"/>
+          <a:fillRef idx="0"/>
+          <a:effectRef idx="0"/>
+          <a:fontRef idx="minor"/>
+        </p:style>
+        <p:txBody>
+          <a:bodyPr lIns="90000" rIns="90000" tIns="91440" bIns="91440"/>
           <a:p>
             <a:pPr>
               <a:lnSpc>
@@ -4011,24 +3662,21 @@
               <a:t>Programming Challenges and Interview Prep </a:t>
             </a:r>
             <a:endParaRPr b="0" lang="en-US" sz="2600" spc="-1" strike="noStrike">
-              <a:solidFill>
-                <a:srgbClr val="000000"/>
-              </a:solidFill>
-              <a:latin typeface="Arial"/>
-            </a:endParaRPr>
-          </a:p>
-        </p:txBody>
-      </p:sp>
-      <p:sp>
-        <p:nvSpPr>
-          <p:cNvPr id="118" name="TextShape 2"/>
-          <p:cNvSpPr txBox="1"/>
+              <a:latin typeface="Arial"/>
+            </a:endParaRPr>
+          </a:p>
+        </p:txBody>
+      </p:sp>
+      <p:sp>
+        <p:nvSpPr>
+          <p:cNvPr id="116" name="CustomShape 2"/>
+          <p:cNvSpPr/>
           <p:nvPr/>
         </p:nvSpPr>
         <p:spPr>
           <a:xfrm>
             <a:off x="729360" y="2079000"/>
-            <a:ext cx="7688520" cy="2260800"/>
+            <a:ext cx="7688160" cy="2260440"/>
           </a:xfrm>
           <a:prstGeom prst="rect">
             <a:avLst/>
@@ -4038,10 +3686,16 @@
             <a:noFill/>
           </a:ln>
         </p:spPr>
-        <p:txBody>
-          <a:bodyPr tIns="91440" bIns="91440"/>
-          <a:p>
-            <a:pPr marL="457200" indent="-310680">
+        <p:style>
+          <a:lnRef idx="0"/>
+          <a:fillRef idx="0"/>
+          <a:effectRef idx="0"/>
+          <a:fontRef idx="minor"/>
+        </p:style>
+        <p:txBody>
+          <a:bodyPr lIns="90000" rIns="90000" tIns="91440" bIns="91440"/>
+          <a:p>
+            <a:pPr marL="457200" indent="-310320">
               <a:lnSpc>
                 <a:spcPct val="115000"/>
               </a:lnSpc>
@@ -4074,14 +3728,11 @@
               <a:t>https://codingbat.com/python</a:t>
             </a:r>
             <a:endParaRPr b="0" lang="en-US" sz="1500" spc="-1" strike="noStrike">
-              <a:solidFill>
-                <a:srgbClr val="000000"/>
-              </a:solidFill>
-              <a:latin typeface="Arial"/>
-            </a:endParaRPr>
-          </a:p>
-          <a:p>
-            <a:pPr marL="457200" indent="-310680">
+              <a:latin typeface="Arial"/>
+            </a:endParaRPr>
+          </a:p>
+          <a:p>
+            <a:pPr marL="457200" indent="-310320">
               <a:lnSpc>
                 <a:spcPct val="115000"/>
               </a:lnSpc>
@@ -4114,14 +3765,11 @@
               <a:t>https://www.codewars.com/?language=python</a:t>
             </a:r>
             <a:endParaRPr b="0" lang="en-US" sz="1500" spc="-1" strike="noStrike">
-              <a:solidFill>
-                <a:srgbClr val="000000"/>
-              </a:solidFill>
-              <a:latin typeface="Arial"/>
-            </a:endParaRPr>
-          </a:p>
-          <a:p>
-            <a:pPr marL="457200" indent="-310680">
+              <a:latin typeface="Arial"/>
+            </a:endParaRPr>
+          </a:p>
+          <a:p>
+            <a:pPr marL="457200" indent="-310320">
               <a:lnSpc>
                 <a:spcPct val="115000"/>
               </a:lnSpc>
@@ -4154,14 +3802,11 @@
               <a:t>https://www.hackerrank.com/domains/python</a:t>
             </a:r>
             <a:endParaRPr b="0" lang="en-US" sz="1500" spc="-1" strike="noStrike">
-              <a:solidFill>
-                <a:srgbClr val="000000"/>
-              </a:solidFill>
-              <a:latin typeface="Arial"/>
-            </a:endParaRPr>
-          </a:p>
-          <a:p>
-            <a:pPr marL="457200" indent="-310680">
+              <a:latin typeface="Arial"/>
+            </a:endParaRPr>
+          </a:p>
+          <a:p>
+            <a:pPr marL="457200" indent="-310320">
               <a:lnSpc>
                 <a:spcPct val="115000"/>
               </a:lnSpc>
@@ -4194,14 +3839,11 @@
               <a:t>https://leetcode.com</a:t>
             </a:r>
             <a:endParaRPr b="0" lang="en-US" sz="1500" spc="-1" strike="noStrike">
-              <a:solidFill>
-                <a:srgbClr val="000000"/>
-              </a:solidFill>
-              <a:latin typeface="Arial"/>
-            </a:endParaRPr>
-          </a:p>
-          <a:p>
-            <a:pPr marL="457200" indent="-310680">
+              <a:latin typeface="Arial"/>
+            </a:endParaRPr>
+          </a:p>
+          <a:p>
+            <a:pPr marL="457200" indent="-310320">
               <a:lnSpc>
                 <a:spcPct val="115000"/>
               </a:lnSpc>
@@ -4234,14 +3876,11 @@
               <a:t>https://coderbyte.com</a:t>
             </a:r>
             <a:endParaRPr b="0" lang="en-US" sz="1500" spc="-1" strike="noStrike">
-              <a:solidFill>
-                <a:srgbClr val="000000"/>
-              </a:solidFill>
-              <a:latin typeface="Arial"/>
-            </a:endParaRPr>
-          </a:p>
-          <a:p>
-            <a:pPr marL="457200" indent="-310680">
+              <a:latin typeface="Arial"/>
+            </a:endParaRPr>
+          </a:p>
+          <a:p>
+            <a:pPr marL="457200" indent="-310320">
               <a:lnSpc>
                 <a:spcPct val="115000"/>
               </a:lnSpc>
@@ -4274,14 +3913,11 @@
               <a:t>https://www.topcoder.com/challenges</a:t>
             </a:r>
             <a:endParaRPr b="0" lang="en-US" sz="1500" spc="-1" strike="noStrike">
-              <a:solidFill>
-                <a:srgbClr val="000000"/>
-              </a:solidFill>
-              <a:latin typeface="Arial"/>
-            </a:endParaRPr>
-          </a:p>
-          <a:p>
-            <a:pPr marL="457200" indent="-310680">
+              <a:latin typeface="Arial"/>
+            </a:endParaRPr>
+          </a:p>
+          <a:p>
+            <a:pPr marL="457200" indent="-310320">
               <a:lnSpc>
                 <a:spcPct val="115000"/>
               </a:lnSpc>
@@ -4314,14 +3950,11 @@
               <a:t>https://www.codechef.com</a:t>
             </a:r>
             <a:endParaRPr b="0" lang="en-US" sz="1500" spc="-1" strike="noStrike">
-              <a:solidFill>
-                <a:srgbClr val="000000"/>
-              </a:solidFill>
-              <a:latin typeface="Arial"/>
-            </a:endParaRPr>
-          </a:p>
-          <a:p>
-            <a:pPr marL="457200" indent="-310680">
+              <a:latin typeface="Arial"/>
+            </a:endParaRPr>
+          </a:p>
+          <a:p>
+            <a:pPr marL="457200" indent="-310320">
               <a:lnSpc>
                 <a:spcPct val="115000"/>
               </a:lnSpc>
@@ -4354,9 +3987,6 @@
               <a:t>https://projecteuler.net/recent</a:t>
             </a:r>
             <a:endParaRPr b="0" lang="en-US" sz="1500" spc="-1" strike="noStrike">
-              <a:solidFill>
-                <a:srgbClr val="000000"/>
-              </a:solidFill>
               <a:latin typeface="Arial"/>
             </a:endParaRPr>
           </a:p>
@@ -4370,9 +4000,6 @@
               </a:spcBef>
             </a:pPr>
             <a:endParaRPr b="0" lang="en-US" sz="1500" spc="-1" strike="noStrike">
-              <a:solidFill>
-                <a:srgbClr val="000000"/>
-              </a:solidFill>
               <a:latin typeface="Arial"/>
             </a:endParaRPr>
           </a:p>
@@ -4389,9 +4016,6 @@
               </a:spcAft>
             </a:pPr>
             <a:endParaRPr b="0" lang="en-US" sz="1500" spc="-1" strike="noStrike">
-              <a:solidFill>
-                <a:srgbClr val="000000"/>
-              </a:solidFill>
               <a:latin typeface="Arial"/>
             </a:endParaRPr>
           </a:p>
@@ -4448,14 +4072,14 @@
       </p:grpSpPr>
       <p:sp>
         <p:nvSpPr>
-          <p:cNvPr id="119" name="TextShape 1"/>
-          <p:cNvSpPr txBox="1"/>
+          <p:cNvPr id="117" name="CustomShape 1"/>
+          <p:cNvSpPr/>
           <p:nvPr/>
         </p:nvSpPr>
         <p:spPr>
           <a:xfrm>
             <a:off x="729360" y="1318680"/>
-            <a:ext cx="7688520" cy="534960"/>
+            <a:ext cx="7688160" cy="534600"/>
           </a:xfrm>
           <a:prstGeom prst="rect">
             <a:avLst/>
@@ -4465,8 +4089,14 @@
             <a:noFill/>
           </a:ln>
         </p:spPr>
-        <p:txBody>
-          <a:bodyPr tIns="91440" bIns="91440"/>
+        <p:style>
+          <a:lnRef idx="0"/>
+          <a:fillRef idx="0"/>
+          <a:effectRef idx="0"/>
+          <a:fontRef idx="minor"/>
+        </p:style>
+        <p:txBody>
+          <a:bodyPr lIns="90000" rIns="90000" tIns="91440" bIns="91440"/>
           <a:p>
             <a:pPr>
               <a:lnSpc>
@@ -4484,24 +4114,21 @@
               <a:t>Python Learning Resources </a:t>
             </a:r>
             <a:endParaRPr b="0" lang="en-US" sz="2600" spc="-1" strike="noStrike">
-              <a:solidFill>
-                <a:srgbClr val="000000"/>
-              </a:solidFill>
-              <a:latin typeface="Arial"/>
-            </a:endParaRPr>
-          </a:p>
-        </p:txBody>
-      </p:sp>
-      <p:sp>
-        <p:nvSpPr>
-          <p:cNvPr id="120" name="TextShape 2"/>
-          <p:cNvSpPr txBox="1"/>
+              <a:latin typeface="Arial"/>
+            </a:endParaRPr>
+          </a:p>
+        </p:txBody>
+      </p:sp>
+      <p:sp>
+        <p:nvSpPr>
+          <p:cNvPr id="118" name="CustomShape 2"/>
+          <p:cNvSpPr/>
           <p:nvPr/>
         </p:nvSpPr>
         <p:spPr>
           <a:xfrm>
             <a:off x="471960" y="1919160"/>
-            <a:ext cx="8485920" cy="3224160"/>
+            <a:ext cx="8485560" cy="3223800"/>
           </a:xfrm>
           <a:prstGeom prst="rect">
             <a:avLst/>
@@ -4511,10 +4138,16 @@
             <a:noFill/>
           </a:ln>
         </p:spPr>
-        <p:txBody>
-          <a:bodyPr tIns="91440" bIns="91440"/>
-          <a:p>
-            <a:pPr marL="457200" indent="-336240">
+        <p:style>
+          <a:lnRef idx="0"/>
+          <a:fillRef idx="0"/>
+          <a:effectRef idx="0"/>
+          <a:fontRef idx="minor"/>
+        </p:style>
+        <p:txBody>
+          <a:bodyPr lIns="90000" rIns="90000" tIns="91440" bIns="91440"/>
+          <a:p>
+            <a:pPr marL="457200" indent="-335880">
               <a:lnSpc>
                 <a:spcPct val="115000"/>
               </a:lnSpc>
@@ -4557,14 +4190,11 @@
               <a:t>https://docs.python.org/3</a:t>
             </a:r>
             <a:endParaRPr b="0" lang="en-US" sz="1700" spc="-1" strike="noStrike">
-              <a:solidFill>
-                <a:srgbClr val="000000"/>
-              </a:solidFill>
-              <a:latin typeface="Arial"/>
-            </a:endParaRPr>
-          </a:p>
-          <a:p>
-            <a:pPr marL="457200" indent="-336240">
+              <a:latin typeface="Arial"/>
+            </a:endParaRPr>
+          </a:p>
+          <a:p>
+            <a:pPr marL="457200" indent="-335880">
               <a:lnSpc>
                 <a:spcPct val="115000"/>
               </a:lnSpc>
@@ -4597,14 +4227,11 @@
               <a:t>https://wiki.python.org/moin</a:t>
             </a:r>
             <a:endParaRPr b="0" lang="en-US" sz="1700" spc="-1" strike="noStrike">
-              <a:solidFill>
-                <a:srgbClr val="000000"/>
-              </a:solidFill>
-              <a:latin typeface="Arial"/>
-            </a:endParaRPr>
-          </a:p>
-          <a:p>
-            <a:pPr marL="457200" indent="-336240">
+              <a:latin typeface="Arial"/>
+            </a:endParaRPr>
+          </a:p>
+          <a:p>
+            <a:pPr marL="457200" indent="-335880">
               <a:lnSpc>
                 <a:spcPct val="115000"/>
               </a:lnSpc>
@@ -4637,14 +4264,11 @@
               <a:t>https://www.learnpython.org</a:t>
             </a:r>
             <a:endParaRPr b="0" lang="en-US" sz="1700" spc="-1" strike="noStrike">
-              <a:solidFill>
-                <a:srgbClr val="000000"/>
-              </a:solidFill>
-              <a:latin typeface="Arial"/>
-            </a:endParaRPr>
-          </a:p>
-          <a:p>
-            <a:pPr marL="457200" indent="-336240">
+              <a:latin typeface="Arial"/>
+            </a:endParaRPr>
+          </a:p>
+          <a:p>
+            <a:pPr marL="457200" indent="-335880">
               <a:lnSpc>
                 <a:spcPct val="115000"/>
               </a:lnSpc>
@@ -4687,14 +4311,11 @@
               <a:t>https://stackoverflow.com/questions/tagged/python</a:t>
             </a:r>
             <a:endParaRPr b="0" lang="en-US" sz="1700" spc="-1" strike="noStrike">
-              <a:solidFill>
-                <a:srgbClr val="000000"/>
-              </a:solidFill>
-              <a:latin typeface="Arial"/>
-            </a:endParaRPr>
-          </a:p>
-          <a:p>
-            <a:pPr marL="457200" indent="-336240">
+              <a:latin typeface="Arial"/>
+            </a:endParaRPr>
+          </a:p>
+          <a:p>
+            <a:pPr marL="457200" indent="-335880">
               <a:lnSpc>
                 <a:spcPct val="115000"/>
               </a:lnSpc>
@@ -4737,14 +4358,11 @@
               <a:t>https://www.youtube.com/results?search_query=python+tutorials</a:t>
             </a:r>
             <a:endParaRPr b="0" lang="en-US" sz="1700" spc="-1" strike="noStrike">
-              <a:solidFill>
-                <a:srgbClr val="000000"/>
-              </a:solidFill>
-              <a:latin typeface="Arial"/>
-            </a:endParaRPr>
-          </a:p>
-          <a:p>
-            <a:pPr marL="457200" indent="-336240">
+              <a:latin typeface="Arial"/>
+            </a:endParaRPr>
+          </a:p>
+          <a:p>
+            <a:pPr marL="457200" indent="-335880">
               <a:lnSpc>
                 <a:spcPct val="115000"/>
               </a:lnSpc>
@@ -4777,9 +4395,6 @@
               <a:t>https://www.amazon.com/Become-Python-Developer-Wrestle-Defeat/dp/0997326298</a:t>
             </a:r>
             <a:endParaRPr b="0" lang="en-US" sz="1700" spc="-1" strike="noStrike">
-              <a:solidFill>
-                <a:srgbClr val="000000"/>
-              </a:solidFill>
               <a:latin typeface="Arial"/>
             </a:endParaRPr>
           </a:p>
@@ -4796,9 +4411,6 @@
               </a:spcAft>
             </a:pPr>
             <a:endParaRPr b="0" lang="en-US" sz="1700" spc="-1" strike="noStrike">
-              <a:solidFill>
-                <a:srgbClr val="000000"/>
-              </a:solidFill>
               <a:latin typeface="Arial"/>
             </a:endParaRPr>
           </a:p>
@@ -4855,14 +4467,14 @@
       </p:grpSpPr>
       <p:sp>
         <p:nvSpPr>
-          <p:cNvPr id="121" name="TextShape 1"/>
-          <p:cNvSpPr txBox="1"/>
+          <p:cNvPr id="119" name="CustomShape 1"/>
+          <p:cNvSpPr/>
           <p:nvPr/>
         </p:nvSpPr>
         <p:spPr>
           <a:xfrm>
             <a:off x="729360" y="1318680"/>
-            <a:ext cx="7688520" cy="534960"/>
+            <a:ext cx="7688160" cy="534600"/>
           </a:xfrm>
           <a:prstGeom prst="rect">
             <a:avLst/>
@@ -4872,8 +4484,14 @@
             <a:noFill/>
           </a:ln>
         </p:spPr>
-        <p:txBody>
-          <a:bodyPr tIns="91440" bIns="91440"/>
+        <p:style>
+          <a:lnRef idx="0"/>
+          <a:fillRef idx="0"/>
+          <a:effectRef idx="0"/>
+          <a:fontRef idx="minor"/>
+        </p:style>
+        <p:txBody>
+          <a:bodyPr lIns="90000" rIns="90000" tIns="91440" bIns="91440"/>
           <a:p>
             <a:pPr>
               <a:lnSpc>
@@ -4891,24 +4509,21 @@
               <a:t>Python News</a:t>
             </a:r>
             <a:endParaRPr b="0" lang="en-US" sz="2600" spc="-1" strike="noStrike">
-              <a:solidFill>
-                <a:srgbClr val="000000"/>
-              </a:solidFill>
-              <a:latin typeface="Arial"/>
-            </a:endParaRPr>
-          </a:p>
-        </p:txBody>
-      </p:sp>
-      <p:sp>
-        <p:nvSpPr>
-          <p:cNvPr id="122" name="TextShape 2"/>
-          <p:cNvSpPr txBox="1"/>
+              <a:latin typeface="Arial"/>
+            </a:endParaRPr>
+          </a:p>
+        </p:txBody>
+      </p:sp>
+      <p:sp>
+        <p:nvSpPr>
+          <p:cNvPr id="120" name="CustomShape 2"/>
+          <p:cNvSpPr/>
           <p:nvPr/>
         </p:nvSpPr>
         <p:spPr>
           <a:xfrm>
             <a:off x="471960" y="1919160"/>
-            <a:ext cx="8221680" cy="3025080"/>
+            <a:ext cx="8221320" cy="3024720"/>
           </a:xfrm>
           <a:prstGeom prst="rect">
             <a:avLst/>
@@ -4918,10 +4533,16 @@
             <a:noFill/>
           </a:ln>
         </p:spPr>
-        <p:txBody>
-          <a:bodyPr tIns="91440" bIns="91440"/>
-          <a:p>
-            <a:pPr marL="457200" indent="-310680">
+        <p:style>
+          <a:lnRef idx="0"/>
+          <a:fillRef idx="0"/>
+          <a:effectRef idx="0"/>
+          <a:fontRef idx="minor"/>
+        </p:style>
+        <p:txBody>
+          <a:bodyPr lIns="90000" rIns="90000" tIns="91440" bIns="91440"/>
+          <a:p>
+            <a:pPr marL="457200" indent="-310320">
               <a:lnSpc>
                 <a:spcPct val="115000"/>
               </a:lnSpc>
@@ -4954,14 +4575,11 @@
               <a:t>https://pybit.es/pages/news.html</a:t>
             </a:r>
             <a:endParaRPr b="0" lang="en-US" sz="1300" spc="-1" strike="noStrike">
-              <a:solidFill>
-                <a:srgbClr val="000000"/>
-              </a:solidFill>
-              <a:latin typeface="Arial"/>
-            </a:endParaRPr>
-          </a:p>
-          <a:p>
-            <a:pPr marL="457200" indent="-310680">
+              <a:latin typeface="Arial"/>
+            </a:endParaRPr>
+          </a:p>
+          <a:p>
+            <a:pPr marL="457200" indent="-310320">
               <a:lnSpc>
                 <a:spcPct val="115000"/>
               </a:lnSpc>
@@ -4994,14 +4612,11 @@
               <a:t>https://planetpython.org</a:t>
             </a:r>
             <a:endParaRPr b="0" lang="en-US" sz="1300" spc="-1" strike="noStrike">
-              <a:solidFill>
-                <a:srgbClr val="000000"/>
-              </a:solidFill>
-              <a:latin typeface="Arial"/>
-            </a:endParaRPr>
-          </a:p>
-          <a:p>
-            <a:pPr marL="457200" indent="-310680">
+              <a:latin typeface="Arial"/>
+            </a:endParaRPr>
+          </a:p>
+          <a:p>
+            <a:pPr marL="457200" indent="-310320">
               <a:lnSpc>
                 <a:spcPct val="115000"/>
               </a:lnSpc>
@@ -5044,14 +4659,11 @@
               <a:t>https://www.reddit.com/r/Python</a:t>
             </a:r>
             <a:endParaRPr b="0" lang="en-US" sz="1300" spc="-1" strike="noStrike">
-              <a:solidFill>
-                <a:srgbClr val="000000"/>
-              </a:solidFill>
-              <a:latin typeface="Arial"/>
-            </a:endParaRPr>
-          </a:p>
-          <a:p>
-            <a:pPr marL="457200" indent="-310680">
+              <a:latin typeface="Arial"/>
+            </a:endParaRPr>
+          </a:p>
+          <a:p>
+            <a:pPr marL="457200" indent="-310320">
               <a:lnSpc>
                 <a:spcPct val="115000"/>
               </a:lnSpc>
@@ -5096,14 +4708,11 @@
               <a:t>n</a:t>
             </a:r>
             <a:endParaRPr b="0" lang="en-US" sz="1300" spc="-1" strike="noStrike">
-              <a:solidFill>
-                <a:srgbClr val="000000"/>
-              </a:solidFill>
-              <a:latin typeface="Arial"/>
-            </a:endParaRPr>
-          </a:p>
-          <a:p>
-            <a:pPr marL="457200" indent="-310680">
+              <a:latin typeface="Arial"/>
+            </a:endParaRPr>
+          </a:p>
+          <a:p>
+            <a:pPr marL="457200" indent="-310320">
               <a:lnSpc>
                 <a:spcPct val="115000"/>
               </a:lnSpc>
@@ -5146,14 +4755,11 @@
               <a:t>http://pyfound.blogspot.com</a:t>
             </a:r>
             <a:endParaRPr b="0" lang="en-US" sz="1300" spc="-1" strike="noStrike">
-              <a:solidFill>
-                <a:srgbClr val="000000"/>
-              </a:solidFill>
-              <a:latin typeface="Arial"/>
-            </a:endParaRPr>
-          </a:p>
-          <a:p>
-            <a:pPr marL="457200" indent="-310680">
+              <a:latin typeface="Arial"/>
+            </a:endParaRPr>
+          </a:p>
+          <a:p>
+            <a:pPr marL="457200" indent="-310320">
               <a:lnSpc>
                 <a:spcPct val="115000"/>
               </a:lnSpc>
@@ -5196,14 +4802,11 @@
               <a:t>https://pythonbytes.fm</a:t>
             </a:r>
             <a:endParaRPr b="0" lang="en-US" sz="1300" spc="-1" strike="noStrike">
-              <a:solidFill>
-                <a:srgbClr val="000000"/>
-              </a:solidFill>
-              <a:latin typeface="Arial"/>
-            </a:endParaRPr>
-          </a:p>
-          <a:p>
-            <a:pPr marL="457200" indent="-310680">
+              <a:latin typeface="Arial"/>
+            </a:endParaRPr>
+          </a:p>
+          <a:p>
+            <a:pPr marL="457200" indent="-310320">
               <a:lnSpc>
                 <a:spcPct val="115000"/>
               </a:lnSpc>
@@ -5246,14 +4849,11 @@
               <a:t>https://pythoninsider.blogspot.com</a:t>
             </a:r>
             <a:endParaRPr b="0" lang="en-US" sz="1300" spc="-1" strike="noStrike">
-              <a:solidFill>
-                <a:srgbClr val="000000"/>
-              </a:solidFill>
-              <a:latin typeface="Arial"/>
-            </a:endParaRPr>
-          </a:p>
-          <a:p>
-            <a:pPr marL="457200" indent="-310680">
+              <a:latin typeface="Arial"/>
+            </a:endParaRPr>
+          </a:p>
+          <a:p>
+            <a:pPr marL="457200" indent="-310320">
               <a:lnSpc>
                 <a:spcPct val="115000"/>
               </a:lnSpc>
@@ -5286,14 +4886,11 @@
               <a:t>https://mail.python.org/pipermail/python-dev</a:t>
             </a:r>
             <a:endParaRPr b="0" lang="en-US" sz="1300" spc="-1" strike="noStrike">
-              <a:solidFill>
-                <a:srgbClr val="000000"/>
-              </a:solidFill>
-              <a:latin typeface="Arial"/>
-            </a:endParaRPr>
-          </a:p>
-          <a:p>
-            <a:pPr marL="457200" indent="-310680">
+              <a:latin typeface="Arial"/>
+            </a:endParaRPr>
+          </a:p>
+          <a:p>
+            <a:pPr marL="457200" indent="-310320">
               <a:lnSpc>
                 <a:spcPct val="115000"/>
               </a:lnSpc>
@@ -5326,9 +4923,6 @@
               <a:t>https://pycoders.com</a:t>
             </a:r>
             <a:endParaRPr b="0" lang="en-US" sz="1300" spc="-1" strike="noStrike">
-              <a:solidFill>
-                <a:srgbClr val="000000"/>
-              </a:solidFill>
               <a:latin typeface="Arial"/>
             </a:endParaRPr>
           </a:p>
@@ -5385,14 +4979,14 @@
       </p:grpSpPr>
       <p:sp>
         <p:nvSpPr>
-          <p:cNvPr id="123" name="TextShape 1"/>
-          <p:cNvSpPr txBox="1"/>
+          <p:cNvPr id="121" name="CustomShape 1"/>
+          <p:cNvSpPr/>
           <p:nvPr/>
         </p:nvSpPr>
         <p:spPr>
           <a:xfrm>
             <a:off x="815400" y="1097280"/>
-            <a:ext cx="7688520" cy="534960"/>
+            <a:ext cx="7688160" cy="534600"/>
           </a:xfrm>
           <a:prstGeom prst="rect">
             <a:avLst/>
@@ -5402,8 +4996,14 @@
             <a:noFill/>
           </a:ln>
         </p:spPr>
-        <p:txBody>
-          <a:bodyPr tIns="91440" bIns="91440"/>
+        <p:style>
+          <a:lnRef idx="0"/>
+          <a:fillRef idx="0"/>
+          <a:effectRef idx="0"/>
+          <a:fontRef idx="minor"/>
+        </p:style>
+        <p:txBody>
+          <a:bodyPr lIns="90000" rIns="90000" tIns="91440" bIns="91440"/>
           <a:p>
             <a:pPr>
               <a:lnSpc>
@@ -5421,24 +5021,21 @@
               <a:t>Popular Open Source Python Projects</a:t>
             </a:r>
             <a:endParaRPr b="0" lang="en-US" sz="2600" spc="-1" strike="noStrike">
-              <a:solidFill>
-                <a:srgbClr val="000000"/>
-              </a:solidFill>
-              <a:latin typeface="Arial"/>
-            </a:endParaRPr>
-          </a:p>
-        </p:txBody>
-      </p:sp>
-      <p:sp>
-        <p:nvSpPr>
-          <p:cNvPr id="124" name="TextShape 2"/>
-          <p:cNvSpPr txBox="1"/>
+              <a:latin typeface="Arial"/>
+            </a:endParaRPr>
+          </a:p>
+        </p:txBody>
+      </p:sp>
+      <p:sp>
+        <p:nvSpPr>
+          <p:cNvPr id="122" name="CustomShape 2"/>
+          <p:cNvSpPr/>
           <p:nvPr/>
         </p:nvSpPr>
         <p:spPr>
           <a:xfrm>
             <a:off x="471960" y="1706400"/>
-            <a:ext cx="8592120" cy="3330720"/>
+            <a:ext cx="8591760" cy="3330360"/>
           </a:xfrm>
           <a:prstGeom prst="rect">
             <a:avLst/>
@@ -5448,10 +5045,16 @@
             <a:noFill/>
           </a:ln>
         </p:spPr>
-        <p:txBody>
-          <a:bodyPr tIns="91440" bIns="91440"/>
-          <a:p>
-            <a:pPr marL="457200" indent="-317160">
+        <p:style>
+          <a:lnRef idx="0"/>
+          <a:fillRef idx="0"/>
+          <a:effectRef idx="0"/>
+          <a:fontRef idx="minor"/>
+        </p:style>
+        <p:txBody>
+          <a:bodyPr lIns="90000" rIns="90000" tIns="91440" bIns="91440"/>
+          <a:p>
+            <a:pPr marL="457200" indent="-316800">
               <a:lnSpc>
                 <a:spcPct val="115000"/>
               </a:lnSpc>
@@ -5494,14 +5097,11 @@
               <a:t> </a:t>
             </a:r>
             <a:endParaRPr b="0" lang="en-US" sz="1300" spc="-1" strike="noStrike">
-              <a:solidFill>
-                <a:srgbClr val="000000"/>
-              </a:solidFill>
-              <a:latin typeface="Arial"/>
-            </a:endParaRPr>
-          </a:p>
-          <a:p>
-            <a:pPr marL="457200" indent="-317160">
+              <a:latin typeface="Arial"/>
+            </a:endParaRPr>
+          </a:p>
+          <a:p>
+            <a:pPr marL="457200" indent="-316800">
               <a:lnSpc>
                 <a:spcPct val="115000"/>
               </a:lnSpc>
@@ -5534,14 +5134,11 @@
               <a:t>https://github.com/saltstack/salt</a:t>
             </a:r>
             <a:endParaRPr b="0" lang="en-US" sz="1300" spc="-1" strike="noStrike">
-              <a:solidFill>
-                <a:srgbClr val="000000"/>
-              </a:solidFill>
-              <a:latin typeface="Arial"/>
-            </a:endParaRPr>
-          </a:p>
-          <a:p>
-            <a:pPr marL="457200" indent="-317160">
+              <a:latin typeface="Arial"/>
+            </a:endParaRPr>
+          </a:p>
+          <a:p>
+            <a:pPr marL="457200" indent="-316800">
               <a:lnSpc>
                 <a:spcPct val="115000"/>
               </a:lnSpc>
@@ -5574,14 +5171,11 @@
               <a:t>https://github.com/django/django</a:t>
             </a:r>
             <a:endParaRPr b="0" lang="en-US" sz="1300" spc="-1" strike="noStrike">
-              <a:solidFill>
-                <a:srgbClr val="000000"/>
-              </a:solidFill>
-              <a:latin typeface="Arial"/>
-            </a:endParaRPr>
-          </a:p>
-          <a:p>
-            <a:pPr marL="457200" indent="-317160">
+              <a:latin typeface="Arial"/>
+            </a:endParaRPr>
+          </a:p>
+          <a:p>
+            <a:pPr marL="457200" indent="-316800">
               <a:lnSpc>
                 <a:spcPct val="115000"/>
               </a:lnSpc>
@@ -5614,14 +5208,11 @@
               <a:t>https://github.com/pallets/flask</a:t>
             </a:r>
             <a:endParaRPr b="0" lang="en-US" sz="1300" spc="-1" strike="noStrike">
-              <a:solidFill>
-                <a:srgbClr val="000000"/>
-              </a:solidFill>
-              <a:latin typeface="Arial"/>
-            </a:endParaRPr>
-          </a:p>
-          <a:p>
-            <a:pPr marL="457200" indent="-317160">
+              <a:latin typeface="Arial"/>
+            </a:endParaRPr>
+          </a:p>
+          <a:p>
+            <a:pPr marL="457200" indent="-316800">
               <a:lnSpc>
                 <a:spcPct val="115000"/>
               </a:lnSpc>
@@ -5654,14 +5245,11 @@
               <a:t>https://github.com/keras-team/keras</a:t>
             </a:r>
             <a:endParaRPr b="0" lang="en-US" sz="1300" spc="-1" strike="noStrike">
-              <a:solidFill>
-                <a:srgbClr val="000000"/>
-              </a:solidFill>
-              <a:latin typeface="Arial"/>
-            </a:endParaRPr>
-          </a:p>
-          <a:p>
-            <a:pPr marL="457200" indent="-317160">
+              <a:latin typeface="Arial"/>
+            </a:endParaRPr>
+          </a:p>
+          <a:p>
+            <a:pPr marL="457200" indent="-316800">
               <a:lnSpc>
                 <a:spcPct val="115000"/>
               </a:lnSpc>
@@ -5694,14 +5282,11 @@
               <a:t>https://github.com/Microsoft/pyright</a:t>
             </a:r>
             <a:endParaRPr b="0" lang="en-US" sz="1300" spc="-1" strike="noStrike">
-              <a:solidFill>
-                <a:srgbClr val="000000"/>
-              </a:solidFill>
-              <a:latin typeface="Arial"/>
-            </a:endParaRPr>
-          </a:p>
-          <a:p>
-            <a:pPr marL="457200" indent="-317160">
+              <a:latin typeface="Arial"/>
+            </a:endParaRPr>
+          </a:p>
+          <a:p>
+            <a:pPr marL="457200" indent="-316800">
               <a:lnSpc>
                 <a:spcPct val="115000"/>
               </a:lnSpc>
@@ -5734,14 +5319,11 @@
               <a:t>https://github.com/pytorch/pytorch</a:t>
             </a:r>
             <a:endParaRPr b="0" lang="en-US" sz="1300" spc="-1" strike="noStrike">
-              <a:solidFill>
-                <a:srgbClr val="000000"/>
-              </a:solidFill>
-              <a:latin typeface="Arial"/>
-            </a:endParaRPr>
-          </a:p>
-          <a:p>
-            <a:pPr marL="457200" indent="-317160">
+              <a:latin typeface="Arial"/>
+            </a:endParaRPr>
+          </a:p>
+          <a:p>
+            <a:pPr marL="457200" indent="-316800">
               <a:lnSpc>
                 <a:spcPct val="115000"/>
               </a:lnSpc>
@@ -5774,14 +5356,11 @@
               <a:t>https://github.com/tensorflow/tensorflow</a:t>
             </a:r>
             <a:endParaRPr b="0" lang="en-US" sz="1300" spc="-1" strike="noStrike">
-              <a:solidFill>
-                <a:srgbClr val="000000"/>
-              </a:solidFill>
-              <a:latin typeface="Arial"/>
-            </a:endParaRPr>
-          </a:p>
-          <a:p>
-            <a:pPr marL="457200" indent="-317160">
+              <a:latin typeface="Arial"/>
+            </a:endParaRPr>
+          </a:p>
+          <a:p>
+            <a:pPr marL="457200" indent="-316800">
               <a:lnSpc>
                 <a:spcPct val="115000"/>
               </a:lnSpc>
@@ -5814,14 +5393,11 @@
               <a:t>https://github.com/python/peps</a:t>
             </a:r>
             <a:endParaRPr b="0" lang="en-US" sz="1300" spc="-1" strike="noStrike">
-              <a:solidFill>
-                <a:srgbClr val="000000"/>
-              </a:solidFill>
-              <a:latin typeface="Arial"/>
-            </a:endParaRPr>
-          </a:p>
-          <a:p>
-            <a:pPr marL="457200" indent="-317160">
+              <a:latin typeface="Arial"/>
+            </a:endParaRPr>
+          </a:p>
+          <a:p>
+            <a:pPr marL="457200" indent="-316800">
               <a:lnSpc>
                 <a:spcPct val="115000"/>
               </a:lnSpc>
@@ -5854,14 +5430,11 @@
               <a:t>https://github.com/iojw/socialscan</a:t>
             </a:r>
             <a:endParaRPr b="0" lang="en-US" sz="1300" spc="-1" strike="noStrike">
-              <a:solidFill>
-                <a:srgbClr val="000000"/>
-              </a:solidFill>
-              <a:latin typeface="Arial"/>
-            </a:endParaRPr>
-          </a:p>
-          <a:p>
-            <a:pPr marL="457200" indent="-317160">
+              <a:latin typeface="Arial"/>
+            </a:endParaRPr>
+          </a:p>
+          <a:p>
+            <a:pPr marL="457200" indent="-316800">
               <a:lnSpc>
                 <a:spcPct val="115000"/>
               </a:lnSpc>
@@ -5894,14 +5467,11 @@
               <a:t>https://github.com/amueller/dabl</a:t>
             </a:r>
             <a:endParaRPr b="0" lang="en-US" sz="1300" spc="-1" strike="noStrike">
-              <a:solidFill>
-                <a:srgbClr val="000000"/>
-              </a:solidFill>
-              <a:latin typeface="Arial"/>
-            </a:endParaRPr>
-          </a:p>
-          <a:p>
-            <a:pPr marL="457200" indent="-317160">
+              <a:latin typeface="Arial"/>
+            </a:endParaRPr>
+          </a:p>
+          <a:p>
+            <a:pPr marL="457200" indent="-316800">
               <a:lnSpc>
                 <a:spcPct val="115000"/>
               </a:lnSpc>
@@ -5934,14 +5504,11 @@
               <a:t>https://github.com/deepfakes/faceswap</a:t>
             </a:r>
             <a:endParaRPr b="0" lang="en-US" sz="1300" spc="-1" strike="noStrike">
-              <a:solidFill>
-                <a:srgbClr val="000000"/>
-              </a:solidFill>
-              <a:latin typeface="Arial"/>
-            </a:endParaRPr>
-          </a:p>
-          <a:p>
-            <a:pPr marL="457200" indent="-317160">
+              <a:latin typeface="Arial"/>
+            </a:endParaRPr>
+          </a:p>
+          <a:p>
+            <a:pPr marL="457200" indent="-316800">
               <a:lnSpc>
                 <a:spcPct val="115000"/>
               </a:lnSpc>
@@ -5974,9 +5541,6 @@
               <a:t>https://github.com/vinta/awesome-python</a:t>
             </a:r>
             <a:endParaRPr b="0" lang="en-US" sz="1300" spc="-1" strike="noStrike">
-              <a:solidFill>
-                <a:srgbClr val="000000"/>
-              </a:solidFill>
               <a:latin typeface="Arial"/>
             </a:endParaRPr>
           </a:p>
@@ -5993,9 +5557,6 @@
               </a:spcAft>
             </a:pPr>
             <a:endParaRPr b="0" lang="en-US" sz="1300" spc="-1" strike="noStrike">
-              <a:solidFill>
-                <a:srgbClr val="000000"/>
-              </a:solidFill>
               <a:latin typeface="Arial"/>
             </a:endParaRPr>
           </a:p>
@@ -6052,14 +5613,14 @@
       </p:grpSpPr>
       <p:sp>
         <p:nvSpPr>
-          <p:cNvPr id="125" name="TextShape 1"/>
-          <p:cNvSpPr txBox="1"/>
+          <p:cNvPr id="123" name="CustomShape 1"/>
+          <p:cNvSpPr/>
           <p:nvPr/>
         </p:nvSpPr>
         <p:spPr>
           <a:xfrm>
             <a:off x="471960" y="551880"/>
-            <a:ext cx="8286840" cy="676440"/>
+            <a:ext cx="8286480" cy="676080"/>
           </a:xfrm>
           <a:prstGeom prst="rect">
             <a:avLst/>
@@ -6069,8 +5630,14 @@
             <a:noFill/>
           </a:ln>
         </p:spPr>
-        <p:txBody>
-          <a:bodyPr tIns="91440" bIns="91440"/>
+        <p:style>
+          <a:lnRef idx="0"/>
+          <a:fillRef idx="0"/>
+          <a:effectRef idx="0"/>
+          <a:fontRef idx="minor"/>
+        </p:style>
+        <p:txBody>
+          <a:bodyPr lIns="90000" rIns="90000" tIns="91440" bIns="91440"/>
           <a:p>
             <a:pPr>
               <a:lnSpc>
@@ -6088,24 +5655,21 @@
               <a:t>10 Python Scripts Scripts for Beginners </a:t>
             </a:r>
             <a:endParaRPr b="0" lang="en-US" sz="2600" spc="-1" strike="noStrike">
-              <a:solidFill>
-                <a:srgbClr val="000000"/>
-              </a:solidFill>
-              <a:latin typeface="Arial"/>
-            </a:endParaRPr>
-          </a:p>
-        </p:txBody>
-      </p:sp>
-      <p:sp>
-        <p:nvSpPr>
-          <p:cNvPr id="126" name="TextShape 2"/>
-          <p:cNvSpPr txBox="1"/>
+              <a:latin typeface="Arial"/>
+            </a:endParaRPr>
+          </a:p>
+        </p:txBody>
+      </p:sp>
+      <p:sp>
+        <p:nvSpPr>
+          <p:cNvPr id="124" name="CustomShape 2"/>
+          <p:cNvSpPr/>
           <p:nvPr/>
         </p:nvSpPr>
         <p:spPr>
           <a:xfrm>
             <a:off x="471960" y="1712160"/>
-            <a:ext cx="8671680" cy="3357360"/>
+            <a:ext cx="8671320" cy="3357000"/>
           </a:xfrm>
           <a:prstGeom prst="rect">
             <a:avLst/>
@@ -6115,10 +5679,16 @@
             <a:noFill/>
           </a:ln>
         </p:spPr>
-        <p:txBody>
-          <a:bodyPr tIns="91440" bIns="91440"/>
-          <a:p>
-            <a:pPr marL="457200" indent="-317160">
+        <p:style>
+          <a:lnRef idx="0"/>
+          <a:fillRef idx="0"/>
+          <a:effectRef idx="0"/>
+          <a:fontRef idx="minor"/>
+        </p:style>
+        <p:txBody>
+          <a:bodyPr lIns="90000" rIns="90000" tIns="91440" bIns="91440"/>
+          <a:p>
+            <a:pPr marL="457200" indent="-316800">
               <a:lnSpc>
                 <a:spcPct val="115000"/>
               </a:lnSpc>
@@ -6151,14 +5721,11 @@
               <a:t>https://github.com/purcellconsult/scripts/blob/master/body_mass_index_calculator.py</a:t>
             </a:r>
             <a:endParaRPr b="0" lang="en-US" sz="1200" spc="-1" strike="noStrike">
-              <a:solidFill>
-                <a:srgbClr val="000000"/>
-              </a:solidFill>
-              <a:latin typeface="Arial"/>
-            </a:endParaRPr>
-          </a:p>
-          <a:p>
-            <a:pPr marL="457200" indent="-317160">
+              <a:latin typeface="Arial"/>
+            </a:endParaRPr>
+          </a:p>
+          <a:p>
+            <a:pPr marL="457200" indent="-316800">
               <a:lnSpc>
                 <a:spcPct val="115000"/>
               </a:lnSpc>
@@ -6191,14 +5758,11 @@
               <a:t>https://github.com/purcellconsult/scripts/blob/master/number_guessing.py</a:t>
             </a:r>
             <a:endParaRPr b="0" lang="en-US" sz="1200" spc="-1" strike="noStrike">
-              <a:solidFill>
-                <a:srgbClr val="000000"/>
-              </a:solidFill>
-              <a:latin typeface="Arial"/>
-            </a:endParaRPr>
-          </a:p>
-          <a:p>
-            <a:pPr marL="457200" indent="-317160">
+              <a:latin typeface="Arial"/>
+            </a:endParaRPr>
+          </a:p>
+          <a:p>
+            <a:pPr marL="457200" indent="-316800">
               <a:lnSpc>
                 <a:spcPct val="115000"/>
               </a:lnSpc>
@@ -6241,14 +5805,11 @@
               <a:t>https://github.com/purcellconsult/scripts/blob/master/calorie_calculator.py</a:t>
             </a:r>
             <a:endParaRPr b="0" lang="en-US" sz="1200" spc="-1" strike="noStrike">
-              <a:solidFill>
-                <a:srgbClr val="000000"/>
-              </a:solidFill>
-              <a:latin typeface="Arial"/>
-            </a:endParaRPr>
-          </a:p>
-          <a:p>
-            <a:pPr marL="457200" indent="-317160">
+              <a:latin typeface="Arial"/>
+            </a:endParaRPr>
+          </a:p>
+          <a:p>
+            <a:pPr marL="457200" indent="-316800">
               <a:lnSpc>
                 <a:spcPct val="115000"/>
               </a:lnSpc>
@@ -6281,14 +5842,11 @@
               <a:t>https://github.com/purcellconsult/scripts/blob/master/pytemperature.py</a:t>
             </a:r>
             <a:endParaRPr b="0" lang="en-US" sz="1200" spc="-1" strike="noStrike">
-              <a:solidFill>
-                <a:srgbClr val="000000"/>
-              </a:solidFill>
-              <a:latin typeface="Arial"/>
-            </a:endParaRPr>
-          </a:p>
-          <a:p>
-            <a:pPr marL="457200" indent="-317160">
+              <a:latin typeface="Arial"/>
+            </a:endParaRPr>
+          </a:p>
+          <a:p>
+            <a:pPr marL="457200" indent="-316800">
               <a:lnSpc>
                 <a:spcPct val="115000"/>
               </a:lnSpc>
@@ -6321,14 +5879,11 @@
               <a:t>https://github.com/purcellconsult/scripts/blob/master/random_quote_generator.py</a:t>
             </a:r>
             <a:endParaRPr b="0" lang="en-US" sz="1200" spc="-1" strike="noStrike">
-              <a:solidFill>
-                <a:srgbClr val="000000"/>
-              </a:solidFill>
-              <a:latin typeface="Arial"/>
-            </a:endParaRPr>
-          </a:p>
-          <a:p>
-            <a:pPr marL="457200" indent="-317160">
+              <a:latin typeface="Arial"/>
+            </a:endParaRPr>
+          </a:p>
+          <a:p>
+            <a:pPr marL="457200" indent="-316800">
               <a:lnSpc>
                 <a:spcPct val="115000"/>
               </a:lnSpc>
@@ -6361,14 +5916,11 @@
               <a:t>https://github.com/purcellconsult/scripts/blob/master/united_states_currency.py</a:t>
             </a:r>
             <a:endParaRPr b="0" lang="en-US" sz="1200" spc="-1" strike="noStrike">
-              <a:solidFill>
-                <a:srgbClr val="000000"/>
-              </a:solidFill>
-              <a:latin typeface="Arial"/>
-            </a:endParaRPr>
-          </a:p>
-          <a:p>
-            <a:pPr marL="457200" indent="-317160">
+              <a:latin typeface="Arial"/>
+            </a:endParaRPr>
+          </a:p>
+          <a:p>
+            <a:pPr marL="457200" indent="-316800">
               <a:lnSpc>
                 <a:spcPct val="115000"/>
               </a:lnSpc>
@@ -6401,14 +5953,11 @@
               <a:t>https://github.com/purcellconsult/scripts/blob/master/vowel_hunter.py</a:t>
             </a:r>
             <a:endParaRPr b="0" lang="en-US" sz="1200" spc="-1" strike="noStrike">
-              <a:solidFill>
-                <a:srgbClr val="000000"/>
-              </a:solidFill>
-              <a:latin typeface="Arial"/>
-            </a:endParaRPr>
-          </a:p>
-          <a:p>
-            <a:pPr marL="457200" indent="-317160">
+              <a:latin typeface="Arial"/>
+            </a:endParaRPr>
+          </a:p>
+          <a:p>
+            <a:pPr marL="457200" indent="-316800">
               <a:lnSpc>
                 <a:spcPct val="115000"/>
               </a:lnSpc>
@@ -6441,14 +5990,11 @@
               <a:t>https://github.com/purcellconsult/scripts/blob/master/text_calculator.py</a:t>
             </a:r>
             <a:endParaRPr b="0" lang="en-US" sz="1200" spc="-1" strike="noStrike">
-              <a:solidFill>
-                <a:srgbClr val="000000"/>
-              </a:solidFill>
-              <a:latin typeface="Arial"/>
-            </a:endParaRPr>
-          </a:p>
-          <a:p>
-            <a:pPr marL="457200" indent="-317160">
+              <a:latin typeface="Arial"/>
+            </a:endParaRPr>
+          </a:p>
+          <a:p>
+            <a:pPr marL="457200" indent="-316800">
               <a:lnSpc>
                 <a:spcPct val="115000"/>
               </a:lnSpc>
@@ -6493,14 +6039,11 @@
               <a:t>ttps://github.com/purcellconsult/scripts/blob/master/coin_flips.py</a:t>
             </a:r>
             <a:endParaRPr b="0" lang="en-US" sz="1200" spc="-1" strike="noStrike">
-              <a:solidFill>
-                <a:srgbClr val="000000"/>
-              </a:solidFill>
-              <a:latin typeface="Arial"/>
-            </a:endParaRPr>
-          </a:p>
-          <a:p>
-            <a:pPr marL="457200" indent="-317160">
+              <a:latin typeface="Arial"/>
+            </a:endParaRPr>
+          </a:p>
+          <a:p>
+            <a:pPr marL="457200" indent="-316800">
               <a:lnSpc>
                 <a:spcPct val="115000"/>
               </a:lnSpc>
@@ -6533,9 +6076,6 @@
               <a:t>https://github.com/purcellconsult/scripts/blob/master/rock_paper_scissors_game.py</a:t>
             </a:r>
             <a:endParaRPr b="0" lang="en-US" sz="1200" spc="-1" strike="noStrike">
-              <a:solidFill>
-                <a:srgbClr val="000000"/>
-              </a:solidFill>
               <a:latin typeface="Arial"/>
             </a:endParaRPr>
           </a:p>
@@ -6552,9 +6092,6 @@
               </a:spcAft>
             </a:pPr>
             <a:endParaRPr b="0" lang="en-US" sz="1200" spc="-1" strike="noStrike">
-              <a:solidFill>
-                <a:srgbClr val="000000"/>
-              </a:solidFill>
               <a:latin typeface="Arial"/>
             </a:endParaRPr>
           </a:p>
@@ -6611,14 +6148,14 @@
       </p:grpSpPr>
       <p:sp>
         <p:nvSpPr>
-          <p:cNvPr id="88" name="TextShape 1"/>
-          <p:cNvSpPr txBox="1"/>
+          <p:cNvPr id="86" name="CustomShape 1"/>
+          <p:cNvSpPr/>
           <p:nvPr/>
         </p:nvSpPr>
         <p:spPr>
           <a:xfrm>
             <a:off x="729360" y="1318680"/>
-            <a:ext cx="7688520" cy="534960"/>
+            <a:ext cx="7688160" cy="534600"/>
           </a:xfrm>
           <a:prstGeom prst="rect">
             <a:avLst/>
@@ -6628,8 +6165,14 @@
             <a:noFill/>
           </a:ln>
         </p:spPr>
-        <p:txBody>
-          <a:bodyPr tIns="91440" bIns="91440"/>
+        <p:style>
+          <a:lnRef idx="0"/>
+          <a:fillRef idx="0"/>
+          <a:effectRef idx="0"/>
+          <a:fontRef idx="minor"/>
+        </p:style>
+        <p:txBody>
+          <a:bodyPr lIns="90000" rIns="90000" tIns="91440" bIns="91440"/>
           <a:p>
             <a:pPr>
               <a:lnSpc>
@@ -6647,24 +6190,21 @@
               <a:t>Disclaimer </a:t>
             </a:r>
             <a:endParaRPr b="0" lang="en-US" sz="2600" spc="-1" strike="noStrike">
-              <a:solidFill>
-                <a:srgbClr val="000000"/>
-              </a:solidFill>
-              <a:latin typeface="Arial"/>
-            </a:endParaRPr>
-          </a:p>
-        </p:txBody>
-      </p:sp>
-      <p:sp>
-        <p:nvSpPr>
-          <p:cNvPr id="89" name="TextShape 2"/>
-          <p:cNvSpPr txBox="1"/>
+              <a:latin typeface="Arial"/>
+            </a:endParaRPr>
+          </a:p>
+        </p:txBody>
+      </p:sp>
+      <p:sp>
+        <p:nvSpPr>
+          <p:cNvPr id="87" name="CustomShape 2"/>
+          <p:cNvSpPr/>
           <p:nvPr/>
         </p:nvSpPr>
         <p:spPr>
           <a:xfrm>
             <a:off x="729360" y="2079000"/>
-            <a:ext cx="7688520" cy="2260800"/>
+            <a:ext cx="7688160" cy="2260440"/>
           </a:xfrm>
           <a:prstGeom prst="rect">
             <a:avLst/>
@@ -6674,8 +6214,14 @@
             <a:noFill/>
           </a:ln>
         </p:spPr>
-        <p:txBody>
-          <a:bodyPr tIns="91440" bIns="91440"/>
+        <p:style>
+          <a:lnRef idx="0"/>
+          <a:fillRef idx="0"/>
+          <a:effectRef idx="0"/>
+          <a:fontRef idx="minor"/>
+        </p:style>
+        <p:txBody>
+          <a:bodyPr lIns="90000" rIns="90000" tIns="91440" bIns="91440"/>
           <a:p>
             <a:pPr>
               <a:lnSpc>
@@ -6696,9 +6242,6 @@
               <a:t>Logos of businesses and organizations herein are property of those respective companies. </a:t>
             </a:r>
             <a:endParaRPr b="0" lang="en-US" sz="1300" spc="-1" strike="noStrike">
-              <a:solidFill>
-                <a:srgbClr val="000000"/>
-              </a:solidFill>
               <a:latin typeface="Arial"/>
             </a:endParaRPr>
           </a:p>
@@ -6755,14 +6298,14 @@
       </p:grpSpPr>
       <p:sp>
         <p:nvSpPr>
-          <p:cNvPr id="90" name="TextShape 1"/>
-          <p:cNvSpPr txBox="1"/>
+          <p:cNvPr id="88" name="CustomShape 1"/>
+          <p:cNvSpPr/>
           <p:nvPr/>
         </p:nvSpPr>
         <p:spPr>
           <a:xfrm>
             <a:off x="311760" y="218880"/>
-            <a:ext cx="8655120" cy="798480"/>
+            <a:ext cx="8654760" cy="798120"/>
           </a:xfrm>
           <a:prstGeom prst="rect">
             <a:avLst/>
@@ -6772,8 +6315,14 @@
             <a:noFill/>
           </a:ln>
         </p:spPr>
-        <p:txBody>
-          <a:bodyPr tIns="91440" bIns="91440"/>
+        <p:style>
+          <a:lnRef idx="0"/>
+          <a:fillRef idx="0"/>
+          <a:effectRef idx="0"/>
+          <a:fontRef idx="minor"/>
+        </p:style>
+        <p:txBody>
+          <a:bodyPr lIns="90000" rIns="90000" tIns="91440" bIns="91440"/>
           <a:p>
             <a:pPr algn="ctr">
               <a:lnSpc>
@@ -6791,24 +6340,21 @@
               <a:t>Event Host</a:t>
             </a:r>
             <a:endParaRPr b="0" lang="en-US" sz="3200" spc="-1" strike="noStrike">
-              <a:solidFill>
-                <a:srgbClr val="000000"/>
-              </a:solidFill>
-              <a:latin typeface="Arial"/>
-            </a:endParaRPr>
-          </a:p>
-        </p:txBody>
-      </p:sp>
-      <p:sp>
-        <p:nvSpPr>
-          <p:cNvPr id="91" name="TextShape 2"/>
-          <p:cNvSpPr txBox="1"/>
+              <a:latin typeface="Arial"/>
+            </a:endParaRPr>
+          </a:p>
+        </p:txBody>
+      </p:sp>
+      <p:sp>
+        <p:nvSpPr>
+          <p:cNvPr id="89" name="CustomShape 2"/>
+          <p:cNvSpPr/>
           <p:nvPr/>
         </p:nvSpPr>
         <p:spPr>
           <a:xfrm>
             <a:off x="511560" y="1268640"/>
-            <a:ext cx="8393040" cy="3105000"/>
+            <a:ext cx="8392680" cy="3104640"/>
           </a:xfrm>
           <a:prstGeom prst="rect">
             <a:avLst/>
@@ -6818,8 +6364,14 @@
             <a:noFill/>
           </a:ln>
         </p:spPr>
-        <p:txBody>
-          <a:bodyPr tIns="91440" bIns="91440"/>
+        <p:style>
+          <a:lnRef idx="0"/>
+          <a:fillRef idx="0"/>
+          <a:effectRef idx="0"/>
+          <a:fontRef idx="minor"/>
+        </p:style>
+        <p:txBody>
+          <a:bodyPr lIns="90000" rIns="90000" tIns="91440" bIns="91440"/>
           <a:p>
             <a:pPr marL="914400" indent="457200">
               <a:lnSpc>
@@ -6837,14 +6389,11 @@
               <a:t>Blacks in Tech - Los Angeles:</a:t>
             </a:r>
             <a:endParaRPr b="0" lang="en-US" sz="2400" spc="-1" strike="noStrike">
-              <a:solidFill>
-                <a:srgbClr val="000000"/>
-              </a:solidFill>
-              <a:latin typeface="Arial"/>
-            </a:endParaRPr>
-          </a:p>
-          <a:p>
-            <a:pPr>
+              <a:latin typeface="Arial"/>
+            </a:endParaRPr>
+          </a:p>
+          <a:p>
+            <a:pPr marL="914400" indent="457200">
               <a:lnSpc>
                 <a:spcPct val="115000"/>
               </a:lnSpc>
@@ -6853,14 +6402,11 @@
               </a:spcBef>
             </a:pPr>
             <a:endParaRPr b="0" lang="en-US" sz="2400" spc="-1" strike="noStrike">
-              <a:solidFill>
-                <a:srgbClr val="000000"/>
-              </a:solidFill>
-              <a:latin typeface="Arial"/>
-            </a:endParaRPr>
-          </a:p>
-          <a:p>
-            <a:pPr>
+              <a:latin typeface="Arial"/>
+            </a:endParaRPr>
+          </a:p>
+          <a:p>
+            <a:pPr marL="914400" indent="457200">
               <a:lnSpc>
                 <a:spcPct val="115000"/>
               </a:lnSpc>
@@ -6869,14 +6415,11 @@
               </a:spcBef>
             </a:pPr>
             <a:endParaRPr b="0" lang="en-US" sz="2400" spc="-1" strike="noStrike">
-              <a:solidFill>
-                <a:srgbClr val="000000"/>
-              </a:solidFill>
-              <a:latin typeface="Arial"/>
-            </a:endParaRPr>
-          </a:p>
-          <a:p>
-            <a:pPr>
+              <a:latin typeface="Arial"/>
+            </a:endParaRPr>
+          </a:p>
+          <a:p>
+            <a:pPr marL="914400" indent="457200">
               <a:lnSpc>
                 <a:spcPct val="115000"/>
               </a:lnSpc>
@@ -6885,14 +6428,11 @@
               </a:spcBef>
             </a:pPr>
             <a:endParaRPr b="0" lang="en-US" sz="2400" spc="-1" strike="noStrike">
-              <a:solidFill>
-                <a:srgbClr val="000000"/>
-              </a:solidFill>
-              <a:latin typeface="Arial"/>
-            </a:endParaRPr>
-          </a:p>
-          <a:p>
-            <a:pPr>
+              <a:latin typeface="Arial"/>
+            </a:endParaRPr>
+          </a:p>
+          <a:p>
+            <a:pPr marL="457200" indent="457200">
               <a:lnSpc>
                 <a:spcPct val="115000"/>
               </a:lnSpc>
@@ -6901,9 +6441,6 @@
               </a:spcBef>
             </a:pPr>
             <a:endParaRPr b="0" lang="en-US" sz="2400" spc="-1" strike="noStrike">
-              <a:solidFill>
-                <a:srgbClr val="000000"/>
-              </a:solidFill>
               <a:latin typeface="Arial"/>
             </a:endParaRPr>
           </a:p>
@@ -6916,10 +6453,29 @@
                 <a:spcPts val="1599"/>
               </a:spcBef>
             </a:pPr>
-            <a:endParaRPr b="0" lang="en-US" sz="2400" spc="-1" strike="noStrike">
-              <a:solidFill>
-                <a:srgbClr val="000000"/>
-              </a:solidFill>
+            <a:r>
+              <a:rPr b="0" lang="en-US" sz="1700" spc="-1" strike="noStrike">
+                <a:solidFill>
+                  <a:srgbClr val="000000"/>
+                </a:solidFill>
+                <a:latin typeface="Lato"/>
+                <a:ea typeface="Lato"/>
+              </a:rPr>
+              <a:t>Meetup url: </a:t>
+            </a:r>
+            <a:r>
+              <a:rPr b="0" lang="en-US" sz="1700" spc="-1" strike="noStrike" u="sng">
+                <a:solidFill>
+                  <a:srgbClr val="1c3678"/>
+                </a:solidFill>
+                <a:uFillTx/>
+                <a:latin typeface="Lato"/>
+                <a:ea typeface="Lato"/>
+                <a:hlinkClick r:id="rId1"/>
+              </a:rPr>
+              <a:t>https://www.meetup.com/Blacks-In-Technology-Los-Angeles</a:t>
+            </a:r>
+            <a:endParaRPr b="0" lang="en-US" sz="1700" spc="-1" strike="noStrike">
               <a:latin typeface="Arial"/>
             </a:endParaRPr>
           </a:p>
@@ -6932,53 +6488,12 @@
                 <a:spcPts val="1599"/>
               </a:spcBef>
             </a:pPr>
-            <a:r>
-              <a:rPr b="0" lang="en-US" sz="1500" spc="-1" strike="noStrike">
-                <a:solidFill>
-                  <a:srgbClr val="000000"/>
-                </a:solidFill>
-                <a:latin typeface="Lato"/>
-                <a:ea typeface="Lato"/>
-              </a:rPr>
-              <a:t>Meetup url: </a:t>
-            </a:r>
-            <a:r>
-              <a:rPr b="0" lang="en-US" sz="1500" spc="-1" strike="noStrike" u="sng">
-                <a:solidFill>
-                  <a:srgbClr val="1c3678"/>
-                </a:solidFill>
-                <a:uFillTx/>
-                <a:latin typeface="Lato"/>
-                <a:ea typeface="Lato"/>
-                <a:hlinkClick r:id="rId1"/>
-              </a:rPr>
-              <a:t>https://www.meetup.com/Blacks-In-Technology-Los-Angeles</a:t>
-            </a:r>
-            <a:endParaRPr b="0" lang="en-US" sz="1500" spc="-1" strike="noStrike">
-              <a:solidFill>
-                <a:srgbClr val="000000"/>
-              </a:solidFill>
-              <a:latin typeface="Arial"/>
-            </a:endParaRPr>
-          </a:p>
-          <a:p>
-            <a:pPr>
-              <a:lnSpc>
-                <a:spcPct val="115000"/>
-              </a:lnSpc>
-              <a:spcBef>
-                <a:spcPts val="1599"/>
-              </a:spcBef>
-            </a:pPr>
-            <a:endParaRPr b="0" lang="en-US" sz="1500" spc="-1" strike="noStrike">
-              <a:solidFill>
-                <a:srgbClr val="000000"/>
-              </a:solidFill>
-              <a:latin typeface="Arial"/>
-            </a:endParaRPr>
-          </a:p>
-          <a:p>
-            <a:pPr>
+            <a:endParaRPr b="0" lang="en-US" sz="1700" spc="-1" strike="noStrike">
+              <a:latin typeface="Arial"/>
+            </a:endParaRPr>
+          </a:p>
+          <a:p>
+            <a:pPr marL="457200" indent="457200">
               <a:lnSpc>
                 <a:spcPct val="115000"/>
               </a:lnSpc>
@@ -6989,10 +6504,7 @@
                 <a:spcPts val="1599"/>
               </a:spcAft>
             </a:pPr>
-            <a:endParaRPr b="0" lang="en-US" sz="1500" spc="-1" strike="noStrike">
-              <a:solidFill>
-                <a:srgbClr val="000000"/>
-              </a:solidFill>
+            <a:endParaRPr b="0" lang="en-US" sz="1700" spc="-1" strike="noStrike">
               <a:latin typeface="Arial"/>
             </a:endParaRPr>
           </a:p>
@@ -7000,7 +6512,7 @@
       </p:sp>
       <p:pic>
         <p:nvPicPr>
-          <p:cNvPr id="92" name="Google Shape;100;p15" descr=""/>
+          <p:cNvPr id="90" name="Google Shape;100;p15" descr=""/>
           <p:cNvPicPr/>
           <p:nvPr/>
         </p:nvPicPr>
@@ -7011,7 +6523,7 @@
         <p:spPr>
           <a:xfrm>
             <a:off x="3108960" y="2125800"/>
-            <a:ext cx="1714680" cy="1714680"/>
+            <a:ext cx="1714320" cy="1714320"/>
           </a:xfrm>
           <a:prstGeom prst="rect">
             <a:avLst/>
@@ -7072,14 +6584,14 @@
       </p:grpSpPr>
       <p:sp>
         <p:nvSpPr>
-          <p:cNvPr id="93" name="TextShape 1"/>
-          <p:cNvSpPr txBox="1"/>
+          <p:cNvPr id="91" name="CustomShape 1"/>
+          <p:cNvSpPr/>
           <p:nvPr/>
         </p:nvSpPr>
         <p:spPr>
           <a:xfrm>
             <a:off x="729360" y="1318680"/>
-            <a:ext cx="7688520" cy="534960"/>
+            <a:ext cx="7688160" cy="534600"/>
           </a:xfrm>
           <a:prstGeom prst="rect">
             <a:avLst/>
@@ -7089,8 +6601,14 @@
             <a:noFill/>
           </a:ln>
         </p:spPr>
-        <p:txBody>
-          <a:bodyPr tIns="91440" bIns="91440"/>
+        <p:style>
+          <a:lnRef idx="0"/>
+          <a:fillRef idx="0"/>
+          <a:effectRef idx="0"/>
+          <a:fontRef idx="minor"/>
+        </p:style>
+        <p:txBody>
+          <a:bodyPr lIns="90000" rIns="90000" tIns="91440" bIns="91440"/>
           <a:p>
             <a:pPr>
               <a:lnSpc>
@@ -7108,24 +6626,21 @@
               <a:t>Thanks to Event Promoters </a:t>
             </a:r>
             <a:endParaRPr b="0" lang="en-US" sz="2600" spc="-1" strike="noStrike">
-              <a:solidFill>
-                <a:srgbClr val="000000"/>
-              </a:solidFill>
-              <a:latin typeface="Arial"/>
-            </a:endParaRPr>
-          </a:p>
-        </p:txBody>
-      </p:sp>
-      <p:sp>
-        <p:nvSpPr>
-          <p:cNvPr id="94" name="TextShape 2"/>
-          <p:cNvSpPr txBox="1"/>
+              <a:latin typeface="Arial"/>
+            </a:endParaRPr>
+          </a:p>
+        </p:txBody>
+      </p:sp>
+      <p:sp>
+        <p:nvSpPr>
+          <p:cNvPr id="92" name="CustomShape 2"/>
+          <p:cNvSpPr/>
           <p:nvPr/>
         </p:nvSpPr>
         <p:spPr>
           <a:xfrm>
             <a:off x="729360" y="2079000"/>
-            <a:ext cx="7688520" cy="2260800"/>
+            <a:ext cx="7688160" cy="2260440"/>
           </a:xfrm>
           <a:prstGeom prst="rect">
             <a:avLst/>
@@ -7135,8 +6650,14 @@
             <a:noFill/>
           </a:ln>
         </p:spPr>
-        <p:txBody>
-          <a:bodyPr tIns="91440" bIns="91440"/>
+        <p:style>
+          <a:lnRef idx="0"/>
+          <a:fillRef idx="0"/>
+          <a:effectRef idx="0"/>
+          <a:fontRef idx="minor"/>
+        </p:style>
+        <p:txBody>
+          <a:bodyPr lIns="90000" rIns="90000" tIns="91440" bIns="91440"/>
           <a:p>
             <a:pPr>
               <a:lnSpc>
@@ -7166,9 +6687,6 @@
               <a:t>https://www.meetup.com/Pyladies-LA</a:t>
             </a:r>
             <a:endParaRPr b="0" lang="en-US" sz="1600" spc="-1" strike="noStrike">
-              <a:solidFill>
-                <a:srgbClr val="000000"/>
-              </a:solidFill>
               <a:latin typeface="Arial"/>
             </a:endParaRPr>
           </a:p>
@@ -7204,9 +6722,6 @@
               <a:t>https://www.meetup.com/socalpython</a:t>
             </a:r>
             <a:endParaRPr b="0" lang="en-US" sz="1600" spc="-1" strike="noStrike">
-              <a:solidFill>
-                <a:srgbClr val="000000"/>
-              </a:solidFill>
               <a:latin typeface="Arial"/>
             </a:endParaRPr>
           </a:p>
@@ -7223,9 +6738,6 @@
               </a:spcAft>
             </a:pPr>
             <a:endParaRPr b="0" lang="en-US" sz="1600" spc="-1" strike="noStrike">
-              <a:solidFill>
-                <a:srgbClr val="000000"/>
-              </a:solidFill>
               <a:latin typeface="Arial"/>
             </a:endParaRPr>
           </a:p>
@@ -7282,14 +6794,14 @@
       </p:grpSpPr>
       <p:sp>
         <p:nvSpPr>
-          <p:cNvPr id="95" name="TextShape 1"/>
-          <p:cNvSpPr txBox="1"/>
+          <p:cNvPr id="93" name="CustomShape 1"/>
+          <p:cNvSpPr/>
           <p:nvPr/>
         </p:nvSpPr>
         <p:spPr>
           <a:xfrm>
             <a:off x="729360" y="1318680"/>
-            <a:ext cx="7688520" cy="534960"/>
+            <a:ext cx="7688160" cy="534600"/>
           </a:xfrm>
           <a:prstGeom prst="rect">
             <a:avLst/>
@@ -7299,8 +6811,14 @@
             <a:noFill/>
           </a:ln>
         </p:spPr>
-        <p:txBody>
-          <a:bodyPr tIns="91440" bIns="91440"/>
+        <p:style>
+          <a:lnRef idx="0"/>
+          <a:fillRef idx="0"/>
+          <a:effectRef idx="0"/>
+          <a:fontRef idx="minor"/>
+        </p:style>
+        <p:txBody>
+          <a:bodyPr lIns="90000" rIns="90000" tIns="91440" bIns="91440"/>
           <a:p>
             <a:pPr>
               <a:lnSpc>
@@ -7318,24 +6836,21 @@
               <a:t>Thanks to Event Sponsors</a:t>
             </a:r>
             <a:endParaRPr b="0" lang="en-US" sz="2600" spc="-1" strike="noStrike">
-              <a:solidFill>
-                <a:srgbClr val="000000"/>
-              </a:solidFill>
-              <a:latin typeface="Arial"/>
-            </a:endParaRPr>
-          </a:p>
-        </p:txBody>
-      </p:sp>
-      <p:sp>
-        <p:nvSpPr>
-          <p:cNvPr id="96" name="TextShape 2"/>
-          <p:cNvSpPr txBox="1"/>
+              <a:latin typeface="Arial"/>
+            </a:endParaRPr>
+          </a:p>
+        </p:txBody>
+      </p:sp>
+      <p:sp>
+        <p:nvSpPr>
+          <p:cNvPr id="94" name="CustomShape 2"/>
+          <p:cNvSpPr/>
           <p:nvPr/>
         </p:nvSpPr>
         <p:spPr>
           <a:xfrm>
             <a:off x="386280" y="1390680"/>
-            <a:ext cx="8371080" cy="3111840"/>
+            <a:ext cx="8370720" cy="3111480"/>
           </a:xfrm>
           <a:prstGeom prst="rect">
             <a:avLst/>
@@ -7345,18 +6860,21 @@
             <a:noFill/>
           </a:ln>
         </p:spPr>
-        <p:txBody>
-          <a:bodyPr tIns="91440" bIns="91440"/>
+        <p:style>
+          <a:lnRef idx="0"/>
+          <a:fillRef idx="0"/>
+          <a:effectRef idx="0"/>
+          <a:fontRef idx="minor"/>
+        </p:style>
+        <p:txBody>
+          <a:bodyPr lIns="90000" rIns="90000" tIns="91440" bIns="91440"/>
           <a:p>
             <a:pPr>
               <a:lnSpc>
                 <a:spcPct val="115000"/>
               </a:lnSpc>
             </a:pPr>
-            <a:endParaRPr b="0" lang="en-US" sz="1400" spc="-1" strike="noStrike">
-              <a:solidFill>
-                <a:srgbClr val="000000"/>
-              </a:solidFill>
+            <a:endParaRPr b="0" lang="en-US" sz="1800" spc="-1" strike="noStrike">
               <a:latin typeface="Arial"/>
             </a:endParaRPr>
           </a:p>
@@ -7372,10 +6890,7 @@
                 <a:spcPts val="1599"/>
               </a:spcAft>
             </a:pPr>
-            <a:endParaRPr b="0" lang="en-US" sz="1400" spc="-1" strike="noStrike">
-              <a:solidFill>
-                <a:srgbClr val="000000"/>
-              </a:solidFill>
+            <a:endParaRPr b="0" lang="en-US" sz="1800" spc="-1" strike="noStrike">
               <a:latin typeface="Arial"/>
             </a:endParaRPr>
           </a:p>
@@ -7383,7 +6898,7 @@
       </p:sp>
       <p:pic>
         <p:nvPicPr>
-          <p:cNvPr id="97" name="Google Shape;113;p17" descr=""/>
+          <p:cNvPr id="95" name="Google Shape;113;p17" descr=""/>
           <p:cNvPicPr/>
           <p:nvPr/>
         </p:nvPicPr>
@@ -7394,7 +6909,7 @@
         <p:spPr>
           <a:xfrm>
             <a:off x="599400" y="2190600"/>
-            <a:ext cx="2813400" cy="1512000"/>
+            <a:ext cx="2813040" cy="1511640"/>
           </a:xfrm>
           <a:prstGeom prst="rect">
             <a:avLst/>
@@ -7406,7 +6921,7 @@
       </p:pic>
       <p:pic>
         <p:nvPicPr>
-          <p:cNvPr id="98" name="Google Shape;114;p17" descr=""/>
+          <p:cNvPr id="96" name="Google Shape;114;p17" descr=""/>
           <p:cNvPicPr/>
           <p:nvPr/>
         </p:nvPicPr>
@@ -7417,7 +6932,7 @@
         <p:spPr>
           <a:xfrm>
             <a:off x="4026600" y="2238840"/>
-            <a:ext cx="3003840" cy="1415520"/>
+            <a:ext cx="3003480" cy="1415160"/>
           </a:xfrm>
           <a:prstGeom prst="rect">
             <a:avLst/>
@@ -7478,14 +6993,14 @@
       </p:grpSpPr>
       <p:sp>
         <p:nvSpPr>
-          <p:cNvPr id="99" name="TextShape 1"/>
-          <p:cNvSpPr txBox="1"/>
+          <p:cNvPr id="97" name="CustomShape 1"/>
+          <p:cNvSpPr/>
           <p:nvPr/>
         </p:nvSpPr>
         <p:spPr>
           <a:xfrm>
             <a:off x="99720" y="149400"/>
-            <a:ext cx="8732520" cy="867960"/>
+            <a:ext cx="8732160" cy="867600"/>
           </a:xfrm>
           <a:prstGeom prst="rect">
             <a:avLst/>
@@ -7495,8 +7010,14 @@
             <a:noFill/>
           </a:ln>
         </p:spPr>
-        <p:txBody>
-          <a:bodyPr tIns="91440" bIns="91440"/>
+        <p:style>
+          <a:lnRef idx="0"/>
+          <a:fillRef idx="0"/>
+          <a:effectRef idx="0"/>
+          <a:fontRef idx="minor"/>
+        </p:style>
+        <p:txBody>
+          <a:bodyPr lIns="90000" rIns="90000" tIns="91440" bIns="91440"/>
           <a:p>
             <a:pPr>
               <a:lnSpc>
@@ -7514,24 +7035,21 @@
               <a:t>Quick Overview </a:t>
             </a:r>
             <a:endParaRPr b="0" lang="en-US" sz="3500" spc="-1" strike="noStrike">
-              <a:solidFill>
-                <a:srgbClr val="000000"/>
-              </a:solidFill>
-              <a:latin typeface="Arial"/>
-            </a:endParaRPr>
-          </a:p>
-        </p:txBody>
-      </p:sp>
-      <p:sp>
-        <p:nvSpPr>
-          <p:cNvPr id="100" name="TextShape 2"/>
-          <p:cNvSpPr txBox="1"/>
+              <a:latin typeface="Arial"/>
+            </a:endParaRPr>
+          </a:p>
+        </p:txBody>
+      </p:sp>
+      <p:sp>
+        <p:nvSpPr>
+          <p:cNvPr id="98" name="CustomShape 2"/>
+          <p:cNvSpPr/>
           <p:nvPr/>
         </p:nvSpPr>
         <p:spPr>
           <a:xfrm>
             <a:off x="487440" y="1554480"/>
-            <a:ext cx="8473680" cy="3516480"/>
+            <a:ext cx="8473320" cy="3516120"/>
           </a:xfrm>
           <a:prstGeom prst="rect">
             <a:avLst/>
@@ -7541,10 +7059,16 @@
             <a:noFill/>
           </a:ln>
         </p:spPr>
-        <p:txBody>
-          <a:bodyPr tIns="91440" bIns="91440"/>
-          <a:p>
-            <a:pPr marL="457200" indent="-355320">
+        <p:style>
+          <a:lnRef idx="0"/>
+          <a:fillRef idx="0"/>
+          <a:effectRef idx="0"/>
+          <a:fontRef idx="minor"/>
+        </p:style>
+        <p:txBody>
+          <a:bodyPr lIns="90000" rIns="90000" tIns="91440" bIns="91440"/>
+          <a:p>
+            <a:pPr marL="457200" indent="-354960">
               <a:lnSpc>
                 <a:spcPct val="115000"/>
               </a:lnSpc>
@@ -7577,14 +7101,11 @@
               <a:t>https://github.com/purcellconsult/python-learning/blob/master/python_crash_course.py</a:t>
             </a:r>
             <a:endParaRPr b="0" lang="en-US" sz="1600" spc="-1" strike="noStrike">
-              <a:solidFill>
-                <a:srgbClr val="000000"/>
-              </a:solidFill>
-              <a:latin typeface="Arial"/>
-            </a:endParaRPr>
-          </a:p>
-          <a:p>
-            <a:pPr marL="457200" indent="-355320">
+              <a:latin typeface="Arial"/>
+            </a:endParaRPr>
+          </a:p>
+          <a:p>
+            <a:pPr marL="457200" indent="-354960">
               <a:lnSpc>
                 <a:spcPct val="115000"/>
               </a:lnSpc>
@@ -7605,14 +7126,11 @@
               <a:t>Best way to learn how to code is to code! Download crash course from GitHub and use the comments in the code as your reference point.</a:t>
             </a:r>
             <a:endParaRPr b="0" lang="en-US" sz="1600" spc="-1" strike="noStrike">
-              <a:solidFill>
-                <a:srgbClr val="000000"/>
-              </a:solidFill>
-              <a:latin typeface="Arial"/>
-            </a:endParaRPr>
-          </a:p>
-          <a:p>
-            <a:pPr marL="457200" indent="-355320">
+              <a:latin typeface="Arial"/>
+            </a:endParaRPr>
+          </a:p>
+          <a:p>
+            <a:pPr marL="457200" indent="-354960">
               <a:lnSpc>
                 <a:spcPct val="115000"/>
               </a:lnSpc>
@@ -7655,9 +7173,6 @@
               <a:t>, and then get comfortable breaking things and fixing it. </a:t>
             </a:r>
             <a:endParaRPr b="0" lang="en-US" sz="1600" spc="-1" strike="noStrike">
-              <a:solidFill>
-                <a:srgbClr val="000000"/>
-              </a:solidFill>
               <a:latin typeface="Arial"/>
             </a:endParaRPr>
           </a:p>
@@ -7714,14 +7229,14 @@
       </p:grpSpPr>
       <p:sp>
         <p:nvSpPr>
-          <p:cNvPr id="101" name="TextShape 1"/>
-          <p:cNvSpPr txBox="1"/>
+          <p:cNvPr id="99" name="CustomShape 1"/>
+          <p:cNvSpPr/>
           <p:nvPr/>
         </p:nvSpPr>
         <p:spPr>
           <a:xfrm>
             <a:off x="729360" y="1318680"/>
-            <a:ext cx="7688520" cy="534960"/>
+            <a:ext cx="7688160" cy="534600"/>
           </a:xfrm>
           <a:prstGeom prst="rect">
             <a:avLst/>
@@ -7731,8 +7246,14 @@
             <a:noFill/>
           </a:ln>
         </p:spPr>
-        <p:txBody>
-          <a:bodyPr tIns="91440" bIns="91440"/>
+        <p:style>
+          <a:lnRef idx="0"/>
+          <a:fillRef idx="0"/>
+          <a:effectRef idx="0"/>
+          <a:fontRef idx="minor"/>
+        </p:style>
+        <p:txBody>
+          <a:bodyPr lIns="90000" rIns="90000" tIns="91440" bIns="91440"/>
           <a:p>
             <a:pPr>
               <a:lnSpc>
@@ -7750,24 +7271,21 @@
               <a:t>Why Bother with Python in 2019?</a:t>
             </a:r>
             <a:endParaRPr b="0" lang="en-US" sz="2600" spc="-1" strike="noStrike">
-              <a:solidFill>
-                <a:srgbClr val="000000"/>
-              </a:solidFill>
-              <a:latin typeface="Arial"/>
-            </a:endParaRPr>
-          </a:p>
-        </p:txBody>
-      </p:sp>
-      <p:sp>
-        <p:nvSpPr>
-          <p:cNvPr id="102" name="TextShape 2"/>
-          <p:cNvSpPr txBox="1"/>
+              <a:latin typeface="Arial"/>
+            </a:endParaRPr>
+          </a:p>
+        </p:txBody>
+      </p:sp>
+      <p:sp>
+        <p:nvSpPr>
+          <p:cNvPr id="100" name="CustomShape 2"/>
+          <p:cNvSpPr/>
           <p:nvPr/>
         </p:nvSpPr>
         <p:spPr>
           <a:xfrm>
             <a:off x="471960" y="1919160"/>
-            <a:ext cx="8221680" cy="2898360"/>
+            <a:ext cx="8221320" cy="2898000"/>
           </a:xfrm>
           <a:prstGeom prst="rect">
             <a:avLst/>
@@ -7780,10 +7298,16 @@
             <a:round/>
           </a:ln>
         </p:spPr>
-        <p:txBody>
-          <a:bodyPr tIns="91440" bIns="91440"/>
-          <a:p>
-            <a:pPr marL="457200" indent="-348840">
+        <p:style>
+          <a:lnRef idx="0"/>
+          <a:fillRef idx="0"/>
+          <a:effectRef idx="0"/>
+          <a:fontRef idx="minor"/>
+        </p:style>
+        <p:txBody>
+          <a:bodyPr lIns="90000" rIns="90000" tIns="91440" bIns="91440"/>
+          <a:p>
+            <a:pPr marL="457200" indent="-348480">
               <a:lnSpc>
                 <a:spcPct val="115000"/>
               </a:lnSpc>
@@ -7826,14 +7350,11 @@
               <a:t> 2018 survey, it’s within the top-10 most popular programming languages in the world. </a:t>
             </a:r>
             <a:endParaRPr b="0" lang="en-US" sz="1900" spc="-1" strike="noStrike">
-              <a:solidFill>
-                <a:srgbClr val="000000"/>
-              </a:solidFill>
-              <a:latin typeface="Arial"/>
-            </a:endParaRPr>
-          </a:p>
-          <a:p>
-            <a:pPr lvl="1" marL="914400" indent="-323640">
+              <a:latin typeface="Arial"/>
+            </a:endParaRPr>
+          </a:p>
+          <a:p>
+            <a:pPr lvl="1" marL="914400" indent="-323280">
               <a:lnSpc>
                 <a:spcPct val="115000"/>
               </a:lnSpc>
@@ -7854,14 +7375,11 @@
               <a:t>There’s 400+ programming, scripting, and markup languages available!</a:t>
             </a:r>
             <a:endParaRPr b="0" lang="en-US" sz="1500" spc="-1" strike="noStrike">
-              <a:solidFill>
-                <a:srgbClr val="000000"/>
-              </a:solidFill>
-              <a:latin typeface="Arial"/>
-            </a:endParaRPr>
-          </a:p>
-          <a:p>
-            <a:pPr marL="457200" indent="-348840">
+              <a:latin typeface="Arial"/>
+            </a:endParaRPr>
+          </a:p>
+          <a:p>
+            <a:pPr marL="457200" indent="-348480">
               <a:lnSpc>
                 <a:spcPct val="115000"/>
               </a:lnSpc>
@@ -7894,14 +7412,11 @@
               <a:t>https://www.meetup.com/topics/python/</a:t>
             </a:r>
             <a:endParaRPr b="0" lang="en-US" sz="1900" spc="-1" strike="noStrike">
-              <a:solidFill>
-                <a:srgbClr val="000000"/>
-              </a:solidFill>
-              <a:latin typeface="Arial"/>
-            </a:endParaRPr>
-          </a:p>
-          <a:p>
-            <a:pPr marL="457200" indent="-348840">
+              <a:latin typeface="Arial"/>
+            </a:endParaRPr>
+          </a:p>
+          <a:p>
+            <a:pPr marL="457200" indent="-348480">
               <a:lnSpc>
                 <a:spcPct val="115000"/>
               </a:lnSpc>
@@ -7922,9 +7437,6 @@
               <a:t>High range of applicability. Google TensorFlow (machine learning), Facebook open sourced Tornado (python web server), Instagram (Django). </a:t>
             </a:r>
             <a:endParaRPr b="0" lang="en-US" sz="1900" spc="-1" strike="noStrike">
-              <a:solidFill>
-                <a:srgbClr val="000000"/>
-              </a:solidFill>
               <a:latin typeface="Arial"/>
             </a:endParaRPr>
           </a:p>
@@ -7981,14 +7493,14 @@
       </p:grpSpPr>
       <p:sp>
         <p:nvSpPr>
-          <p:cNvPr id="103" name="TextShape 1"/>
-          <p:cNvSpPr txBox="1"/>
+          <p:cNvPr id="101" name="CustomShape 1"/>
+          <p:cNvSpPr/>
           <p:nvPr/>
         </p:nvSpPr>
         <p:spPr>
           <a:xfrm>
             <a:off x="124560" y="181440"/>
-            <a:ext cx="8899920" cy="1053720"/>
+            <a:ext cx="8899560" cy="1053360"/>
           </a:xfrm>
           <a:prstGeom prst="rect">
             <a:avLst/>
@@ -7998,8 +7510,14 @@
             <a:noFill/>
           </a:ln>
         </p:spPr>
-        <p:txBody>
-          <a:bodyPr tIns="91440" bIns="91440"/>
+        <p:style>
+          <a:lnRef idx="0"/>
+          <a:fillRef idx="0"/>
+          <a:effectRef idx="0"/>
+          <a:fontRef idx="minor"/>
+        </p:style>
+        <p:txBody>
+          <a:bodyPr lIns="90000" rIns="90000" tIns="91440" bIns="91440"/>
           <a:p>
             <a:pPr>
               <a:lnSpc>
@@ -8017,24 +7535,21 @@
               <a:t>What Can Python Be Used For?</a:t>
             </a:r>
             <a:endParaRPr b="0" lang="en-US" sz="2600" spc="-1" strike="noStrike">
-              <a:solidFill>
-                <a:srgbClr val="000000"/>
-              </a:solidFill>
-              <a:latin typeface="Arial"/>
-            </a:endParaRPr>
-          </a:p>
-        </p:txBody>
-      </p:sp>
-      <p:sp>
-        <p:nvSpPr>
-          <p:cNvPr id="104" name="TextShape 2"/>
-          <p:cNvSpPr txBox="1"/>
+              <a:latin typeface="Arial"/>
+            </a:endParaRPr>
+          </a:p>
+        </p:txBody>
+      </p:sp>
+      <p:sp>
+        <p:nvSpPr>
+          <p:cNvPr id="102" name="CustomShape 2"/>
+          <p:cNvSpPr/>
           <p:nvPr/>
         </p:nvSpPr>
         <p:spPr>
           <a:xfrm>
             <a:off x="249120" y="1773000"/>
-            <a:ext cx="8655120" cy="3297240"/>
+            <a:ext cx="8654760" cy="3296880"/>
           </a:xfrm>
           <a:prstGeom prst="rect">
             <a:avLst/>
@@ -8044,21 +7559,16 @@
             <a:noFill/>
           </a:ln>
         </p:spPr>
-        <p:txBody>
-          <a:bodyPr tIns="91440" bIns="91440"/>
-          <a:p>
-            <a:endParaRPr b="0" lang="en-US" sz="1400" spc="-1" strike="noStrike">
-              <a:solidFill>
-                <a:srgbClr val="000000"/>
-              </a:solidFill>
-              <a:latin typeface="Arial"/>
-            </a:endParaRPr>
-          </a:p>
-        </p:txBody>
+        <p:style>
+          <a:lnRef idx="0"/>
+          <a:fillRef idx="0"/>
+          <a:effectRef idx="0"/>
+          <a:fontRef idx="minor"/>
+        </p:style>
       </p:sp>
       <p:pic>
         <p:nvPicPr>
-          <p:cNvPr id="105" name="Google Shape;133;p20" descr=""/>
+          <p:cNvPr id="103" name="Google Shape;133;p20" descr=""/>
           <p:cNvPicPr/>
           <p:nvPr/>
         </p:nvPicPr>
@@ -8069,7 +7579,7 @@
         <p:spPr>
           <a:xfrm>
             <a:off x="448200" y="1773000"/>
-            <a:ext cx="1428480" cy="1190880"/>
+            <a:ext cx="1428120" cy="1190520"/>
           </a:xfrm>
           <a:prstGeom prst="rect">
             <a:avLst/>
@@ -8081,7 +7591,7 @@
       </p:pic>
       <p:pic>
         <p:nvPicPr>
-          <p:cNvPr id="106" name="Google Shape;134;p20" descr=""/>
+          <p:cNvPr id="104" name="Google Shape;134;p20" descr=""/>
           <p:cNvPicPr/>
           <p:nvPr/>
         </p:nvPicPr>
@@ -8092,7 +7602,7 @@
         <p:spPr>
           <a:xfrm>
             <a:off x="5943600" y="1813320"/>
-            <a:ext cx="2118960" cy="738000"/>
+            <a:ext cx="2118600" cy="737640"/>
           </a:xfrm>
           <a:prstGeom prst="rect">
             <a:avLst/>
@@ -8104,7 +7614,7 @@
       </p:pic>
       <p:pic>
         <p:nvPicPr>
-          <p:cNvPr id="107" name="Google Shape;135;p20" descr=""/>
+          <p:cNvPr id="105" name="Google Shape;135;p20" descr=""/>
           <p:cNvPicPr/>
           <p:nvPr/>
         </p:nvPicPr>
@@ -8115,7 +7625,7 @@
         <p:spPr>
           <a:xfrm>
             <a:off x="4865040" y="2517480"/>
-            <a:ext cx="1884240" cy="1053720"/>
+            <a:ext cx="1883880" cy="1053360"/>
           </a:xfrm>
           <a:prstGeom prst="rect">
             <a:avLst/>
@@ -8127,7 +7637,7 @@
       </p:pic>
       <p:pic>
         <p:nvPicPr>
-          <p:cNvPr id="108" name="Google Shape;136;p20" descr=""/>
+          <p:cNvPr id="106" name="Google Shape;136;p20" descr=""/>
           <p:cNvPicPr/>
           <p:nvPr/>
         </p:nvPicPr>
@@ -8138,7 +7648,7 @@
         <p:spPr>
           <a:xfrm>
             <a:off x="225000" y="3281040"/>
-            <a:ext cx="2257560" cy="894600"/>
+            <a:ext cx="2257200" cy="894240"/>
           </a:xfrm>
           <a:prstGeom prst="rect">
             <a:avLst/>
@@ -8150,7 +7660,7 @@
       </p:pic>
       <p:pic>
         <p:nvPicPr>
-          <p:cNvPr id="109" name="Google Shape;137;p20" descr=""/>
+          <p:cNvPr id="107" name="Google Shape;137;p20" descr=""/>
           <p:cNvPicPr/>
           <p:nvPr/>
         </p:nvPicPr>
@@ -8161,7 +7671,7 @@
         <p:spPr>
           <a:xfrm>
             <a:off x="6565320" y="4076640"/>
-            <a:ext cx="2227680" cy="894600"/>
+            <a:ext cx="2227320" cy="894240"/>
           </a:xfrm>
           <a:prstGeom prst="rect">
             <a:avLst/>
@@ -8173,7 +7683,7 @@
       </p:pic>
       <p:pic>
         <p:nvPicPr>
-          <p:cNvPr id="110" name="Google Shape;138;p20" descr=""/>
+          <p:cNvPr id="108" name="Google Shape;138;p20" descr=""/>
           <p:cNvPicPr/>
           <p:nvPr/>
         </p:nvPicPr>
@@ -8184,7 +7694,7 @@
         <p:spPr>
           <a:xfrm>
             <a:off x="2831040" y="1787400"/>
-            <a:ext cx="1221480" cy="1086840"/>
+            <a:ext cx="1221120" cy="1086480"/>
           </a:xfrm>
           <a:prstGeom prst="rect">
             <a:avLst/>
@@ -8196,7 +7706,7 @@
       </p:pic>
       <p:pic>
         <p:nvPicPr>
-          <p:cNvPr id="111" name="Google Shape;139;p20" descr=""/>
+          <p:cNvPr id="109" name="Google Shape;139;p20" descr=""/>
           <p:cNvPicPr/>
           <p:nvPr/>
         </p:nvPicPr>
@@ -8207,7 +7717,7 @@
         <p:spPr>
           <a:xfrm>
             <a:off x="3501720" y="2874960"/>
-            <a:ext cx="1428480" cy="1514160"/>
+            <a:ext cx="1428120" cy="1513800"/>
           </a:xfrm>
           <a:prstGeom prst="rect">
             <a:avLst/>
@@ -8219,7 +7729,7 @@
       </p:pic>
       <p:pic>
         <p:nvPicPr>
-          <p:cNvPr id="112" name="Google Shape;140;p20" descr=""/>
+          <p:cNvPr id="110" name="Google Shape;140;p20" descr=""/>
           <p:cNvPicPr/>
           <p:nvPr/>
         </p:nvPicPr>
@@ -8230,7 +7740,7 @@
         <p:spPr>
           <a:xfrm>
             <a:off x="640800" y="4176000"/>
-            <a:ext cx="988560" cy="894600"/>
+            <a:ext cx="988200" cy="894240"/>
           </a:xfrm>
           <a:prstGeom prst="rect">
             <a:avLst/>
@@ -8242,7 +7752,7 @@
       </p:pic>
       <p:pic>
         <p:nvPicPr>
-          <p:cNvPr id="113" name="Google Shape;141;p20" descr=""/>
+          <p:cNvPr id="111" name="Google Shape;141;p20" descr=""/>
           <p:cNvPicPr/>
           <p:nvPr/>
         </p:nvPicPr>
@@ -8253,7 +7763,7 @@
         <p:spPr>
           <a:xfrm>
             <a:off x="5943600" y="3571560"/>
-            <a:ext cx="2095200" cy="466200"/>
+            <a:ext cx="2094840" cy="465840"/>
           </a:xfrm>
           <a:prstGeom prst="rect">
             <a:avLst/>
@@ -8265,7 +7775,7 @@
       </p:pic>
       <p:pic>
         <p:nvPicPr>
-          <p:cNvPr id="114" name="Google Shape;142;p20" descr=""/>
+          <p:cNvPr id="112" name="Google Shape;142;p20" descr=""/>
           <p:cNvPicPr/>
           <p:nvPr/>
         </p:nvPicPr>
@@ -8276,7 +7786,7 @@
         <p:spPr>
           <a:xfrm>
             <a:off x="2666160" y="4389480"/>
-            <a:ext cx="2095200" cy="428400"/>
+            <a:ext cx="2094840" cy="428040"/>
           </a:xfrm>
           <a:prstGeom prst="rect">
             <a:avLst/>
@@ -8337,14 +7847,14 @@
       </p:grpSpPr>
       <p:sp>
         <p:nvSpPr>
-          <p:cNvPr id="115" name="TextShape 1"/>
-          <p:cNvSpPr txBox="1"/>
+          <p:cNvPr id="113" name="CustomShape 1"/>
+          <p:cNvSpPr/>
           <p:nvPr/>
         </p:nvSpPr>
         <p:spPr>
           <a:xfrm>
             <a:off x="729360" y="1318680"/>
-            <a:ext cx="7688520" cy="534960"/>
+            <a:ext cx="7688160" cy="534600"/>
           </a:xfrm>
           <a:prstGeom prst="rect">
             <a:avLst/>
@@ -8354,8 +7864,14 @@
             <a:noFill/>
           </a:ln>
         </p:spPr>
-        <p:txBody>
-          <a:bodyPr tIns="91440" bIns="91440"/>
+        <p:style>
+          <a:lnRef idx="0"/>
+          <a:fillRef idx="0"/>
+          <a:effectRef idx="0"/>
+          <a:fontRef idx="minor"/>
+        </p:style>
+        <p:txBody>
+          <a:bodyPr lIns="90000" rIns="90000" tIns="91440" bIns="91440"/>
           <a:p>
             <a:pPr>
               <a:lnSpc>
@@ -8373,24 +7889,21 @@
               <a:t>How to Install Python?</a:t>
             </a:r>
             <a:endParaRPr b="0" lang="en-US" sz="2600" spc="-1" strike="noStrike">
-              <a:solidFill>
-                <a:srgbClr val="000000"/>
-              </a:solidFill>
-              <a:latin typeface="Arial"/>
-            </a:endParaRPr>
-          </a:p>
-        </p:txBody>
-      </p:sp>
-      <p:sp>
-        <p:nvSpPr>
-          <p:cNvPr id="116" name="TextShape 2"/>
-          <p:cNvSpPr txBox="1"/>
+              <a:latin typeface="Arial"/>
+            </a:endParaRPr>
+          </a:p>
+        </p:txBody>
+      </p:sp>
+      <p:sp>
+        <p:nvSpPr>
+          <p:cNvPr id="114" name="CustomShape 2"/>
+          <p:cNvSpPr/>
           <p:nvPr/>
         </p:nvSpPr>
         <p:spPr>
           <a:xfrm>
             <a:off x="471960" y="1919160"/>
-            <a:ext cx="8525520" cy="3057120"/>
+            <a:ext cx="8525160" cy="3056760"/>
           </a:xfrm>
           <a:prstGeom prst="rect">
             <a:avLst/>
@@ -8400,10 +7913,16 @@
             <a:noFill/>
           </a:ln>
         </p:spPr>
-        <p:txBody>
-          <a:bodyPr tIns="91440" bIns="91440"/>
-          <a:p>
-            <a:pPr marL="457200" indent="-355320">
+        <p:style>
+          <a:lnRef idx="0"/>
+          <a:fillRef idx="0"/>
+          <a:effectRef idx="0"/>
+          <a:fontRef idx="minor"/>
+        </p:style>
+        <p:txBody>
+          <a:bodyPr lIns="90000" rIns="90000" tIns="91440" bIns="91440"/>
+          <a:p>
+            <a:pPr marL="457200" indent="-354960">
               <a:lnSpc>
                 <a:spcPct val="115000"/>
               </a:lnSpc>
@@ -8436,14 +7955,11 @@
               <a:t>http://purcellconsult.com/python-installation-tutorial</a:t>
             </a:r>
             <a:endParaRPr b="0" lang="en-US" sz="2000" spc="-1" strike="noStrike">
-              <a:solidFill>
-                <a:srgbClr val="000000"/>
-              </a:solidFill>
-              <a:latin typeface="Arial"/>
-            </a:endParaRPr>
-          </a:p>
-          <a:p>
-            <a:pPr marL="457200" indent="-355320">
+              <a:latin typeface="Arial"/>
+            </a:endParaRPr>
+          </a:p>
+          <a:p>
+            <a:pPr marL="457200" indent="-354960">
               <a:lnSpc>
                 <a:spcPct val="115000"/>
               </a:lnSpc>
@@ -8464,14 +7980,11 @@
               <a:t>Could use an online python interpreter for short term purposes:</a:t>
             </a:r>
             <a:endParaRPr b="0" lang="en-US" sz="2000" spc="-1" strike="noStrike">
-              <a:solidFill>
-                <a:srgbClr val="000000"/>
-              </a:solidFill>
-              <a:latin typeface="Arial"/>
-            </a:endParaRPr>
-          </a:p>
-          <a:p>
-            <a:pPr lvl="1" marL="914400" indent="-355320">
+              <a:latin typeface="Arial"/>
+            </a:endParaRPr>
+          </a:p>
+          <a:p>
+            <a:pPr lvl="1" marL="914400" indent="-354960">
               <a:lnSpc>
                 <a:spcPct val="115000"/>
               </a:lnSpc>
@@ -8504,14 +8017,11 @@
               <a:t>https://www.onlinegdb.com/online_python_interpreter</a:t>
             </a:r>
             <a:endParaRPr b="0" lang="en-US" sz="2000" spc="-1" strike="noStrike">
-              <a:solidFill>
-                <a:srgbClr val="000000"/>
-              </a:solidFill>
-              <a:latin typeface="Arial"/>
-            </a:endParaRPr>
-          </a:p>
-          <a:p>
-            <a:pPr lvl="1" marL="914400" indent="-355320">
+              <a:latin typeface="Arial"/>
+            </a:endParaRPr>
+          </a:p>
+          <a:p>
+            <a:pPr lvl="1" marL="914400" indent="-354960">
               <a:lnSpc>
                 <a:spcPct val="115000"/>
               </a:lnSpc>
@@ -8544,14 +8054,11 @@
               <a:t>https://repl.it/languages/python3</a:t>
             </a:r>
             <a:endParaRPr b="0" lang="en-US" sz="2000" spc="-1" strike="noStrike">
-              <a:solidFill>
-                <a:srgbClr val="000000"/>
-              </a:solidFill>
-              <a:latin typeface="Arial"/>
-            </a:endParaRPr>
-          </a:p>
-          <a:p>
-            <a:pPr lvl="1" marL="914400" indent="-355320">
+              <a:latin typeface="Arial"/>
+            </a:endParaRPr>
+          </a:p>
+          <a:p>
+            <a:pPr lvl="1" marL="914400" indent="-354960">
               <a:lnSpc>
                 <a:spcPct val="115000"/>
               </a:lnSpc>
@@ -8584,9 +8091,6 @@
               <a:t>http://mathcs.holycross.edu/~kwalsh/python</a:t>
             </a:r>
             <a:endParaRPr b="0" lang="en-US" sz="2000" spc="-1" strike="noStrike">
-              <a:solidFill>
-                <a:srgbClr val="000000"/>
-              </a:solidFill>
               <a:latin typeface="Arial"/>
             </a:endParaRPr>
           </a:p>
@@ -8603,9 +8107,6 @@
               </a:spcAft>
             </a:pPr>
             <a:endParaRPr b="0" lang="en-US" sz="2000" spc="-1" strike="noStrike">
-              <a:solidFill>
-                <a:srgbClr val="000000"/>
-              </a:solidFill>
               <a:latin typeface="Arial"/>
             </a:endParaRPr>
           </a:p>
